--- a/Lab Presentations/results.pptx
+++ b/Lab Presentations/results.pptx
@@ -5,7 +5,7 @@
     <p:sldMasterId id="2147483648" r:id="rId1"/>
   </p:sldMasterIdLst>
   <p:notesMasterIdLst>
-    <p:notesMasterId r:id="rId7"/>
+    <p:notesMasterId r:id="rId10"/>
   </p:notesMasterIdLst>
   <p:sldIdLst>
     <p:sldId id="257" r:id="rId2"/>
@@ -13,6 +13,9 @@
     <p:sldId id="258" r:id="rId4"/>
     <p:sldId id="259" r:id="rId5"/>
     <p:sldId id="260" r:id="rId6"/>
+    <p:sldId id="263" r:id="rId7"/>
+    <p:sldId id="261" r:id="rId8"/>
+    <p:sldId id="262" r:id="rId9"/>
   </p:sldIdLst>
   <p:sldSz cx="12192000" cy="6858000"/>
   <p:notesSz cx="6858000" cy="9144000"/>
@@ -867,6 +870,431 @@
     <p:extLst>
       <p:ext uri="{BB962C8B-B14F-4D97-AF65-F5344CB8AC3E}">
         <p14:creationId xmlns:p14="http://schemas.microsoft.com/office/powerpoint/2010/main" val="489919066"/>
+      </p:ext>
+    </p:extLst>
+  </p:cSld>
+  <p:clrMapOvr>
+    <a:masterClrMapping/>
+  </p:clrMapOvr>
+</p:notes>
+</file>
+
+<file path=ppt/notesSlides/notesSlide5.xml><?xml version="1.0" encoding="utf-8"?>
+<p:notes xmlns:a="http://schemas.openxmlformats.org/drawingml/2006/main" xmlns:r="http://schemas.openxmlformats.org/officeDocument/2006/relationships" xmlns:p="http://schemas.openxmlformats.org/presentationml/2006/main">
+  <p:cSld>
+    <p:spTree>
+      <p:nvGrpSpPr>
+        <p:cNvPr id="1" name=""/>
+        <p:cNvGrpSpPr/>
+        <p:nvPr/>
+      </p:nvGrpSpPr>
+      <p:grpSpPr>
+        <a:xfrm>
+          <a:off x="0" y="0"/>
+          <a:ext cx="0" cy="0"/>
+          <a:chOff x="0" y="0"/>
+          <a:chExt cx="0" cy="0"/>
+        </a:xfrm>
+      </p:grpSpPr>
+      <p:sp>
+        <p:nvSpPr>
+          <p:cNvPr id="2" name="Slide Image Placeholder 1"/>
+          <p:cNvSpPr>
+            <a:spLocks noGrp="1" noRot="1" noChangeAspect="1"/>
+          </p:cNvSpPr>
+          <p:nvPr>
+            <p:ph type="sldImg"/>
+          </p:nvPr>
+        </p:nvSpPr>
+        <p:spPr/>
+      </p:sp>
+      <p:sp>
+        <p:nvSpPr>
+          <p:cNvPr id="3" name="Notes Placeholder 2"/>
+          <p:cNvSpPr>
+            <a:spLocks noGrp="1"/>
+          </p:cNvSpPr>
+          <p:nvPr>
+            <p:ph type="body" idx="1"/>
+          </p:nvPr>
+        </p:nvSpPr>
+        <p:spPr/>
+        <p:txBody>
+          <a:bodyPr/>
+          <a:lstStyle/>
+          <a:p>
+            <a:pPr marL="0" marR="0" lvl="0" indent="0" algn="l" defTabSz="914400" rtl="0" eaLnBrk="1" fontAlgn="auto" latinLnBrk="0" hangingPunct="1">
+              <a:lnSpc>
+                <a:spcPct val="100000"/>
+              </a:lnSpc>
+              <a:spcBef>
+                <a:spcPts val="0"/>
+              </a:spcBef>
+              <a:spcAft>
+                <a:spcPts val="0"/>
+              </a:spcAft>
+              <a:buClrTx/>
+              <a:buSzTx/>
+              <a:buFontTx/>
+              <a:buNone/>
+              <a:tabLst/>
+              <a:defRPr/>
+            </a:pPr>
+            <a:r>
+              <a:rPr lang="en-US" dirty="0"/>
+              <a:t>ccRCC_652T_Tcells 10 removal of insensitive cluster</a:t>
+            </a:r>
+          </a:p>
+        </p:txBody>
+      </p:sp>
+      <p:sp>
+        <p:nvSpPr>
+          <p:cNvPr id="4" name="Slide Number Placeholder 3"/>
+          <p:cNvSpPr>
+            <a:spLocks noGrp="1"/>
+          </p:cNvSpPr>
+          <p:nvPr>
+            <p:ph type="sldNum" sz="quarter" idx="5"/>
+          </p:nvPr>
+        </p:nvSpPr>
+        <p:spPr/>
+        <p:txBody>
+          <a:bodyPr/>
+          <a:lstStyle/>
+          <a:p>
+            <a:fld id="{DCAD7DB0-D2AC-4B55-92F9-4E9C45E85B42}" type="slidenum">
+              <a:rPr lang="en-US" smtClean="0"/>
+              <a:t>5</a:t>
+            </a:fld>
+            <a:endParaRPr lang="en-US"/>
+          </a:p>
+        </p:txBody>
+      </p:sp>
+    </p:spTree>
+    <p:extLst>
+      <p:ext uri="{BB962C8B-B14F-4D97-AF65-F5344CB8AC3E}">
+        <p14:creationId xmlns:p14="http://schemas.microsoft.com/office/powerpoint/2010/main" val="3912252286"/>
+      </p:ext>
+    </p:extLst>
+  </p:cSld>
+  <p:clrMapOvr>
+    <a:masterClrMapping/>
+  </p:clrMapOvr>
+</p:notes>
+</file>
+
+<file path=ppt/notesSlides/notesSlide6.xml><?xml version="1.0" encoding="utf-8"?>
+<p:notes xmlns:a="http://schemas.openxmlformats.org/drawingml/2006/main" xmlns:r="http://schemas.openxmlformats.org/officeDocument/2006/relationships" xmlns:p="http://schemas.openxmlformats.org/presentationml/2006/main">
+  <p:cSld>
+    <p:spTree>
+      <p:nvGrpSpPr>
+        <p:cNvPr id="1" name=""/>
+        <p:cNvGrpSpPr/>
+        <p:nvPr/>
+      </p:nvGrpSpPr>
+      <p:grpSpPr>
+        <a:xfrm>
+          <a:off x="0" y="0"/>
+          <a:ext cx="0" cy="0"/>
+          <a:chOff x="0" y="0"/>
+          <a:chExt cx="0" cy="0"/>
+        </a:xfrm>
+      </p:grpSpPr>
+      <p:sp>
+        <p:nvSpPr>
+          <p:cNvPr id="2" name="Slide Image Placeholder 1"/>
+          <p:cNvSpPr>
+            <a:spLocks noGrp="1" noRot="1" noChangeAspect="1"/>
+          </p:cNvSpPr>
+          <p:nvPr>
+            <p:ph type="sldImg"/>
+          </p:nvPr>
+        </p:nvSpPr>
+        <p:spPr/>
+      </p:sp>
+      <p:sp>
+        <p:nvSpPr>
+          <p:cNvPr id="3" name="Notes Placeholder 2"/>
+          <p:cNvSpPr>
+            <a:spLocks noGrp="1"/>
+          </p:cNvSpPr>
+          <p:nvPr>
+            <p:ph type="body" idx="1"/>
+          </p:nvPr>
+        </p:nvSpPr>
+        <p:spPr/>
+        <p:txBody>
+          <a:bodyPr/>
+          <a:lstStyle/>
+          <a:p>
+            <a:pPr marL="0" marR="0" lvl="0" indent="0" algn="l" defTabSz="914400" rtl="0" eaLnBrk="1" fontAlgn="auto" latinLnBrk="0" hangingPunct="1">
+              <a:lnSpc>
+                <a:spcPct val="100000"/>
+              </a:lnSpc>
+              <a:spcBef>
+                <a:spcPts val="0"/>
+              </a:spcBef>
+              <a:spcAft>
+                <a:spcPts val="0"/>
+              </a:spcAft>
+              <a:buClrTx/>
+              <a:buSzTx/>
+              <a:buFontTx/>
+              <a:buNone/>
+              <a:tabLst/>
+              <a:defRPr/>
+            </a:pPr>
+            <a:r>
+              <a:rPr lang="en-US" dirty="0"/>
+              <a:t>ccRCC_652T_Tcells 10 removal of insensitive cluster</a:t>
+            </a:r>
+          </a:p>
+          <a:p>
+            <a:endParaRPr lang="en-US" dirty="0"/>
+          </a:p>
+        </p:txBody>
+      </p:sp>
+      <p:sp>
+        <p:nvSpPr>
+          <p:cNvPr id="4" name="Slide Number Placeholder 3"/>
+          <p:cNvSpPr>
+            <a:spLocks noGrp="1"/>
+          </p:cNvSpPr>
+          <p:nvPr>
+            <p:ph type="sldNum" sz="quarter" idx="5"/>
+          </p:nvPr>
+        </p:nvSpPr>
+        <p:spPr/>
+        <p:txBody>
+          <a:bodyPr/>
+          <a:lstStyle/>
+          <a:p>
+            <a:fld id="{DCAD7DB0-D2AC-4B55-92F9-4E9C45E85B42}" type="slidenum">
+              <a:rPr lang="en-US" smtClean="0"/>
+              <a:t>6</a:t>
+            </a:fld>
+            <a:endParaRPr lang="en-US"/>
+          </a:p>
+        </p:txBody>
+      </p:sp>
+    </p:spTree>
+    <p:extLst>
+      <p:ext uri="{BB962C8B-B14F-4D97-AF65-F5344CB8AC3E}">
+        <p14:creationId xmlns:p14="http://schemas.microsoft.com/office/powerpoint/2010/main" val="1896430364"/>
+      </p:ext>
+    </p:extLst>
+  </p:cSld>
+  <p:clrMapOvr>
+    <a:masterClrMapping/>
+  </p:clrMapOvr>
+</p:notes>
+</file>
+
+<file path=ppt/notesSlides/notesSlide7.xml><?xml version="1.0" encoding="utf-8"?>
+<p:notes xmlns:a="http://schemas.openxmlformats.org/drawingml/2006/main" xmlns:r="http://schemas.openxmlformats.org/officeDocument/2006/relationships" xmlns:p="http://schemas.openxmlformats.org/presentationml/2006/main">
+  <p:cSld>
+    <p:spTree>
+      <p:nvGrpSpPr>
+        <p:cNvPr id="1" name=""/>
+        <p:cNvGrpSpPr/>
+        <p:nvPr/>
+      </p:nvGrpSpPr>
+      <p:grpSpPr>
+        <a:xfrm>
+          <a:off x="0" y="0"/>
+          <a:ext cx="0" cy="0"/>
+          <a:chOff x="0" y="0"/>
+          <a:chExt cx="0" cy="0"/>
+        </a:xfrm>
+      </p:grpSpPr>
+      <p:sp>
+        <p:nvSpPr>
+          <p:cNvPr id="2" name="Slide Image Placeholder 1"/>
+          <p:cNvSpPr>
+            <a:spLocks noGrp="1" noRot="1" noChangeAspect="1"/>
+          </p:cNvSpPr>
+          <p:nvPr>
+            <p:ph type="sldImg"/>
+          </p:nvPr>
+        </p:nvSpPr>
+        <p:spPr/>
+      </p:sp>
+      <p:sp>
+        <p:nvSpPr>
+          <p:cNvPr id="3" name="Notes Placeholder 2"/>
+          <p:cNvSpPr>
+            <a:spLocks noGrp="1"/>
+          </p:cNvSpPr>
+          <p:nvPr>
+            <p:ph type="body" idx="1"/>
+          </p:nvPr>
+        </p:nvSpPr>
+        <p:spPr/>
+        <p:txBody>
+          <a:bodyPr/>
+          <a:lstStyle/>
+          <a:p>
+            <a:pPr marL="0" marR="0" lvl="0" indent="0" algn="l" defTabSz="914400" rtl="0" eaLnBrk="1" fontAlgn="auto" latinLnBrk="0" hangingPunct="1">
+              <a:lnSpc>
+                <a:spcPct val="100000"/>
+              </a:lnSpc>
+              <a:spcBef>
+                <a:spcPts val="0"/>
+              </a:spcBef>
+              <a:spcAft>
+                <a:spcPts val="0"/>
+              </a:spcAft>
+              <a:buClrTx/>
+              <a:buSzTx/>
+              <a:buFontTx/>
+              <a:buNone/>
+              <a:tabLst/>
+              <a:defRPr/>
+            </a:pPr>
+            <a:r>
+              <a:rPr lang="en-US" dirty="0"/>
+              <a:t>ccRCC_652T_Tcells 7 removal of insensitive cluster</a:t>
+            </a:r>
+          </a:p>
+          <a:p>
+            <a:endParaRPr lang="en-US" dirty="0"/>
+          </a:p>
+        </p:txBody>
+      </p:sp>
+      <p:sp>
+        <p:nvSpPr>
+          <p:cNvPr id="4" name="Slide Number Placeholder 3"/>
+          <p:cNvSpPr>
+            <a:spLocks noGrp="1"/>
+          </p:cNvSpPr>
+          <p:nvPr>
+            <p:ph type="sldNum" sz="quarter" idx="5"/>
+          </p:nvPr>
+        </p:nvSpPr>
+        <p:spPr/>
+        <p:txBody>
+          <a:bodyPr/>
+          <a:lstStyle/>
+          <a:p>
+            <a:fld id="{DCAD7DB0-D2AC-4B55-92F9-4E9C45E85B42}" type="slidenum">
+              <a:rPr lang="en-US" smtClean="0"/>
+              <a:t>7</a:t>
+            </a:fld>
+            <a:endParaRPr lang="en-US"/>
+          </a:p>
+        </p:txBody>
+      </p:sp>
+    </p:spTree>
+    <p:extLst>
+      <p:ext uri="{BB962C8B-B14F-4D97-AF65-F5344CB8AC3E}">
+        <p14:creationId xmlns:p14="http://schemas.microsoft.com/office/powerpoint/2010/main" val="1288329386"/>
+      </p:ext>
+    </p:extLst>
+  </p:cSld>
+  <p:clrMapOvr>
+    <a:masterClrMapping/>
+  </p:clrMapOvr>
+</p:notes>
+</file>
+
+<file path=ppt/notesSlides/notesSlide8.xml><?xml version="1.0" encoding="utf-8"?>
+<p:notes xmlns:a="http://schemas.openxmlformats.org/drawingml/2006/main" xmlns:r="http://schemas.openxmlformats.org/officeDocument/2006/relationships" xmlns:p="http://schemas.openxmlformats.org/presentationml/2006/main">
+  <p:cSld>
+    <p:spTree>
+      <p:nvGrpSpPr>
+        <p:cNvPr id="1" name=""/>
+        <p:cNvGrpSpPr/>
+        <p:nvPr/>
+      </p:nvGrpSpPr>
+      <p:grpSpPr>
+        <a:xfrm>
+          <a:off x="0" y="0"/>
+          <a:ext cx="0" cy="0"/>
+          <a:chOff x="0" y="0"/>
+          <a:chExt cx="0" cy="0"/>
+        </a:xfrm>
+      </p:grpSpPr>
+      <p:sp>
+        <p:nvSpPr>
+          <p:cNvPr id="2" name="Slide Image Placeholder 1"/>
+          <p:cNvSpPr>
+            <a:spLocks noGrp="1" noRot="1" noChangeAspect="1"/>
+          </p:cNvSpPr>
+          <p:nvPr>
+            <p:ph type="sldImg"/>
+          </p:nvPr>
+        </p:nvSpPr>
+        <p:spPr/>
+      </p:sp>
+      <p:sp>
+        <p:nvSpPr>
+          <p:cNvPr id="3" name="Notes Placeholder 2"/>
+          <p:cNvSpPr>
+            <a:spLocks noGrp="1"/>
+          </p:cNvSpPr>
+          <p:nvPr>
+            <p:ph type="body" idx="1"/>
+          </p:nvPr>
+        </p:nvSpPr>
+        <p:spPr/>
+        <p:txBody>
+          <a:bodyPr/>
+          <a:lstStyle/>
+          <a:p>
+            <a:pPr marL="0" marR="0" lvl="0" indent="0" algn="l" defTabSz="914400" rtl="0" eaLnBrk="1" fontAlgn="auto" latinLnBrk="0" hangingPunct="1">
+              <a:lnSpc>
+                <a:spcPct val="100000"/>
+              </a:lnSpc>
+              <a:spcBef>
+                <a:spcPts val="0"/>
+              </a:spcBef>
+              <a:spcAft>
+                <a:spcPts val="0"/>
+              </a:spcAft>
+              <a:buClrTx/>
+              <a:buSzTx/>
+              <a:buFontTx/>
+              <a:buNone/>
+              <a:tabLst/>
+              <a:defRPr/>
+            </a:pPr>
+            <a:r>
+              <a:rPr lang="en-US" dirty="0"/>
+              <a:t>ccRCC_652T_Tcells 7 removal of insensitive cluster</a:t>
+            </a:r>
+          </a:p>
+          <a:p>
+            <a:endParaRPr lang="en-US" dirty="0"/>
+          </a:p>
+        </p:txBody>
+      </p:sp>
+      <p:sp>
+        <p:nvSpPr>
+          <p:cNvPr id="4" name="Slide Number Placeholder 3"/>
+          <p:cNvSpPr>
+            <a:spLocks noGrp="1"/>
+          </p:cNvSpPr>
+          <p:nvPr>
+            <p:ph type="sldNum" sz="quarter" idx="5"/>
+          </p:nvPr>
+        </p:nvSpPr>
+        <p:spPr/>
+        <p:txBody>
+          <a:bodyPr/>
+          <a:lstStyle/>
+          <a:p>
+            <a:fld id="{DCAD7DB0-D2AC-4B55-92F9-4E9C45E85B42}" type="slidenum">
+              <a:rPr lang="en-US" smtClean="0"/>
+              <a:t>8</a:t>
+            </a:fld>
+            <a:endParaRPr lang="en-US"/>
+          </a:p>
+        </p:txBody>
+      </p:sp>
+    </p:spTree>
+    <p:extLst>
+      <p:ext uri="{BB962C8B-B14F-4D97-AF65-F5344CB8AC3E}">
+        <p14:creationId xmlns:p14="http://schemas.microsoft.com/office/powerpoint/2010/main" val="231898236"/>
       </p:ext>
     </p:extLst>
   </p:cSld>
@@ -4330,10 +4758,220 @@
           <a:chExt cx="0" cy="0"/>
         </a:xfrm>
       </p:grpSpPr>
+      <p:pic>
+        <p:nvPicPr>
+          <p:cNvPr id="3" name="Picture 2">
+            <a:extLst>
+              <a:ext uri="{FF2B5EF4-FFF2-40B4-BE49-F238E27FC236}">
+                <a16:creationId xmlns:a16="http://schemas.microsoft.com/office/drawing/2014/main" id="{9F0F479F-E0A8-4E20-BA56-318454F9FCBB}"/>
+              </a:ext>
+            </a:extLst>
+          </p:cNvPr>
+          <p:cNvPicPr>
+            <a:picLocks noChangeAspect="1"/>
+          </p:cNvPicPr>
+          <p:nvPr/>
+        </p:nvPicPr>
+        <p:blipFill>
+          <a:blip r:embed="rId3"/>
+          <a:stretch>
+            <a:fillRect/>
+          </a:stretch>
+        </p:blipFill>
+        <p:spPr>
+          <a:xfrm>
+            <a:off x="907942" y="0"/>
+            <a:ext cx="10179094" cy="6858000"/>
+          </a:xfrm>
+          <a:prstGeom prst="rect">
+            <a:avLst/>
+          </a:prstGeom>
+        </p:spPr>
+      </p:pic>
     </p:spTree>
     <p:extLst>
       <p:ext uri="{BB962C8B-B14F-4D97-AF65-F5344CB8AC3E}">
         <p14:creationId xmlns:p14="http://schemas.microsoft.com/office/powerpoint/2010/main" val="2127646685"/>
+      </p:ext>
+    </p:extLst>
+  </p:cSld>
+  <p:clrMapOvr>
+    <a:masterClrMapping/>
+  </p:clrMapOvr>
+</p:sld>
+</file>
+
+<file path=ppt/slides/slide6.xml><?xml version="1.0" encoding="utf-8"?>
+<p:sld xmlns:a="http://schemas.openxmlformats.org/drawingml/2006/main" xmlns:r="http://schemas.openxmlformats.org/officeDocument/2006/relationships" xmlns:p="http://schemas.openxmlformats.org/presentationml/2006/main">
+  <p:cSld>
+    <p:spTree>
+      <p:nvGrpSpPr>
+        <p:cNvPr id="1" name=""/>
+        <p:cNvGrpSpPr/>
+        <p:nvPr/>
+      </p:nvGrpSpPr>
+      <p:grpSpPr>
+        <a:xfrm>
+          <a:off x="0" y="0"/>
+          <a:ext cx="0" cy="0"/>
+          <a:chOff x="0" y="0"/>
+          <a:chExt cx="0" cy="0"/>
+        </a:xfrm>
+      </p:grpSpPr>
+      <p:pic>
+        <p:nvPicPr>
+          <p:cNvPr id="2" name="Picture 1">
+            <a:extLst>
+              <a:ext uri="{FF2B5EF4-FFF2-40B4-BE49-F238E27FC236}">
+                <a16:creationId xmlns:a16="http://schemas.microsoft.com/office/drawing/2014/main" id="{597A2C24-5FF3-4CEA-A23C-612311D0FD21}"/>
+              </a:ext>
+            </a:extLst>
+          </p:cNvPr>
+          <p:cNvPicPr>
+            <a:picLocks noChangeAspect="1"/>
+          </p:cNvPicPr>
+          <p:nvPr/>
+        </p:nvPicPr>
+        <p:blipFill>
+          <a:blip r:embed="rId3"/>
+          <a:stretch>
+            <a:fillRect/>
+          </a:stretch>
+        </p:blipFill>
+        <p:spPr>
+          <a:xfrm>
+            <a:off x="0" y="170656"/>
+            <a:ext cx="12192000" cy="6516688"/>
+          </a:xfrm>
+          <a:prstGeom prst="rect">
+            <a:avLst/>
+          </a:prstGeom>
+        </p:spPr>
+      </p:pic>
+    </p:spTree>
+    <p:extLst>
+      <p:ext uri="{BB962C8B-B14F-4D97-AF65-F5344CB8AC3E}">
+        <p14:creationId xmlns:p14="http://schemas.microsoft.com/office/powerpoint/2010/main" val="807981268"/>
+      </p:ext>
+    </p:extLst>
+  </p:cSld>
+  <p:clrMapOvr>
+    <a:masterClrMapping/>
+  </p:clrMapOvr>
+</p:sld>
+</file>
+
+<file path=ppt/slides/slide7.xml><?xml version="1.0" encoding="utf-8"?>
+<p:sld xmlns:a="http://schemas.openxmlformats.org/drawingml/2006/main" xmlns:r="http://schemas.openxmlformats.org/officeDocument/2006/relationships" xmlns:p="http://schemas.openxmlformats.org/presentationml/2006/main">
+  <p:cSld>
+    <p:spTree>
+      <p:nvGrpSpPr>
+        <p:cNvPr id="1" name=""/>
+        <p:cNvGrpSpPr/>
+        <p:nvPr/>
+      </p:nvGrpSpPr>
+      <p:grpSpPr>
+        <a:xfrm>
+          <a:off x="0" y="0"/>
+          <a:ext cx="0" cy="0"/>
+          <a:chOff x="0" y="0"/>
+          <a:chExt cx="0" cy="0"/>
+        </a:xfrm>
+      </p:grpSpPr>
+      <p:pic>
+        <p:nvPicPr>
+          <p:cNvPr id="4" name="Picture 3">
+            <a:extLst>
+              <a:ext uri="{FF2B5EF4-FFF2-40B4-BE49-F238E27FC236}">
+                <a16:creationId xmlns:a16="http://schemas.microsoft.com/office/drawing/2014/main" id="{27BD1154-B9C3-475C-9121-F8E612D32898}"/>
+              </a:ext>
+            </a:extLst>
+          </p:cNvPr>
+          <p:cNvPicPr>
+            <a:picLocks noChangeAspect="1"/>
+          </p:cNvPicPr>
+          <p:nvPr/>
+        </p:nvPicPr>
+        <p:blipFill>
+          <a:blip r:embed="rId3"/>
+          <a:stretch>
+            <a:fillRect/>
+          </a:stretch>
+        </p:blipFill>
+        <p:spPr>
+          <a:xfrm>
+            <a:off x="0" y="170656"/>
+            <a:ext cx="12192000" cy="6516688"/>
+          </a:xfrm>
+          <a:prstGeom prst="rect">
+            <a:avLst/>
+          </a:prstGeom>
+        </p:spPr>
+      </p:pic>
+    </p:spTree>
+    <p:extLst>
+      <p:ext uri="{BB962C8B-B14F-4D97-AF65-F5344CB8AC3E}">
+        <p14:creationId xmlns:p14="http://schemas.microsoft.com/office/powerpoint/2010/main" val="4062369298"/>
+      </p:ext>
+    </p:extLst>
+  </p:cSld>
+  <p:clrMapOvr>
+    <a:masterClrMapping/>
+  </p:clrMapOvr>
+</p:sld>
+</file>
+
+<file path=ppt/slides/slide8.xml><?xml version="1.0" encoding="utf-8"?>
+<p:sld xmlns:a="http://schemas.openxmlformats.org/drawingml/2006/main" xmlns:r="http://schemas.openxmlformats.org/officeDocument/2006/relationships" xmlns:p="http://schemas.openxmlformats.org/presentationml/2006/main">
+  <p:cSld>
+    <p:spTree>
+      <p:nvGrpSpPr>
+        <p:cNvPr id="1" name=""/>
+        <p:cNvGrpSpPr/>
+        <p:nvPr/>
+      </p:nvGrpSpPr>
+      <p:grpSpPr>
+        <a:xfrm>
+          <a:off x="0" y="0"/>
+          <a:ext cx="0" cy="0"/>
+          <a:chOff x="0" y="0"/>
+          <a:chExt cx="0" cy="0"/>
+        </a:xfrm>
+      </p:grpSpPr>
+      <p:pic>
+        <p:nvPicPr>
+          <p:cNvPr id="2" name="Picture 1">
+            <a:extLst>
+              <a:ext uri="{FF2B5EF4-FFF2-40B4-BE49-F238E27FC236}">
+                <a16:creationId xmlns:a16="http://schemas.microsoft.com/office/drawing/2014/main" id="{C0CB8B42-3370-4F38-9698-7A13E22FA2AC}"/>
+              </a:ext>
+            </a:extLst>
+          </p:cNvPr>
+          <p:cNvPicPr>
+            <a:picLocks noChangeAspect="1"/>
+          </p:cNvPicPr>
+          <p:nvPr/>
+        </p:nvPicPr>
+        <p:blipFill>
+          <a:blip r:embed="rId3"/>
+          <a:stretch>
+            <a:fillRect/>
+          </a:stretch>
+        </p:blipFill>
+        <p:spPr>
+          <a:xfrm>
+            <a:off x="1236416" y="0"/>
+            <a:ext cx="10179094" cy="6858000"/>
+          </a:xfrm>
+          <a:prstGeom prst="rect">
+            <a:avLst/>
+          </a:prstGeom>
+        </p:spPr>
+      </p:pic>
+    </p:spTree>
+    <p:extLst>
+      <p:ext uri="{BB962C8B-B14F-4D97-AF65-F5344CB8AC3E}">
+        <p14:creationId xmlns:p14="http://schemas.microsoft.com/office/powerpoint/2010/main" val="1428976159"/>
       </p:ext>
     </p:extLst>
   </p:cSld>

--- a/Lab Presentations/results.pptx
+++ b/Lab Presentations/results.pptx
@@ -1,35 +1,481 @@
 
 <file path=ppt/presentation.xml><?xml version="1.0" encoding="utf-8"?>
-<p:presentation xmlns:a="http://schemas.openxmlformats.org/drawingml/2006/main" xmlns:p="http://schemas.openxmlformats.org/presentationml/2006/main" xmlns:r="http://schemas.openxmlformats.org/officeDocument/2006/relationships" xmlns:p14="http://schemas.microsoft.com/office/powerpoint/2010/main" xmlns:p15="http://schemas.microsoft.com/office/powerpoint/2012/main" xmlns:mc="http://schemas.openxmlformats.org/markup-compatibility/2006">
+<p:presentation xmlns:a="http://schemas.openxmlformats.org/drawingml/2006/main" xmlns:r="http://schemas.openxmlformats.org/officeDocument/2006/relationships" xmlns:p="http://schemas.openxmlformats.org/presentationml/2006/main">
   <p:sldMasterIdLst>
-    <p:sldMasterId id="2147483648" r:id="rId2"/>
+    <p:sldMasterId id="2147483648" r:id="rId1"/>
   </p:sldMasterIdLst>
   <p:notesMasterIdLst>
-    <p:notesMasterId r:id="rId3"/>
+    <p:notesMasterId r:id="rId30"/>
   </p:notesMasterIdLst>
   <p:sldIdLst>
-    <p:sldId id="256" r:id="rId4"/>
-    <p:sldId id="257" r:id="rId5"/>
-    <p:sldId id="258" r:id="rId6"/>
-    <p:sldId id="259" r:id="rId7"/>
-    <p:sldId id="260" r:id="rId8"/>
-    <p:sldId id="261" r:id="rId9"/>
-    <p:sldId id="262" r:id="rId10"/>
-    <p:sldId id="263" r:id="rId11"/>
-    <p:sldId id="264" r:id="rId12"/>
-    <p:sldId id="265" r:id="rId13"/>
-    <p:sldId id="266" r:id="rId14"/>
-    <p:sldId id="267" r:id="rId15"/>
-    <p:sldId id="268" r:id="rId16"/>
-    <p:sldId id="269" r:id="rId17"/>
+    <p:sldId id="256" r:id="rId2"/>
+    <p:sldId id="257" r:id="rId3"/>
+    <p:sldId id="258" r:id="rId4"/>
+    <p:sldId id="259" r:id="rId5"/>
+    <p:sldId id="260" r:id="rId6"/>
+    <p:sldId id="261" r:id="rId7"/>
+    <p:sldId id="262" r:id="rId8"/>
+    <p:sldId id="263" r:id="rId9"/>
+    <p:sldId id="265" r:id="rId10"/>
+    <p:sldId id="264" r:id="rId11"/>
+    <p:sldId id="266" r:id="rId12"/>
+    <p:sldId id="267" r:id="rId13"/>
+    <p:sldId id="268" r:id="rId14"/>
+    <p:sldId id="269" r:id="rId15"/>
+    <p:sldId id="270" r:id="rId16"/>
+    <p:sldId id="271" r:id="rId17"/>
+    <p:sldId id="272" r:id="rId18"/>
+    <p:sldId id="273" r:id="rId19"/>
+    <p:sldId id="274" r:id="rId20"/>
+    <p:sldId id="275" r:id="rId21"/>
+    <p:sldId id="276" r:id="rId22"/>
+    <p:sldId id="277" r:id="rId23"/>
+    <p:sldId id="278" r:id="rId24"/>
+    <p:sldId id="279" r:id="rId25"/>
+    <p:sldId id="280" r:id="rId26"/>
+    <p:sldId id="281" r:id="rId27"/>
+    <p:sldId id="282" r:id="rId28"/>
+    <p:sldId id="283" r:id="rId29"/>
   </p:sldIdLst>
   <p:sldSz cx="12192000" cy="6858000"/>
   <p:notesSz cx="6858000" cy="9144000"/>
+  <p:defaultTextStyle>
+    <a:defPPr>
+      <a:defRPr lang="en-US"/>
+    </a:defPPr>
+    <a:lvl1pPr marL="0" algn="l" defTabSz="914400" rtl="0" eaLnBrk="1" latinLnBrk="0" hangingPunct="1">
+      <a:defRPr sz="1800" kern="1200">
+        <a:solidFill>
+          <a:schemeClr val="tx1"/>
+        </a:solidFill>
+        <a:latin typeface="+mn-lt"/>
+        <a:ea typeface="+mn-ea"/>
+        <a:cs typeface="+mn-cs"/>
+      </a:defRPr>
+    </a:lvl1pPr>
+    <a:lvl2pPr marL="457200" algn="l" defTabSz="914400" rtl="0" eaLnBrk="1" latinLnBrk="0" hangingPunct="1">
+      <a:defRPr sz="1800" kern="1200">
+        <a:solidFill>
+          <a:schemeClr val="tx1"/>
+        </a:solidFill>
+        <a:latin typeface="+mn-lt"/>
+        <a:ea typeface="+mn-ea"/>
+        <a:cs typeface="+mn-cs"/>
+      </a:defRPr>
+    </a:lvl2pPr>
+    <a:lvl3pPr marL="914400" algn="l" defTabSz="914400" rtl="0" eaLnBrk="1" latinLnBrk="0" hangingPunct="1">
+      <a:defRPr sz="1800" kern="1200">
+        <a:solidFill>
+          <a:schemeClr val="tx1"/>
+        </a:solidFill>
+        <a:latin typeface="+mn-lt"/>
+        <a:ea typeface="+mn-ea"/>
+        <a:cs typeface="+mn-cs"/>
+      </a:defRPr>
+    </a:lvl3pPr>
+    <a:lvl4pPr marL="1371600" algn="l" defTabSz="914400" rtl="0" eaLnBrk="1" latinLnBrk="0" hangingPunct="1">
+      <a:defRPr sz="1800" kern="1200">
+        <a:solidFill>
+          <a:schemeClr val="tx1"/>
+        </a:solidFill>
+        <a:latin typeface="+mn-lt"/>
+        <a:ea typeface="+mn-ea"/>
+        <a:cs typeface="+mn-cs"/>
+      </a:defRPr>
+    </a:lvl4pPr>
+    <a:lvl5pPr marL="1828800" algn="l" defTabSz="914400" rtl="0" eaLnBrk="1" latinLnBrk="0" hangingPunct="1">
+      <a:defRPr sz="1800" kern="1200">
+        <a:solidFill>
+          <a:schemeClr val="tx1"/>
+        </a:solidFill>
+        <a:latin typeface="+mn-lt"/>
+        <a:ea typeface="+mn-ea"/>
+        <a:cs typeface="+mn-cs"/>
+      </a:defRPr>
+    </a:lvl5pPr>
+    <a:lvl6pPr marL="2286000" algn="l" defTabSz="914400" rtl="0" eaLnBrk="1" latinLnBrk="0" hangingPunct="1">
+      <a:defRPr sz="1800" kern="1200">
+        <a:solidFill>
+          <a:schemeClr val="tx1"/>
+        </a:solidFill>
+        <a:latin typeface="+mn-lt"/>
+        <a:ea typeface="+mn-ea"/>
+        <a:cs typeface="+mn-cs"/>
+      </a:defRPr>
+    </a:lvl6pPr>
+    <a:lvl7pPr marL="2743200" algn="l" defTabSz="914400" rtl="0" eaLnBrk="1" latinLnBrk="0" hangingPunct="1">
+      <a:defRPr sz="1800" kern="1200">
+        <a:solidFill>
+          <a:schemeClr val="tx1"/>
+        </a:solidFill>
+        <a:latin typeface="+mn-lt"/>
+        <a:ea typeface="+mn-ea"/>
+        <a:cs typeface="+mn-cs"/>
+      </a:defRPr>
+    </a:lvl7pPr>
+    <a:lvl8pPr marL="3200400" algn="l" defTabSz="914400" rtl="0" eaLnBrk="1" latinLnBrk="0" hangingPunct="1">
+      <a:defRPr sz="1800" kern="1200">
+        <a:solidFill>
+          <a:schemeClr val="tx1"/>
+        </a:solidFill>
+        <a:latin typeface="+mn-lt"/>
+        <a:ea typeface="+mn-ea"/>
+        <a:cs typeface="+mn-cs"/>
+      </a:defRPr>
+    </a:lvl8pPr>
+    <a:lvl9pPr marL="3657600" algn="l" defTabSz="914400" rtl="0" eaLnBrk="1" latinLnBrk="0" hangingPunct="1">
+      <a:defRPr sz="1800" kern="1200">
+        <a:solidFill>
+          <a:schemeClr val="tx1"/>
+        </a:solidFill>
+        <a:latin typeface="+mn-lt"/>
+        <a:ea typeface="+mn-ea"/>
+        <a:cs typeface="+mn-cs"/>
+      </a:defRPr>
+    </a:lvl9pPr>
+  </p:defaultTextStyle>
+  <p:extLst>
+    <p:ext uri="{EFAFB233-063F-42B5-8137-9DF3F51BA10A}">
+      <p15:sldGuideLst xmlns:p15="http://schemas.microsoft.com/office/powerpoint/2012/main"/>
+    </p:ext>
+  </p:extLst>
 </p:presentation>
 </file>
 
 <file path=ppt/notesMasters/notesMaster1.xml><?xml version="1.0" encoding="utf-8"?>
-<p:notesMaster xmlns:a="http://schemas.openxmlformats.org/drawingml/2006/main" xmlns:p="http://schemas.openxmlformats.org/presentationml/2006/main" xmlns:r="http://schemas.openxmlformats.org/officeDocument/2006/relationships" xmlns:p14="http://schemas.microsoft.com/office/powerpoint/2010/main" xmlns:p15="http://schemas.microsoft.com/office/powerpoint/2012/main" xmlns:mc="http://schemas.openxmlformats.org/markup-compatibility/2006">
+<p:notesMaster xmlns:a="http://schemas.openxmlformats.org/drawingml/2006/main" xmlns:r="http://schemas.openxmlformats.org/officeDocument/2006/relationships" xmlns:p="http://schemas.openxmlformats.org/presentationml/2006/main">
+  <p:cSld>
+    <p:bg>
+      <p:bgRef idx="1001">
+        <a:schemeClr val="bg1"/>
+      </p:bgRef>
+    </p:bg>
+    <p:spTree>
+      <p:nvGrpSpPr>
+        <p:cNvPr id="1" name=""/>
+        <p:cNvGrpSpPr/>
+        <p:nvPr/>
+      </p:nvGrpSpPr>
+      <p:grpSpPr>
+        <a:xfrm>
+          <a:off x="0" y="0"/>
+          <a:ext cx="0" cy="0"/>
+          <a:chOff x="0" y="0"/>
+          <a:chExt cx="0" cy="0"/>
+        </a:xfrm>
+      </p:grpSpPr>
+      <p:sp>
+        <p:nvSpPr>
+          <p:cNvPr id="41" name="PlaceHolder 1"/>
+          <p:cNvSpPr>
+            <a:spLocks noGrp="1" noRot="1" noChangeAspect="1"/>
+          </p:cNvSpPr>
+          <p:nvPr>
+            <p:ph type="sldImg"/>
+          </p:nvPr>
+        </p:nvSpPr>
+        <p:spPr>
+          <a:xfrm>
+            <a:off x="533520" y="764280"/>
+            <a:ext cx="6704640" cy="3771360"/>
+          </a:xfrm>
+          <a:prstGeom prst="rect">
+            <a:avLst/>
+          </a:prstGeom>
+        </p:spPr>
+        <p:txBody>
+          <a:bodyPr lIns="0" tIns="0" rIns="0" bIns="0" anchor="ctr">
+            <a:noAutofit/>
+          </a:bodyPr>
+          <a:lstStyle/>
+          <a:p>
+            <a:r>
+              <a:rPr lang="en-US" sz="1800" b="0" strike="noStrike" spc="-1">
+                <a:solidFill>
+                  <a:srgbClr val="000000"/>
+                </a:solidFill>
+                <a:latin typeface="Calibri"/>
+              </a:rPr>
+              <a:t>Click to move the slide</a:t>
+            </a:r>
+          </a:p>
+        </p:txBody>
+      </p:sp>
+      <p:sp>
+        <p:nvSpPr>
+          <p:cNvPr id="42" name="PlaceHolder 2"/>
+          <p:cNvSpPr>
+            <a:spLocks noGrp="1"/>
+          </p:cNvSpPr>
+          <p:nvPr>
+            <p:ph type="body"/>
+          </p:nvPr>
+        </p:nvSpPr>
+        <p:spPr>
+          <a:xfrm>
+            <a:off x="777240" y="4777560"/>
+            <a:ext cx="6217560" cy="4525920"/>
+          </a:xfrm>
+          <a:prstGeom prst="rect">
+            <a:avLst/>
+          </a:prstGeom>
+        </p:spPr>
+        <p:txBody>
+          <a:bodyPr lIns="0" tIns="0" rIns="0" bIns="0">
+            <a:noAutofit/>
+          </a:bodyPr>
+          <a:lstStyle/>
+          <a:p>
+            <a:r>
+              <a:rPr lang="en-US" sz="2000" b="0" strike="noStrike" spc="-1">
+                <a:latin typeface="Arial"/>
+              </a:rPr>
+              <a:t>Click to edit the notes format</a:t>
+            </a:r>
+          </a:p>
+        </p:txBody>
+      </p:sp>
+      <p:sp>
+        <p:nvSpPr>
+          <p:cNvPr id="43" name="PlaceHolder 3"/>
+          <p:cNvSpPr>
+            <a:spLocks noGrp="1"/>
+          </p:cNvSpPr>
+          <p:nvPr>
+            <p:ph type="hdr"/>
+          </p:nvPr>
+        </p:nvSpPr>
+        <p:spPr>
+          <a:xfrm>
+            <a:off x="0" y="0"/>
+            <a:ext cx="3372840" cy="502560"/>
+          </a:xfrm>
+          <a:prstGeom prst="rect">
+            <a:avLst/>
+          </a:prstGeom>
+        </p:spPr>
+        <p:txBody>
+          <a:bodyPr lIns="0" tIns="0" rIns="0" bIns="0">
+            <a:noAutofit/>
+          </a:bodyPr>
+          <a:lstStyle/>
+          <a:p>
+            <a:r>
+              <a:rPr lang="en-US" sz="1400" b="0" strike="noStrike" spc="-1">
+                <a:latin typeface="Times New Roman"/>
+              </a:rPr>
+              <a:t>&lt;header&gt;</a:t>
+            </a:r>
+          </a:p>
+        </p:txBody>
+      </p:sp>
+      <p:sp>
+        <p:nvSpPr>
+          <p:cNvPr id="44" name="PlaceHolder 4"/>
+          <p:cNvSpPr>
+            <a:spLocks noGrp="1"/>
+          </p:cNvSpPr>
+          <p:nvPr>
+            <p:ph type="dt"/>
+          </p:nvPr>
+        </p:nvSpPr>
+        <p:spPr>
+          <a:xfrm>
+            <a:off x="4399200" y="0"/>
+            <a:ext cx="3372840" cy="502560"/>
+          </a:xfrm>
+          <a:prstGeom prst="rect">
+            <a:avLst/>
+          </a:prstGeom>
+        </p:spPr>
+        <p:txBody>
+          <a:bodyPr lIns="0" tIns="0" rIns="0" bIns="0">
+            <a:noAutofit/>
+          </a:bodyPr>
+          <a:lstStyle/>
+          <a:p>
+            <a:pPr algn="r"/>
+            <a:r>
+              <a:rPr lang="en-US" sz="1400" b="0" strike="noStrike" spc="-1">
+                <a:latin typeface="Times New Roman"/>
+              </a:rPr>
+              <a:t>&lt;date/time&gt;</a:t>
+            </a:r>
+          </a:p>
+        </p:txBody>
+      </p:sp>
+      <p:sp>
+        <p:nvSpPr>
+          <p:cNvPr id="45" name="PlaceHolder 5"/>
+          <p:cNvSpPr>
+            <a:spLocks noGrp="1"/>
+          </p:cNvSpPr>
+          <p:nvPr>
+            <p:ph type="ftr"/>
+          </p:nvPr>
+        </p:nvSpPr>
+        <p:spPr>
+          <a:xfrm>
+            <a:off x="0" y="9555480"/>
+            <a:ext cx="3372840" cy="502560"/>
+          </a:xfrm>
+          <a:prstGeom prst="rect">
+            <a:avLst/>
+          </a:prstGeom>
+        </p:spPr>
+        <p:txBody>
+          <a:bodyPr lIns="0" tIns="0" rIns="0" bIns="0" anchor="b">
+            <a:noAutofit/>
+          </a:bodyPr>
+          <a:lstStyle/>
+          <a:p>
+            <a:r>
+              <a:rPr lang="en-US" sz="1400" b="0" strike="noStrike" spc="-1">
+                <a:latin typeface="Times New Roman"/>
+              </a:rPr>
+              <a:t>&lt;footer&gt;</a:t>
+            </a:r>
+          </a:p>
+        </p:txBody>
+      </p:sp>
+      <p:sp>
+        <p:nvSpPr>
+          <p:cNvPr id="46" name="PlaceHolder 6"/>
+          <p:cNvSpPr>
+            <a:spLocks noGrp="1"/>
+          </p:cNvSpPr>
+          <p:nvPr>
+            <p:ph type="sldNum"/>
+          </p:nvPr>
+        </p:nvSpPr>
+        <p:spPr>
+          <a:xfrm>
+            <a:off x="4399200" y="9555480"/>
+            <a:ext cx="3372840" cy="502560"/>
+          </a:xfrm>
+          <a:prstGeom prst="rect">
+            <a:avLst/>
+          </a:prstGeom>
+        </p:spPr>
+        <p:txBody>
+          <a:bodyPr lIns="0" tIns="0" rIns="0" bIns="0" anchor="b">
+            <a:noAutofit/>
+          </a:bodyPr>
+          <a:lstStyle/>
+          <a:p>
+            <a:pPr algn="r"/>
+            <a:fld id="{E6A780F6-23B2-4F79-8F78-ABD3DE1ABEBD}" type="slidenum">
+              <a:rPr lang="en-US" sz="1400" b="0" strike="noStrike" spc="-1">
+                <a:latin typeface="Times New Roman"/>
+              </a:rPr>
+              <a:t>‹#›</a:t>
+            </a:fld>
+            <a:endParaRPr lang="en-US" sz="1400" b="0" strike="noStrike" spc="-1">
+              <a:latin typeface="Times New Roman"/>
+            </a:endParaRPr>
+          </a:p>
+        </p:txBody>
+      </p:sp>
+    </p:spTree>
+  </p:cSld>
+  <p:clrMap bg1="lt1" tx1="dk1" bg2="lt2" tx2="dk2" accent1="accent1" accent2="accent2" accent3="accent3" accent4="accent4" accent5="accent5" accent6="accent6" hlink="hlink" folHlink="folHlink"/>
+  <p:notesStyle>
+    <a:lvl1pPr marL="0" algn="l" defTabSz="914400" rtl="0" eaLnBrk="1" latinLnBrk="0" hangingPunct="1">
+      <a:defRPr sz="1200" kern="1200">
+        <a:solidFill>
+          <a:schemeClr val="tx1"/>
+        </a:solidFill>
+        <a:latin typeface="+mn-lt"/>
+        <a:ea typeface="+mn-ea"/>
+        <a:cs typeface="+mn-cs"/>
+      </a:defRPr>
+    </a:lvl1pPr>
+    <a:lvl2pPr marL="457200" algn="l" defTabSz="914400" rtl="0" eaLnBrk="1" latinLnBrk="0" hangingPunct="1">
+      <a:defRPr sz="1200" kern="1200">
+        <a:solidFill>
+          <a:schemeClr val="tx1"/>
+        </a:solidFill>
+        <a:latin typeface="+mn-lt"/>
+        <a:ea typeface="+mn-ea"/>
+        <a:cs typeface="+mn-cs"/>
+      </a:defRPr>
+    </a:lvl2pPr>
+    <a:lvl3pPr marL="914400" algn="l" defTabSz="914400" rtl="0" eaLnBrk="1" latinLnBrk="0" hangingPunct="1">
+      <a:defRPr sz="1200" kern="1200">
+        <a:solidFill>
+          <a:schemeClr val="tx1"/>
+        </a:solidFill>
+        <a:latin typeface="+mn-lt"/>
+        <a:ea typeface="+mn-ea"/>
+        <a:cs typeface="+mn-cs"/>
+      </a:defRPr>
+    </a:lvl3pPr>
+    <a:lvl4pPr marL="1371600" algn="l" defTabSz="914400" rtl="0" eaLnBrk="1" latinLnBrk="0" hangingPunct="1">
+      <a:defRPr sz="1200" kern="1200">
+        <a:solidFill>
+          <a:schemeClr val="tx1"/>
+        </a:solidFill>
+        <a:latin typeface="+mn-lt"/>
+        <a:ea typeface="+mn-ea"/>
+        <a:cs typeface="+mn-cs"/>
+      </a:defRPr>
+    </a:lvl4pPr>
+    <a:lvl5pPr marL="1828800" algn="l" defTabSz="914400" rtl="0" eaLnBrk="1" latinLnBrk="0" hangingPunct="1">
+      <a:defRPr sz="1200" kern="1200">
+        <a:solidFill>
+          <a:schemeClr val="tx1"/>
+        </a:solidFill>
+        <a:latin typeface="+mn-lt"/>
+        <a:ea typeface="+mn-ea"/>
+        <a:cs typeface="+mn-cs"/>
+      </a:defRPr>
+    </a:lvl5pPr>
+    <a:lvl6pPr marL="2286000" algn="l" defTabSz="914400" rtl="0" eaLnBrk="1" latinLnBrk="0" hangingPunct="1">
+      <a:defRPr sz="1200" kern="1200">
+        <a:solidFill>
+          <a:schemeClr val="tx1"/>
+        </a:solidFill>
+        <a:latin typeface="+mn-lt"/>
+        <a:ea typeface="+mn-ea"/>
+        <a:cs typeface="+mn-cs"/>
+      </a:defRPr>
+    </a:lvl6pPr>
+    <a:lvl7pPr marL="2743200" algn="l" defTabSz="914400" rtl="0" eaLnBrk="1" latinLnBrk="0" hangingPunct="1">
+      <a:defRPr sz="1200" kern="1200">
+        <a:solidFill>
+          <a:schemeClr val="tx1"/>
+        </a:solidFill>
+        <a:latin typeface="+mn-lt"/>
+        <a:ea typeface="+mn-ea"/>
+        <a:cs typeface="+mn-cs"/>
+      </a:defRPr>
+    </a:lvl7pPr>
+    <a:lvl8pPr marL="3200400" algn="l" defTabSz="914400" rtl="0" eaLnBrk="1" latinLnBrk="0" hangingPunct="1">
+      <a:defRPr sz="1200" kern="1200">
+        <a:solidFill>
+          <a:schemeClr val="tx1"/>
+        </a:solidFill>
+        <a:latin typeface="+mn-lt"/>
+        <a:ea typeface="+mn-ea"/>
+        <a:cs typeface="+mn-cs"/>
+      </a:defRPr>
+    </a:lvl8pPr>
+    <a:lvl9pPr marL="3657600" algn="l" defTabSz="914400" rtl="0" eaLnBrk="1" latinLnBrk="0" hangingPunct="1">
+      <a:defRPr sz="1200" kern="1200">
+        <a:solidFill>
+          <a:schemeClr val="tx1"/>
+        </a:solidFill>
+        <a:latin typeface="+mn-lt"/>
+        <a:ea typeface="+mn-ea"/>
+        <a:cs typeface="+mn-cs"/>
+      </a:defRPr>
+    </a:lvl9pPr>
+  </p:notesStyle>
+</p:notesMaster>
+</file>
+
+<file path=ppt/notesSlides/notesSlide1.xml><?xml version="1.0" encoding="utf-8"?>
+<p:notes xmlns:a="http://schemas.openxmlformats.org/drawingml/2006/main" xmlns:r="http://schemas.openxmlformats.org/officeDocument/2006/relationships" xmlns:p="http://schemas.openxmlformats.org/presentationml/2006/main">
   <p:cSld>
     <p:spTree>
       <p:nvGrpSpPr>
@@ -47,9 +493,9 @@
       </p:grpSpPr>
       <p:sp>
         <p:nvSpPr>
-          <p:cNvPr id="41" name="PlaceHolder 1"/>
-          <p:cNvSpPr>
-            <a:spLocks noGrp="1"/>
+          <p:cNvPr id="61" name="PlaceHolder 1"/>
+          <p:cNvSpPr>
+            <a:spLocks noGrp="1" noRot="1" noChangeAspect="1"/>
           </p:cNvSpPr>
           <p:nvPr>
             <p:ph type="sldImg"/>
@@ -57,226 +503,115 @@
         </p:nvSpPr>
         <p:spPr>
           <a:xfrm>
-            <a:off x="533520" y="764280"/>
-            <a:ext cx="6704640" cy="3771360"/>
-          </a:xfrm>
-          <a:prstGeom prst="rect">
-            <a:avLst/>
-          </a:prstGeom>
-        </p:spPr>
-        <p:txBody>
-          <a:bodyPr lIns="0" rIns="0" tIns="0" bIns="0" anchor="ctr">
+            <a:off x="685800" y="1143000"/>
+            <a:ext cx="5486040" cy="3085920"/>
+          </a:xfrm>
+          <a:prstGeom prst="rect">
+            <a:avLst/>
+          </a:prstGeom>
+        </p:spPr>
+      </p:sp>
+      <p:sp>
+        <p:nvSpPr>
+          <p:cNvPr id="62" name="PlaceHolder 2"/>
+          <p:cNvSpPr>
+            <a:spLocks noGrp="1"/>
+          </p:cNvSpPr>
+          <p:nvPr>
+            <p:ph type="body"/>
+          </p:nvPr>
+        </p:nvSpPr>
+        <p:spPr>
+          <a:xfrm>
+            <a:off x="685800" y="4400640"/>
+            <a:ext cx="5486040" cy="3600000"/>
+          </a:xfrm>
+          <a:prstGeom prst="rect">
+            <a:avLst/>
+          </a:prstGeom>
+        </p:spPr>
+        <p:txBody>
+          <a:bodyPr>
             <a:noAutofit/>
           </a:bodyPr>
-          <a:p>
+          <a:lstStyle/>
+          <a:p>
+            <a:pPr>
+              <a:lnSpc>
+                <a:spcPct val="100000"/>
+              </a:lnSpc>
+            </a:pPr>
             <a:r>
-              <a:rPr b="0" lang="en-US" sz="1800" spc="-1" strike="noStrike">
-                <a:solidFill>
-                  <a:srgbClr val="000000"/>
-                </a:solidFill>
-                <a:latin typeface="Calibri"/>
+              <a:rPr lang="en-US" sz="2000" b="0" strike="noStrike" spc="-1">
+                <a:latin typeface="Arial"/>
               </a:rPr>
-              <a:t>Click to move the slide</a:t>
+              <a:t>ccRCC_652T_Tcells 8</a:t>
             </a:r>
-            <a:endParaRPr b="0" lang="en-US" sz="1800" spc="-1" strike="noStrike">
-              <a:solidFill>
-                <a:srgbClr val="000000"/>
-              </a:solidFill>
-              <a:latin typeface="Calibri"/>
+          </a:p>
+          <a:p>
+            <a:pPr>
+              <a:lnSpc>
+                <a:spcPct val="100000"/>
+              </a:lnSpc>
+            </a:pPr>
+            <a:endParaRPr lang="en-US" sz="2000" b="0" strike="noStrike" spc="-1">
+              <a:latin typeface="Arial"/>
             </a:endParaRPr>
           </a:p>
         </p:txBody>
       </p:sp>
       <p:sp>
         <p:nvSpPr>
-          <p:cNvPr id="42" name="PlaceHolder 2"/>
-          <p:cNvSpPr>
-            <a:spLocks noGrp="1"/>
-          </p:cNvSpPr>
-          <p:nvPr>
-            <p:ph type="body"/>
-          </p:nvPr>
-        </p:nvSpPr>
-        <p:spPr>
-          <a:xfrm>
-            <a:off x="777240" y="4777560"/>
-            <a:ext cx="6217560" cy="4525920"/>
-          </a:xfrm>
-          <a:prstGeom prst="rect">
-            <a:avLst/>
-          </a:prstGeom>
-        </p:spPr>
-        <p:txBody>
-          <a:bodyPr lIns="0" rIns="0" tIns="0" bIns="0">
+          <p:cNvPr id="63" name="TextShape 3"/>
+          <p:cNvSpPr txBox="1"/>
+          <p:nvPr/>
+        </p:nvSpPr>
+        <p:spPr>
+          <a:xfrm>
+            <a:off x="3884760" y="8685360"/>
+            <a:ext cx="2971440" cy="458280"/>
+          </a:xfrm>
+          <a:prstGeom prst="rect">
+            <a:avLst/>
+          </a:prstGeom>
+          <a:noFill/>
+          <a:ln>
+            <a:noFill/>
+          </a:ln>
+        </p:spPr>
+        <p:txBody>
+          <a:bodyPr anchor="b">
             <a:noAutofit/>
           </a:bodyPr>
-          <a:p>
-            <a:r>
-              <a:rPr b="0" lang="en-US" sz="2000" spc="-1" strike="noStrike">
-                <a:latin typeface="Arial"/>
-              </a:rPr>
-              <a:t>Click to edit the notes format</a:t>
-            </a:r>
-            <a:endParaRPr b="0" lang="en-US" sz="2000" spc="-1" strike="noStrike">
-              <a:latin typeface="Arial"/>
-            </a:endParaRPr>
-          </a:p>
-        </p:txBody>
-      </p:sp>
-      <p:sp>
-        <p:nvSpPr>
-          <p:cNvPr id="43" name="PlaceHolder 3"/>
-          <p:cNvSpPr>
-            <a:spLocks noGrp="1"/>
-          </p:cNvSpPr>
-          <p:nvPr>
-            <p:ph type="hdr"/>
-          </p:nvPr>
-        </p:nvSpPr>
-        <p:spPr>
-          <a:xfrm>
-            <a:off x="0" y="0"/>
-            <a:ext cx="3372840" cy="502560"/>
-          </a:xfrm>
-          <a:prstGeom prst="rect">
-            <a:avLst/>
-          </a:prstGeom>
-        </p:spPr>
-        <p:txBody>
-          <a:bodyPr lIns="0" rIns="0" tIns="0" bIns="0">
-            <a:noAutofit/>
-          </a:bodyPr>
-          <a:p>
-            <a:r>
-              <a:rPr b="0" lang="en-US" sz="1400" spc="-1" strike="noStrike">
+          <a:lstStyle/>
+          <a:p>
+            <a:pPr algn="r">
+              <a:lnSpc>
+                <a:spcPct val="100000"/>
+              </a:lnSpc>
+            </a:pPr>
+            <a:fld id="{335B77A1-89D4-410C-9CF3-7CF5178F51A7}" type="slidenum">
+              <a:rPr lang="en-US" sz="1200" b="0" strike="noStrike" spc="-1">
                 <a:latin typeface="Times New Roman"/>
               </a:rPr>
-              <a:t>&lt;header&gt;</a:t>
-            </a:r>
-            <a:endParaRPr b="0" lang="en-US" sz="1400" spc="-1" strike="noStrike">
+              <a:t>1</a:t>
+            </a:fld>
+            <a:endParaRPr lang="en-US" sz="1200" b="0" strike="noStrike" spc="-1">
               <a:latin typeface="Times New Roman"/>
             </a:endParaRPr>
           </a:p>
         </p:txBody>
       </p:sp>
-      <p:sp>
-        <p:nvSpPr>
-          <p:cNvPr id="44" name="PlaceHolder 4"/>
-          <p:cNvSpPr>
-            <a:spLocks noGrp="1"/>
-          </p:cNvSpPr>
-          <p:nvPr>
-            <p:ph type="dt"/>
-          </p:nvPr>
-        </p:nvSpPr>
-        <p:spPr>
-          <a:xfrm>
-            <a:off x="4399200" y="0"/>
-            <a:ext cx="3372840" cy="502560"/>
-          </a:xfrm>
-          <a:prstGeom prst="rect">
-            <a:avLst/>
-          </a:prstGeom>
-        </p:spPr>
-        <p:txBody>
-          <a:bodyPr lIns="0" rIns="0" tIns="0" bIns="0">
-            <a:noAutofit/>
-          </a:bodyPr>
-          <a:p>
-            <a:pPr algn="r"/>
-            <a:r>
-              <a:rPr b="0" lang="en-US" sz="1400" spc="-1" strike="noStrike">
-                <a:latin typeface="Times New Roman"/>
-              </a:rPr>
-              <a:t>&lt;date/time&gt;</a:t>
-            </a:r>
-            <a:endParaRPr b="0" lang="en-US" sz="1400" spc="-1" strike="noStrike">
-              <a:latin typeface="Times New Roman"/>
-            </a:endParaRPr>
-          </a:p>
-        </p:txBody>
-      </p:sp>
-      <p:sp>
-        <p:nvSpPr>
-          <p:cNvPr id="45" name="PlaceHolder 5"/>
-          <p:cNvSpPr>
-            <a:spLocks noGrp="1"/>
-          </p:cNvSpPr>
-          <p:nvPr>
-            <p:ph type="ftr"/>
-          </p:nvPr>
-        </p:nvSpPr>
-        <p:spPr>
-          <a:xfrm>
-            <a:off x="0" y="9555480"/>
-            <a:ext cx="3372840" cy="502560"/>
-          </a:xfrm>
-          <a:prstGeom prst="rect">
-            <a:avLst/>
-          </a:prstGeom>
-        </p:spPr>
-        <p:txBody>
-          <a:bodyPr lIns="0" rIns="0" tIns="0" bIns="0" anchor="b">
-            <a:noAutofit/>
-          </a:bodyPr>
-          <a:p>
-            <a:r>
-              <a:rPr b="0" lang="en-US" sz="1400" spc="-1" strike="noStrike">
-                <a:latin typeface="Times New Roman"/>
-              </a:rPr>
-              <a:t>&lt;footer&gt;</a:t>
-            </a:r>
-            <a:endParaRPr b="0" lang="en-US" sz="1400" spc="-1" strike="noStrike">
-              <a:latin typeface="Times New Roman"/>
-            </a:endParaRPr>
-          </a:p>
-        </p:txBody>
-      </p:sp>
-      <p:sp>
-        <p:nvSpPr>
-          <p:cNvPr id="46" name="PlaceHolder 6"/>
-          <p:cNvSpPr>
-            <a:spLocks noGrp="1"/>
-          </p:cNvSpPr>
-          <p:nvPr>
-            <p:ph type="sldNum"/>
-          </p:nvPr>
-        </p:nvSpPr>
-        <p:spPr>
-          <a:xfrm>
-            <a:off x="4399200" y="9555480"/>
-            <a:ext cx="3372840" cy="502560"/>
-          </a:xfrm>
-          <a:prstGeom prst="rect">
-            <a:avLst/>
-          </a:prstGeom>
-        </p:spPr>
-        <p:txBody>
-          <a:bodyPr lIns="0" rIns="0" tIns="0" bIns="0" anchor="b">
-            <a:noAutofit/>
-          </a:bodyPr>
-          <a:p>
-            <a:pPr algn="r"/>
-            <a:fld id="{E6A780F6-23B2-4F79-8F78-ABD3DE1ABEBD}" type="slidenum">
-              <a:rPr b="0" lang="en-US" sz="1400" spc="-1" strike="noStrike">
-                <a:latin typeface="Times New Roman"/>
-              </a:rPr>
-              <a:t>&lt;number&gt;</a:t>
-            </a:fld>
-            <a:endParaRPr b="0" lang="en-US" sz="1400" spc="-1" strike="noStrike">
-              <a:latin typeface="Times New Roman"/>
-            </a:endParaRPr>
-          </a:p>
-        </p:txBody>
-      </p:sp>
     </p:spTree>
   </p:cSld>
-  <p:clrMap bg1="lt1" bg2="lt2" tx1="dk1" tx2="dk2" accent1="accent1" accent2="accent2" accent3="accent3" accent4="accent4" accent5="accent5" accent6="accent6" hlink="hlink" folHlink="folHlink"/>
-</p:notesMaster>
+  <p:clrMapOvr>
+    <a:masterClrMapping/>
+  </p:clrMapOvr>
+</p:notes>
 </file>
 
-<file path=ppt/notesSlides/notesSlide1.xml><?xml version="1.0" encoding="utf-8"?>
-<p:notes xmlns:a="http://schemas.openxmlformats.org/drawingml/2006/main" xmlns:p="http://schemas.openxmlformats.org/presentationml/2006/main" xmlns:r="http://schemas.openxmlformats.org/officeDocument/2006/relationships" xmlns:p14="http://schemas.microsoft.com/office/powerpoint/2010/main" xmlns:p15="http://schemas.microsoft.com/office/powerpoint/2012/main" xmlns:mc="http://schemas.openxmlformats.org/markup-compatibility/2006">
+<file path=ppt/notesSlides/notesSlide10.xml><?xml version="1.0" encoding="utf-8"?>
+<p:notes xmlns:a="http://schemas.openxmlformats.org/drawingml/2006/main" xmlns:r="http://schemas.openxmlformats.org/officeDocument/2006/relationships" xmlns:p="http://schemas.openxmlformats.org/presentationml/2006/main">
   <p:cSld>
     <p:spTree>
       <p:nvGrpSpPr>
@@ -294,9 +629,9 @@
       </p:grpSpPr>
       <p:sp>
         <p:nvSpPr>
-          <p:cNvPr id="61" name="PlaceHolder 1"/>
-          <p:cNvSpPr>
-            <a:spLocks noGrp="1"/>
+          <p:cNvPr id="2" name="Slide Image Placeholder 1"/>
+          <p:cNvSpPr>
+            <a:spLocks noGrp="1" noRot="1" noChangeAspect="1"/>
           </p:cNvSpPr>
           <p:nvPr>
             <p:ph type="sldImg"/>
@@ -304,113 +639,76 @@
         </p:nvSpPr>
         <p:spPr>
           <a:xfrm>
-            <a:off x="685800" y="1143000"/>
-            <a:ext cx="5486040" cy="3085920"/>
-          </a:xfrm>
-          <a:prstGeom prst="rect">
-            <a:avLst/>
-          </a:prstGeom>
-        </p:spPr>
-      </p:sp>
-      <p:sp>
-        <p:nvSpPr>
-          <p:cNvPr id="62" name="PlaceHolder 2"/>
-          <p:cNvSpPr>
-            <a:spLocks noGrp="1"/>
-          </p:cNvSpPr>
-          <p:nvPr>
-            <p:ph type="body"/>
-          </p:nvPr>
-        </p:nvSpPr>
-        <p:spPr>
-          <a:xfrm>
-            <a:off x="685800" y="4400640"/>
-            <a:ext cx="5486040" cy="3600000"/>
-          </a:xfrm>
-          <a:prstGeom prst="rect">
-            <a:avLst/>
-          </a:prstGeom>
-        </p:spPr>
-        <p:txBody>
-          <a:bodyPr>
-            <a:noAutofit/>
-          </a:bodyPr>
-          <a:p>
-            <a:pPr>
-              <a:lnSpc>
-                <a:spcPct val="100000"/>
-              </a:lnSpc>
-            </a:pPr>
+            <a:off x="533400" y="763588"/>
+            <a:ext cx="6704013" cy="3771900"/>
+          </a:xfrm>
+        </p:spPr>
+      </p:sp>
+      <p:sp>
+        <p:nvSpPr>
+          <p:cNvPr id="3" name="Notes Placeholder 2"/>
+          <p:cNvSpPr>
+            <a:spLocks noGrp="1"/>
+          </p:cNvSpPr>
+          <p:nvPr>
+            <p:ph type="body" idx="1"/>
+          </p:nvPr>
+        </p:nvSpPr>
+        <p:spPr/>
+        <p:txBody>
+          <a:bodyPr/>
+          <a:lstStyle/>
+          <a:p>
             <a:r>
-              <a:rPr b="0" lang="en-US" sz="2000" spc="-1" strike="noStrike">
-                <a:latin typeface="Arial"/>
-              </a:rPr>
-              <a:t>ccRCC_652T_Tcells 8</a:t>
+              <a:rPr lang="en-US" dirty="0"/>
+              <a:t>ccRCC_652T_Lineage 7</a:t>
             </a:r>
-            <a:endParaRPr b="0" lang="en-US" sz="2000" spc="-1" strike="noStrike">
-              <a:latin typeface="Arial"/>
-            </a:endParaRPr>
-          </a:p>
-          <a:p>
-            <a:pPr>
-              <a:lnSpc>
-                <a:spcPct val="100000"/>
-              </a:lnSpc>
-            </a:pPr>
-            <a:endParaRPr b="0" lang="en-US" sz="2000" spc="-1" strike="noStrike">
-              <a:latin typeface="Arial"/>
-            </a:endParaRPr>
-          </a:p>
-        </p:txBody>
-      </p:sp>
-      <p:sp>
-        <p:nvSpPr>
-          <p:cNvPr id="63" name="TextShape 3"/>
-          <p:cNvSpPr txBox="1"/>
-          <p:nvPr/>
-        </p:nvSpPr>
-        <p:spPr>
-          <a:xfrm>
-            <a:off x="3884760" y="8685360"/>
-            <a:ext cx="2971440" cy="458280"/>
-          </a:xfrm>
-          <a:prstGeom prst="rect">
-            <a:avLst/>
-          </a:prstGeom>
-          <a:noFill/>
-          <a:ln>
-            <a:noFill/>
-          </a:ln>
-        </p:spPr>
-        <p:txBody>
-          <a:bodyPr anchor="b">
-            <a:noAutofit/>
-          </a:bodyPr>
-          <a:p>
-            <a:pPr algn="r">
-              <a:lnSpc>
-                <a:spcPct val="100000"/>
-              </a:lnSpc>
-            </a:pPr>
-            <a:fld id="{335B77A1-89D4-410C-9CF3-7CF5178F51A7}" type="slidenum">
-              <a:rPr b="0" lang="en-US" sz="1200" spc="-1" strike="noStrike">
+          </a:p>
+        </p:txBody>
+      </p:sp>
+      <p:sp>
+        <p:nvSpPr>
+          <p:cNvPr id="4" name="Slide Number Placeholder 3"/>
+          <p:cNvSpPr>
+            <a:spLocks noGrp="1"/>
+          </p:cNvSpPr>
+          <p:nvPr>
+            <p:ph type="sldNum"/>
+          </p:nvPr>
+        </p:nvSpPr>
+        <p:spPr/>
+        <p:txBody>
+          <a:bodyPr/>
+          <a:lstStyle/>
+          <a:p>
+            <a:pPr algn="r"/>
+            <a:fld id="{E6A780F6-23B2-4F79-8F78-ABD3DE1ABEBD}" type="slidenum">
+              <a:rPr lang="en-US" sz="1400" b="0" strike="noStrike" spc="-1" smtClean="0">
                 <a:latin typeface="Times New Roman"/>
               </a:rPr>
-              <a:t>&lt;number&gt;</a:t>
+              <a:t>10</a:t>
             </a:fld>
-            <a:endParaRPr b="0" lang="en-US" sz="1200" spc="-1" strike="noStrike">
+            <a:endParaRPr lang="en-US" sz="1400" b="0" strike="noStrike" spc="-1">
               <a:latin typeface="Times New Roman"/>
             </a:endParaRPr>
           </a:p>
         </p:txBody>
       </p:sp>
     </p:spTree>
+    <p:extLst>
+      <p:ext uri="{BB962C8B-B14F-4D97-AF65-F5344CB8AC3E}">
+        <p14:creationId xmlns:p14="http://schemas.microsoft.com/office/powerpoint/2010/main" val="4050944687"/>
+      </p:ext>
+    </p:extLst>
   </p:cSld>
+  <p:clrMapOvr>
+    <a:masterClrMapping/>
+  </p:clrMapOvr>
 </p:notes>
 </file>
 
-<file path=ppt/notesSlides/notesSlide2.xml><?xml version="1.0" encoding="utf-8"?>
-<p:notes xmlns:a="http://schemas.openxmlformats.org/drawingml/2006/main" xmlns:p="http://schemas.openxmlformats.org/presentationml/2006/main" xmlns:r="http://schemas.openxmlformats.org/officeDocument/2006/relationships" xmlns:p14="http://schemas.microsoft.com/office/powerpoint/2010/main" xmlns:p15="http://schemas.microsoft.com/office/powerpoint/2012/main" xmlns:mc="http://schemas.openxmlformats.org/markup-compatibility/2006">
+<file path=ppt/notesSlides/notesSlide11.xml><?xml version="1.0" encoding="utf-8"?>
+<p:notes xmlns:a="http://schemas.openxmlformats.org/drawingml/2006/main" xmlns:r="http://schemas.openxmlformats.org/officeDocument/2006/relationships" xmlns:p="http://schemas.openxmlformats.org/presentationml/2006/main">
   <p:cSld>
     <p:spTree>
       <p:nvGrpSpPr>
@@ -428,9 +726,9 @@
       </p:grpSpPr>
       <p:sp>
         <p:nvSpPr>
-          <p:cNvPr id="64" name="PlaceHolder 1"/>
-          <p:cNvSpPr>
-            <a:spLocks noGrp="1"/>
+          <p:cNvPr id="2" name="Slide Image Placeholder 1"/>
+          <p:cNvSpPr>
+            <a:spLocks noGrp="1" noRot="1" noChangeAspect="1"/>
           </p:cNvSpPr>
           <p:nvPr>
             <p:ph type="sldImg"/>
@@ -438,103 +736,93 @@
         </p:nvSpPr>
         <p:spPr>
           <a:xfrm>
-            <a:off x="685800" y="1143000"/>
-            <a:ext cx="5486040" cy="3085920"/>
-          </a:xfrm>
-          <a:prstGeom prst="rect">
-            <a:avLst/>
-          </a:prstGeom>
-        </p:spPr>
-      </p:sp>
-      <p:sp>
-        <p:nvSpPr>
-          <p:cNvPr id="65" name="PlaceHolder 2"/>
-          <p:cNvSpPr>
-            <a:spLocks noGrp="1"/>
-          </p:cNvSpPr>
-          <p:nvPr>
-            <p:ph type="body"/>
-          </p:nvPr>
-        </p:nvSpPr>
-        <p:spPr>
-          <a:xfrm>
-            <a:off x="685800" y="4400640"/>
-            <a:ext cx="5486040" cy="3600000"/>
-          </a:xfrm>
-          <a:prstGeom prst="rect">
-            <a:avLst/>
-          </a:prstGeom>
-        </p:spPr>
-        <p:txBody>
-          <a:bodyPr>
-            <a:noAutofit/>
-          </a:bodyPr>
-          <a:p>
-            <a:pPr marL="216000" indent="-216000">
+            <a:off x="533400" y="763588"/>
+            <a:ext cx="6704013" cy="3771900"/>
+          </a:xfrm>
+        </p:spPr>
+      </p:sp>
+      <p:sp>
+        <p:nvSpPr>
+          <p:cNvPr id="3" name="Notes Placeholder 2"/>
+          <p:cNvSpPr>
+            <a:spLocks noGrp="1"/>
+          </p:cNvSpPr>
+          <p:nvPr>
+            <p:ph type="body" idx="1"/>
+          </p:nvPr>
+        </p:nvSpPr>
+        <p:spPr/>
+        <p:txBody>
+          <a:bodyPr/>
+          <a:lstStyle/>
+          <a:p>
+            <a:pPr marL="0" marR="0" lvl="0" indent="0" algn="l" defTabSz="914400" rtl="0" eaLnBrk="1" fontAlgn="auto" latinLnBrk="0" hangingPunct="1">
               <a:lnSpc>
                 <a:spcPct val="100000"/>
               </a:lnSpc>
+              <a:spcBef>
+                <a:spcPts val="0"/>
+              </a:spcBef>
+              <a:spcAft>
+                <a:spcPts val="0"/>
+              </a:spcAft>
+              <a:buClrTx/>
+              <a:buSzTx/>
+              <a:buFontTx/>
+              <a:buNone/>
+              <a:tabLst/>
+              <a:defRPr/>
             </a:pPr>
             <a:r>
-              <a:rPr b="0" lang="en-US" sz="2000" spc="-1" strike="noStrike">
-                <a:latin typeface="Arial"/>
-              </a:rPr>
-              <a:t>ccRCC_652T_Tcells 8</a:t>
+              <a:rPr lang="en-US" dirty="0"/>
+              <a:t>ccRCC_652T_Lineage 6</a:t>
             </a:r>
-            <a:endParaRPr b="0" lang="en-US" sz="2000" spc="-1" strike="noStrike">
-              <a:latin typeface="Arial"/>
-            </a:endParaRPr>
-          </a:p>
-        </p:txBody>
-      </p:sp>
-      <p:sp>
-        <p:nvSpPr>
-          <p:cNvPr id="66" name="TextShape 3"/>
-          <p:cNvSpPr txBox="1"/>
-          <p:nvPr/>
-        </p:nvSpPr>
-        <p:spPr>
-          <a:xfrm>
-            <a:off x="3884760" y="8685360"/>
-            <a:ext cx="2971440" cy="458280"/>
-          </a:xfrm>
-          <a:prstGeom prst="rect">
-            <a:avLst/>
-          </a:prstGeom>
-          <a:noFill/>
-          <a:ln>
-            <a:noFill/>
-          </a:ln>
-        </p:spPr>
-        <p:txBody>
-          <a:bodyPr anchor="b">
-            <a:noAutofit/>
-          </a:bodyPr>
-          <a:p>
-            <a:pPr algn="r">
-              <a:lnSpc>
-                <a:spcPct val="100000"/>
-              </a:lnSpc>
-            </a:pPr>
-            <a:fld id="{F7D867C2-B9EF-4415-9519-AF93BC81D057}" type="slidenum">
-              <a:rPr b="0" lang="en-US" sz="1200" spc="-1" strike="noStrike">
+          </a:p>
+        </p:txBody>
+      </p:sp>
+      <p:sp>
+        <p:nvSpPr>
+          <p:cNvPr id="4" name="Slide Number Placeholder 3"/>
+          <p:cNvSpPr>
+            <a:spLocks noGrp="1"/>
+          </p:cNvSpPr>
+          <p:nvPr>
+            <p:ph type="sldNum"/>
+          </p:nvPr>
+        </p:nvSpPr>
+        <p:spPr/>
+        <p:txBody>
+          <a:bodyPr/>
+          <a:lstStyle/>
+          <a:p>
+            <a:pPr algn="r"/>
+            <a:fld id="{E6A780F6-23B2-4F79-8F78-ABD3DE1ABEBD}" type="slidenum">
+              <a:rPr lang="en-US" sz="1400" b="0" strike="noStrike" spc="-1" smtClean="0">
                 <a:latin typeface="Times New Roman"/>
               </a:rPr>
-              <a:t>&lt;number&gt;</a:t>
+              <a:t>11</a:t>
             </a:fld>
-            <a:endParaRPr b="0" lang="en-US" sz="1200" spc="-1" strike="noStrike">
+            <a:endParaRPr lang="en-US" sz="1400" b="0" strike="noStrike" spc="-1">
               <a:latin typeface="Times New Roman"/>
             </a:endParaRPr>
           </a:p>
         </p:txBody>
       </p:sp>
     </p:spTree>
+    <p:extLst>
+      <p:ext uri="{BB962C8B-B14F-4D97-AF65-F5344CB8AC3E}">
+        <p14:creationId xmlns:p14="http://schemas.microsoft.com/office/powerpoint/2010/main" val="3835513320"/>
+      </p:ext>
+    </p:extLst>
   </p:cSld>
+  <p:clrMapOvr>
+    <a:masterClrMapping/>
+  </p:clrMapOvr>
 </p:notes>
 </file>
 
-<file path=ppt/notesSlides/notesSlide3.xml><?xml version="1.0" encoding="utf-8"?>
-<p:notes xmlns:a="http://schemas.openxmlformats.org/drawingml/2006/main" xmlns:p="http://schemas.openxmlformats.org/presentationml/2006/main" xmlns:r="http://schemas.openxmlformats.org/officeDocument/2006/relationships" xmlns:p14="http://schemas.microsoft.com/office/powerpoint/2010/main" xmlns:p15="http://schemas.microsoft.com/office/powerpoint/2012/main" xmlns:mc="http://schemas.openxmlformats.org/markup-compatibility/2006">
+<file path=ppt/notesSlides/notesSlide12.xml><?xml version="1.0" encoding="utf-8"?>
+<p:notes xmlns:a="http://schemas.openxmlformats.org/drawingml/2006/main" xmlns:r="http://schemas.openxmlformats.org/officeDocument/2006/relationships" xmlns:p="http://schemas.openxmlformats.org/presentationml/2006/main">
   <p:cSld>
     <p:spTree>
       <p:nvGrpSpPr>
@@ -552,9 +840,9 @@
       </p:grpSpPr>
       <p:sp>
         <p:nvSpPr>
-          <p:cNvPr id="67" name="PlaceHolder 1"/>
-          <p:cNvSpPr>
-            <a:spLocks noGrp="1"/>
+          <p:cNvPr id="2" name="Slide Image Placeholder 1"/>
+          <p:cNvSpPr>
+            <a:spLocks noGrp="1" noRot="1" noChangeAspect="1"/>
           </p:cNvSpPr>
           <p:nvPr>
             <p:ph type="sldImg"/>
@@ -562,113 +850,93 @@
         </p:nvSpPr>
         <p:spPr>
           <a:xfrm>
-            <a:off x="685800" y="1143000"/>
-            <a:ext cx="5486040" cy="3085920"/>
-          </a:xfrm>
-          <a:prstGeom prst="rect">
-            <a:avLst/>
-          </a:prstGeom>
-        </p:spPr>
-      </p:sp>
-      <p:sp>
-        <p:nvSpPr>
-          <p:cNvPr id="68" name="PlaceHolder 2"/>
-          <p:cNvSpPr>
-            <a:spLocks noGrp="1"/>
-          </p:cNvSpPr>
-          <p:nvPr>
-            <p:ph type="body"/>
-          </p:nvPr>
-        </p:nvSpPr>
-        <p:spPr>
-          <a:xfrm>
-            <a:off x="685800" y="4400640"/>
-            <a:ext cx="5486040" cy="3600000"/>
-          </a:xfrm>
-          <a:prstGeom prst="rect">
-            <a:avLst/>
-          </a:prstGeom>
-        </p:spPr>
-        <p:txBody>
-          <a:bodyPr>
-            <a:noAutofit/>
-          </a:bodyPr>
-          <a:p>
-            <a:pPr>
+            <a:off x="533400" y="763588"/>
+            <a:ext cx="6704013" cy="3771900"/>
+          </a:xfrm>
+        </p:spPr>
+      </p:sp>
+      <p:sp>
+        <p:nvSpPr>
+          <p:cNvPr id="3" name="Notes Placeholder 2"/>
+          <p:cNvSpPr>
+            <a:spLocks noGrp="1"/>
+          </p:cNvSpPr>
+          <p:nvPr>
+            <p:ph type="body" idx="1"/>
+          </p:nvPr>
+        </p:nvSpPr>
+        <p:spPr/>
+        <p:txBody>
+          <a:bodyPr/>
+          <a:lstStyle/>
+          <a:p>
+            <a:pPr marL="0" marR="0" lvl="0" indent="0" algn="l" defTabSz="914400" rtl="0" eaLnBrk="1" fontAlgn="auto" latinLnBrk="0" hangingPunct="1">
               <a:lnSpc>
                 <a:spcPct val="100000"/>
               </a:lnSpc>
+              <a:spcBef>
+                <a:spcPts val="0"/>
+              </a:spcBef>
+              <a:spcAft>
+                <a:spcPts val="0"/>
+              </a:spcAft>
+              <a:buClrTx/>
+              <a:buSzTx/>
+              <a:buFontTx/>
+              <a:buNone/>
+              <a:tabLst/>
+              <a:defRPr/>
             </a:pPr>
             <a:r>
-              <a:rPr b="0" lang="en-US" sz="2000" spc="-1" strike="noStrike">
-                <a:latin typeface="Arial"/>
-              </a:rPr>
-              <a:t>ccRCC_652T_Tcells 10</a:t>
+              <a:rPr lang="en-US" dirty="0"/>
+              <a:t>ccRCC_652T_Lineage 6</a:t>
             </a:r>
-            <a:endParaRPr b="0" lang="en-US" sz="2000" spc="-1" strike="noStrike">
-              <a:latin typeface="Arial"/>
-            </a:endParaRPr>
-          </a:p>
-          <a:p>
-            <a:pPr>
-              <a:lnSpc>
-                <a:spcPct val="100000"/>
-              </a:lnSpc>
-            </a:pPr>
-            <a:endParaRPr b="0" lang="en-US" sz="2000" spc="-1" strike="noStrike">
-              <a:latin typeface="Arial"/>
-            </a:endParaRPr>
-          </a:p>
-        </p:txBody>
-      </p:sp>
-      <p:sp>
-        <p:nvSpPr>
-          <p:cNvPr id="69" name="TextShape 3"/>
-          <p:cNvSpPr txBox="1"/>
-          <p:nvPr/>
-        </p:nvSpPr>
-        <p:spPr>
-          <a:xfrm>
-            <a:off x="3884760" y="8685360"/>
-            <a:ext cx="2971440" cy="458280"/>
-          </a:xfrm>
-          <a:prstGeom prst="rect">
-            <a:avLst/>
-          </a:prstGeom>
-          <a:noFill/>
-          <a:ln>
-            <a:noFill/>
-          </a:ln>
-        </p:spPr>
-        <p:txBody>
-          <a:bodyPr anchor="b">
-            <a:noAutofit/>
-          </a:bodyPr>
-          <a:p>
-            <a:pPr algn="r">
-              <a:lnSpc>
-                <a:spcPct val="100000"/>
-              </a:lnSpc>
-            </a:pPr>
-            <a:fld id="{06B113EF-9C5E-4023-A86E-04358B1A027F}" type="slidenum">
-              <a:rPr b="0" lang="en-US" sz="1200" spc="-1" strike="noStrike">
+          </a:p>
+        </p:txBody>
+      </p:sp>
+      <p:sp>
+        <p:nvSpPr>
+          <p:cNvPr id="4" name="Slide Number Placeholder 3"/>
+          <p:cNvSpPr>
+            <a:spLocks noGrp="1"/>
+          </p:cNvSpPr>
+          <p:nvPr>
+            <p:ph type="sldNum"/>
+          </p:nvPr>
+        </p:nvSpPr>
+        <p:spPr/>
+        <p:txBody>
+          <a:bodyPr/>
+          <a:lstStyle/>
+          <a:p>
+            <a:pPr algn="r"/>
+            <a:fld id="{E6A780F6-23B2-4F79-8F78-ABD3DE1ABEBD}" type="slidenum">
+              <a:rPr lang="en-US" sz="1400" b="0" strike="noStrike" spc="-1" smtClean="0">
                 <a:latin typeface="Times New Roman"/>
               </a:rPr>
-              <a:t>&lt;number&gt;</a:t>
+              <a:t>12</a:t>
             </a:fld>
-            <a:endParaRPr b="0" lang="en-US" sz="1200" spc="-1" strike="noStrike">
+            <a:endParaRPr lang="en-US" sz="1400" b="0" strike="noStrike" spc="-1">
               <a:latin typeface="Times New Roman"/>
             </a:endParaRPr>
           </a:p>
         </p:txBody>
       </p:sp>
     </p:spTree>
+    <p:extLst>
+      <p:ext uri="{BB962C8B-B14F-4D97-AF65-F5344CB8AC3E}">
+        <p14:creationId xmlns:p14="http://schemas.microsoft.com/office/powerpoint/2010/main" val="2068891096"/>
+      </p:ext>
+    </p:extLst>
   </p:cSld>
+  <p:clrMapOvr>
+    <a:masterClrMapping/>
+  </p:clrMapOvr>
 </p:notes>
 </file>
 
-<file path=ppt/notesSlides/notesSlide4.xml><?xml version="1.0" encoding="utf-8"?>
-<p:notes xmlns:a="http://schemas.openxmlformats.org/drawingml/2006/main" xmlns:p="http://schemas.openxmlformats.org/presentationml/2006/main" xmlns:r="http://schemas.openxmlformats.org/officeDocument/2006/relationships" xmlns:p14="http://schemas.microsoft.com/office/powerpoint/2010/main" xmlns:p15="http://schemas.microsoft.com/office/powerpoint/2012/main" xmlns:mc="http://schemas.openxmlformats.org/markup-compatibility/2006">
+<file path=ppt/notesSlides/notesSlide13.xml><?xml version="1.0" encoding="utf-8"?>
+<p:notes xmlns:a="http://schemas.openxmlformats.org/drawingml/2006/main" xmlns:r="http://schemas.openxmlformats.org/officeDocument/2006/relationships" xmlns:p="http://schemas.openxmlformats.org/presentationml/2006/main">
   <p:cSld>
     <p:spTree>
       <p:nvGrpSpPr>
@@ -686,9 +954,9 @@
       </p:grpSpPr>
       <p:sp>
         <p:nvSpPr>
-          <p:cNvPr id="70" name="PlaceHolder 1"/>
-          <p:cNvSpPr>
-            <a:spLocks noGrp="1"/>
+          <p:cNvPr id="2" name="Slide Image Placeholder 1"/>
+          <p:cNvSpPr>
+            <a:spLocks noGrp="1" noRot="1" noChangeAspect="1"/>
           </p:cNvSpPr>
           <p:nvPr>
             <p:ph type="sldImg"/>
@@ -696,113 +964,93 @@
         </p:nvSpPr>
         <p:spPr>
           <a:xfrm>
-            <a:off x="685800" y="1143000"/>
-            <a:ext cx="5486040" cy="3085920"/>
-          </a:xfrm>
-          <a:prstGeom prst="rect">
-            <a:avLst/>
-          </a:prstGeom>
-        </p:spPr>
-      </p:sp>
-      <p:sp>
-        <p:nvSpPr>
-          <p:cNvPr id="71" name="PlaceHolder 2"/>
-          <p:cNvSpPr>
-            <a:spLocks noGrp="1"/>
-          </p:cNvSpPr>
-          <p:nvPr>
-            <p:ph type="body"/>
-          </p:nvPr>
-        </p:nvSpPr>
-        <p:spPr>
-          <a:xfrm>
-            <a:off x="685800" y="4400640"/>
-            <a:ext cx="5486040" cy="3600000"/>
-          </a:xfrm>
-          <a:prstGeom prst="rect">
-            <a:avLst/>
-          </a:prstGeom>
-        </p:spPr>
-        <p:txBody>
-          <a:bodyPr>
-            <a:noAutofit/>
-          </a:bodyPr>
-          <a:p>
-            <a:pPr>
+            <a:off x="533400" y="763588"/>
+            <a:ext cx="6704013" cy="3771900"/>
+          </a:xfrm>
+        </p:spPr>
+      </p:sp>
+      <p:sp>
+        <p:nvSpPr>
+          <p:cNvPr id="3" name="Notes Placeholder 2"/>
+          <p:cNvSpPr>
+            <a:spLocks noGrp="1"/>
+          </p:cNvSpPr>
+          <p:nvPr>
+            <p:ph type="body" idx="1"/>
+          </p:nvPr>
+        </p:nvSpPr>
+        <p:spPr/>
+        <p:txBody>
+          <a:bodyPr/>
+          <a:lstStyle/>
+          <a:p>
+            <a:pPr marL="0" marR="0" lvl="0" indent="0" algn="l" defTabSz="914400" rtl="0" eaLnBrk="1" fontAlgn="auto" latinLnBrk="0" hangingPunct="1">
               <a:lnSpc>
                 <a:spcPct val="100000"/>
               </a:lnSpc>
+              <a:spcBef>
+                <a:spcPts val="0"/>
+              </a:spcBef>
+              <a:spcAft>
+                <a:spcPts val="0"/>
+              </a:spcAft>
+              <a:buClrTx/>
+              <a:buSzTx/>
+              <a:buFontTx/>
+              <a:buNone/>
+              <a:tabLst/>
+              <a:defRPr/>
             </a:pPr>
             <a:r>
-              <a:rPr b="0" lang="en-US" sz="2000" spc="-1" strike="noStrike">
-                <a:latin typeface="Arial"/>
-              </a:rPr>
-              <a:t>ccRCC_652T_Tcells 10</a:t>
+              <a:rPr lang="en-US" dirty="0"/>
+              <a:t>ccRCC_652T_Lineage 5</a:t>
             </a:r>
-            <a:endParaRPr b="0" lang="en-US" sz="2000" spc="-1" strike="noStrike">
-              <a:latin typeface="Arial"/>
-            </a:endParaRPr>
-          </a:p>
-          <a:p>
-            <a:pPr>
-              <a:lnSpc>
-                <a:spcPct val="100000"/>
-              </a:lnSpc>
-            </a:pPr>
-            <a:endParaRPr b="0" lang="en-US" sz="2000" spc="-1" strike="noStrike">
-              <a:latin typeface="Arial"/>
-            </a:endParaRPr>
-          </a:p>
-        </p:txBody>
-      </p:sp>
-      <p:sp>
-        <p:nvSpPr>
-          <p:cNvPr id="72" name="TextShape 3"/>
-          <p:cNvSpPr txBox="1"/>
-          <p:nvPr/>
-        </p:nvSpPr>
-        <p:spPr>
-          <a:xfrm>
-            <a:off x="3884760" y="8685360"/>
-            <a:ext cx="2971440" cy="458280"/>
-          </a:xfrm>
-          <a:prstGeom prst="rect">
-            <a:avLst/>
-          </a:prstGeom>
-          <a:noFill/>
-          <a:ln>
-            <a:noFill/>
-          </a:ln>
-        </p:spPr>
-        <p:txBody>
-          <a:bodyPr anchor="b">
-            <a:noAutofit/>
-          </a:bodyPr>
-          <a:p>
-            <a:pPr algn="r">
-              <a:lnSpc>
-                <a:spcPct val="100000"/>
-              </a:lnSpc>
-            </a:pPr>
-            <a:fld id="{2494F202-B7A8-4E4F-9E31-C634A5E530D9}" type="slidenum">
-              <a:rPr b="0" lang="en-US" sz="1200" spc="-1" strike="noStrike">
+          </a:p>
+        </p:txBody>
+      </p:sp>
+      <p:sp>
+        <p:nvSpPr>
+          <p:cNvPr id="4" name="Slide Number Placeholder 3"/>
+          <p:cNvSpPr>
+            <a:spLocks noGrp="1"/>
+          </p:cNvSpPr>
+          <p:nvPr>
+            <p:ph type="sldNum"/>
+          </p:nvPr>
+        </p:nvSpPr>
+        <p:spPr/>
+        <p:txBody>
+          <a:bodyPr/>
+          <a:lstStyle/>
+          <a:p>
+            <a:pPr algn="r"/>
+            <a:fld id="{E6A780F6-23B2-4F79-8F78-ABD3DE1ABEBD}" type="slidenum">
+              <a:rPr lang="en-US" sz="1400" b="0" strike="noStrike" spc="-1" smtClean="0">
                 <a:latin typeface="Times New Roman"/>
               </a:rPr>
-              <a:t>&lt;number&gt;</a:t>
+              <a:t>13</a:t>
             </a:fld>
-            <a:endParaRPr b="0" lang="en-US" sz="1200" spc="-1" strike="noStrike">
+            <a:endParaRPr lang="en-US" sz="1400" b="0" strike="noStrike" spc="-1">
               <a:latin typeface="Times New Roman"/>
             </a:endParaRPr>
           </a:p>
         </p:txBody>
       </p:sp>
     </p:spTree>
+    <p:extLst>
+      <p:ext uri="{BB962C8B-B14F-4D97-AF65-F5344CB8AC3E}">
+        <p14:creationId xmlns:p14="http://schemas.microsoft.com/office/powerpoint/2010/main" val="1715516564"/>
+      </p:ext>
+    </p:extLst>
   </p:cSld>
+  <p:clrMapOvr>
+    <a:masterClrMapping/>
+  </p:clrMapOvr>
 </p:notes>
 </file>
 
-<file path=ppt/notesSlides/notesSlide5.xml><?xml version="1.0" encoding="utf-8"?>
-<p:notes xmlns:a="http://schemas.openxmlformats.org/drawingml/2006/main" xmlns:p="http://schemas.openxmlformats.org/presentationml/2006/main" xmlns:r="http://schemas.openxmlformats.org/officeDocument/2006/relationships" xmlns:p14="http://schemas.microsoft.com/office/powerpoint/2010/main" xmlns:p15="http://schemas.microsoft.com/office/powerpoint/2012/main" xmlns:mc="http://schemas.openxmlformats.org/markup-compatibility/2006">
+<file path=ppt/notesSlides/notesSlide14.xml><?xml version="1.0" encoding="utf-8"?>
+<p:notes xmlns:a="http://schemas.openxmlformats.org/drawingml/2006/main" xmlns:r="http://schemas.openxmlformats.org/officeDocument/2006/relationships" xmlns:p="http://schemas.openxmlformats.org/presentationml/2006/main">
   <p:cSld>
     <p:spTree>
       <p:nvGrpSpPr>
@@ -820,9 +1068,9 @@
       </p:grpSpPr>
       <p:sp>
         <p:nvSpPr>
-          <p:cNvPr id="73" name="PlaceHolder 1"/>
-          <p:cNvSpPr>
-            <a:spLocks noGrp="1"/>
+          <p:cNvPr id="2" name="Slide Image Placeholder 1"/>
+          <p:cNvSpPr>
+            <a:spLocks noGrp="1" noRot="1" noChangeAspect="1"/>
           </p:cNvSpPr>
           <p:nvPr>
             <p:ph type="sldImg"/>
@@ -830,103 +1078,93 @@
         </p:nvSpPr>
         <p:spPr>
           <a:xfrm>
-            <a:off x="685800" y="1143000"/>
-            <a:ext cx="5486040" cy="3085920"/>
-          </a:xfrm>
-          <a:prstGeom prst="rect">
-            <a:avLst/>
-          </a:prstGeom>
-        </p:spPr>
-      </p:sp>
-      <p:sp>
-        <p:nvSpPr>
-          <p:cNvPr id="74" name="PlaceHolder 2"/>
-          <p:cNvSpPr>
-            <a:spLocks noGrp="1"/>
-          </p:cNvSpPr>
-          <p:nvPr>
-            <p:ph type="body"/>
-          </p:nvPr>
-        </p:nvSpPr>
-        <p:spPr>
-          <a:xfrm>
-            <a:off x="685800" y="4400640"/>
-            <a:ext cx="5486040" cy="3600000"/>
-          </a:xfrm>
-          <a:prstGeom prst="rect">
-            <a:avLst/>
-          </a:prstGeom>
-        </p:spPr>
-        <p:txBody>
-          <a:bodyPr>
-            <a:noAutofit/>
-          </a:bodyPr>
-          <a:p>
-            <a:pPr>
+            <a:off x="533400" y="763588"/>
+            <a:ext cx="6704013" cy="3771900"/>
+          </a:xfrm>
+        </p:spPr>
+      </p:sp>
+      <p:sp>
+        <p:nvSpPr>
+          <p:cNvPr id="3" name="Notes Placeholder 2"/>
+          <p:cNvSpPr>
+            <a:spLocks noGrp="1"/>
+          </p:cNvSpPr>
+          <p:nvPr>
+            <p:ph type="body" idx="1"/>
+          </p:nvPr>
+        </p:nvSpPr>
+        <p:spPr/>
+        <p:txBody>
+          <a:bodyPr/>
+          <a:lstStyle/>
+          <a:p>
+            <a:pPr marL="0" marR="0" lvl="0" indent="0" algn="l" defTabSz="914400" rtl="0" eaLnBrk="1" fontAlgn="auto" latinLnBrk="0" hangingPunct="1">
               <a:lnSpc>
                 <a:spcPct val="100000"/>
               </a:lnSpc>
+              <a:spcBef>
+                <a:spcPts val="0"/>
+              </a:spcBef>
+              <a:spcAft>
+                <a:spcPts val="0"/>
+              </a:spcAft>
+              <a:buClrTx/>
+              <a:buSzTx/>
+              <a:buFontTx/>
+              <a:buNone/>
+              <a:tabLst/>
+              <a:defRPr/>
             </a:pPr>
             <a:r>
-              <a:rPr b="0" lang="en-US" sz="2000" spc="-1" strike="noStrike">
-                <a:latin typeface="Arial"/>
-              </a:rPr>
-              <a:t>ccRCC_652T_Tcells 10 removal of insensitive cluster</a:t>
+              <a:rPr lang="en-US"/>
+              <a:t>ccRCC_652T_Lineage 5</a:t>
             </a:r>
-            <a:endParaRPr b="0" lang="en-US" sz="2000" spc="-1" strike="noStrike">
-              <a:latin typeface="Arial"/>
-            </a:endParaRPr>
-          </a:p>
-        </p:txBody>
-      </p:sp>
-      <p:sp>
-        <p:nvSpPr>
-          <p:cNvPr id="75" name="TextShape 3"/>
-          <p:cNvSpPr txBox="1"/>
-          <p:nvPr/>
-        </p:nvSpPr>
-        <p:spPr>
-          <a:xfrm>
-            <a:off x="3884760" y="8685360"/>
-            <a:ext cx="2971440" cy="458280"/>
-          </a:xfrm>
-          <a:prstGeom prst="rect">
-            <a:avLst/>
-          </a:prstGeom>
-          <a:noFill/>
-          <a:ln>
-            <a:noFill/>
-          </a:ln>
-        </p:spPr>
-        <p:txBody>
-          <a:bodyPr anchor="b">
-            <a:noAutofit/>
-          </a:bodyPr>
-          <a:p>
-            <a:pPr algn="r">
-              <a:lnSpc>
-                <a:spcPct val="100000"/>
-              </a:lnSpc>
-            </a:pPr>
-            <a:fld id="{8EE84759-B66B-44BF-957C-2724A823FD43}" type="slidenum">
-              <a:rPr b="0" lang="en-US" sz="1200" spc="-1" strike="noStrike">
+          </a:p>
+        </p:txBody>
+      </p:sp>
+      <p:sp>
+        <p:nvSpPr>
+          <p:cNvPr id="4" name="Slide Number Placeholder 3"/>
+          <p:cNvSpPr>
+            <a:spLocks noGrp="1"/>
+          </p:cNvSpPr>
+          <p:nvPr>
+            <p:ph type="sldNum"/>
+          </p:nvPr>
+        </p:nvSpPr>
+        <p:spPr/>
+        <p:txBody>
+          <a:bodyPr/>
+          <a:lstStyle/>
+          <a:p>
+            <a:pPr algn="r"/>
+            <a:fld id="{E6A780F6-23B2-4F79-8F78-ABD3DE1ABEBD}" type="slidenum">
+              <a:rPr lang="en-US" sz="1400" b="0" strike="noStrike" spc="-1" smtClean="0">
                 <a:latin typeface="Times New Roman"/>
               </a:rPr>
-              <a:t>&lt;number&gt;</a:t>
+              <a:t>14</a:t>
             </a:fld>
-            <a:endParaRPr b="0" lang="en-US" sz="1200" spc="-1" strike="noStrike">
+            <a:endParaRPr lang="en-US" sz="1400" b="0" strike="noStrike" spc="-1">
               <a:latin typeface="Times New Roman"/>
             </a:endParaRPr>
           </a:p>
         </p:txBody>
       </p:sp>
     </p:spTree>
+    <p:extLst>
+      <p:ext uri="{BB962C8B-B14F-4D97-AF65-F5344CB8AC3E}">
+        <p14:creationId xmlns:p14="http://schemas.microsoft.com/office/powerpoint/2010/main" val="1924048099"/>
+      </p:ext>
+    </p:extLst>
   </p:cSld>
+  <p:clrMapOvr>
+    <a:masterClrMapping/>
+  </p:clrMapOvr>
 </p:notes>
 </file>
 
-<file path=ppt/notesSlides/notesSlide6.xml><?xml version="1.0" encoding="utf-8"?>
-<p:notes xmlns:a="http://schemas.openxmlformats.org/drawingml/2006/main" xmlns:p="http://schemas.openxmlformats.org/presentationml/2006/main" xmlns:r="http://schemas.openxmlformats.org/officeDocument/2006/relationships" xmlns:p14="http://schemas.microsoft.com/office/powerpoint/2010/main" xmlns:p15="http://schemas.microsoft.com/office/powerpoint/2012/main" xmlns:mc="http://schemas.openxmlformats.org/markup-compatibility/2006">
+<file path=ppt/notesSlides/notesSlide15.xml><?xml version="1.0" encoding="utf-8"?>
+<p:notes xmlns:a="http://schemas.openxmlformats.org/drawingml/2006/main" xmlns:r="http://schemas.openxmlformats.org/officeDocument/2006/relationships" xmlns:p="http://schemas.openxmlformats.org/presentationml/2006/main">
   <p:cSld>
     <p:spTree>
       <p:nvGrpSpPr>
@@ -944,9 +1182,9 @@
       </p:grpSpPr>
       <p:sp>
         <p:nvSpPr>
-          <p:cNvPr id="76" name="PlaceHolder 1"/>
-          <p:cNvSpPr>
-            <a:spLocks noGrp="1"/>
+          <p:cNvPr id="2" name="Slide Image Placeholder 1"/>
+          <p:cNvSpPr>
+            <a:spLocks noGrp="1" noRot="1" noChangeAspect="1"/>
           </p:cNvSpPr>
           <p:nvPr>
             <p:ph type="sldImg"/>
@@ -954,113 +1192,76 @@
         </p:nvSpPr>
         <p:spPr>
           <a:xfrm>
-            <a:off x="685800" y="1143000"/>
-            <a:ext cx="5486040" cy="3085920"/>
-          </a:xfrm>
-          <a:prstGeom prst="rect">
-            <a:avLst/>
-          </a:prstGeom>
-        </p:spPr>
-      </p:sp>
-      <p:sp>
-        <p:nvSpPr>
-          <p:cNvPr id="77" name="PlaceHolder 2"/>
-          <p:cNvSpPr>
-            <a:spLocks noGrp="1"/>
-          </p:cNvSpPr>
-          <p:nvPr>
-            <p:ph type="body"/>
-          </p:nvPr>
-        </p:nvSpPr>
-        <p:spPr>
-          <a:xfrm>
-            <a:off x="685800" y="4400640"/>
-            <a:ext cx="5486040" cy="3600000"/>
-          </a:xfrm>
-          <a:prstGeom prst="rect">
-            <a:avLst/>
-          </a:prstGeom>
-        </p:spPr>
-        <p:txBody>
-          <a:bodyPr>
-            <a:noAutofit/>
-          </a:bodyPr>
-          <a:p>
-            <a:pPr>
-              <a:lnSpc>
-                <a:spcPct val="100000"/>
-              </a:lnSpc>
-            </a:pPr>
+            <a:off x="533400" y="763588"/>
+            <a:ext cx="6704013" cy="3771900"/>
+          </a:xfrm>
+        </p:spPr>
+      </p:sp>
+      <p:sp>
+        <p:nvSpPr>
+          <p:cNvPr id="3" name="Notes Placeholder 2"/>
+          <p:cNvSpPr>
+            <a:spLocks noGrp="1"/>
+          </p:cNvSpPr>
+          <p:nvPr>
+            <p:ph type="body" idx="1"/>
+          </p:nvPr>
+        </p:nvSpPr>
+        <p:spPr/>
+        <p:txBody>
+          <a:bodyPr/>
+          <a:lstStyle/>
+          <a:p>
             <a:r>
-              <a:rPr b="0" lang="en-US" sz="2000" spc="-1" strike="noStrike">
-                <a:latin typeface="Arial"/>
-              </a:rPr>
-              <a:t>ccRCC_652T_Tcells 10 removal of insensitive cluster</a:t>
+              <a:rPr lang="en-US" dirty="0"/>
+              <a:t>ccRCC_643T_Tcells 6</a:t>
             </a:r>
-            <a:endParaRPr b="0" lang="en-US" sz="2000" spc="-1" strike="noStrike">
-              <a:latin typeface="Arial"/>
-            </a:endParaRPr>
-          </a:p>
-          <a:p>
-            <a:pPr>
-              <a:lnSpc>
-                <a:spcPct val="100000"/>
-              </a:lnSpc>
-            </a:pPr>
-            <a:endParaRPr b="0" lang="en-US" sz="2000" spc="-1" strike="noStrike">
-              <a:latin typeface="Arial"/>
-            </a:endParaRPr>
-          </a:p>
-        </p:txBody>
-      </p:sp>
-      <p:sp>
-        <p:nvSpPr>
-          <p:cNvPr id="78" name="TextShape 3"/>
-          <p:cNvSpPr txBox="1"/>
-          <p:nvPr/>
-        </p:nvSpPr>
-        <p:spPr>
-          <a:xfrm>
-            <a:off x="3884760" y="8685360"/>
-            <a:ext cx="2971440" cy="458280"/>
-          </a:xfrm>
-          <a:prstGeom prst="rect">
-            <a:avLst/>
-          </a:prstGeom>
-          <a:noFill/>
-          <a:ln>
-            <a:noFill/>
-          </a:ln>
-        </p:spPr>
-        <p:txBody>
-          <a:bodyPr anchor="b">
-            <a:noAutofit/>
-          </a:bodyPr>
-          <a:p>
-            <a:pPr algn="r">
-              <a:lnSpc>
-                <a:spcPct val="100000"/>
-              </a:lnSpc>
-            </a:pPr>
-            <a:fld id="{BD2EF538-A202-43D9-8408-BEC873E14940}" type="slidenum">
-              <a:rPr b="0" lang="en-US" sz="1200" spc="-1" strike="noStrike">
+          </a:p>
+        </p:txBody>
+      </p:sp>
+      <p:sp>
+        <p:nvSpPr>
+          <p:cNvPr id="4" name="Slide Number Placeholder 3"/>
+          <p:cNvSpPr>
+            <a:spLocks noGrp="1"/>
+          </p:cNvSpPr>
+          <p:nvPr>
+            <p:ph type="sldNum"/>
+          </p:nvPr>
+        </p:nvSpPr>
+        <p:spPr/>
+        <p:txBody>
+          <a:bodyPr/>
+          <a:lstStyle/>
+          <a:p>
+            <a:pPr algn="r"/>
+            <a:fld id="{E6A780F6-23B2-4F79-8F78-ABD3DE1ABEBD}" type="slidenum">
+              <a:rPr lang="en-US" sz="1400" b="0" strike="noStrike" spc="-1" smtClean="0">
                 <a:latin typeface="Times New Roman"/>
               </a:rPr>
-              <a:t>&lt;number&gt;</a:t>
+              <a:t>15</a:t>
             </a:fld>
-            <a:endParaRPr b="0" lang="en-US" sz="1200" spc="-1" strike="noStrike">
+            <a:endParaRPr lang="en-US" sz="1400" b="0" strike="noStrike" spc="-1">
               <a:latin typeface="Times New Roman"/>
             </a:endParaRPr>
           </a:p>
         </p:txBody>
       </p:sp>
     </p:spTree>
+    <p:extLst>
+      <p:ext uri="{BB962C8B-B14F-4D97-AF65-F5344CB8AC3E}">
+        <p14:creationId xmlns:p14="http://schemas.microsoft.com/office/powerpoint/2010/main" val="3309643033"/>
+      </p:ext>
+    </p:extLst>
   </p:cSld>
+  <p:clrMapOvr>
+    <a:masterClrMapping/>
+  </p:clrMapOvr>
 </p:notes>
 </file>
 
-<file path=ppt/notesSlides/notesSlide7.xml><?xml version="1.0" encoding="utf-8"?>
-<p:notes xmlns:a="http://schemas.openxmlformats.org/drawingml/2006/main" xmlns:p="http://schemas.openxmlformats.org/presentationml/2006/main" xmlns:r="http://schemas.openxmlformats.org/officeDocument/2006/relationships" xmlns:p14="http://schemas.microsoft.com/office/powerpoint/2010/main" xmlns:p15="http://schemas.microsoft.com/office/powerpoint/2012/main" xmlns:mc="http://schemas.openxmlformats.org/markup-compatibility/2006">
+<file path=ppt/notesSlides/notesSlide16.xml><?xml version="1.0" encoding="utf-8"?>
+<p:notes xmlns:a="http://schemas.openxmlformats.org/drawingml/2006/main" xmlns:r="http://schemas.openxmlformats.org/officeDocument/2006/relationships" xmlns:p="http://schemas.openxmlformats.org/presentationml/2006/main">
   <p:cSld>
     <p:spTree>
       <p:nvGrpSpPr>
@@ -1078,123 +1279,101 @@
       </p:grpSpPr>
       <p:sp>
         <p:nvSpPr>
-          <p:cNvPr id="79" name="PlaceHolder 1"/>
-          <p:cNvSpPr>
-            <a:spLocks noGrp="1"/>
+          <p:cNvPr id="2" name="Slide Image Placeholder 1"/>
+          <p:cNvSpPr>
+            <a:spLocks noGrp="1" noRot="1" noChangeAspect="1"/>
           </p:cNvSpPr>
           <p:nvPr>
             <p:ph type="sldImg"/>
           </p:nvPr>
         </p:nvSpPr>
-        <p:spPr>
-          <a:xfrm>
-            <a:off x="685800" y="1143000"/>
-            <a:ext cx="5486040" cy="3085920"/>
-          </a:xfrm>
-          <a:prstGeom prst="rect">
-            <a:avLst/>
-          </a:prstGeom>
-        </p:spPr>
-      </p:sp>
-      <p:sp>
-        <p:nvSpPr>
-          <p:cNvPr id="80" name="PlaceHolder 2"/>
-          <p:cNvSpPr>
-            <a:spLocks noGrp="1"/>
-          </p:cNvSpPr>
-          <p:nvPr>
-            <p:ph type="body"/>
-          </p:nvPr>
-        </p:nvSpPr>
-        <p:spPr>
-          <a:xfrm>
-            <a:off x="685800" y="4400640"/>
-            <a:ext cx="5486040" cy="3600000"/>
-          </a:xfrm>
-          <a:prstGeom prst="rect">
-            <a:avLst/>
-          </a:prstGeom>
-        </p:spPr>
-        <p:txBody>
-          <a:bodyPr>
-            <a:noAutofit/>
-          </a:bodyPr>
-          <a:p>
-            <a:pPr>
+        <p:spPr/>
+      </p:sp>
+      <p:sp>
+        <p:nvSpPr>
+          <p:cNvPr id="3" name="Notes Placeholder 2"/>
+          <p:cNvSpPr>
+            <a:spLocks noGrp="1"/>
+          </p:cNvSpPr>
+          <p:nvPr>
+            <p:ph type="body" idx="1"/>
+          </p:nvPr>
+        </p:nvSpPr>
+        <p:spPr/>
+        <p:txBody>
+          <a:bodyPr/>
+          <a:lstStyle/>
+          <a:p>
+            <a:pPr marL="0" marR="0" lvl="0" indent="0" algn="l" defTabSz="914400" rtl="0" eaLnBrk="1" fontAlgn="auto" latinLnBrk="0" hangingPunct="1">
               <a:lnSpc>
                 <a:spcPct val="100000"/>
               </a:lnSpc>
+              <a:spcBef>
+                <a:spcPts val="0"/>
+              </a:spcBef>
+              <a:spcAft>
+                <a:spcPts val="0"/>
+              </a:spcAft>
+              <a:buClrTx/>
+              <a:buSzTx/>
+              <a:buFontTx/>
+              <a:buNone/>
+              <a:tabLst/>
+              <a:defRPr/>
             </a:pPr>
             <a:r>
-              <a:rPr b="0" lang="en-US" sz="2000" spc="-1" strike="noStrike">
-                <a:latin typeface="Arial"/>
-              </a:rPr>
-              <a:t>ccRCC_652T_Tcells 7 removal of insensitive cluster</a:t>
+              <a:rPr lang="en-US" dirty="0"/>
+              <a:t>ccRCC_643T_Tcells 6</a:t>
             </a:r>
-            <a:endParaRPr b="0" lang="en-US" sz="2000" spc="-1" strike="noStrike">
-              <a:latin typeface="Arial"/>
-            </a:endParaRPr>
-          </a:p>
-          <a:p>
-            <a:pPr>
-              <a:lnSpc>
-                <a:spcPct val="100000"/>
-              </a:lnSpc>
-            </a:pPr>
-            <a:endParaRPr b="0" lang="en-US" sz="2000" spc="-1" strike="noStrike">
-              <a:latin typeface="Arial"/>
-            </a:endParaRPr>
-          </a:p>
-        </p:txBody>
-      </p:sp>
-      <p:sp>
-        <p:nvSpPr>
-          <p:cNvPr id="81" name="TextShape 3"/>
-          <p:cNvSpPr txBox="1"/>
-          <p:nvPr/>
-        </p:nvSpPr>
-        <p:spPr>
-          <a:xfrm>
-            <a:off x="3884760" y="8685360"/>
-            <a:ext cx="2971440" cy="458280"/>
-          </a:xfrm>
-          <a:prstGeom prst="rect">
-            <a:avLst/>
-          </a:prstGeom>
-          <a:noFill/>
-          <a:ln>
-            <a:noFill/>
-          </a:ln>
-        </p:spPr>
-        <p:txBody>
-          <a:bodyPr anchor="b">
-            <a:noAutofit/>
-          </a:bodyPr>
-          <a:p>
-            <a:pPr algn="r">
-              <a:lnSpc>
-                <a:spcPct val="100000"/>
-              </a:lnSpc>
-            </a:pPr>
-            <a:fld id="{A0182F02-5CF1-447A-8CB9-A7B878B42D0F}" type="slidenum">
-              <a:rPr b="0" lang="en-US" sz="1200" spc="-1" strike="noStrike">
+          </a:p>
+          <a:p>
+            <a:endParaRPr lang="en-US" dirty="0"/>
+          </a:p>
+        </p:txBody>
+      </p:sp>
+      <p:sp>
+        <p:nvSpPr>
+          <p:cNvPr id="4" name="Slide Number Placeholder 3"/>
+          <p:cNvSpPr>
+            <a:spLocks noGrp="1"/>
+          </p:cNvSpPr>
+          <p:nvPr>
+            <p:ph type="sldNum"/>
+          </p:nvPr>
+        </p:nvSpPr>
+        <p:spPr/>
+        <p:txBody>
+          <a:bodyPr/>
+          <a:lstStyle/>
+          <a:p>
+            <a:pPr algn="r"/>
+            <a:fld id="{E6A780F6-23B2-4F79-8F78-ABD3DE1ABEBD}" type="slidenum">
+              <a:rPr lang="en-US" sz="1400" b="0" strike="noStrike" spc="-1" smtClean="0">
                 <a:latin typeface="Times New Roman"/>
               </a:rPr>
-              <a:t>&lt;number&gt;</a:t>
+              <a:t>16</a:t>
             </a:fld>
-            <a:endParaRPr b="0" lang="en-US" sz="1200" spc="-1" strike="noStrike">
+            <a:endParaRPr lang="en-US" sz="1400" b="0" strike="noStrike" spc="-1">
               <a:latin typeface="Times New Roman"/>
             </a:endParaRPr>
           </a:p>
         </p:txBody>
       </p:sp>
     </p:spTree>
+    <p:extLst>
+      <p:ext uri="{BB962C8B-B14F-4D97-AF65-F5344CB8AC3E}">
+        <p14:creationId xmlns:p14="http://schemas.microsoft.com/office/powerpoint/2010/main" val="2712760908"/>
+      </p:ext>
+    </p:extLst>
   </p:cSld>
+  <p:clrMapOvr>
+    <a:masterClrMapping/>
+  </p:clrMapOvr>
 </p:notes>
 </file>
 
-<file path=ppt/notesSlides/notesSlide8.xml><?xml version="1.0" encoding="utf-8"?>
-<p:notes xmlns:a="http://schemas.openxmlformats.org/drawingml/2006/main" xmlns:p="http://schemas.openxmlformats.org/presentationml/2006/main" xmlns:r="http://schemas.openxmlformats.org/officeDocument/2006/relationships" xmlns:p14="http://schemas.microsoft.com/office/powerpoint/2010/main" xmlns:p15="http://schemas.microsoft.com/office/powerpoint/2012/main" xmlns:mc="http://schemas.openxmlformats.org/markup-compatibility/2006">
+<file path=ppt/notesSlides/notesSlide17.xml><?xml version="1.0" encoding="utf-8"?>
+<p:notes xmlns:a="http://schemas.openxmlformats.org/drawingml/2006/main" xmlns:r="http://schemas.openxmlformats.org/officeDocument/2006/relationships" xmlns:p="http://schemas.openxmlformats.org/presentationml/2006/main">
   <p:cSld>
     <p:spTree>
       <p:nvGrpSpPr>
@@ -1212,9 +1391,351 @@
       </p:grpSpPr>
       <p:sp>
         <p:nvSpPr>
-          <p:cNvPr id="82" name="PlaceHolder 1"/>
-          <p:cNvSpPr>
-            <a:spLocks noGrp="1"/>
+          <p:cNvPr id="2" name="Slide Image Placeholder 1"/>
+          <p:cNvSpPr>
+            <a:spLocks noGrp="1" noRot="1" noChangeAspect="1"/>
+          </p:cNvSpPr>
+          <p:nvPr>
+            <p:ph type="sldImg"/>
+          </p:nvPr>
+        </p:nvSpPr>
+        <p:spPr>
+          <a:xfrm>
+            <a:off x="533400" y="763588"/>
+            <a:ext cx="6704013" cy="3771900"/>
+          </a:xfrm>
+        </p:spPr>
+      </p:sp>
+      <p:sp>
+        <p:nvSpPr>
+          <p:cNvPr id="3" name="Notes Placeholder 2"/>
+          <p:cNvSpPr>
+            <a:spLocks noGrp="1"/>
+          </p:cNvSpPr>
+          <p:nvPr>
+            <p:ph type="body" idx="1"/>
+          </p:nvPr>
+        </p:nvSpPr>
+        <p:spPr/>
+        <p:txBody>
+          <a:bodyPr/>
+          <a:lstStyle/>
+          <a:p>
+            <a:pPr marL="0" marR="0" lvl="0" indent="0" algn="l" defTabSz="914400" rtl="0" eaLnBrk="1" fontAlgn="auto" latinLnBrk="0" hangingPunct="1">
+              <a:lnSpc>
+                <a:spcPct val="100000"/>
+              </a:lnSpc>
+              <a:spcBef>
+                <a:spcPts val="0"/>
+              </a:spcBef>
+              <a:spcAft>
+                <a:spcPts val="0"/>
+              </a:spcAft>
+              <a:buClrTx/>
+              <a:buSzTx/>
+              <a:buFontTx/>
+              <a:buNone/>
+              <a:tabLst/>
+              <a:defRPr/>
+            </a:pPr>
+            <a:r>
+              <a:rPr lang="en-US" dirty="0"/>
+              <a:t>ccRCC_643T_Tcells 7</a:t>
+            </a:r>
+          </a:p>
+        </p:txBody>
+      </p:sp>
+      <p:sp>
+        <p:nvSpPr>
+          <p:cNvPr id="4" name="Slide Number Placeholder 3"/>
+          <p:cNvSpPr>
+            <a:spLocks noGrp="1"/>
+          </p:cNvSpPr>
+          <p:nvPr>
+            <p:ph type="sldNum"/>
+          </p:nvPr>
+        </p:nvSpPr>
+        <p:spPr/>
+        <p:txBody>
+          <a:bodyPr/>
+          <a:lstStyle/>
+          <a:p>
+            <a:pPr algn="r"/>
+            <a:fld id="{E6A780F6-23B2-4F79-8F78-ABD3DE1ABEBD}" type="slidenum">
+              <a:rPr lang="en-US" sz="1400" b="0" strike="noStrike" spc="-1" smtClean="0">
+                <a:latin typeface="Times New Roman"/>
+              </a:rPr>
+              <a:t>17</a:t>
+            </a:fld>
+            <a:endParaRPr lang="en-US" sz="1400" b="0" strike="noStrike" spc="-1">
+              <a:latin typeface="Times New Roman"/>
+            </a:endParaRPr>
+          </a:p>
+        </p:txBody>
+      </p:sp>
+    </p:spTree>
+    <p:extLst>
+      <p:ext uri="{BB962C8B-B14F-4D97-AF65-F5344CB8AC3E}">
+        <p14:creationId xmlns:p14="http://schemas.microsoft.com/office/powerpoint/2010/main" val="3231688814"/>
+      </p:ext>
+    </p:extLst>
+  </p:cSld>
+  <p:clrMapOvr>
+    <a:masterClrMapping/>
+  </p:clrMapOvr>
+</p:notes>
+</file>
+
+<file path=ppt/notesSlides/notesSlide18.xml><?xml version="1.0" encoding="utf-8"?>
+<p:notes xmlns:a="http://schemas.openxmlformats.org/drawingml/2006/main" xmlns:r="http://schemas.openxmlformats.org/officeDocument/2006/relationships" xmlns:p="http://schemas.openxmlformats.org/presentationml/2006/main">
+  <p:cSld>
+    <p:spTree>
+      <p:nvGrpSpPr>
+        <p:cNvPr id="1" name=""/>
+        <p:cNvGrpSpPr/>
+        <p:nvPr/>
+      </p:nvGrpSpPr>
+      <p:grpSpPr>
+        <a:xfrm>
+          <a:off x="0" y="0"/>
+          <a:ext cx="0" cy="0"/>
+          <a:chOff x="0" y="0"/>
+          <a:chExt cx="0" cy="0"/>
+        </a:xfrm>
+      </p:grpSpPr>
+      <p:sp>
+        <p:nvSpPr>
+          <p:cNvPr id="2" name="Slide Image Placeholder 1"/>
+          <p:cNvSpPr>
+            <a:spLocks noGrp="1" noRot="1" noChangeAspect="1"/>
+          </p:cNvSpPr>
+          <p:nvPr>
+            <p:ph type="sldImg"/>
+          </p:nvPr>
+        </p:nvSpPr>
+        <p:spPr>
+          <a:xfrm>
+            <a:off x="533400" y="763588"/>
+            <a:ext cx="6704013" cy="3771900"/>
+          </a:xfrm>
+        </p:spPr>
+      </p:sp>
+      <p:sp>
+        <p:nvSpPr>
+          <p:cNvPr id="3" name="Notes Placeholder 2"/>
+          <p:cNvSpPr>
+            <a:spLocks noGrp="1"/>
+          </p:cNvSpPr>
+          <p:nvPr>
+            <p:ph type="body" idx="1"/>
+          </p:nvPr>
+        </p:nvSpPr>
+        <p:spPr/>
+        <p:txBody>
+          <a:bodyPr/>
+          <a:lstStyle/>
+          <a:p>
+            <a:pPr marL="0" marR="0" lvl="0" indent="0" algn="l" defTabSz="914400" rtl="0" eaLnBrk="1" fontAlgn="auto" latinLnBrk="0" hangingPunct="1">
+              <a:lnSpc>
+                <a:spcPct val="100000"/>
+              </a:lnSpc>
+              <a:spcBef>
+                <a:spcPts val="0"/>
+              </a:spcBef>
+              <a:spcAft>
+                <a:spcPts val="0"/>
+              </a:spcAft>
+              <a:buClrTx/>
+              <a:buSzTx/>
+              <a:buFontTx/>
+              <a:buNone/>
+              <a:tabLst/>
+              <a:defRPr/>
+            </a:pPr>
+            <a:r>
+              <a:rPr lang="en-US" dirty="0"/>
+              <a:t>ccRCC_643T_Tcells 7</a:t>
+            </a:r>
+          </a:p>
+        </p:txBody>
+      </p:sp>
+      <p:sp>
+        <p:nvSpPr>
+          <p:cNvPr id="4" name="Slide Number Placeholder 3"/>
+          <p:cNvSpPr>
+            <a:spLocks noGrp="1"/>
+          </p:cNvSpPr>
+          <p:nvPr>
+            <p:ph type="sldNum"/>
+          </p:nvPr>
+        </p:nvSpPr>
+        <p:spPr/>
+        <p:txBody>
+          <a:bodyPr/>
+          <a:lstStyle/>
+          <a:p>
+            <a:pPr algn="r"/>
+            <a:fld id="{E6A780F6-23B2-4F79-8F78-ABD3DE1ABEBD}" type="slidenum">
+              <a:rPr lang="en-US" sz="1400" b="0" strike="noStrike" spc="-1" smtClean="0">
+                <a:latin typeface="Times New Roman"/>
+              </a:rPr>
+              <a:t>18</a:t>
+            </a:fld>
+            <a:endParaRPr lang="en-US" sz="1400" b="0" strike="noStrike" spc="-1">
+              <a:latin typeface="Times New Roman"/>
+            </a:endParaRPr>
+          </a:p>
+        </p:txBody>
+      </p:sp>
+    </p:spTree>
+    <p:extLst>
+      <p:ext uri="{BB962C8B-B14F-4D97-AF65-F5344CB8AC3E}">
+        <p14:creationId xmlns:p14="http://schemas.microsoft.com/office/powerpoint/2010/main" val="2059678537"/>
+      </p:ext>
+    </p:extLst>
+  </p:cSld>
+  <p:clrMapOvr>
+    <a:masterClrMapping/>
+  </p:clrMapOvr>
+</p:notes>
+</file>
+
+<file path=ppt/notesSlides/notesSlide19.xml><?xml version="1.0" encoding="utf-8"?>
+<p:notes xmlns:a="http://schemas.openxmlformats.org/drawingml/2006/main" xmlns:r="http://schemas.openxmlformats.org/officeDocument/2006/relationships" xmlns:p="http://schemas.openxmlformats.org/presentationml/2006/main">
+  <p:cSld>
+    <p:spTree>
+      <p:nvGrpSpPr>
+        <p:cNvPr id="1" name=""/>
+        <p:cNvGrpSpPr/>
+        <p:nvPr/>
+      </p:nvGrpSpPr>
+      <p:grpSpPr>
+        <a:xfrm>
+          <a:off x="0" y="0"/>
+          <a:ext cx="0" cy="0"/>
+          <a:chOff x="0" y="0"/>
+          <a:chExt cx="0" cy="0"/>
+        </a:xfrm>
+      </p:grpSpPr>
+      <p:sp>
+        <p:nvSpPr>
+          <p:cNvPr id="2" name="Slide Image Placeholder 1"/>
+          <p:cNvSpPr>
+            <a:spLocks noGrp="1" noRot="1" noChangeAspect="1"/>
+          </p:cNvSpPr>
+          <p:nvPr>
+            <p:ph type="sldImg"/>
+          </p:nvPr>
+        </p:nvSpPr>
+        <p:spPr>
+          <a:xfrm>
+            <a:off x="533400" y="763588"/>
+            <a:ext cx="6704013" cy="3771900"/>
+          </a:xfrm>
+        </p:spPr>
+      </p:sp>
+      <p:sp>
+        <p:nvSpPr>
+          <p:cNvPr id="3" name="Notes Placeholder 2"/>
+          <p:cNvSpPr>
+            <a:spLocks noGrp="1"/>
+          </p:cNvSpPr>
+          <p:nvPr>
+            <p:ph type="body" idx="1"/>
+          </p:nvPr>
+        </p:nvSpPr>
+        <p:spPr/>
+        <p:txBody>
+          <a:bodyPr/>
+          <a:lstStyle/>
+          <a:p>
+            <a:pPr marL="0" marR="0" lvl="0" indent="0" algn="l" defTabSz="914400" rtl="0" eaLnBrk="1" fontAlgn="auto" latinLnBrk="0" hangingPunct="1">
+              <a:lnSpc>
+                <a:spcPct val="100000"/>
+              </a:lnSpc>
+              <a:spcBef>
+                <a:spcPts val="0"/>
+              </a:spcBef>
+              <a:spcAft>
+                <a:spcPts val="0"/>
+              </a:spcAft>
+              <a:buClrTx/>
+              <a:buSzTx/>
+              <a:buFontTx/>
+              <a:buNone/>
+              <a:tabLst/>
+              <a:defRPr/>
+            </a:pPr>
+            <a:r>
+              <a:rPr lang="en-US" dirty="0"/>
+              <a:t>ccRCC_643T_Tcells 12</a:t>
+            </a:r>
+          </a:p>
+        </p:txBody>
+      </p:sp>
+      <p:sp>
+        <p:nvSpPr>
+          <p:cNvPr id="4" name="Slide Number Placeholder 3"/>
+          <p:cNvSpPr>
+            <a:spLocks noGrp="1"/>
+          </p:cNvSpPr>
+          <p:nvPr>
+            <p:ph type="sldNum"/>
+          </p:nvPr>
+        </p:nvSpPr>
+        <p:spPr/>
+        <p:txBody>
+          <a:bodyPr/>
+          <a:lstStyle/>
+          <a:p>
+            <a:pPr algn="r"/>
+            <a:fld id="{E6A780F6-23B2-4F79-8F78-ABD3DE1ABEBD}" type="slidenum">
+              <a:rPr lang="en-US" sz="1400" b="0" strike="noStrike" spc="-1" smtClean="0">
+                <a:latin typeface="Times New Roman"/>
+              </a:rPr>
+              <a:t>19</a:t>
+            </a:fld>
+            <a:endParaRPr lang="en-US" sz="1400" b="0" strike="noStrike" spc="-1">
+              <a:latin typeface="Times New Roman"/>
+            </a:endParaRPr>
+          </a:p>
+        </p:txBody>
+      </p:sp>
+    </p:spTree>
+    <p:extLst>
+      <p:ext uri="{BB962C8B-B14F-4D97-AF65-F5344CB8AC3E}">
+        <p14:creationId xmlns:p14="http://schemas.microsoft.com/office/powerpoint/2010/main" val="679421937"/>
+      </p:ext>
+    </p:extLst>
+  </p:cSld>
+  <p:clrMapOvr>
+    <a:masterClrMapping/>
+  </p:clrMapOvr>
+</p:notes>
+</file>
+
+<file path=ppt/notesSlides/notesSlide2.xml><?xml version="1.0" encoding="utf-8"?>
+<p:notes xmlns:a="http://schemas.openxmlformats.org/drawingml/2006/main" xmlns:r="http://schemas.openxmlformats.org/officeDocument/2006/relationships" xmlns:p="http://schemas.openxmlformats.org/presentationml/2006/main">
+  <p:cSld>
+    <p:spTree>
+      <p:nvGrpSpPr>
+        <p:cNvPr id="1" name=""/>
+        <p:cNvGrpSpPr/>
+        <p:nvPr/>
+      </p:nvGrpSpPr>
+      <p:grpSpPr>
+        <a:xfrm>
+          <a:off x="0" y="0"/>
+          <a:ext cx="0" cy="0"/>
+          <a:chOff x="0" y="0"/>
+          <a:chExt cx="0" cy="0"/>
+        </a:xfrm>
+      </p:grpSpPr>
+      <p:sp>
+        <p:nvSpPr>
+          <p:cNvPr id="64" name="PlaceHolder 1"/>
+          <p:cNvSpPr>
+            <a:spLocks noGrp="1" noRot="1" noChangeAspect="1"/>
           </p:cNvSpPr>
           <p:nvPr>
             <p:ph type="sldImg"/>
@@ -1232,7 +1753,7 @@
       </p:sp>
       <p:sp>
         <p:nvSpPr>
-          <p:cNvPr id="83" name="PlaceHolder 2"/>
+          <p:cNvPr id="65" name="PlaceHolder 2"/>
           <p:cNvSpPr>
             <a:spLocks noGrp="1"/>
           </p:cNvSpPr>
@@ -1253,6 +1774,478 @@
           <a:bodyPr>
             <a:noAutofit/>
           </a:bodyPr>
+          <a:lstStyle/>
+          <a:p>
+            <a:pPr marL="216000" indent="-216000">
+              <a:lnSpc>
+                <a:spcPct val="100000"/>
+              </a:lnSpc>
+            </a:pPr>
+            <a:r>
+              <a:rPr lang="en-US" sz="2000" b="0" strike="noStrike" spc="-1">
+                <a:latin typeface="Arial"/>
+              </a:rPr>
+              <a:t>ccRCC_652T_Tcells 8</a:t>
+            </a:r>
+          </a:p>
+        </p:txBody>
+      </p:sp>
+      <p:sp>
+        <p:nvSpPr>
+          <p:cNvPr id="66" name="TextShape 3"/>
+          <p:cNvSpPr txBox="1"/>
+          <p:nvPr/>
+        </p:nvSpPr>
+        <p:spPr>
+          <a:xfrm>
+            <a:off x="3884760" y="8685360"/>
+            <a:ext cx="2971440" cy="458280"/>
+          </a:xfrm>
+          <a:prstGeom prst="rect">
+            <a:avLst/>
+          </a:prstGeom>
+          <a:noFill/>
+          <a:ln>
+            <a:noFill/>
+          </a:ln>
+        </p:spPr>
+        <p:txBody>
+          <a:bodyPr anchor="b">
+            <a:noAutofit/>
+          </a:bodyPr>
+          <a:lstStyle/>
+          <a:p>
+            <a:pPr algn="r">
+              <a:lnSpc>
+                <a:spcPct val="100000"/>
+              </a:lnSpc>
+            </a:pPr>
+            <a:fld id="{F7D867C2-B9EF-4415-9519-AF93BC81D057}" type="slidenum">
+              <a:rPr lang="en-US" sz="1200" b="0" strike="noStrike" spc="-1">
+                <a:latin typeface="Times New Roman"/>
+              </a:rPr>
+              <a:t>2</a:t>
+            </a:fld>
+            <a:endParaRPr lang="en-US" sz="1200" b="0" strike="noStrike" spc="-1">
+              <a:latin typeface="Times New Roman"/>
+            </a:endParaRPr>
+          </a:p>
+        </p:txBody>
+      </p:sp>
+    </p:spTree>
+  </p:cSld>
+  <p:clrMapOvr>
+    <a:masterClrMapping/>
+  </p:clrMapOvr>
+</p:notes>
+</file>
+
+<file path=ppt/notesSlides/notesSlide20.xml><?xml version="1.0" encoding="utf-8"?>
+<p:notes xmlns:a="http://schemas.openxmlformats.org/drawingml/2006/main" xmlns:r="http://schemas.openxmlformats.org/officeDocument/2006/relationships" xmlns:p="http://schemas.openxmlformats.org/presentationml/2006/main">
+  <p:cSld>
+    <p:spTree>
+      <p:nvGrpSpPr>
+        <p:cNvPr id="1" name=""/>
+        <p:cNvGrpSpPr/>
+        <p:nvPr/>
+      </p:nvGrpSpPr>
+      <p:grpSpPr>
+        <a:xfrm>
+          <a:off x="0" y="0"/>
+          <a:ext cx="0" cy="0"/>
+          <a:chOff x="0" y="0"/>
+          <a:chExt cx="0" cy="0"/>
+        </a:xfrm>
+      </p:grpSpPr>
+      <p:sp>
+        <p:nvSpPr>
+          <p:cNvPr id="2" name="Slide Image Placeholder 1"/>
+          <p:cNvSpPr>
+            <a:spLocks noGrp="1" noRot="1" noChangeAspect="1"/>
+          </p:cNvSpPr>
+          <p:nvPr>
+            <p:ph type="sldImg"/>
+          </p:nvPr>
+        </p:nvSpPr>
+        <p:spPr>
+          <a:xfrm>
+            <a:off x="533400" y="763588"/>
+            <a:ext cx="6704013" cy="3771900"/>
+          </a:xfrm>
+        </p:spPr>
+      </p:sp>
+      <p:sp>
+        <p:nvSpPr>
+          <p:cNvPr id="3" name="Notes Placeholder 2"/>
+          <p:cNvSpPr>
+            <a:spLocks noGrp="1"/>
+          </p:cNvSpPr>
+          <p:nvPr>
+            <p:ph type="body" idx="1"/>
+          </p:nvPr>
+        </p:nvSpPr>
+        <p:spPr/>
+        <p:txBody>
+          <a:bodyPr/>
+          <a:lstStyle/>
+          <a:p>
+            <a:pPr marL="0" marR="0" lvl="0" indent="0" algn="l" defTabSz="914400" rtl="0" eaLnBrk="1" fontAlgn="auto" latinLnBrk="0" hangingPunct="1">
+              <a:lnSpc>
+                <a:spcPct val="100000"/>
+              </a:lnSpc>
+              <a:spcBef>
+                <a:spcPts val="0"/>
+              </a:spcBef>
+              <a:spcAft>
+                <a:spcPts val="0"/>
+              </a:spcAft>
+              <a:buClrTx/>
+              <a:buSzTx/>
+              <a:buFontTx/>
+              <a:buNone/>
+              <a:tabLst/>
+              <a:defRPr/>
+            </a:pPr>
+            <a:r>
+              <a:rPr lang="en-US" dirty="0"/>
+              <a:t>ccRCC_643T_Tcells 12</a:t>
+            </a:r>
+          </a:p>
+          <a:p>
+            <a:endParaRPr lang="en-US" dirty="0"/>
+          </a:p>
+        </p:txBody>
+      </p:sp>
+      <p:sp>
+        <p:nvSpPr>
+          <p:cNvPr id="4" name="Slide Number Placeholder 3"/>
+          <p:cNvSpPr>
+            <a:spLocks noGrp="1"/>
+          </p:cNvSpPr>
+          <p:nvPr>
+            <p:ph type="sldNum"/>
+          </p:nvPr>
+        </p:nvSpPr>
+        <p:spPr/>
+        <p:txBody>
+          <a:bodyPr/>
+          <a:lstStyle/>
+          <a:p>
+            <a:pPr algn="r"/>
+            <a:fld id="{E6A780F6-23B2-4F79-8F78-ABD3DE1ABEBD}" type="slidenum">
+              <a:rPr lang="en-US" sz="1400" b="0" strike="noStrike" spc="-1" smtClean="0">
+                <a:latin typeface="Times New Roman"/>
+              </a:rPr>
+              <a:t>20</a:t>
+            </a:fld>
+            <a:endParaRPr lang="en-US" sz="1400" b="0" strike="noStrike" spc="-1">
+              <a:latin typeface="Times New Roman"/>
+            </a:endParaRPr>
+          </a:p>
+        </p:txBody>
+      </p:sp>
+    </p:spTree>
+    <p:extLst>
+      <p:ext uri="{BB962C8B-B14F-4D97-AF65-F5344CB8AC3E}">
+        <p14:creationId xmlns:p14="http://schemas.microsoft.com/office/powerpoint/2010/main" val="1504146677"/>
+      </p:ext>
+    </p:extLst>
+  </p:cSld>
+  <p:clrMapOvr>
+    <a:masterClrMapping/>
+  </p:clrMapOvr>
+</p:notes>
+</file>
+
+<file path=ppt/notesSlides/notesSlide21.xml><?xml version="1.0" encoding="utf-8"?>
+<p:notes xmlns:a="http://schemas.openxmlformats.org/drawingml/2006/main" xmlns:r="http://schemas.openxmlformats.org/officeDocument/2006/relationships" xmlns:p="http://schemas.openxmlformats.org/presentationml/2006/main">
+  <p:cSld>
+    <p:spTree>
+      <p:nvGrpSpPr>
+        <p:cNvPr id="1" name=""/>
+        <p:cNvGrpSpPr/>
+        <p:nvPr/>
+      </p:nvGrpSpPr>
+      <p:grpSpPr>
+        <a:xfrm>
+          <a:off x="0" y="0"/>
+          <a:ext cx="0" cy="0"/>
+          <a:chOff x="0" y="0"/>
+          <a:chExt cx="0" cy="0"/>
+        </a:xfrm>
+      </p:grpSpPr>
+      <p:sp>
+        <p:nvSpPr>
+          <p:cNvPr id="2" name="Slide Image Placeholder 1"/>
+          <p:cNvSpPr>
+            <a:spLocks noGrp="1" noRot="1" noChangeAspect="1"/>
+          </p:cNvSpPr>
+          <p:nvPr>
+            <p:ph type="sldImg"/>
+          </p:nvPr>
+        </p:nvSpPr>
+        <p:spPr>
+          <a:xfrm>
+            <a:off x="533400" y="763588"/>
+            <a:ext cx="6704013" cy="3771900"/>
+          </a:xfrm>
+        </p:spPr>
+      </p:sp>
+      <p:sp>
+        <p:nvSpPr>
+          <p:cNvPr id="3" name="Notes Placeholder 2"/>
+          <p:cNvSpPr>
+            <a:spLocks noGrp="1"/>
+          </p:cNvSpPr>
+          <p:nvPr>
+            <p:ph type="body" idx="1"/>
+          </p:nvPr>
+        </p:nvSpPr>
+        <p:spPr/>
+        <p:txBody>
+          <a:bodyPr/>
+          <a:lstStyle/>
+          <a:p>
+            <a:pPr marL="0" marR="0" lvl="0" indent="0" algn="l" defTabSz="914400" rtl="0" eaLnBrk="1" fontAlgn="auto" latinLnBrk="0" hangingPunct="1">
+              <a:lnSpc>
+                <a:spcPct val="100000"/>
+              </a:lnSpc>
+              <a:spcBef>
+                <a:spcPts val="0"/>
+              </a:spcBef>
+              <a:spcAft>
+                <a:spcPts val="0"/>
+              </a:spcAft>
+              <a:buClrTx/>
+              <a:buSzTx/>
+              <a:buFontTx/>
+              <a:buNone/>
+              <a:tabLst/>
+              <a:defRPr/>
+            </a:pPr>
+            <a:r>
+              <a:rPr lang="en-US" dirty="0"/>
+              <a:t>ccRCC_643T_Tcells 15</a:t>
+            </a:r>
+          </a:p>
+        </p:txBody>
+      </p:sp>
+      <p:sp>
+        <p:nvSpPr>
+          <p:cNvPr id="4" name="Slide Number Placeholder 3"/>
+          <p:cNvSpPr>
+            <a:spLocks noGrp="1"/>
+          </p:cNvSpPr>
+          <p:nvPr>
+            <p:ph type="sldNum"/>
+          </p:nvPr>
+        </p:nvSpPr>
+        <p:spPr/>
+        <p:txBody>
+          <a:bodyPr/>
+          <a:lstStyle/>
+          <a:p>
+            <a:pPr algn="r"/>
+            <a:fld id="{E6A780F6-23B2-4F79-8F78-ABD3DE1ABEBD}" type="slidenum">
+              <a:rPr lang="en-US" sz="1400" b="0" strike="noStrike" spc="-1" smtClean="0">
+                <a:latin typeface="Times New Roman"/>
+              </a:rPr>
+              <a:t>21</a:t>
+            </a:fld>
+            <a:endParaRPr lang="en-US" sz="1400" b="0" strike="noStrike" spc="-1">
+              <a:latin typeface="Times New Roman"/>
+            </a:endParaRPr>
+          </a:p>
+        </p:txBody>
+      </p:sp>
+    </p:spTree>
+    <p:extLst>
+      <p:ext uri="{BB962C8B-B14F-4D97-AF65-F5344CB8AC3E}">
+        <p14:creationId xmlns:p14="http://schemas.microsoft.com/office/powerpoint/2010/main" val="2673147121"/>
+      </p:ext>
+    </p:extLst>
+  </p:cSld>
+  <p:clrMapOvr>
+    <a:masterClrMapping/>
+  </p:clrMapOvr>
+</p:notes>
+</file>
+
+<file path=ppt/notesSlides/notesSlide22.xml><?xml version="1.0" encoding="utf-8"?>
+<p:notes xmlns:a="http://schemas.openxmlformats.org/drawingml/2006/main" xmlns:r="http://schemas.openxmlformats.org/officeDocument/2006/relationships" xmlns:p="http://schemas.openxmlformats.org/presentationml/2006/main">
+  <p:cSld>
+    <p:spTree>
+      <p:nvGrpSpPr>
+        <p:cNvPr id="1" name=""/>
+        <p:cNvGrpSpPr/>
+        <p:nvPr/>
+      </p:nvGrpSpPr>
+      <p:grpSpPr>
+        <a:xfrm>
+          <a:off x="0" y="0"/>
+          <a:ext cx="0" cy="0"/>
+          <a:chOff x="0" y="0"/>
+          <a:chExt cx="0" cy="0"/>
+        </a:xfrm>
+      </p:grpSpPr>
+      <p:sp>
+        <p:nvSpPr>
+          <p:cNvPr id="2" name="Slide Image Placeholder 1"/>
+          <p:cNvSpPr>
+            <a:spLocks noGrp="1" noRot="1" noChangeAspect="1"/>
+          </p:cNvSpPr>
+          <p:nvPr>
+            <p:ph type="sldImg"/>
+          </p:nvPr>
+        </p:nvSpPr>
+        <p:spPr>
+          <a:xfrm>
+            <a:off x="533400" y="763588"/>
+            <a:ext cx="6704013" cy="3771900"/>
+          </a:xfrm>
+        </p:spPr>
+      </p:sp>
+      <p:sp>
+        <p:nvSpPr>
+          <p:cNvPr id="3" name="Notes Placeholder 2"/>
+          <p:cNvSpPr>
+            <a:spLocks noGrp="1"/>
+          </p:cNvSpPr>
+          <p:nvPr>
+            <p:ph type="body" idx="1"/>
+          </p:nvPr>
+        </p:nvSpPr>
+        <p:spPr/>
+        <p:txBody>
+          <a:bodyPr/>
+          <a:lstStyle/>
+          <a:p>
+            <a:pPr marL="0" marR="0" lvl="0" indent="0" algn="l" defTabSz="914400" rtl="0" eaLnBrk="1" fontAlgn="auto" latinLnBrk="0" hangingPunct="1">
+              <a:lnSpc>
+                <a:spcPct val="100000"/>
+              </a:lnSpc>
+              <a:spcBef>
+                <a:spcPts val="0"/>
+              </a:spcBef>
+              <a:spcAft>
+                <a:spcPts val="0"/>
+              </a:spcAft>
+              <a:buClrTx/>
+              <a:buSzTx/>
+              <a:buFontTx/>
+              <a:buNone/>
+              <a:tabLst/>
+              <a:defRPr/>
+            </a:pPr>
+            <a:r>
+              <a:rPr lang="en-US" dirty="0"/>
+              <a:t>ccRCC_643T_Tcells 15</a:t>
+            </a:r>
+          </a:p>
+        </p:txBody>
+      </p:sp>
+      <p:sp>
+        <p:nvSpPr>
+          <p:cNvPr id="4" name="Slide Number Placeholder 3"/>
+          <p:cNvSpPr>
+            <a:spLocks noGrp="1"/>
+          </p:cNvSpPr>
+          <p:nvPr>
+            <p:ph type="sldNum"/>
+          </p:nvPr>
+        </p:nvSpPr>
+        <p:spPr/>
+        <p:txBody>
+          <a:bodyPr/>
+          <a:lstStyle/>
+          <a:p>
+            <a:pPr algn="r"/>
+            <a:fld id="{E6A780F6-23B2-4F79-8F78-ABD3DE1ABEBD}" type="slidenum">
+              <a:rPr lang="en-US" sz="1400" b="0" strike="noStrike" spc="-1" smtClean="0">
+                <a:latin typeface="Times New Roman"/>
+              </a:rPr>
+              <a:t>22</a:t>
+            </a:fld>
+            <a:endParaRPr lang="en-US" sz="1400" b="0" strike="noStrike" spc="-1">
+              <a:latin typeface="Times New Roman"/>
+            </a:endParaRPr>
+          </a:p>
+        </p:txBody>
+      </p:sp>
+    </p:spTree>
+    <p:extLst>
+      <p:ext uri="{BB962C8B-B14F-4D97-AF65-F5344CB8AC3E}">
+        <p14:creationId xmlns:p14="http://schemas.microsoft.com/office/powerpoint/2010/main" val="4123238941"/>
+      </p:ext>
+    </p:extLst>
+  </p:cSld>
+  <p:clrMapOvr>
+    <a:masterClrMapping/>
+  </p:clrMapOvr>
+</p:notes>
+</file>
+
+<file path=ppt/notesSlides/notesSlide3.xml><?xml version="1.0" encoding="utf-8"?>
+<p:notes xmlns:a="http://schemas.openxmlformats.org/drawingml/2006/main" xmlns:r="http://schemas.openxmlformats.org/officeDocument/2006/relationships" xmlns:p="http://schemas.openxmlformats.org/presentationml/2006/main">
+  <p:cSld>
+    <p:spTree>
+      <p:nvGrpSpPr>
+        <p:cNvPr id="1" name=""/>
+        <p:cNvGrpSpPr/>
+        <p:nvPr/>
+      </p:nvGrpSpPr>
+      <p:grpSpPr>
+        <a:xfrm>
+          <a:off x="0" y="0"/>
+          <a:ext cx="0" cy="0"/>
+          <a:chOff x="0" y="0"/>
+          <a:chExt cx="0" cy="0"/>
+        </a:xfrm>
+      </p:grpSpPr>
+      <p:sp>
+        <p:nvSpPr>
+          <p:cNvPr id="67" name="PlaceHolder 1"/>
+          <p:cNvSpPr>
+            <a:spLocks noGrp="1" noRot="1" noChangeAspect="1"/>
+          </p:cNvSpPr>
+          <p:nvPr>
+            <p:ph type="sldImg"/>
+          </p:nvPr>
+        </p:nvSpPr>
+        <p:spPr>
+          <a:xfrm>
+            <a:off x="685800" y="1143000"/>
+            <a:ext cx="5486040" cy="3085920"/>
+          </a:xfrm>
+          <a:prstGeom prst="rect">
+            <a:avLst/>
+          </a:prstGeom>
+        </p:spPr>
+      </p:sp>
+      <p:sp>
+        <p:nvSpPr>
+          <p:cNvPr id="68" name="PlaceHolder 2"/>
+          <p:cNvSpPr>
+            <a:spLocks noGrp="1"/>
+          </p:cNvSpPr>
+          <p:nvPr>
+            <p:ph type="body"/>
+          </p:nvPr>
+        </p:nvSpPr>
+        <p:spPr>
+          <a:xfrm>
+            <a:off x="685800" y="4400640"/>
+            <a:ext cx="5486040" cy="3600000"/>
+          </a:xfrm>
+          <a:prstGeom prst="rect">
+            <a:avLst/>
+          </a:prstGeom>
+        </p:spPr>
+        <p:txBody>
+          <a:bodyPr>
+            <a:noAutofit/>
+          </a:bodyPr>
+          <a:lstStyle/>
           <a:p>
             <a:pPr>
               <a:lnSpc>
@@ -1260,14 +2253,11 @@
               </a:lnSpc>
             </a:pPr>
             <a:r>
-              <a:rPr b="0" lang="en-US" sz="2000" spc="-1" strike="noStrike">
+              <a:rPr lang="en-US" sz="2000" b="0" strike="noStrike" spc="-1">
                 <a:latin typeface="Arial"/>
               </a:rPr>
-              <a:t>ccRCC_652T_Tcells 7 removal of insensitive cluster</a:t>
+              <a:t>ccRCC_652T_Tcells 10</a:t>
             </a:r>
-            <a:endParaRPr b="0" lang="en-US" sz="2000" spc="-1" strike="noStrike">
-              <a:latin typeface="Arial"/>
-            </a:endParaRPr>
           </a:p>
           <a:p>
             <a:pPr>
@@ -1275,7 +2265,7 @@
                 <a:spcPct val="100000"/>
               </a:lnSpc>
             </a:pPr>
-            <a:endParaRPr b="0" lang="en-US" sz="2000" spc="-1" strike="noStrike">
+            <a:endParaRPr lang="en-US" sz="2000" b="0" strike="noStrike" spc="-1">
               <a:latin typeface="Arial"/>
             </a:endParaRPr>
           </a:p>
@@ -1283,7 +2273,7 @@
       </p:sp>
       <p:sp>
         <p:nvSpPr>
-          <p:cNvPr id="84" name="TextShape 3"/>
+          <p:cNvPr id="69" name="TextShape 3"/>
           <p:cNvSpPr txBox="1"/>
           <p:nvPr/>
         </p:nvSpPr>
@@ -1304,6 +2294,715 @@
           <a:bodyPr anchor="b">
             <a:noAutofit/>
           </a:bodyPr>
+          <a:lstStyle/>
+          <a:p>
+            <a:pPr algn="r">
+              <a:lnSpc>
+                <a:spcPct val="100000"/>
+              </a:lnSpc>
+            </a:pPr>
+            <a:fld id="{06B113EF-9C5E-4023-A86E-04358B1A027F}" type="slidenum">
+              <a:rPr lang="en-US" sz="1200" b="0" strike="noStrike" spc="-1">
+                <a:latin typeface="Times New Roman"/>
+              </a:rPr>
+              <a:t>3</a:t>
+            </a:fld>
+            <a:endParaRPr lang="en-US" sz="1200" b="0" strike="noStrike" spc="-1">
+              <a:latin typeface="Times New Roman"/>
+            </a:endParaRPr>
+          </a:p>
+        </p:txBody>
+      </p:sp>
+    </p:spTree>
+  </p:cSld>
+  <p:clrMapOvr>
+    <a:masterClrMapping/>
+  </p:clrMapOvr>
+</p:notes>
+</file>
+
+<file path=ppt/notesSlides/notesSlide4.xml><?xml version="1.0" encoding="utf-8"?>
+<p:notes xmlns:a="http://schemas.openxmlformats.org/drawingml/2006/main" xmlns:r="http://schemas.openxmlformats.org/officeDocument/2006/relationships" xmlns:p="http://schemas.openxmlformats.org/presentationml/2006/main">
+  <p:cSld>
+    <p:spTree>
+      <p:nvGrpSpPr>
+        <p:cNvPr id="1" name=""/>
+        <p:cNvGrpSpPr/>
+        <p:nvPr/>
+      </p:nvGrpSpPr>
+      <p:grpSpPr>
+        <a:xfrm>
+          <a:off x="0" y="0"/>
+          <a:ext cx="0" cy="0"/>
+          <a:chOff x="0" y="0"/>
+          <a:chExt cx="0" cy="0"/>
+        </a:xfrm>
+      </p:grpSpPr>
+      <p:sp>
+        <p:nvSpPr>
+          <p:cNvPr id="70" name="PlaceHolder 1"/>
+          <p:cNvSpPr>
+            <a:spLocks noGrp="1" noRot="1" noChangeAspect="1"/>
+          </p:cNvSpPr>
+          <p:nvPr>
+            <p:ph type="sldImg"/>
+          </p:nvPr>
+        </p:nvSpPr>
+        <p:spPr>
+          <a:xfrm>
+            <a:off x="685800" y="1143000"/>
+            <a:ext cx="5486040" cy="3085920"/>
+          </a:xfrm>
+          <a:prstGeom prst="rect">
+            <a:avLst/>
+          </a:prstGeom>
+        </p:spPr>
+      </p:sp>
+      <p:sp>
+        <p:nvSpPr>
+          <p:cNvPr id="71" name="PlaceHolder 2"/>
+          <p:cNvSpPr>
+            <a:spLocks noGrp="1"/>
+          </p:cNvSpPr>
+          <p:nvPr>
+            <p:ph type="body"/>
+          </p:nvPr>
+        </p:nvSpPr>
+        <p:spPr>
+          <a:xfrm>
+            <a:off x="685800" y="4400640"/>
+            <a:ext cx="5486040" cy="3600000"/>
+          </a:xfrm>
+          <a:prstGeom prst="rect">
+            <a:avLst/>
+          </a:prstGeom>
+        </p:spPr>
+        <p:txBody>
+          <a:bodyPr>
+            <a:noAutofit/>
+          </a:bodyPr>
+          <a:lstStyle/>
+          <a:p>
+            <a:pPr>
+              <a:lnSpc>
+                <a:spcPct val="100000"/>
+              </a:lnSpc>
+            </a:pPr>
+            <a:r>
+              <a:rPr lang="en-US" sz="2000" b="0" strike="noStrike" spc="-1">
+                <a:latin typeface="Arial"/>
+              </a:rPr>
+              <a:t>ccRCC_652T_Tcells 10</a:t>
+            </a:r>
+          </a:p>
+          <a:p>
+            <a:pPr>
+              <a:lnSpc>
+                <a:spcPct val="100000"/>
+              </a:lnSpc>
+            </a:pPr>
+            <a:endParaRPr lang="en-US" sz="2000" b="0" strike="noStrike" spc="-1">
+              <a:latin typeface="Arial"/>
+            </a:endParaRPr>
+          </a:p>
+        </p:txBody>
+      </p:sp>
+      <p:sp>
+        <p:nvSpPr>
+          <p:cNvPr id="72" name="TextShape 3"/>
+          <p:cNvSpPr txBox="1"/>
+          <p:nvPr/>
+        </p:nvSpPr>
+        <p:spPr>
+          <a:xfrm>
+            <a:off x="3884760" y="8685360"/>
+            <a:ext cx="2971440" cy="458280"/>
+          </a:xfrm>
+          <a:prstGeom prst="rect">
+            <a:avLst/>
+          </a:prstGeom>
+          <a:noFill/>
+          <a:ln>
+            <a:noFill/>
+          </a:ln>
+        </p:spPr>
+        <p:txBody>
+          <a:bodyPr anchor="b">
+            <a:noAutofit/>
+          </a:bodyPr>
+          <a:lstStyle/>
+          <a:p>
+            <a:pPr algn="r">
+              <a:lnSpc>
+                <a:spcPct val="100000"/>
+              </a:lnSpc>
+            </a:pPr>
+            <a:fld id="{2494F202-B7A8-4E4F-9E31-C634A5E530D9}" type="slidenum">
+              <a:rPr lang="en-US" sz="1200" b="0" strike="noStrike" spc="-1">
+                <a:latin typeface="Times New Roman"/>
+              </a:rPr>
+              <a:t>4</a:t>
+            </a:fld>
+            <a:endParaRPr lang="en-US" sz="1200" b="0" strike="noStrike" spc="-1">
+              <a:latin typeface="Times New Roman"/>
+            </a:endParaRPr>
+          </a:p>
+        </p:txBody>
+      </p:sp>
+    </p:spTree>
+  </p:cSld>
+  <p:clrMapOvr>
+    <a:masterClrMapping/>
+  </p:clrMapOvr>
+</p:notes>
+</file>
+
+<file path=ppt/notesSlides/notesSlide5.xml><?xml version="1.0" encoding="utf-8"?>
+<p:notes xmlns:a="http://schemas.openxmlformats.org/drawingml/2006/main" xmlns:r="http://schemas.openxmlformats.org/officeDocument/2006/relationships" xmlns:p="http://schemas.openxmlformats.org/presentationml/2006/main">
+  <p:cSld>
+    <p:spTree>
+      <p:nvGrpSpPr>
+        <p:cNvPr id="1" name=""/>
+        <p:cNvGrpSpPr/>
+        <p:nvPr/>
+      </p:nvGrpSpPr>
+      <p:grpSpPr>
+        <a:xfrm>
+          <a:off x="0" y="0"/>
+          <a:ext cx="0" cy="0"/>
+          <a:chOff x="0" y="0"/>
+          <a:chExt cx="0" cy="0"/>
+        </a:xfrm>
+      </p:grpSpPr>
+      <p:sp>
+        <p:nvSpPr>
+          <p:cNvPr id="73" name="PlaceHolder 1"/>
+          <p:cNvSpPr>
+            <a:spLocks noGrp="1" noRot="1" noChangeAspect="1"/>
+          </p:cNvSpPr>
+          <p:nvPr>
+            <p:ph type="sldImg"/>
+          </p:nvPr>
+        </p:nvSpPr>
+        <p:spPr>
+          <a:xfrm>
+            <a:off x="685800" y="1143000"/>
+            <a:ext cx="5486400" cy="3086100"/>
+          </a:xfrm>
+          <a:prstGeom prst="rect">
+            <a:avLst/>
+          </a:prstGeom>
+        </p:spPr>
+      </p:sp>
+      <p:sp>
+        <p:nvSpPr>
+          <p:cNvPr id="74" name="PlaceHolder 2"/>
+          <p:cNvSpPr>
+            <a:spLocks noGrp="1"/>
+          </p:cNvSpPr>
+          <p:nvPr>
+            <p:ph type="body"/>
+          </p:nvPr>
+        </p:nvSpPr>
+        <p:spPr>
+          <a:xfrm>
+            <a:off x="685800" y="4400640"/>
+            <a:ext cx="5486040" cy="3600000"/>
+          </a:xfrm>
+          <a:prstGeom prst="rect">
+            <a:avLst/>
+          </a:prstGeom>
+        </p:spPr>
+        <p:txBody>
+          <a:bodyPr>
+            <a:noAutofit/>
+          </a:bodyPr>
+          <a:lstStyle/>
+          <a:p>
+            <a:pPr>
+              <a:lnSpc>
+                <a:spcPct val="100000"/>
+              </a:lnSpc>
+            </a:pPr>
+            <a:r>
+              <a:rPr lang="en-US" sz="2000" b="0" strike="noStrike" spc="-1" dirty="0">
+                <a:latin typeface="Arial"/>
+              </a:rPr>
+              <a:t>ccRCC_652T_Tcells 10 removal of insensitive cluster</a:t>
+            </a:r>
+          </a:p>
+          <a:p>
+            <a:pPr>
+              <a:lnSpc>
+                <a:spcPct val="100000"/>
+              </a:lnSpc>
+            </a:pPr>
+            <a:r>
+              <a:rPr lang="en-US" sz="2000" b="0" strike="noStrike" spc="-1" dirty="0">
+                <a:latin typeface="Arial"/>
+              </a:rPr>
+              <a:t>Ideas: 1. Removal of insensitive cluster</a:t>
+            </a:r>
+          </a:p>
+          <a:p>
+            <a:pPr>
+              <a:lnSpc>
+                <a:spcPct val="100000"/>
+              </a:lnSpc>
+            </a:pPr>
+            <a:r>
+              <a:rPr lang="en-US" sz="2000" b="0" strike="noStrike" spc="-1" dirty="0">
+                <a:latin typeface="Arial"/>
+              </a:rPr>
+              <a:t>2. Use of weighted outlier for </a:t>
+            </a:r>
+            <a:r>
+              <a:rPr lang="en-US" sz="2000" b="0" strike="noStrike" spc="-1" dirty="0" err="1">
+                <a:latin typeface="Arial"/>
+              </a:rPr>
+              <a:t>subclustering</a:t>
+            </a:r>
+            <a:r>
+              <a:rPr lang="en-US" sz="2000" b="0" strike="noStrike" spc="-1" dirty="0">
+                <a:latin typeface="Arial"/>
+              </a:rPr>
+              <a:t> 7 for example</a:t>
+            </a:r>
+          </a:p>
+        </p:txBody>
+      </p:sp>
+      <p:sp>
+        <p:nvSpPr>
+          <p:cNvPr id="75" name="TextShape 3"/>
+          <p:cNvSpPr txBox="1"/>
+          <p:nvPr/>
+        </p:nvSpPr>
+        <p:spPr>
+          <a:xfrm>
+            <a:off x="3884760" y="8685360"/>
+            <a:ext cx="2971440" cy="458280"/>
+          </a:xfrm>
+          <a:prstGeom prst="rect">
+            <a:avLst/>
+          </a:prstGeom>
+          <a:noFill/>
+          <a:ln>
+            <a:noFill/>
+          </a:ln>
+        </p:spPr>
+        <p:txBody>
+          <a:bodyPr anchor="b">
+            <a:noAutofit/>
+          </a:bodyPr>
+          <a:lstStyle/>
+          <a:p>
+            <a:pPr algn="r">
+              <a:lnSpc>
+                <a:spcPct val="100000"/>
+              </a:lnSpc>
+            </a:pPr>
+            <a:fld id="{8EE84759-B66B-44BF-957C-2724A823FD43}" type="slidenum">
+              <a:rPr lang="en-US" sz="1200" b="0" strike="noStrike" spc="-1">
+                <a:latin typeface="Times New Roman"/>
+              </a:rPr>
+              <a:t>5</a:t>
+            </a:fld>
+            <a:endParaRPr lang="en-US" sz="1200" b="0" strike="noStrike" spc="-1">
+              <a:latin typeface="Times New Roman"/>
+            </a:endParaRPr>
+          </a:p>
+        </p:txBody>
+      </p:sp>
+    </p:spTree>
+  </p:cSld>
+  <p:clrMapOvr>
+    <a:masterClrMapping/>
+  </p:clrMapOvr>
+</p:notes>
+</file>
+
+<file path=ppt/notesSlides/notesSlide6.xml><?xml version="1.0" encoding="utf-8"?>
+<p:notes xmlns:a="http://schemas.openxmlformats.org/drawingml/2006/main" xmlns:r="http://schemas.openxmlformats.org/officeDocument/2006/relationships" xmlns:p="http://schemas.openxmlformats.org/presentationml/2006/main">
+  <p:cSld>
+    <p:spTree>
+      <p:nvGrpSpPr>
+        <p:cNvPr id="1" name=""/>
+        <p:cNvGrpSpPr/>
+        <p:nvPr/>
+      </p:nvGrpSpPr>
+      <p:grpSpPr>
+        <a:xfrm>
+          <a:off x="0" y="0"/>
+          <a:ext cx="0" cy="0"/>
+          <a:chOff x="0" y="0"/>
+          <a:chExt cx="0" cy="0"/>
+        </a:xfrm>
+      </p:grpSpPr>
+      <p:sp>
+        <p:nvSpPr>
+          <p:cNvPr id="76" name="PlaceHolder 1"/>
+          <p:cNvSpPr>
+            <a:spLocks noGrp="1" noRot="1" noChangeAspect="1"/>
+          </p:cNvSpPr>
+          <p:nvPr>
+            <p:ph type="sldImg"/>
+          </p:nvPr>
+        </p:nvSpPr>
+        <p:spPr>
+          <a:xfrm>
+            <a:off x="685800" y="1143000"/>
+            <a:ext cx="5486040" cy="3085920"/>
+          </a:xfrm>
+          <a:prstGeom prst="rect">
+            <a:avLst/>
+          </a:prstGeom>
+        </p:spPr>
+      </p:sp>
+      <p:sp>
+        <p:nvSpPr>
+          <p:cNvPr id="77" name="PlaceHolder 2"/>
+          <p:cNvSpPr>
+            <a:spLocks noGrp="1"/>
+          </p:cNvSpPr>
+          <p:nvPr>
+            <p:ph type="body"/>
+          </p:nvPr>
+        </p:nvSpPr>
+        <p:spPr>
+          <a:xfrm>
+            <a:off x="685800" y="4400640"/>
+            <a:ext cx="5486040" cy="3600000"/>
+          </a:xfrm>
+          <a:prstGeom prst="rect">
+            <a:avLst/>
+          </a:prstGeom>
+        </p:spPr>
+        <p:txBody>
+          <a:bodyPr>
+            <a:noAutofit/>
+          </a:bodyPr>
+          <a:lstStyle/>
+          <a:p>
+            <a:pPr>
+              <a:lnSpc>
+                <a:spcPct val="100000"/>
+              </a:lnSpc>
+            </a:pPr>
+            <a:r>
+              <a:rPr lang="en-US" sz="2000" b="0" strike="noStrike" spc="-1">
+                <a:latin typeface="Arial"/>
+              </a:rPr>
+              <a:t>ccRCC_652T_Tcells 10 removal of insensitive cluster</a:t>
+            </a:r>
+          </a:p>
+          <a:p>
+            <a:pPr>
+              <a:lnSpc>
+                <a:spcPct val="100000"/>
+              </a:lnSpc>
+            </a:pPr>
+            <a:endParaRPr lang="en-US" sz="2000" b="0" strike="noStrike" spc="-1">
+              <a:latin typeface="Arial"/>
+            </a:endParaRPr>
+          </a:p>
+        </p:txBody>
+      </p:sp>
+      <p:sp>
+        <p:nvSpPr>
+          <p:cNvPr id="78" name="TextShape 3"/>
+          <p:cNvSpPr txBox="1"/>
+          <p:nvPr/>
+        </p:nvSpPr>
+        <p:spPr>
+          <a:xfrm>
+            <a:off x="3884760" y="8685360"/>
+            <a:ext cx="2971440" cy="458280"/>
+          </a:xfrm>
+          <a:prstGeom prst="rect">
+            <a:avLst/>
+          </a:prstGeom>
+          <a:noFill/>
+          <a:ln>
+            <a:noFill/>
+          </a:ln>
+        </p:spPr>
+        <p:txBody>
+          <a:bodyPr anchor="b">
+            <a:noAutofit/>
+          </a:bodyPr>
+          <a:lstStyle/>
+          <a:p>
+            <a:pPr algn="r">
+              <a:lnSpc>
+                <a:spcPct val="100000"/>
+              </a:lnSpc>
+            </a:pPr>
+            <a:fld id="{BD2EF538-A202-43D9-8408-BEC873E14940}" type="slidenum">
+              <a:rPr lang="en-US" sz="1200" b="0" strike="noStrike" spc="-1">
+                <a:latin typeface="Times New Roman"/>
+              </a:rPr>
+              <a:t>6</a:t>
+            </a:fld>
+            <a:endParaRPr lang="en-US" sz="1200" b="0" strike="noStrike" spc="-1">
+              <a:latin typeface="Times New Roman"/>
+            </a:endParaRPr>
+          </a:p>
+        </p:txBody>
+      </p:sp>
+    </p:spTree>
+  </p:cSld>
+  <p:clrMapOvr>
+    <a:masterClrMapping/>
+  </p:clrMapOvr>
+</p:notes>
+</file>
+
+<file path=ppt/notesSlides/notesSlide7.xml><?xml version="1.0" encoding="utf-8"?>
+<p:notes xmlns:a="http://schemas.openxmlformats.org/drawingml/2006/main" xmlns:r="http://schemas.openxmlformats.org/officeDocument/2006/relationships" xmlns:p="http://schemas.openxmlformats.org/presentationml/2006/main">
+  <p:cSld>
+    <p:spTree>
+      <p:nvGrpSpPr>
+        <p:cNvPr id="1" name=""/>
+        <p:cNvGrpSpPr/>
+        <p:nvPr/>
+      </p:nvGrpSpPr>
+      <p:grpSpPr>
+        <a:xfrm>
+          <a:off x="0" y="0"/>
+          <a:ext cx="0" cy="0"/>
+          <a:chOff x="0" y="0"/>
+          <a:chExt cx="0" cy="0"/>
+        </a:xfrm>
+      </p:grpSpPr>
+      <p:sp>
+        <p:nvSpPr>
+          <p:cNvPr id="79" name="PlaceHolder 1"/>
+          <p:cNvSpPr>
+            <a:spLocks noGrp="1" noRot="1" noChangeAspect="1"/>
+          </p:cNvSpPr>
+          <p:nvPr>
+            <p:ph type="sldImg"/>
+          </p:nvPr>
+        </p:nvSpPr>
+        <p:spPr>
+          <a:xfrm>
+            <a:off x="685800" y="1143000"/>
+            <a:ext cx="5486040" cy="3085920"/>
+          </a:xfrm>
+          <a:prstGeom prst="rect">
+            <a:avLst/>
+          </a:prstGeom>
+        </p:spPr>
+      </p:sp>
+      <p:sp>
+        <p:nvSpPr>
+          <p:cNvPr id="80" name="PlaceHolder 2"/>
+          <p:cNvSpPr>
+            <a:spLocks noGrp="1"/>
+          </p:cNvSpPr>
+          <p:nvPr>
+            <p:ph type="body"/>
+          </p:nvPr>
+        </p:nvSpPr>
+        <p:spPr>
+          <a:xfrm>
+            <a:off x="685800" y="4400640"/>
+            <a:ext cx="5486040" cy="3600000"/>
+          </a:xfrm>
+          <a:prstGeom prst="rect">
+            <a:avLst/>
+          </a:prstGeom>
+        </p:spPr>
+        <p:txBody>
+          <a:bodyPr>
+            <a:noAutofit/>
+          </a:bodyPr>
+          <a:lstStyle/>
+          <a:p>
+            <a:pPr>
+              <a:lnSpc>
+                <a:spcPct val="100000"/>
+              </a:lnSpc>
+            </a:pPr>
+            <a:r>
+              <a:rPr lang="en-US" sz="2000" b="0" strike="noStrike" spc="-1">
+                <a:latin typeface="Arial"/>
+              </a:rPr>
+              <a:t>ccRCC_652T_Tcells 7 removal of insensitive cluster</a:t>
+            </a:r>
+          </a:p>
+          <a:p>
+            <a:pPr>
+              <a:lnSpc>
+                <a:spcPct val="100000"/>
+              </a:lnSpc>
+            </a:pPr>
+            <a:endParaRPr lang="en-US" sz="2000" b="0" strike="noStrike" spc="-1">
+              <a:latin typeface="Arial"/>
+            </a:endParaRPr>
+          </a:p>
+        </p:txBody>
+      </p:sp>
+      <p:sp>
+        <p:nvSpPr>
+          <p:cNvPr id="81" name="TextShape 3"/>
+          <p:cNvSpPr txBox="1"/>
+          <p:nvPr/>
+        </p:nvSpPr>
+        <p:spPr>
+          <a:xfrm>
+            <a:off x="3884760" y="8685360"/>
+            <a:ext cx="2971440" cy="458280"/>
+          </a:xfrm>
+          <a:prstGeom prst="rect">
+            <a:avLst/>
+          </a:prstGeom>
+          <a:noFill/>
+          <a:ln>
+            <a:noFill/>
+          </a:ln>
+        </p:spPr>
+        <p:txBody>
+          <a:bodyPr anchor="b">
+            <a:noAutofit/>
+          </a:bodyPr>
+          <a:lstStyle/>
+          <a:p>
+            <a:pPr algn="r">
+              <a:lnSpc>
+                <a:spcPct val="100000"/>
+              </a:lnSpc>
+            </a:pPr>
+            <a:fld id="{A0182F02-5CF1-447A-8CB9-A7B878B42D0F}" type="slidenum">
+              <a:rPr lang="en-US" sz="1200" b="0" strike="noStrike" spc="-1">
+                <a:latin typeface="Times New Roman"/>
+              </a:rPr>
+              <a:t>7</a:t>
+            </a:fld>
+            <a:endParaRPr lang="en-US" sz="1200" b="0" strike="noStrike" spc="-1">
+              <a:latin typeface="Times New Roman"/>
+            </a:endParaRPr>
+          </a:p>
+        </p:txBody>
+      </p:sp>
+    </p:spTree>
+  </p:cSld>
+  <p:clrMapOvr>
+    <a:masterClrMapping/>
+  </p:clrMapOvr>
+</p:notes>
+</file>
+
+<file path=ppt/notesSlides/notesSlide8.xml><?xml version="1.0" encoding="utf-8"?>
+<p:notes xmlns:a="http://schemas.openxmlformats.org/drawingml/2006/main" xmlns:r="http://schemas.openxmlformats.org/officeDocument/2006/relationships" xmlns:p="http://schemas.openxmlformats.org/presentationml/2006/main">
+  <p:cSld>
+    <p:spTree>
+      <p:nvGrpSpPr>
+        <p:cNvPr id="1" name=""/>
+        <p:cNvGrpSpPr/>
+        <p:nvPr/>
+      </p:nvGrpSpPr>
+      <p:grpSpPr>
+        <a:xfrm>
+          <a:off x="0" y="0"/>
+          <a:ext cx="0" cy="0"/>
+          <a:chOff x="0" y="0"/>
+          <a:chExt cx="0" cy="0"/>
+        </a:xfrm>
+      </p:grpSpPr>
+      <p:sp>
+        <p:nvSpPr>
+          <p:cNvPr id="82" name="PlaceHolder 1"/>
+          <p:cNvSpPr>
+            <a:spLocks noGrp="1" noRot="1" noChangeAspect="1"/>
+          </p:cNvSpPr>
+          <p:nvPr>
+            <p:ph type="sldImg"/>
+          </p:nvPr>
+        </p:nvSpPr>
+        <p:spPr>
+          <a:xfrm>
+            <a:off x="685800" y="1143000"/>
+            <a:ext cx="5486040" cy="3085920"/>
+          </a:xfrm>
+          <a:prstGeom prst="rect">
+            <a:avLst/>
+          </a:prstGeom>
+        </p:spPr>
+      </p:sp>
+      <p:sp>
+        <p:nvSpPr>
+          <p:cNvPr id="83" name="PlaceHolder 2"/>
+          <p:cNvSpPr>
+            <a:spLocks noGrp="1"/>
+          </p:cNvSpPr>
+          <p:nvPr>
+            <p:ph type="body"/>
+          </p:nvPr>
+        </p:nvSpPr>
+        <p:spPr>
+          <a:xfrm>
+            <a:off x="685800" y="4400640"/>
+            <a:ext cx="5486040" cy="3600000"/>
+          </a:xfrm>
+          <a:prstGeom prst="rect">
+            <a:avLst/>
+          </a:prstGeom>
+        </p:spPr>
+        <p:txBody>
+          <a:bodyPr>
+            <a:noAutofit/>
+          </a:bodyPr>
+          <a:lstStyle/>
+          <a:p>
+            <a:pPr>
+              <a:lnSpc>
+                <a:spcPct val="100000"/>
+              </a:lnSpc>
+            </a:pPr>
+            <a:r>
+              <a:rPr lang="en-US" sz="2000" b="0" strike="noStrike" spc="-1">
+                <a:latin typeface="Arial"/>
+              </a:rPr>
+              <a:t>ccRCC_652T_Tcells 7 removal of insensitive cluster</a:t>
+            </a:r>
+          </a:p>
+          <a:p>
+            <a:pPr>
+              <a:lnSpc>
+                <a:spcPct val="100000"/>
+              </a:lnSpc>
+            </a:pPr>
+            <a:endParaRPr lang="en-US" sz="2000" b="0" strike="noStrike" spc="-1">
+              <a:latin typeface="Arial"/>
+            </a:endParaRPr>
+          </a:p>
+        </p:txBody>
+      </p:sp>
+      <p:sp>
+        <p:nvSpPr>
+          <p:cNvPr id="84" name="TextShape 3"/>
+          <p:cNvSpPr txBox="1"/>
+          <p:nvPr/>
+        </p:nvSpPr>
+        <p:spPr>
+          <a:xfrm>
+            <a:off x="3884760" y="8685360"/>
+            <a:ext cx="2971440" cy="458280"/>
+          </a:xfrm>
+          <a:prstGeom prst="rect">
+            <a:avLst/>
+          </a:prstGeom>
+          <a:noFill/>
+          <a:ln>
+            <a:noFill/>
+          </a:ln>
+        </p:spPr>
+        <p:txBody>
+          <a:bodyPr anchor="b">
+            <a:noAutofit/>
+          </a:bodyPr>
+          <a:lstStyle/>
           <a:p>
             <a:pPr algn="r">
               <a:lnSpc>
@@ -1311,12 +3010,12 @@
               </a:lnSpc>
             </a:pPr>
             <a:fld id="{638AF388-4E34-441F-A6CD-592318267880}" type="slidenum">
-              <a:rPr b="0" lang="en-US" sz="1200" spc="-1" strike="noStrike">
+              <a:rPr lang="en-US" sz="1200" b="0" strike="noStrike" spc="-1">
                 <a:latin typeface="Times New Roman"/>
               </a:rPr>
-              <a:t>&lt;number&gt;</a:t>
+              <a:t>8</a:t>
             </a:fld>
-            <a:endParaRPr b="0" lang="en-US" sz="1200" spc="-1" strike="noStrike">
+            <a:endParaRPr lang="en-US" sz="1200" b="0" strike="noStrike" spc="-1">
               <a:latin typeface="Times New Roman"/>
             </a:endParaRPr>
           </a:p>
@@ -1324,11 +3023,128 @@
       </p:sp>
     </p:spTree>
   </p:cSld>
+  <p:clrMapOvr>
+    <a:masterClrMapping/>
+  </p:clrMapOvr>
+</p:notes>
+</file>
+
+<file path=ppt/notesSlides/notesSlide9.xml><?xml version="1.0" encoding="utf-8"?>
+<p:notes xmlns:a="http://schemas.openxmlformats.org/drawingml/2006/main" xmlns:r="http://schemas.openxmlformats.org/officeDocument/2006/relationships" xmlns:p="http://schemas.openxmlformats.org/presentationml/2006/main">
+  <p:cSld>
+    <p:spTree>
+      <p:nvGrpSpPr>
+        <p:cNvPr id="1" name=""/>
+        <p:cNvGrpSpPr/>
+        <p:nvPr/>
+      </p:nvGrpSpPr>
+      <p:grpSpPr>
+        <a:xfrm>
+          <a:off x="0" y="0"/>
+          <a:ext cx="0" cy="0"/>
+          <a:chOff x="0" y="0"/>
+          <a:chExt cx="0" cy="0"/>
+        </a:xfrm>
+      </p:grpSpPr>
+      <p:sp>
+        <p:nvSpPr>
+          <p:cNvPr id="2" name="Slide Image Placeholder 1"/>
+          <p:cNvSpPr>
+            <a:spLocks noGrp="1" noRot="1" noChangeAspect="1"/>
+          </p:cNvSpPr>
+          <p:nvPr>
+            <p:ph type="sldImg"/>
+          </p:nvPr>
+        </p:nvSpPr>
+        <p:spPr>
+          <a:xfrm>
+            <a:off x="533400" y="763588"/>
+            <a:ext cx="6704013" cy="3771900"/>
+          </a:xfrm>
+        </p:spPr>
+      </p:sp>
+      <p:sp>
+        <p:nvSpPr>
+          <p:cNvPr id="3" name="Notes Placeholder 2"/>
+          <p:cNvSpPr>
+            <a:spLocks noGrp="1"/>
+          </p:cNvSpPr>
+          <p:nvPr>
+            <p:ph type="body" idx="1"/>
+          </p:nvPr>
+        </p:nvSpPr>
+        <p:spPr/>
+        <p:txBody>
+          <a:bodyPr/>
+          <a:lstStyle/>
+          <a:p>
+            <a:pPr marL="0" marR="0" lvl="0" indent="0" algn="l" defTabSz="914400" rtl="0" eaLnBrk="1" fontAlgn="auto" latinLnBrk="0" hangingPunct="1">
+              <a:lnSpc>
+                <a:spcPct val="100000"/>
+              </a:lnSpc>
+              <a:spcBef>
+                <a:spcPts val="0"/>
+              </a:spcBef>
+              <a:spcAft>
+                <a:spcPts val="0"/>
+              </a:spcAft>
+              <a:buClrTx/>
+              <a:buSzTx/>
+              <a:buFontTx/>
+              <a:buNone/>
+              <a:tabLst/>
+              <a:defRPr/>
+            </a:pPr>
+            <a:r>
+              <a:rPr lang="en-US" dirty="0"/>
+              <a:t>ccRCC_652T_Lineage 7</a:t>
+            </a:r>
+          </a:p>
+        </p:txBody>
+      </p:sp>
+      <p:sp>
+        <p:nvSpPr>
+          <p:cNvPr id="4" name="Slide Number Placeholder 3"/>
+          <p:cNvSpPr>
+            <a:spLocks noGrp="1"/>
+          </p:cNvSpPr>
+          <p:nvPr>
+            <p:ph type="sldNum"/>
+          </p:nvPr>
+        </p:nvSpPr>
+        <p:spPr/>
+        <p:txBody>
+          <a:bodyPr/>
+          <a:lstStyle/>
+          <a:p>
+            <a:pPr algn="r"/>
+            <a:fld id="{E6A780F6-23B2-4F79-8F78-ABD3DE1ABEBD}" type="slidenum">
+              <a:rPr lang="en-US" sz="1400" b="0" strike="noStrike" spc="-1" smtClean="0">
+                <a:latin typeface="Times New Roman"/>
+              </a:rPr>
+              <a:t>9</a:t>
+            </a:fld>
+            <a:endParaRPr lang="en-US" sz="1400" b="0" strike="noStrike" spc="-1">
+              <a:latin typeface="Times New Roman"/>
+            </a:endParaRPr>
+          </a:p>
+        </p:txBody>
+      </p:sp>
+    </p:spTree>
+    <p:extLst>
+      <p:ext uri="{BB962C8B-B14F-4D97-AF65-F5344CB8AC3E}">
+        <p14:creationId xmlns:p14="http://schemas.microsoft.com/office/powerpoint/2010/main" val="3280811993"/>
+      </p:ext>
+    </p:extLst>
+  </p:cSld>
+  <p:clrMapOvr>
+    <a:masterClrMapping/>
+  </p:clrMapOvr>
 </p:notes>
 </file>
 
 <file path=ppt/slideLayouts/slideLayout1.xml><?xml version="1.0" encoding="utf-8"?>
-<p:sldLayout xmlns:a="http://schemas.openxmlformats.org/drawingml/2006/main" xmlns:p="http://schemas.openxmlformats.org/presentationml/2006/main" xmlns:r="http://schemas.openxmlformats.org/officeDocument/2006/relationships" xmlns:p14="http://schemas.microsoft.com/office/powerpoint/2010/main" xmlns:p15="http://schemas.microsoft.com/office/powerpoint/2012/main" xmlns:mc="http://schemas.openxmlformats.org/markup-compatibility/2006" type="blank" preserve="1">
+<p:sldLayout xmlns:a="http://schemas.openxmlformats.org/drawingml/2006/main" xmlns:r="http://schemas.openxmlformats.org/officeDocument/2006/relationships" xmlns:p="http://schemas.openxmlformats.org/presentationml/2006/main" type="blank" preserve="1">
   <p:cSld name="Blank Slide">
     <p:spTree>
       <p:nvGrpSpPr>
@@ -1346,11 +3162,14 @@
       </p:grpSpPr>
     </p:spTree>
   </p:cSld>
+  <p:clrMapOvr>
+    <a:masterClrMapping/>
+  </p:clrMapOvr>
 </p:sldLayout>
 </file>
 
 <file path=ppt/slideLayouts/slideLayout10.xml><?xml version="1.0" encoding="utf-8"?>
-<p:sldLayout xmlns:a="http://schemas.openxmlformats.org/drawingml/2006/main" xmlns:p="http://schemas.openxmlformats.org/presentationml/2006/main" xmlns:r="http://schemas.openxmlformats.org/officeDocument/2006/relationships" xmlns:p14="http://schemas.microsoft.com/office/powerpoint/2010/main" xmlns:p15="http://schemas.microsoft.com/office/powerpoint/2012/main" xmlns:mc="http://schemas.openxmlformats.org/markup-compatibility/2006" type="objOverTx" preserve="1">
+<p:sldLayout xmlns:a="http://schemas.openxmlformats.org/drawingml/2006/main" xmlns:r="http://schemas.openxmlformats.org/officeDocument/2006/relationships" xmlns:p="http://schemas.openxmlformats.org/presentationml/2006/main" type="objOverTx" preserve="1">
   <p:cSld name="Title, Content over Content">
     <p:spTree>
       <p:nvGrpSpPr>
@@ -1386,11 +3205,12 @@
           </a:prstGeom>
         </p:spPr>
         <p:txBody>
-          <a:bodyPr lIns="0" rIns="0" tIns="0" bIns="0" anchor="ctr">
+          <a:bodyPr lIns="0" tIns="0" rIns="0" bIns="0" anchor="ctr">
             <a:spAutoFit/>
           </a:bodyPr>
-          <a:p>
-            <a:endParaRPr b="0" lang="en-US" sz="1800" spc="-1" strike="noStrike">
+          <a:lstStyle/>
+          <a:p>
+            <a:endParaRPr lang="en-US" sz="1800" b="0" strike="noStrike" spc="-1">
               <a:solidFill>
                 <a:srgbClr val="000000"/>
               </a:solidFill>
@@ -1419,11 +3239,12 @@
           </a:prstGeom>
         </p:spPr>
         <p:txBody>
-          <a:bodyPr lIns="0" rIns="0" tIns="0" bIns="0">
+          <a:bodyPr lIns="0" tIns="0" rIns="0" bIns="0">
             <a:normAutofit/>
           </a:bodyPr>
-          <a:p>
-            <a:endParaRPr b="0" lang="en-US" sz="2800" spc="-1" strike="noStrike">
+          <a:lstStyle/>
+          <a:p>
+            <a:endParaRPr lang="en-US" sz="2800" b="0" strike="noStrike" spc="-1">
               <a:solidFill>
                 <a:srgbClr val="000000"/>
               </a:solidFill>
@@ -1452,11 +3273,12 @@
           </a:prstGeom>
         </p:spPr>
         <p:txBody>
-          <a:bodyPr lIns="0" rIns="0" tIns="0" bIns="0">
+          <a:bodyPr lIns="0" tIns="0" rIns="0" bIns="0">
             <a:normAutofit/>
           </a:bodyPr>
-          <a:p>
-            <a:endParaRPr b="0" lang="en-US" sz="2800" spc="-1" strike="noStrike">
+          <a:lstStyle/>
+          <a:p>
+            <a:endParaRPr lang="en-US" sz="2800" b="0" strike="noStrike" spc="-1">
               <a:solidFill>
                 <a:srgbClr val="000000"/>
               </a:solidFill>
@@ -1467,11 +3289,14 @@
       </p:sp>
     </p:spTree>
   </p:cSld>
+  <p:clrMapOvr>
+    <a:masterClrMapping/>
+  </p:clrMapOvr>
 </p:sldLayout>
 </file>
 
 <file path=ppt/slideLayouts/slideLayout11.xml><?xml version="1.0" encoding="utf-8"?>
-<p:sldLayout xmlns:a="http://schemas.openxmlformats.org/drawingml/2006/main" xmlns:p="http://schemas.openxmlformats.org/presentationml/2006/main" xmlns:r="http://schemas.openxmlformats.org/officeDocument/2006/relationships" xmlns:p14="http://schemas.microsoft.com/office/powerpoint/2010/main" xmlns:p15="http://schemas.microsoft.com/office/powerpoint/2012/main" xmlns:mc="http://schemas.openxmlformats.org/markup-compatibility/2006" type="fourObj" preserve="1">
+<p:sldLayout xmlns:a="http://schemas.openxmlformats.org/drawingml/2006/main" xmlns:r="http://schemas.openxmlformats.org/officeDocument/2006/relationships" xmlns:p="http://schemas.openxmlformats.org/presentationml/2006/main" type="fourObj" preserve="1">
   <p:cSld name="Title, 4 Content">
     <p:spTree>
       <p:nvGrpSpPr>
@@ -1507,11 +3332,12 @@
           </a:prstGeom>
         </p:spPr>
         <p:txBody>
-          <a:bodyPr lIns="0" rIns="0" tIns="0" bIns="0" anchor="ctr">
+          <a:bodyPr lIns="0" tIns="0" rIns="0" bIns="0" anchor="ctr">
             <a:spAutoFit/>
           </a:bodyPr>
-          <a:p>
-            <a:endParaRPr b="0" lang="en-US" sz="1800" spc="-1" strike="noStrike">
+          <a:lstStyle/>
+          <a:p>
+            <a:endParaRPr lang="en-US" sz="1800" b="0" strike="noStrike" spc="-1">
               <a:solidFill>
                 <a:srgbClr val="000000"/>
               </a:solidFill>
@@ -1540,11 +3366,12 @@
           </a:prstGeom>
         </p:spPr>
         <p:txBody>
-          <a:bodyPr lIns="0" rIns="0" tIns="0" bIns="0">
+          <a:bodyPr lIns="0" tIns="0" rIns="0" bIns="0">
             <a:normAutofit/>
           </a:bodyPr>
-          <a:p>
-            <a:endParaRPr b="0" lang="en-US" sz="2800" spc="-1" strike="noStrike">
+          <a:lstStyle/>
+          <a:p>
+            <a:endParaRPr lang="en-US" sz="2800" b="0" strike="noStrike" spc="-1">
               <a:solidFill>
                 <a:srgbClr val="000000"/>
               </a:solidFill>
@@ -1573,11 +3400,12 @@
           </a:prstGeom>
         </p:spPr>
         <p:txBody>
-          <a:bodyPr lIns="0" rIns="0" tIns="0" bIns="0">
+          <a:bodyPr lIns="0" tIns="0" rIns="0" bIns="0">
             <a:normAutofit/>
           </a:bodyPr>
-          <a:p>
-            <a:endParaRPr b="0" lang="en-US" sz="2800" spc="-1" strike="noStrike">
+          <a:lstStyle/>
+          <a:p>
+            <a:endParaRPr lang="en-US" sz="2800" b="0" strike="noStrike" spc="-1">
               <a:solidFill>
                 <a:srgbClr val="000000"/>
               </a:solidFill>
@@ -1606,11 +3434,12 @@
           </a:prstGeom>
         </p:spPr>
         <p:txBody>
-          <a:bodyPr lIns="0" rIns="0" tIns="0" bIns="0">
+          <a:bodyPr lIns="0" tIns="0" rIns="0" bIns="0">
             <a:normAutofit/>
           </a:bodyPr>
-          <a:p>
-            <a:endParaRPr b="0" lang="en-US" sz="2800" spc="-1" strike="noStrike">
+          <a:lstStyle/>
+          <a:p>
+            <a:endParaRPr lang="en-US" sz="2800" b="0" strike="noStrike" spc="-1">
               <a:solidFill>
                 <a:srgbClr val="000000"/>
               </a:solidFill>
@@ -1639,11 +3468,12 @@
           </a:prstGeom>
         </p:spPr>
         <p:txBody>
-          <a:bodyPr lIns="0" rIns="0" tIns="0" bIns="0">
+          <a:bodyPr lIns="0" tIns="0" rIns="0" bIns="0">
             <a:normAutofit/>
           </a:bodyPr>
-          <a:p>
-            <a:endParaRPr b="0" lang="en-US" sz="2800" spc="-1" strike="noStrike">
+          <a:lstStyle/>
+          <a:p>
+            <a:endParaRPr lang="en-US" sz="2800" b="0" strike="noStrike" spc="-1">
               <a:solidFill>
                 <a:srgbClr val="000000"/>
               </a:solidFill>
@@ -1654,11 +3484,14 @@
       </p:sp>
     </p:spTree>
   </p:cSld>
+  <p:clrMapOvr>
+    <a:masterClrMapping/>
+  </p:clrMapOvr>
 </p:sldLayout>
 </file>
 
 <file path=ppt/slideLayouts/slideLayout12.xml><?xml version="1.0" encoding="utf-8"?>
-<p:sldLayout xmlns:a="http://schemas.openxmlformats.org/drawingml/2006/main" xmlns:p="http://schemas.openxmlformats.org/presentationml/2006/main" xmlns:r="http://schemas.openxmlformats.org/officeDocument/2006/relationships" xmlns:p14="http://schemas.microsoft.com/office/powerpoint/2010/main" xmlns:p15="http://schemas.microsoft.com/office/powerpoint/2012/main" xmlns:mc="http://schemas.openxmlformats.org/markup-compatibility/2006" type="blank" preserve="1">
+<p:sldLayout xmlns:a="http://schemas.openxmlformats.org/drawingml/2006/main" xmlns:r="http://schemas.openxmlformats.org/officeDocument/2006/relationships" xmlns:p="http://schemas.openxmlformats.org/presentationml/2006/main" type="blank" preserve="1">
   <p:cSld name="Title, 6 Content">
     <p:spTree>
       <p:nvGrpSpPr>
@@ -1694,11 +3527,12 @@
           </a:prstGeom>
         </p:spPr>
         <p:txBody>
-          <a:bodyPr lIns="0" rIns="0" tIns="0" bIns="0" anchor="ctr">
+          <a:bodyPr lIns="0" tIns="0" rIns="0" bIns="0" anchor="ctr">
             <a:spAutoFit/>
           </a:bodyPr>
-          <a:p>
-            <a:endParaRPr b="0" lang="en-US" sz="1800" spc="-1" strike="noStrike">
+          <a:lstStyle/>
+          <a:p>
+            <a:endParaRPr lang="en-US" sz="1800" b="0" strike="noStrike" spc="-1">
               <a:solidFill>
                 <a:srgbClr val="000000"/>
               </a:solidFill>
@@ -1727,11 +3561,12 @@
           </a:prstGeom>
         </p:spPr>
         <p:txBody>
-          <a:bodyPr lIns="0" rIns="0" tIns="0" bIns="0">
+          <a:bodyPr lIns="0" tIns="0" rIns="0" bIns="0">
             <a:normAutofit/>
           </a:bodyPr>
-          <a:p>
-            <a:endParaRPr b="0" lang="en-US" sz="2800" spc="-1" strike="noStrike">
+          <a:lstStyle/>
+          <a:p>
+            <a:endParaRPr lang="en-US" sz="2800" b="0" strike="noStrike" spc="-1">
               <a:solidFill>
                 <a:srgbClr val="000000"/>
               </a:solidFill>
@@ -1760,11 +3595,12 @@
           </a:prstGeom>
         </p:spPr>
         <p:txBody>
-          <a:bodyPr lIns="0" rIns="0" tIns="0" bIns="0">
+          <a:bodyPr lIns="0" tIns="0" rIns="0" bIns="0">
             <a:normAutofit/>
           </a:bodyPr>
-          <a:p>
-            <a:endParaRPr b="0" lang="en-US" sz="2800" spc="-1" strike="noStrike">
+          <a:lstStyle/>
+          <a:p>
+            <a:endParaRPr lang="en-US" sz="2800" b="0" strike="noStrike" spc="-1">
               <a:solidFill>
                 <a:srgbClr val="000000"/>
               </a:solidFill>
@@ -1793,11 +3629,12 @@
           </a:prstGeom>
         </p:spPr>
         <p:txBody>
-          <a:bodyPr lIns="0" rIns="0" tIns="0" bIns="0">
+          <a:bodyPr lIns="0" tIns="0" rIns="0" bIns="0">
             <a:normAutofit/>
           </a:bodyPr>
-          <a:p>
-            <a:endParaRPr b="0" lang="en-US" sz="2800" spc="-1" strike="noStrike">
+          <a:lstStyle/>
+          <a:p>
+            <a:endParaRPr lang="en-US" sz="2800" b="0" strike="noStrike" spc="-1">
               <a:solidFill>
                 <a:srgbClr val="000000"/>
               </a:solidFill>
@@ -1826,11 +3663,12 @@
           </a:prstGeom>
         </p:spPr>
         <p:txBody>
-          <a:bodyPr lIns="0" rIns="0" tIns="0" bIns="0">
+          <a:bodyPr lIns="0" tIns="0" rIns="0" bIns="0">
             <a:normAutofit/>
           </a:bodyPr>
-          <a:p>
-            <a:endParaRPr b="0" lang="en-US" sz="2800" spc="-1" strike="noStrike">
+          <a:lstStyle/>
+          <a:p>
+            <a:endParaRPr lang="en-US" sz="2800" b="0" strike="noStrike" spc="-1">
               <a:solidFill>
                 <a:srgbClr val="000000"/>
               </a:solidFill>
@@ -1859,11 +3697,12 @@
           </a:prstGeom>
         </p:spPr>
         <p:txBody>
-          <a:bodyPr lIns="0" rIns="0" tIns="0" bIns="0">
+          <a:bodyPr lIns="0" tIns="0" rIns="0" bIns="0">
             <a:normAutofit/>
           </a:bodyPr>
-          <a:p>
-            <a:endParaRPr b="0" lang="en-US" sz="2800" spc="-1" strike="noStrike">
+          <a:lstStyle/>
+          <a:p>
+            <a:endParaRPr lang="en-US" sz="2800" b="0" strike="noStrike" spc="-1">
               <a:solidFill>
                 <a:srgbClr val="000000"/>
               </a:solidFill>
@@ -1892,11 +3731,12 @@
           </a:prstGeom>
         </p:spPr>
         <p:txBody>
-          <a:bodyPr lIns="0" rIns="0" tIns="0" bIns="0">
+          <a:bodyPr lIns="0" tIns="0" rIns="0" bIns="0">
             <a:normAutofit/>
           </a:bodyPr>
-          <a:p>
-            <a:endParaRPr b="0" lang="en-US" sz="2800" spc="-1" strike="noStrike">
+          <a:lstStyle/>
+          <a:p>
+            <a:endParaRPr lang="en-US" sz="2800" b="0" strike="noStrike" spc="-1">
               <a:solidFill>
                 <a:srgbClr val="000000"/>
               </a:solidFill>
@@ -1907,11 +3747,14 @@
       </p:sp>
     </p:spTree>
   </p:cSld>
+  <p:clrMapOvr>
+    <a:masterClrMapping/>
+  </p:clrMapOvr>
 </p:sldLayout>
 </file>
 
 <file path=ppt/slideLayouts/slideLayout2.xml><?xml version="1.0" encoding="utf-8"?>
-<p:sldLayout xmlns:a="http://schemas.openxmlformats.org/drawingml/2006/main" xmlns:p="http://schemas.openxmlformats.org/presentationml/2006/main" xmlns:r="http://schemas.openxmlformats.org/officeDocument/2006/relationships" xmlns:p14="http://schemas.microsoft.com/office/powerpoint/2010/main" xmlns:p15="http://schemas.microsoft.com/office/powerpoint/2012/main" xmlns:mc="http://schemas.openxmlformats.org/markup-compatibility/2006" type="tx" preserve="1">
+<p:sldLayout xmlns:a="http://schemas.openxmlformats.org/drawingml/2006/main" xmlns:r="http://schemas.openxmlformats.org/officeDocument/2006/relationships" xmlns:p="http://schemas.openxmlformats.org/presentationml/2006/main" type="tx" preserve="1">
   <p:cSld name="Title Slide">
     <p:spTree>
       <p:nvGrpSpPr>
@@ -1947,11 +3790,12 @@
           </a:prstGeom>
         </p:spPr>
         <p:txBody>
-          <a:bodyPr lIns="0" rIns="0" tIns="0" bIns="0" anchor="ctr">
+          <a:bodyPr lIns="0" tIns="0" rIns="0" bIns="0" anchor="ctr">
             <a:spAutoFit/>
           </a:bodyPr>
-          <a:p>
-            <a:endParaRPr b="0" lang="en-US" sz="1800" spc="-1" strike="noStrike">
+          <a:lstStyle/>
+          <a:p>
+            <a:endParaRPr lang="en-US" sz="1800" b="0" strike="noStrike" spc="-1">
               <a:solidFill>
                 <a:srgbClr val="000000"/>
               </a:solidFill>
@@ -1980,12 +3824,13 @@
           </a:prstGeom>
         </p:spPr>
         <p:txBody>
-          <a:bodyPr lIns="0" rIns="0" tIns="0" bIns="0" anchor="ctr">
+          <a:bodyPr lIns="0" tIns="0" rIns="0" bIns="0" anchor="ctr">
             <a:spAutoFit/>
           </a:bodyPr>
+          <a:lstStyle/>
           <a:p>
             <a:pPr algn="ctr"/>
-            <a:endParaRPr b="0" lang="en-US" sz="3200" spc="-1" strike="noStrike">
+            <a:endParaRPr lang="en-US" sz="3200" b="0" strike="noStrike" spc="-1">
               <a:latin typeface="Arial"/>
             </a:endParaRPr>
           </a:p>
@@ -1993,11 +3838,14 @@
       </p:sp>
     </p:spTree>
   </p:cSld>
+  <p:clrMapOvr>
+    <a:masterClrMapping/>
+  </p:clrMapOvr>
 </p:sldLayout>
 </file>
 
 <file path=ppt/slideLayouts/slideLayout3.xml><?xml version="1.0" encoding="utf-8"?>
-<p:sldLayout xmlns:a="http://schemas.openxmlformats.org/drawingml/2006/main" xmlns:p="http://schemas.openxmlformats.org/presentationml/2006/main" xmlns:r="http://schemas.openxmlformats.org/officeDocument/2006/relationships" xmlns:p14="http://schemas.microsoft.com/office/powerpoint/2010/main" xmlns:p15="http://schemas.microsoft.com/office/powerpoint/2012/main" xmlns:mc="http://schemas.openxmlformats.org/markup-compatibility/2006" type="obj" preserve="1">
+<p:sldLayout xmlns:a="http://schemas.openxmlformats.org/drawingml/2006/main" xmlns:r="http://schemas.openxmlformats.org/officeDocument/2006/relationships" xmlns:p="http://schemas.openxmlformats.org/presentationml/2006/main" type="obj" preserve="1">
   <p:cSld name="Title, Content">
     <p:spTree>
       <p:nvGrpSpPr>
@@ -2033,11 +3881,12 @@
           </a:prstGeom>
         </p:spPr>
         <p:txBody>
-          <a:bodyPr lIns="0" rIns="0" tIns="0" bIns="0" anchor="ctr">
+          <a:bodyPr lIns="0" tIns="0" rIns="0" bIns="0" anchor="ctr">
             <a:spAutoFit/>
           </a:bodyPr>
-          <a:p>
-            <a:endParaRPr b="0" lang="en-US" sz="1800" spc="-1" strike="noStrike">
+          <a:lstStyle/>
+          <a:p>
+            <a:endParaRPr lang="en-US" sz="1800" b="0" strike="noStrike" spc="-1">
               <a:solidFill>
                 <a:srgbClr val="000000"/>
               </a:solidFill>
@@ -2066,11 +3915,12 @@
           </a:prstGeom>
         </p:spPr>
         <p:txBody>
-          <a:bodyPr lIns="0" rIns="0" tIns="0" bIns="0">
+          <a:bodyPr lIns="0" tIns="0" rIns="0" bIns="0">
             <a:normAutofit/>
           </a:bodyPr>
-          <a:p>
-            <a:endParaRPr b="0" lang="en-US" sz="2800" spc="-1" strike="noStrike">
+          <a:lstStyle/>
+          <a:p>
+            <a:endParaRPr lang="en-US" sz="2800" b="0" strike="noStrike" spc="-1">
               <a:solidFill>
                 <a:srgbClr val="000000"/>
               </a:solidFill>
@@ -2081,11 +3931,14 @@
       </p:sp>
     </p:spTree>
   </p:cSld>
+  <p:clrMapOvr>
+    <a:masterClrMapping/>
+  </p:clrMapOvr>
 </p:sldLayout>
 </file>
 
 <file path=ppt/slideLayouts/slideLayout4.xml><?xml version="1.0" encoding="utf-8"?>
-<p:sldLayout xmlns:a="http://schemas.openxmlformats.org/drawingml/2006/main" xmlns:p="http://schemas.openxmlformats.org/presentationml/2006/main" xmlns:r="http://schemas.openxmlformats.org/officeDocument/2006/relationships" xmlns:p14="http://schemas.microsoft.com/office/powerpoint/2010/main" xmlns:p15="http://schemas.microsoft.com/office/powerpoint/2012/main" xmlns:mc="http://schemas.openxmlformats.org/markup-compatibility/2006" type="twoObj" preserve="1">
+<p:sldLayout xmlns:a="http://schemas.openxmlformats.org/drawingml/2006/main" xmlns:r="http://schemas.openxmlformats.org/officeDocument/2006/relationships" xmlns:p="http://schemas.openxmlformats.org/presentationml/2006/main" type="twoObj" preserve="1">
   <p:cSld name="Title, 2 Content">
     <p:spTree>
       <p:nvGrpSpPr>
@@ -2121,11 +3974,12 @@
           </a:prstGeom>
         </p:spPr>
         <p:txBody>
-          <a:bodyPr lIns="0" rIns="0" tIns="0" bIns="0" anchor="ctr">
+          <a:bodyPr lIns="0" tIns="0" rIns="0" bIns="0" anchor="ctr">
             <a:spAutoFit/>
           </a:bodyPr>
-          <a:p>
-            <a:endParaRPr b="0" lang="en-US" sz="1800" spc="-1" strike="noStrike">
+          <a:lstStyle/>
+          <a:p>
+            <a:endParaRPr lang="en-US" sz="1800" b="0" strike="noStrike" spc="-1">
               <a:solidFill>
                 <a:srgbClr val="000000"/>
               </a:solidFill>
@@ -2154,11 +4008,12 @@
           </a:prstGeom>
         </p:spPr>
         <p:txBody>
-          <a:bodyPr lIns="0" rIns="0" tIns="0" bIns="0">
+          <a:bodyPr lIns="0" tIns="0" rIns="0" bIns="0">
             <a:normAutofit/>
           </a:bodyPr>
-          <a:p>
-            <a:endParaRPr b="0" lang="en-US" sz="2800" spc="-1" strike="noStrike">
+          <a:lstStyle/>
+          <a:p>
+            <a:endParaRPr lang="en-US" sz="2800" b="0" strike="noStrike" spc="-1">
               <a:solidFill>
                 <a:srgbClr val="000000"/>
               </a:solidFill>
@@ -2187,11 +4042,12 @@
           </a:prstGeom>
         </p:spPr>
         <p:txBody>
-          <a:bodyPr lIns="0" rIns="0" tIns="0" bIns="0">
+          <a:bodyPr lIns="0" tIns="0" rIns="0" bIns="0">
             <a:normAutofit/>
           </a:bodyPr>
-          <a:p>
-            <a:endParaRPr b="0" lang="en-US" sz="2800" spc="-1" strike="noStrike">
+          <a:lstStyle/>
+          <a:p>
+            <a:endParaRPr lang="en-US" sz="2800" b="0" strike="noStrike" spc="-1">
               <a:solidFill>
                 <a:srgbClr val="000000"/>
               </a:solidFill>
@@ -2202,11 +4058,14 @@
       </p:sp>
     </p:spTree>
   </p:cSld>
+  <p:clrMapOvr>
+    <a:masterClrMapping/>
+  </p:clrMapOvr>
 </p:sldLayout>
 </file>
 
 <file path=ppt/slideLayouts/slideLayout5.xml><?xml version="1.0" encoding="utf-8"?>
-<p:sldLayout xmlns:a="http://schemas.openxmlformats.org/drawingml/2006/main" xmlns:p="http://schemas.openxmlformats.org/presentationml/2006/main" xmlns:r="http://schemas.openxmlformats.org/officeDocument/2006/relationships" xmlns:p14="http://schemas.microsoft.com/office/powerpoint/2010/main" xmlns:p15="http://schemas.microsoft.com/office/powerpoint/2012/main" xmlns:mc="http://schemas.openxmlformats.org/markup-compatibility/2006" type="titleOnly" preserve="1">
+<p:sldLayout xmlns:a="http://schemas.openxmlformats.org/drawingml/2006/main" xmlns:r="http://schemas.openxmlformats.org/officeDocument/2006/relationships" xmlns:p="http://schemas.openxmlformats.org/presentationml/2006/main" type="titleOnly" preserve="1">
   <p:cSld name="Title Only">
     <p:spTree>
       <p:nvGrpSpPr>
@@ -2242,11 +4101,12 @@
           </a:prstGeom>
         </p:spPr>
         <p:txBody>
-          <a:bodyPr lIns="0" rIns="0" tIns="0" bIns="0" anchor="ctr">
+          <a:bodyPr lIns="0" tIns="0" rIns="0" bIns="0" anchor="ctr">
             <a:spAutoFit/>
           </a:bodyPr>
-          <a:p>
-            <a:endParaRPr b="0" lang="en-US" sz="1800" spc="-1" strike="noStrike">
+          <a:lstStyle/>
+          <a:p>
+            <a:endParaRPr lang="en-US" sz="1800" b="0" strike="noStrike" spc="-1">
               <a:solidFill>
                 <a:srgbClr val="000000"/>
               </a:solidFill>
@@ -2257,11 +4117,14 @@
       </p:sp>
     </p:spTree>
   </p:cSld>
+  <p:clrMapOvr>
+    <a:masterClrMapping/>
+  </p:clrMapOvr>
 </p:sldLayout>
 </file>
 
 <file path=ppt/slideLayouts/slideLayout6.xml><?xml version="1.0" encoding="utf-8"?>
-<p:sldLayout xmlns:a="http://schemas.openxmlformats.org/drawingml/2006/main" xmlns:p="http://schemas.openxmlformats.org/presentationml/2006/main" xmlns:r="http://schemas.openxmlformats.org/officeDocument/2006/relationships" xmlns:p14="http://schemas.microsoft.com/office/powerpoint/2010/main" xmlns:p15="http://schemas.microsoft.com/office/powerpoint/2012/main" xmlns:mc="http://schemas.openxmlformats.org/markup-compatibility/2006" type="objOnly" preserve="1">
+<p:sldLayout xmlns:a="http://schemas.openxmlformats.org/drawingml/2006/main" xmlns:r="http://schemas.openxmlformats.org/officeDocument/2006/relationships" xmlns:p="http://schemas.openxmlformats.org/presentationml/2006/main" type="objOnly" preserve="1">
   <p:cSld name="Centered Text">
     <p:spTree>
       <p:nvGrpSpPr>
@@ -2297,12 +4160,13 @@
           </a:prstGeom>
         </p:spPr>
         <p:txBody>
-          <a:bodyPr lIns="0" rIns="0" tIns="0" bIns="0" anchor="ctr">
+          <a:bodyPr lIns="0" tIns="0" rIns="0" bIns="0" anchor="ctr">
             <a:spAutoFit/>
           </a:bodyPr>
+          <a:lstStyle/>
           <a:p>
             <a:pPr algn="ctr"/>
-            <a:endParaRPr b="0" lang="en-US" sz="3200" spc="-1" strike="noStrike">
+            <a:endParaRPr lang="en-US" sz="3200" b="0" strike="noStrike" spc="-1">
               <a:latin typeface="Arial"/>
             </a:endParaRPr>
           </a:p>
@@ -2310,11 +4174,14 @@
       </p:sp>
     </p:spTree>
   </p:cSld>
+  <p:clrMapOvr>
+    <a:masterClrMapping/>
+  </p:clrMapOvr>
 </p:sldLayout>
 </file>
 
 <file path=ppt/slideLayouts/slideLayout7.xml><?xml version="1.0" encoding="utf-8"?>
-<p:sldLayout xmlns:a="http://schemas.openxmlformats.org/drawingml/2006/main" xmlns:p="http://schemas.openxmlformats.org/presentationml/2006/main" xmlns:r="http://schemas.openxmlformats.org/officeDocument/2006/relationships" xmlns:p14="http://schemas.microsoft.com/office/powerpoint/2010/main" xmlns:p15="http://schemas.microsoft.com/office/powerpoint/2012/main" xmlns:mc="http://schemas.openxmlformats.org/markup-compatibility/2006" type="twoObjAndObj" preserve="1">
+<p:sldLayout xmlns:a="http://schemas.openxmlformats.org/drawingml/2006/main" xmlns:r="http://schemas.openxmlformats.org/officeDocument/2006/relationships" xmlns:p="http://schemas.openxmlformats.org/presentationml/2006/main" type="twoObjAndObj" preserve="1">
   <p:cSld name="Title, 2 Content and Content">
     <p:spTree>
       <p:nvGrpSpPr>
@@ -2350,11 +4217,12 @@
           </a:prstGeom>
         </p:spPr>
         <p:txBody>
-          <a:bodyPr lIns="0" rIns="0" tIns="0" bIns="0" anchor="ctr">
+          <a:bodyPr lIns="0" tIns="0" rIns="0" bIns="0" anchor="ctr">
             <a:spAutoFit/>
           </a:bodyPr>
-          <a:p>
-            <a:endParaRPr b="0" lang="en-US" sz="1800" spc="-1" strike="noStrike">
+          <a:lstStyle/>
+          <a:p>
+            <a:endParaRPr lang="en-US" sz="1800" b="0" strike="noStrike" spc="-1">
               <a:solidFill>
                 <a:srgbClr val="000000"/>
               </a:solidFill>
@@ -2383,11 +4251,12 @@
           </a:prstGeom>
         </p:spPr>
         <p:txBody>
-          <a:bodyPr lIns="0" rIns="0" tIns="0" bIns="0">
+          <a:bodyPr lIns="0" tIns="0" rIns="0" bIns="0">
             <a:normAutofit/>
           </a:bodyPr>
-          <a:p>
-            <a:endParaRPr b="0" lang="en-US" sz="2800" spc="-1" strike="noStrike">
+          <a:lstStyle/>
+          <a:p>
+            <a:endParaRPr lang="en-US" sz="2800" b="0" strike="noStrike" spc="-1">
               <a:solidFill>
                 <a:srgbClr val="000000"/>
               </a:solidFill>
@@ -2416,11 +4285,12 @@
           </a:prstGeom>
         </p:spPr>
         <p:txBody>
-          <a:bodyPr lIns="0" rIns="0" tIns="0" bIns="0">
+          <a:bodyPr lIns="0" tIns="0" rIns="0" bIns="0">
             <a:normAutofit/>
           </a:bodyPr>
-          <a:p>
-            <a:endParaRPr b="0" lang="en-US" sz="2800" spc="-1" strike="noStrike">
+          <a:lstStyle/>
+          <a:p>
+            <a:endParaRPr lang="en-US" sz="2800" b="0" strike="noStrike" spc="-1">
               <a:solidFill>
                 <a:srgbClr val="000000"/>
               </a:solidFill>
@@ -2449,11 +4319,12 @@
           </a:prstGeom>
         </p:spPr>
         <p:txBody>
-          <a:bodyPr lIns="0" rIns="0" tIns="0" bIns="0">
+          <a:bodyPr lIns="0" tIns="0" rIns="0" bIns="0">
             <a:normAutofit/>
           </a:bodyPr>
-          <a:p>
-            <a:endParaRPr b="0" lang="en-US" sz="2800" spc="-1" strike="noStrike">
+          <a:lstStyle/>
+          <a:p>
+            <a:endParaRPr lang="en-US" sz="2800" b="0" strike="noStrike" spc="-1">
               <a:solidFill>
                 <a:srgbClr val="000000"/>
               </a:solidFill>
@@ -2464,11 +4335,14 @@
       </p:sp>
     </p:spTree>
   </p:cSld>
+  <p:clrMapOvr>
+    <a:masterClrMapping/>
+  </p:clrMapOvr>
 </p:sldLayout>
 </file>
 
 <file path=ppt/slideLayouts/slideLayout8.xml><?xml version="1.0" encoding="utf-8"?>
-<p:sldLayout xmlns:a="http://schemas.openxmlformats.org/drawingml/2006/main" xmlns:p="http://schemas.openxmlformats.org/presentationml/2006/main" xmlns:r="http://schemas.openxmlformats.org/officeDocument/2006/relationships" xmlns:p14="http://schemas.microsoft.com/office/powerpoint/2010/main" xmlns:p15="http://schemas.microsoft.com/office/powerpoint/2012/main" xmlns:mc="http://schemas.openxmlformats.org/markup-compatibility/2006" type="objAndTwoObj" preserve="1">
+<p:sldLayout xmlns:a="http://schemas.openxmlformats.org/drawingml/2006/main" xmlns:r="http://schemas.openxmlformats.org/officeDocument/2006/relationships" xmlns:p="http://schemas.openxmlformats.org/presentationml/2006/main" type="objAndTwoObj" preserve="1">
   <p:cSld name="Title Content and 2 Content">
     <p:spTree>
       <p:nvGrpSpPr>
@@ -2504,11 +4378,12 @@
           </a:prstGeom>
         </p:spPr>
         <p:txBody>
-          <a:bodyPr lIns="0" rIns="0" tIns="0" bIns="0" anchor="ctr">
+          <a:bodyPr lIns="0" tIns="0" rIns="0" bIns="0" anchor="ctr">
             <a:spAutoFit/>
           </a:bodyPr>
-          <a:p>
-            <a:endParaRPr b="0" lang="en-US" sz="1800" spc="-1" strike="noStrike">
+          <a:lstStyle/>
+          <a:p>
+            <a:endParaRPr lang="en-US" sz="1800" b="0" strike="noStrike" spc="-1">
               <a:solidFill>
                 <a:srgbClr val="000000"/>
               </a:solidFill>
@@ -2537,11 +4412,12 @@
           </a:prstGeom>
         </p:spPr>
         <p:txBody>
-          <a:bodyPr lIns="0" rIns="0" tIns="0" bIns="0">
+          <a:bodyPr lIns="0" tIns="0" rIns="0" bIns="0">
             <a:normAutofit/>
           </a:bodyPr>
-          <a:p>
-            <a:endParaRPr b="0" lang="en-US" sz="2800" spc="-1" strike="noStrike">
+          <a:lstStyle/>
+          <a:p>
+            <a:endParaRPr lang="en-US" sz="2800" b="0" strike="noStrike" spc="-1">
               <a:solidFill>
                 <a:srgbClr val="000000"/>
               </a:solidFill>
@@ -2570,11 +4446,12 @@
           </a:prstGeom>
         </p:spPr>
         <p:txBody>
-          <a:bodyPr lIns="0" rIns="0" tIns="0" bIns="0">
+          <a:bodyPr lIns="0" tIns="0" rIns="0" bIns="0">
             <a:normAutofit/>
           </a:bodyPr>
-          <a:p>
-            <a:endParaRPr b="0" lang="en-US" sz="2800" spc="-1" strike="noStrike">
+          <a:lstStyle/>
+          <a:p>
+            <a:endParaRPr lang="en-US" sz="2800" b="0" strike="noStrike" spc="-1">
               <a:solidFill>
                 <a:srgbClr val="000000"/>
               </a:solidFill>
@@ -2603,11 +4480,12 @@
           </a:prstGeom>
         </p:spPr>
         <p:txBody>
-          <a:bodyPr lIns="0" rIns="0" tIns="0" bIns="0">
+          <a:bodyPr lIns="0" tIns="0" rIns="0" bIns="0">
             <a:normAutofit/>
           </a:bodyPr>
-          <a:p>
-            <a:endParaRPr b="0" lang="en-US" sz="2800" spc="-1" strike="noStrike">
+          <a:lstStyle/>
+          <a:p>
+            <a:endParaRPr lang="en-US" sz="2800" b="0" strike="noStrike" spc="-1">
               <a:solidFill>
                 <a:srgbClr val="000000"/>
               </a:solidFill>
@@ -2618,11 +4496,14 @@
       </p:sp>
     </p:spTree>
   </p:cSld>
+  <p:clrMapOvr>
+    <a:masterClrMapping/>
+  </p:clrMapOvr>
 </p:sldLayout>
 </file>
 
 <file path=ppt/slideLayouts/slideLayout9.xml><?xml version="1.0" encoding="utf-8"?>
-<p:sldLayout xmlns:a="http://schemas.openxmlformats.org/drawingml/2006/main" xmlns:p="http://schemas.openxmlformats.org/presentationml/2006/main" xmlns:r="http://schemas.openxmlformats.org/officeDocument/2006/relationships" xmlns:p14="http://schemas.microsoft.com/office/powerpoint/2010/main" xmlns:p15="http://schemas.microsoft.com/office/powerpoint/2012/main" xmlns:mc="http://schemas.openxmlformats.org/markup-compatibility/2006" type="twoObjOverTx" preserve="1">
+<p:sldLayout xmlns:a="http://schemas.openxmlformats.org/drawingml/2006/main" xmlns:r="http://schemas.openxmlformats.org/officeDocument/2006/relationships" xmlns:p="http://schemas.openxmlformats.org/presentationml/2006/main" type="twoObjOverTx" preserve="1">
   <p:cSld name="Title, 2 Content over Content">
     <p:spTree>
       <p:nvGrpSpPr>
@@ -2658,11 +4539,12 @@
           </a:prstGeom>
         </p:spPr>
         <p:txBody>
-          <a:bodyPr lIns="0" rIns="0" tIns="0" bIns="0" anchor="ctr">
+          <a:bodyPr lIns="0" tIns="0" rIns="0" bIns="0" anchor="ctr">
             <a:spAutoFit/>
           </a:bodyPr>
-          <a:p>
-            <a:endParaRPr b="0" lang="en-US" sz="1800" spc="-1" strike="noStrike">
+          <a:lstStyle/>
+          <a:p>
+            <a:endParaRPr lang="en-US" sz="1800" b="0" strike="noStrike" spc="-1">
               <a:solidFill>
                 <a:srgbClr val="000000"/>
               </a:solidFill>
@@ -2691,11 +4573,12 @@
           </a:prstGeom>
         </p:spPr>
         <p:txBody>
-          <a:bodyPr lIns="0" rIns="0" tIns="0" bIns="0">
+          <a:bodyPr lIns="0" tIns="0" rIns="0" bIns="0">
             <a:normAutofit/>
           </a:bodyPr>
-          <a:p>
-            <a:endParaRPr b="0" lang="en-US" sz="2800" spc="-1" strike="noStrike">
+          <a:lstStyle/>
+          <a:p>
+            <a:endParaRPr lang="en-US" sz="2800" b="0" strike="noStrike" spc="-1">
               <a:solidFill>
                 <a:srgbClr val="000000"/>
               </a:solidFill>
@@ -2724,11 +4607,12 @@
           </a:prstGeom>
         </p:spPr>
         <p:txBody>
-          <a:bodyPr lIns="0" rIns="0" tIns="0" bIns="0">
+          <a:bodyPr lIns="0" tIns="0" rIns="0" bIns="0">
             <a:normAutofit/>
           </a:bodyPr>
-          <a:p>
-            <a:endParaRPr b="0" lang="en-US" sz="2800" spc="-1" strike="noStrike">
+          <a:lstStyle/>
+          <a:p>
+            <a:endParaRPr lang="en-US" sz="2800" b="0" strike="noStrike" spc="-1">
               <a:solidFill>
                 <a:srgbClr val="000000"/>
               </a:solidFill>
@@ -2757,11 +4641,12 @@
           </a:prstGeom>
         </p:spPr>
         <p:txBody>
-          <a:bodyPr lIns="0" rIns="0" tIns="0" bIns="0">
+          <a:bodyPr lIns="0" tIns="0" rIns="0" bIns="0">
             <a:normAutofit/>
           </a:bodyPr>
-          <a:p>
-            <a:endParaRPr b="0" lang="en-US" sz="2800" spc="-1" strike="noStrike">
+          <a:lstStyle/>
+          <a:p>
+            <a:endParaRPr lang="en-US" sz="2800" b="0" strike="noStrike" spc="-1">
               <a:solidFill>
                 <a:srgbClr val="000000"/>
               </a:solidFill>
@@ -2772,17 +4657,21 @@
       </p:sp>
     </p:spTree>
   </p:cSld>
+  <p:clrMapOvr>
+    <a:masterClrMapping/>
+  </p:clrMapOvr>
 </p:sldLayout>
 </file>
 
 <file path=ppt/slideMasters/slideMaster1.xml><?xml version="1.0" encoding="utf-8"?>
-<p:sldMaster xmlns:a="http://schemas.openxmlformats.org/drawingml/2006/main" xmlns:p="http://schemas.openxmlformats.org/presentationml/2006/main" xmlns:r="http://schemas.openxmlformats.org/officeDocument/2006/relationships" xmlns:p14="http://schemas.microsoft.com/office/powerpoint/2010/main" xmlns:p15="http://schemas.microsoft.com/office/powerpoint/2012/main" xmlns:mc="http://schemas.openxmlformats.org/markup-compatibility/2006">
+<p:sldMaster xmlns:a="http://schemas.openxmlformats.org/drawingml/2006/main" xmlns:r="http://schemas.openxmlformats.org/officeDocument/2006/relationships" xmlns:p="http://schemas.openxmlformats.org/presentationml/2006/main">
   <p:cSld>
     <p:bg>
       <p:bgPr>
         <a:solidFill>
-          <a:srgbClr val="ffffff"/>
+          <a:srgbClr val="FFFFFF"/>
         </a:solidFill>
+        <a:effectLst/>
       </p:bgPr>
     </p:bg>
     <p:spTree>
@@ -2801,7 +4690,7 @@
       </p:grpSpPr>
       <p:sp>
         <p:nvSpPr>
-          <p:cNvPr id="0" name="PlaceHolder 1"/>
+          <p:cNvPr id="5" name="PlaceHolder 1"/>
           <p:cNvSpPr>
             <a:spLocks noGrp="1"/>
           </p:cNvSpPr>
@@ -2822,6 +4711,7 @@
           <a:bodyPr anchor="ctr">
             <a:noAutofit/>
           </a:bodyPr>
+          <a:lstStyle/>
           <a:p>
             <a:pPr>
               <a:lnSpc>
@@ -2829,15 +4719,15 @@
               </a:lnSpc>
             </a:pPr>
             <a:fld id="{59F45A5B-7AE9-4374-B168-D630BB18B26C}" type="datetime">
-              <a:rPr b="0" lang="en-US" sz="1200" spc="-1" strike="noStrike">
+              <a:rPr lang="en-US" sz="1200" b="0" strike="noStrike" spc="-1">
                 <a:solidFill>
-                  <a:srgbClr val="8b8b8b"/>
+                  <a:srgbClr val="8B8B8B"/>
                 </a:solidFill>
                 <a:latin typeface="Calibri"/>
               </a:rPr>
-              <a:t>10/24/19</a:t>
+              <a:t>10/27/2019</a:t>
             </a:fld>
-            <a:endParaRPr b="0" lang="en-US" sz="1200" spc="-1" strike="noStrike">
+            <a:endParaRPr lang="en-US" sz="1200" b="0" strike="noStrike" spc="-1">
               <a:latin typeface="Times New Roman"/>
             </a:endParaRPr>
           </a:p>
@@ -2845,7 +4735,7 @@
       </p:sp>
       <p:sp>
         <p:nvSpPr>
-          <p:cNvPr id="1" name="PlaceHolder 2"/>
+          <p:cNvPr id="6" name="PlaceHolder 2"/>
           <p:cNvSpPr>
             <a:spLocks noGrp="1"/>
           </p:cNvSpPr>
@@ -2866,8 +4756,9 @@
           <a:bodyPr anchor="ctr">
             <a:noAutofit/>
           </a:bodyPr>
-          <a:p>
-            <a:endParaRPr b="0" lang="en-US" sz="2400" spc="-1" strike="noStrike">
+          <a:lstStyle/>
+          <a:p>
+            <a:endParaRPr lang="en-US" sz="2400" b="0" strike="noStrike" spc="-1">
               <a:latin typeface="Times New Roman"/>
             </a:endParaRPr>
           </a:p>
@@ -2896,6 +4787,7 @@
           <a:bodyPr anchor="ctr">
             <a:noAutofit/>
           </a:bodyPr>
+          <a:lstStyle/>
           <a:p>
             <a:pPr algn="r">
               <a:lnSpc>
@@ -2903,15 +4795,15 @@
               </a:lnSpc>
             </a:pPr>
             <a:fld id="{A2544202-3CE1-4E4D-87F0-011FCAA6B99A}" type="slidenum">
-              <a:rPr b="0" lang="en-US" sz="1200" spc="-1" strike="noStrike">
+              <a:rPr lang="en-US" sz="1200" b="0" strike="noStrike" spc="-1">
                 <a:solidFill>
-                  <a:srgbClr val="8b8b8b"/>
+                  <a:srgbClr val="8B8B8B"/>
                 </a:solidFill>
                 <a:latin typeface="Calibri"/>
               </a:rPr>
-              <a:t>&lt;number&gt;</a:t>
+              <a:t>‹#›</a:t>
             </a:fld>
-            <a:endParaRPr b="0" lang="en-US" sz="1200" spc="-1" strike="noStrike">
+            <a:endParaRPr lang="en-US" sz="1200" b="0" strike="noStrike" spc="-1">
               <a:latin typeface="Times New Roman"/>
             </a:endParaRPr>
           </a:p>
@@ -2937,12 +4829,13 @@
           </a:prstGeom>
         </p:spPr>
         <p:txBody>
-          <a:bodyPr lIns="0" rIns="0" tIns="0" bIns="0" anchor="ctr">
+          <a:bodyPr lIns="0" tIns="0" rIns="0" bIns="0" anchor="ctr">
             <a:noAutofit/>
           </a:bodyPr>
+          <a:lstStyle/>
           <a:p>
             <a:r>
-              <a:rPr b="0" lang="en-US" sz="1800" spc="-1" strike="noStrike">
+              <a:rPr lang="en-US" sz="1800" b="0" strike="noStrike" spc="-1">
                 <a:solidFill>
                   <a:srgbClr val="000000"/>
                 </a:solidFill>
@@ -2950,12 +4843,6 @@
               </a:rPr>
               <a:t>Click to edit the title text format</a:t>
             </a:r>
-            <a:endParaRPr b="0" lang="en-US" sz="1800" spc="-1" strike="noStrike">
-              <a:solidFill>
-                <a:srgbClr val="000000"/>
-              </a:solidFill>
-              <a:latin typeface="Calibri"/>
-            </a:endParaRPr>
           </a:p>
         </p:txBody>
       </p:sp>
@@ -2979,9 +4866,10 @@
           </a:prstGeom>
         </p:spPr>
         <p:txBody>
-          <a:bodyPr lIns="0" rIns="0" tIns="0" bIns="0">
+          <a:bodyPr lIns="0" tIns="0" rIns="0" bIns="0">
             <a:normAutofit/>
           </a:bodyPr>
+          <a:lstStyle/>
           <a:p>
             <a:pPr marL="432000" indent="-324000">
               <a:spcBef>
@@ -2995,7 +4883,7 @@
               <a:buChar char=""/>
             </a:pPr>
             <a:r>
-              <a:rPr b="0" lang="en-US" sz="2800" spc="-1" strike="noStrike">
+              <a:rPr lang="en-US" sz="2800" b="0" strike="noStrike" spc="-1">
                 <a:solidFill>
                   <a:srgbClr val="000000"/>
                 </a:solidFill>
@@ -3003,15 +4891,9 @@
               </a:rPr>
               <a:t>Click to edit the outline text format</a:t>
             </a:r>
-            <a:endParaRPr b="0" lang="en-US" sz="2800" spc="-1" strike="noStrike">
-              <a:solidFill>
-                <a:srgbClr val="000000"/>
-              </a:solidFill>
-              <a:latin typeface="Calibri"/>
-            </a:endParaRPr>
-          </a:p>
-          <a:p>
-            <a:pPr lvl="1" marL="864000" indent="-324000">
+          </a:p>
+          <a:p>
+            <a:pPr marL="864000" lvl="1" indent="-324000">
               <a:spcBef>
                 <a:spcPts val="1134"/>
               </a:spcBef>
@@ -3023,7 +4905,7 @@
               <a:buChar char=""/>
             </a:pPr>
             <a:r>
-              <a:rPr b="0" lang="en-US" sz="2000" spc="-1" strike="noStrike">
+              <a:rPr lang="en-US" sz="2000" b="0" strike="noStrike" spc="-1">
                 <a:solidFill>
                   <a:srgbClr val="000000"/>
                 </a:solidFill>
@@ -3031,15 +4913,9 @@
               </a:rPr>
               <a:t>Second Outline Level</a:t>
             </a:r>
-            <a:endParaRPr b="0" lang="en-US" sz="2000" spc="-1" strike="noStrike">
-              <a:solidFill>
-                <a:srgbClr val="000000"/>
-              </a:solidFill>
-              <a:latin typeface="Calibri"/>
-            </a:endParaRPr>
-          </a:p>
-          <a:p>
-            <a:pPr lvl="2" marL="1296000" indent="-288000">
+          </a:p>
+          <a:p>
+            <a:pPr marL="1296000" lvl="2" indent="-288000">
               <a:spcBef>
                 <a:spcPts val="850"/>
               </a:spcBef>
@@ -3051,7 +4927,7 @@
               <a:buChar char=""/>
             </a:pPr>
             <a:r>
-              <a:rPr b="0" lang="en-US" sz="1800" spc="-1" strike="noStrike">
+              <a:rPr lang="en-US" sz="1800" b="0" strike="noStrike" spc="-1">
                 <a:solidFill>
                   <a:srgbClr val="000000"/>
                 </a:solidFill>
@@ -3059,15 +4935,9 @@
               </a:rPr>
               <a:t>Third Outline Level</a:t>
             </a:r>
-            <a:endParaRPr b="0" lang="en-US" sz="1800" spc="-1" strike="noStrike">
-              <a:solidFill>
-                <a:srgbClr val="000000"/>
-              </a:solidFill>
-              <a:latin typeface="Calibri"/>
-            </a:endParaRPr>
-          </a:p>
-          <a:p>
-            <a:pPr lvl="3" marL="1728000" indent="-216000">
+          </a:p>
+          <a:p>
+            <a:pPr marL="1728000" lvl="3" indent="-216000">
               <a:spcBef>
                 <a:spcPts val="567"/>
               </a:spcBef>
@@ -3079,7 +4949,7 @@
               <a:buChar char=""/>
             </a:pPr>
             <a:r>
-              <a:rPr b="0" lang="en-US" sz="1800" spc="-1" strike="noStrike">
+              <a:rPr lang="en-US" sz="1800" b="0" strike="noStrike" spc="-1">
                 <a:solidFill>
                   <a:srgbClr val="000000"/>
                 </a:solidFill>
@@ -3087,15 +4957,9 @@
               </a:rPr>
               <a:t>Fourth Outline Level</a:t>
             </a:r>
-            <a:endParaRPr b="0" lang="en-US" sz="1800" spc="-1" strike="noStrike">
-              <a:solidFill>
-                <a:srgbClr val="000000"/>
-              </a:solidFill>
-              <a:latin typeface="Calibri"/>
-            </a:endParaRPr>
-          </a:p>
-          <a:p>
-            <a:pPr lvl="4" marL="2160000" indent="-216000">
+          </a:p>
+          <a:p>
+            <a:pPr marL="2160000" lvl="4" indent="-216000">
               <a:spcBef>
                 <a:spcPts val="283"/>
               </a:spcBef>
@@ -3107,7 +4971,7 @@
               <a:buChar char=""/>
             </a:pPr>
             <a:r>
-              <a:rPr b="0" lang="en-US" sz="2000" spc="-1" strike="noStrike">
+              <a:rPr lang="en-US" sz="2000" b="0" strike="noStrike" spc="-1">
                 <a:solidFill>
                   <a:srgbClr val="000000"/>
                 </a:solidFill>
@@ -3115,15 +4979,9 @@
               </a:rPr>
               <a:t>Fifth Outline Level</a:t>
             </a:r>
-            <a:endParaRPr b="0" lang="en-US" sz="2000" spc="-1" strike="noStrike">
-              <a:solidFill>
-                <a:srgbClr val="000000"/>
-              </a:solidFill>
-              <a:latin typeface="Calibri"/>
-            </a:endParaRPr>
-          </a:p>
-          <a:p>
-            <a:pPr lvl="5" marL="2592000" indent="-216000">
+          </a:p>
+          <a:p>
+            <a:pPr marL="2592000" lvl="5" indent="-216000">
               <a:spcBef>
                 <a:spcPts val="283"/>
               </a:spcBef>
@@ -3135,7 +4993,7 @@
               <a:buChar char=""/>
             </a:pPr>
             <a:r>
-              <a:rPr b="0" lang="en-US" sz="2000" spc="-1" strike="noStrike">
+              <a:rPr lang="en-US" sz="2000" b="0" strike="noStrike" spc="-1">
                 <a:solidFill>
                   <a:srgbClr val="000000"/>
                 </a:solidFill>
@@ -3143,15 +5001,9 @@
               </a:rPr>
               <a:t>Sixth Outline Level</a:t>
             </a:r>
-            <a:endParaRPr b="0" lang="en-US" sz="2000" spc="-1" strike="noStrike">
-              <a:solidFill>
-                <a:srgbClr val="000000"/>
-              </a:solidFill>
-              <a:latin typeface="Calibri"/>
-            </a:endParaRPr>
-          </a:p>
-          <a:p>
-            <a:pPr lvl="6" marL="3024000" indent="-216000">
+          </a:p>
+          <a:p>
+            <a:pPr marL="3024000" lvl="6" indent="-216000">
               <a:spcBef>
                 <a:spcPts val="283"/>
               </a:spcBef>
@@ -3163,7 +5015,7 @@
               <a:buChar char=""/>
             </a:pPr>
             <a:r>
-              <a:rPr b="0" lang="en-US" sz="2000" spc="-1" strike="noStrike">
+              <a:rPr lang="en-US" sz="2000" b="0" strike="noStrike" spc="-1">
                 <a:solidFill>
                   <a:srgbClr val="000000"/>
                 </a:solidFill>
@@ -3171,37 +5023,311 @@
               </a:rPr>
               <a:t>Seventh Outline Level</a:t>
             </a:r>
-            <a:endParaRPr b="0" lang="en-US" sz="2000" spc="-1" strike="noStrike">
-              <a:solidFill>
-                <a:srgbClr val="000000"/>
-              </a:solidFill>
-              <a:latin typeface="Calibri"/>
-            </a:endParaRPr>
           </a:p>
         </p:txBody>
       </p:sp>
     </p:spTree>
   </p:cSld>
-  <p:clrMap bg1="lt1" bg2="lt2" tx1="dk1" tx2="dk2" accent1="accent1" accent2="accent2" accent3="accent3" accent4="accent4" accent5="accent5" accent6="accent6" hlink="hlink" folHlink="folHlink"/>
+  <p:clrMap bg1="lt1" tx1="dk1" bg2="lt2" tx2="dk2" accent1="accent1" accent2="accent2" accent3="accent3" accent4="accent4" accent5="accent5" accent6="accent6" hlink="hlink" folHlink="folHlink"/>
   <p:sldLayoutIdLst>
-    <p:sldLayoutId id="2147483649" r:id="rId2"/>
-    <p:sldLayoutId id="2147483650" r:id="rId3"/>
-    <p:sldLayoutId id="2147483651" r:id="rId4"/>
-    <p:sldLayoutId id="2147483652" r:id="rId5"/>
-    <p:sldLayoutId id="2147483653" r:id="rId6"/>
-    <p:sldLayoutId id="2147483654" r:id="rId7"/>
-    <p:sldLayoutId id="2147483655" r:id="rId8"/>
-    <p:sldLayoutId id="2147483656" r:id="rId9"/>
-    <p:sldLayoutId id="2147483657" r:id="rId10"/>
-    <p:sldLayoutId id="2147483658" r:id="rId11"/>
-    <p:sldLayoutId id="2147483659" r:id="rId12"/>
-    <p:sldLayoutId id="2147483660" r:id="rId13"/>
+    <p:sldLayoutId id="2147483649" r:id="rId1"/>
+    <p:sldLayoutId id="2147483650" r:id="rId2"/>
+    <p:sldLayoutId id="2147483651" r:id="rId3"/>
+    <p:sldLayoutId id="2147483652" r:id="rId4"/>
+    <p:sldLayoutId id="2147483653" r:id="rId5"/>
+    <p:sldLayoutId id="2147483654" r:id="rId6"/>
+    <p:sldLayoutId id="2147483655" r:id="rId7"/>
+    <p:sldLayoutId id="2147483656" r:id="rId8"/>
+    <p:sldLayoutId id="2147483657" r:id="rId9"/>
+    <p:sldLayoutId id="2147483658" r:id="rId10"/>
+    <p:sldLayoutId id="2147483659" r:id="rId11"/>
+    <p:sldLayoutId id="2147483660" r:id="rId12"/>
   </p:sldLayoutIdLst>
+  <p:txStyles>
+    <p:titleStyle>
+      <a:lvl1pPr algn="l" defTabSz="914400" rtl="0" eaLnBrk="1" latinLnBrk="0" hangingPunct="1">
+        <a:lnSpc>
+          <a:spcPct val="90000"/>
+        </a:lnSpc>
+        <a:spcBef>
+          <a:spcPct val="0"/>
+        </a:spcBef>
+        <a:buNone/>
+        <a:defRPr sz="4400" kern="1200">
+          <a:solidFill>
+            <a:schemeClr val="tx1"/>
+          </a:solidFill>
+          <a:latin typeface="+mj-lt"/>
+          <a:ea typeface="+mj-ea"/>
+          <a:cs typeface="+mj-cs"/>
+        </a:defRPr>
+      </a:lvl1pPr>
+    </p:titleStyle>
+    <p:bodyStyle>
+      <a:lvl1pPr marL="228600" indent="-228600" algn="l" defTabSz="914400" rtl="0" eaLnBrk="1" latinLnBrk="0" hangingPunct="1">
+        <a:lnSpc>
+          <a:spcPct val="90000"/>
+        </a:lnSpc>
+        <a:spcBef>
+          <a:spcPts val="1000"/>
+        </a:spcBef>
+        <a:buFont typeface="Arial" panose="020B0604020202020204" pitchFamily="34" charset="0"/>
+        <a:buChar char="•"/>
+        <a:defRPr sz="2800" kern="1200">
+          <a:solidFill>
+            <a:schemeClr val="tx1"/>
+          </a:solidFill>
+          <a:latin typeface="+mn-lt"/>
+          <a:ea typeface="+mn-ea"/>
+          <a:cs typeface="+mn-cs"/>
+        </a:defRPr>
+      </a:lvl1pPr>
+      <a:lvl2pPr marL="685800" indent="-228600" algn="l" defTabSz="914400" rtl="0" eaLnBrk="1" latinLnBrk="0" hangingPunct="1">
+        <a:lnSpc>
+          <a:spcPct val="90000"/>
+        </a:lnSpc>
+        <a:spcBef>
+          <a:spcPts val="500"/>
+        </a:spcBef>
+        <a:buFont typeface="Arial" panose="020B0604020202020204" pitchFamily="34" charset="0"/>
+        <a:buChar char="•"/>
+        <a:defRPr sz="2400" kern="1200">
+          <a:solidFill>
+            <a:schemeClr val="tx1"/>
+          </a:solidFill>
+          <a:latin typeface="+mn-lt"/>
+          <a:ea typeface="+mn-ea"/>
+          <a:cs typeface="+mn-cs"/>
+        </a:defRPr>
+      </a:lvl2pPr>
+      <a:lvl3pPr marL="1143000" indent="-228600" algn="l" defTabSz="914400" rtl="0" eaLnBrk="1" latinLnBrk="0" hangingPunct="1">
+        <a:lnSpc>
+          <a:spcPct val="90000"/>
+        </a:lnSpc>
+        <a:spcBef>
+          <a:spcPts val="500"/>
+        </a:spcBef>
+        <a:buFont typeface="Arial" panose="020B0604020202020204" pitchFamily="34" charset="0"/>
+        <a:buChar char="•"/>
+        <a:defRPr sz="2000" kern="1200">
+          <a:solidFill>
+            <a:schemeClr val="tx1"/>
+          </a:solidFill>
+          <a:latin typeface="+mn-lt"/>
+          <a:ea typeface="+mn-ea"/>
+          <a:cs typeface="+mn-cs"/>
+        </a:defRPr>
+      </a:lvl3pPr>
+      <a:lvl4pPr marL="1600200" indent="-228600" algn="l" defTabSz="914400" rtl="0" eaLnBrk="1" latinLnBrk="0" hangingPunct="1">
+        <a:lnSpc>
+          <a:spcPct val="90000"/>
+        </a:lnSpc>
+        <a:spcBef>
+          <a:spcPts val="500"/>
+        </a:spcBef>
+        <a:buFont typeface="Arial" panose="020B0604020202020204" pitchFamily="34" charset="0"/>
+        <a:buChar char="•"/>
+        <a:defRPr sz="1800" kern="1200">
+          <a:solidFill>
+            <a:schemeClr val="tx1"/>
+          </a:solidFill>
+          <a:latin typeface="+mn-lt"/>
+          <a:ea typeface="+mn-ea"/>
+          <a:cs typeface="+mn-cs"/>
+        </a:defRPr>
+      </a:lvl4pPr>
+      <a:lvl5pPr marL="2057400" indent="-228600" algn="l" defTabSz="914400" rtl="0" eaLnBrk="1" latinLnBrk="0" hangingPunct="1">
+        <a:lnSpc>
+          <a:spcPct val="90000"/>
+        </a:lnSpc>
+        <a:spcBef>
+          <a:spcPts val="500"/>
+        </a:spcBef>
+        <a:buFont typeface="Arial" panose="020B0604020202020204" pitchFamily="34" charset="0"/>
+        <a:buChar char="•"/>
+        <a:defRPr sz="1800" kern="1200">
+          <a:solidFill>
+            <a:schemeClr val="tx1"/>
+          </a:solidFill>
+          <a:latin typeface="+mn-lt"/>
+          <a:ea typeface="+mn-ea"/>
+          <a:cs typeface="+mn-cs"/>
+        </a:defRPr>
+      </a:lvl5pPr>
+      <a:lvl6pPr marL="2514600" indent="-228600" algn="l" defTabSz="914400" rtl="0" eaLnBrk="1" latinLnBrk="0" hangingPunct="1">
+        <a:lnSpc>
+          <a:spcPct val="90000"/>
+        </a:lnSpc>
+        <a:spcBef>
+          <a:spcPts val="500"/>
+        </a:spcBef>
+        <a:buFont typeface="Arial" panose="020B0604020202020204" pitchFamily="34" charset="0"/>
+        <a:buChar char="•"/>
+        <a:defRPr sz="1800" kern="1200">
+          <a:solidFill>
+            <a:schemeClr val="tx1"/>
+          </a:solidFill>
+          <a:latin typeface="+mn-lt"/>
+          <a:ea typeface="+mn-ea"/>
+          <a:cs typeface="+mn-cs"/>
+        </a:defRPr>
+      </a:lvl6pPr>
+      <a:lvl7pPr marL="2971800" indent="-228600" algn="l" defTabSz="914400" rtl="0" eaLnBrk="1" latinLnBrk="0" hangingPunct="1">
+        <a:lnSpc>
+          <a:spcPct val="90000"/>
+        </a:lnSpc>
+        <a:spcBef>
+          <a:spcPts val="500"/>
+        </a:spcBef>
+        <a:buFont typeface="Arial" panose="020B0604020202020204" pitchFamily="34" charset="0"/>
+        <a:buChar char="•"/>
+        <a:defRPr sz="1800" kern="1200">
+          <a:solidFill>
+            <a:schemeClr val="tx1"/>
+          </a:solidFill>
+          <a:latin typeface="+mn-lt"/>
+          <a:ea typeface="+mn-ea"/>
+          <a:cs typeface="+mn-cs"/>
+        </a:defRPr>
+      </a:lvl7pPr>
+      <a:lvl8pPr marL="3429000" indent="-228600" algn="l" defTabSz="914400" rtl="0" eaLnBrk="1" latinLnBrk="0" hangingPunct="1">
+        <a:lnSpc>
+          <a:spcPct val="90000"/>
+        </a:lnSpc>
+        <a:spcBef>
+          <a:spcPts val="500"/>
+        </a:spcBef>
+        <a:buFont typeface="Arial" panose="020B0604020202020204" pitchFamily="34" charset="0"/>
+        <a:buChar char="•"/>
+        <a:defRPr sz="1800" kern="1200">
+          <a:solidFill>
+            <a:schemeClr val="tx1"/>
+          </a:solidFill>
+          <a:latin typeface="+mn-lt"/>
+          <a:ea typeface="+mn-ea"/>
+          <a:cs typeface="+mn-cs"/>
+        </a:defRPr>
+      </a:lvl8pPr>
+      <a:lvl9pPr marL="3886200" indent="-228600" algn="l" defTabSz="914400" rtl="0" eaLnBrk="1" latinLnBrk="0" hangingPunct="1">
+        <a:lnSpc>
+          <a:spcPct val="90000"/>
+        </a:lnSpc>
+        <a:spcBef>
+          <a:spcPts val="500"/>
+        </a:spcBef>
+        <a:buFont typeface="Arial" panose="020B0604020202020204" pitchFamily="34" charset="0"/>
+        <a:buChar char="•"/>
+        <a:defRPr sz="1800" kern="1200">
+          <a:solidFill>
+            <a:schemeClr val="tx1"/>
+          </a:solidFill>
+          <a:latin typeface="+mn-lt"/>
+          <a:ea typeface="+mn-ea"/>
+          <a:cs typeface="+mn-cs"/>
+        </a:defRPr>
+      </a:lvl9pPr>
+    </p:bodyStyle>
+    <p:otherStyle>
+      <a:defPPr>
+        <a:defRPr lang="en-US"/>
+      </a:defPPr>
+      <a:lvl1pPr marL="0" algn="l" defTabSz="914400" rtl="0" eaLnBrk="1" latinLnBrk="0" hangingPunct="1">
+        <a:defRPr sz="1800" kern="1200">
+          <a:solidFill>
+            <a:schemeClr val="tx1"/>
+          </a:solidFill>
+          <a:latin typeface="+mn-lt"/>
+          <a:ea typeface="+mn-ea"/>
+          <a:cs typeface="+mn-cs"/>
+        </a:defRPr>
+      </a:lvl1pPr>
+      <a:lvl2pPr marL="457200" algn="l" defTabSz="914400" rtl="0" eaLnBrk="1" latinLnBrk="0" hangingPunct="1">
+        <a:defRPr sz="1800" kern="1200">
+          <a:solidFill>
+            <a:schemeClr val="tx1"/>
+          </a:solidFill>
+          <a:latin typeface="+mn-lt"/>
+          <a:ea typeface="+mn-ea"/>
+          <a:cs typeface="+mn-cs"/>
+        </a:defRPr>
+      </a:lvl2pPr>
+      <a:lvl3pPr marL="914400" algn="l" defTabSz="914400" rtl="0" eaLnBrk="1" latinLnBrk="0" hangingPunct="1">
+        <a:defRPr sz="1800" kern="1200">
+          <a:solidFill>
+            <a:schemeClr val="tx1"/>
+          </a:solidFill>
+          <a:latin typeface="+mn-lt"/>
+          <a:ea typeface="+mn-ea"/>
+          <a:cs typeface="+mn-cs"/>
+        </a:defRPr>
+      </a:lvl3pPr>
+      <a:lvl4pPr marL="1371600" algn="l" defTabSz="914400" rtl="0" eaLnBrk="1" latinLnBrk="0" hangingPunct="1">
+        <a:defRPr sz="1800" kern="1200">
+          <a:solidFill>
+            <a:schemeClr val="tx1"/>
+          </a:solidFill>
+          <a:latin typeface="+mn-lt"/>
+          <a:ea typeface="+mn-ea"/>
+          <a:cs typeface="+mn-cs"/>
+        </a:defRPr>
+      </a:lvl4pPr>
+      <a:lvl5pPr marL="1828800" algn="l" defTabSz="914400" rtl="0" eaLnBrk="1" latinLnBrk="0" hangingPunct="1">
+        <a:defRPr sz="1800" kern="1200">
+          <a:solidFill>
+            <a:schemeClr val="tx1"/>
+          </a:solidFill>
+          <a:latin typeface="+mn-lt"/>
+          <a:ea typeface="+mn-ea"/>
+          <a:cs typeface="+mn-cs"/>
+        </a:defRPr>
+      </a:lvl5pPr>
+      <a:lvl6pPr marL="2286000" algn="l" defTabSz="914400" rtl="0" eaLnBrk="1" latinLnBrk="0" hangingPunct="1">
+        <a:defRPr sz="1800" kern="1200">
+          <a:solidFill>
+            <a:schemeClr val="tx1"/>
+          </a:solidFill>
+          <a:latin typeface="+mn-lt"/>
+          <a:ea typeface="+mn-ea"/>
+          <a:cs typeface="+mn-cs"/>
+        </a:defRPr>
+      </a:lvl6pPr>
+      <a:lvl7pPr marL="2743200" algn="l" defTabSz="914400" rtl="0" eaLnBrk="1" latinLnBrk="0" hangingPunct="1">
+        <a:defRPr sz="1800" kern="1200">
+          <a:solidFill>
+            <a:schemeClr val="tx1"/>
+          </a:solidFill>
+          <a:latin typeface="+mn-lt"/>
+          <a:ea typeface="+mn-ea"/>
+          <a:cs typeface="+mn-cs"/>
+        </a:defRPr>
+      </a:lvl7pPr>
+      <a:lvl8pPr marL="3200400" algn="l" defTabSz="914400" rtl="0" eaLnBrk="1" latinLnBrk="0" hangingPunct="1">
+        <a:defRPr sz="1800" kern="1200">
+          <a:solidFill>
+            <a:schemeClr val="tx1"/>
+          </a:solidFill>
+          <a:latin typeface="+mn-lt"/>
+          <a:ea typeface="+mn-ea"/>
+          <a:cs typeface="+mn-cs"/>
+        </a:defRPr>
+      </a:lvl8pPr>
+      <a:lvl9pPr marL="3657600" algn="l" defTabSz="914400" rtl="0" eaLnBrk="1" latinLnBrk="0" hangingPunct="1">
+        <a:defRPr sz="1800" kern="1200">
+          <a:solidFill>
+            <a:schemeClr val="tx1"/>
+          </a:solidFill>
+          <a:latin typeface="+mn-lt"/>
+          <a:ea typeface="+mn-ea"/>
+          <a:cs typeface="+mn-cs"/>
+        </a:defRPr>
+      </a:lvl9pPr>
+    </p:otherStyle>
+  </p:txStyles>
 </p:sldMaster>
 </file>
 
 <file path=ppt/slides/slide1.xml><?xml version="1.0" encoding="utf-8"?>
-<p:sld xmlns:a="http://schemas.openxmlformats.org/drawingml/2006/main" xmlns:p="http://schemas.openxmlformats.org/presentationml/2006/main" xmlns:r="http://schemas.openxmlformats.org/officeDocument/2006/relationships" xmlns:p14="http://schemas.microsoft.com/office/powerpoint/2010/main" xmlns:p15="http://schemas.microsoft.com/office/powerpoint/2012/main" xmlns:mc="http://schemas.openxmlformats.org/markup-compatibility/2006">
+<p:sld xmlns:a="http://schemas.openxmlformats.org/drawingml/2006/main" xmlns:r="http://schemas.openxmlformats.org/officeDocument/2006/relationships" xmlns:p="http://schemas.openxmlformats.org/presentationml/2006/main">
   <p:cSld>
     <p:spTree>
       <p:nvGrpSpPr>
@@ -3219,12 +5345,12 @@
       </p:grpSpPr>
       <p:pic>
         <p:nvPicPr>
-          <p:cNvPr id="47" name="Picture 1" descr=""/>
+          <p:cNvPr id="47" name="Picture 1"/>
           <p:cNvPicPr/>
           <p:nvPr/>
         </p:nvPicPr>
         <p:blipFill>
-          <a:blip r:embed="rId1"/>
+          <a:blip r:embed="rId3"/>
           <a:stretch/>
         </p:blipFill>
         <p:spPr>
@@ -3242,19 +5368,14 @@
       </p:pic>
     </p:spTree>
   </p:cSld>
-  <mc:AlternateContent>
-    <mc:Choice Requires="p14">
-      <p:transition spd="slow" p14:dur="2000"/>
-    </mc:Choice>
-    <mc:Fallback>
-      <p:transition spd="slow"/>
-    </mc:Fallback>
-  </mc:AlternateContent>
+  <p:clrMapOvr>
+    <a:masterClrMapping/>
+  </p:clrMapOvr>
 </p:sld>
 </file>
 
 <file path=ppt/slides/slide10.xml><?xml version="1.0" encoding="utf-8"?>
-<p:sld xmlns:a="http://schemas.openxmlformats.org/drawingml/2006/main" xmlns:p="http://schemas.openxmlformats.org/presentationml/2006/main" xmlns:r="http://schemas.openxmlformats.org/officeDocument/2006/relationships" xmlns:p14="http://schemas.microsoft.com/office/powerpoint/2010/main" xmlns:p15="http://schemas.microsoft.com/office/powerpoint/2012/main" xmlns:mc="http://schemas.openxmlformats.org/markup-compatibility/2006">
+<p:sld xmlns:a="http://schemas.openxmlformats.org/drawingml/2006/main" xmlns:r="http://schemas.openxmlformats.org/officeDocument/2006/relationships" xmlns:p="http://schemas.openxmlformats.org/presentationml/2006/main">
   <p:cSld>
     <p:spTree>
       <p:nvGrpSpPr>
@@ -3272,18 +5393,18 @@
       </p:grpSpPr>
       <p:pic>
         <p:nvPicPr>
-          <p:cNvPr id="56" name="" descr=""/>
+          <p:cNvPr id="55" name="Picture 54"/>
           <p:cNvPicPr/>
           <p:nvPr/>
         </p:nvPicPr>
         <p:blipFill>
-          <a:blip r:embed="rId1"/>
+          <a:blip r:embed="rId3"/>
           <a:stretch/>
         </p:blipFill>
         <p:spPr>
           <a:xfrm>
-            <a:off x="274320" y="0"/>
-            <a:ext cx="11612880" cy="6858000"/>
+            <a:off x="-1800" y="39960"/>
+            <a:ext cx="12191400" cy="6857640"/>
           </a:xfrm>
           <a:prstGeom prst="rect">
             <a:avLst/>
@@ -3295,19 +5416,14 @@
       </p:pic>
     </p:spTree>
   </p:cSld>
-  <mc:AlternateContent>
-    <mc:Choice Requires="p14">
-      <p:transition spd="slow" p14:dur="2000"/>
-    </mc:Choice>
-    <mc:Fallback>
-      <p:transition spd="slow"/>
-    </mc:Fallback>
-  </mc:AlternateContent>
+  <p:clrMapOvr>
+    <a:masterClrMapping/>
+  </p:clrMapOvr>
 </p:sld>
 </file>
 
 <file path=ppt/slides/slide11.xml><?xml version="1.0" encoding="utf-8"?>
-<p:sld xmlns:a="http://schemas.openxmlformats.org/drawingml/2006/main" xmlns:p="http://schemas.openxmlformats.org/presentationml/2006/main" xmlns:r="http://schemas.openxmlformats.org/officeDocument/2006/relationships" xmlns:p14="http://schemas.microsoft.com/office/powerpoint/2010/main" xmlns:p15="http://schemas.microsoft.com/office/powerpoint/2012/main" xmlns:mc="http://schemas.openxmlformats.org/markup-compatibility/2006">
+<p:sld xmlns:a="http://schemas.openxmlformats.org/drawingml/2006/main" xmlns:r="http://schemas.openxmlformats.org/officeDocument/2006/relationships" xmlns:p="http://schemas.openxmlformats.org/presentationml/2006/main">
   <p:cSld>
     <p:spTree>
       <p:nvGrpSpPr>
@@ -3325,12 +5441,12 @@
       </p:grpSpPr>
       <p:pic>
         <p:nvPicPr>
-          <p:cNvPr id="57" name="" descr=""/>
+          <p:cNvPr id="57" name="Picture 56"/>
           <p:cNvPicPr/>
           <p:nvPr/>
         </p:nvPicPr>
         <p:blipFill>
-          <a:blip r:embed="rId1"/>
+          <a:blip r:embed="rId3"/>
           <a:stretch/>
         </p:blipFill>
         <p:spPr>
@@ -3348,19 +5464,14 @@
       </p:pic>
     </p:spTree>
   </p:cSld>
-  <mc:AlternateContent>
-    <mc:Choice Requires="p14">
-      <p:transition spd="slow" p14:dur="2000"/>
-    </mc:Choice>
-    <mc:Fallback>
-      <p:transition spd="slow"/>
-    </mc:Fallback>
-  </mc:AlternateContent>
+  <p:clrMapOvr>
+    <a:masterClrMapping/>
+  </p:clrMapOvr>
 </p:sld>
 </file>
 
 <file path=ppt/slides/slide12.xml><?xml version="1.0" encoding="utf-8"?>
-<p:sld xmlns:a="http://schemas.openxmlformats.org/drawingml/2006/main" xmlns:p="http://schemas.openxmlformats.org/presentationml/2006/main" xmlns:r="http://schemas.openxmlformats.org/officeDocument/2006/relationships" xmlns:p14="http://schemas.microsoft.com/office/powerpoint/2010/main" xmlns:p15="http://schemas.microsoft.com/office/powerpoint/2012/main" xmlns:mc="http://schemas.openxmlformats.org/markup-compatibility/2006">
+<p:sld xmlns:a="http://schemas.openxmlformats.org/drawingml/2006/main" xmlns:r="http://schemas.openxmlformats.org/officeDocument/2006/relationships" xmlns:p="http://schemas.openxmlformats.org/presentationml/2006/main">
   <p:cSld>
     <p:spTree>
       <p:nvGrpSpPr>
@@ -3378,12 +5489,12 @@
       </p:grpSpPr>
       <p:pic>
         <p:nvPicPr>
-          <p:cNvPr id="58" name="" descr=""/>
+          <p:cNvPr id="58" name="Picture 57"/>
           <p:cNvPicPr/>
           <p:nvPr/>
         </p:nvPicPr>
         <p:blipFill>
-          <a:blip r:embed="rId1"/>
+          <a:blip r:embed="rId3"/>
           <a:stretch/>
         </p:blipFill>
         <p:spPr>
@@ -3401,19 +5512,14 @@
       </p:pic>
     </p:spTree>
   </p:cSld>
-  <mc:AlternateContent>
-    <mc:Choice Requires="p14">
-      <p:transition spd="slow" p14:dur="2000"/>
-    </mc:Choice>
-    <mc:Fallback>
-      <p:transition spd="slow"/>
-    </mc:Fallback>
-  </mc:AlternateContent>
+  <p:clrMapOvr>
+    <a:masterClrMapping/>
+  </p:clrMapOvr>
 </p:sld>
 </file>
 
 <file path=ppt/slides/slide13.xml><?xml version="1.0" encoding="utf-8"?>
-<p:sld xmlns:a="http://schemas.openxmlformats.org/drawingml/2006/main" xmlns:p="http://schemas.openxmlformats.org/presentationml/2006/main" xmlns:r="http://schemas.openxmlformats.org/officeDocument/2006/relationships" xmlns:p14="http://schemas.microsoft.com/office/powerpoint/2010/main" xmlns:p15="http://schemas.microsoft.com/office/powerpoint/2012/main" xmlns:mc="http://schemas.openxmlformats.org/markup-compatibility/2006">
+<p:sld xmlns:a="http://schemas.openxmlformats.org/drawingml/2006/main" xmlns:r="http://schemas.openxmlformats.org/officeDocument/2006/relationships" xmlns:p="http://schemas.openxmlformats.org/presentationml/2006/main">
   <p:cSld>
     <p:spTree>
       <p:nvGrpSpPr>
@@ -3431,12 +5537,12 @@
       </p:grpSpPr>
       <p:pic>
         <p:nvPicPr>
-          <p:cNvPr id="59" name="" descr=""/>
+          <p:cNvPr id="59" name="Picture 58"/>
           <p:cNvPicPr/>
           <p:nvPr/>
         </p:nvPicPr>
         <p:blipFill>
-          <a:blip r:embed="rId1"/>
+          <a:blip r:embed="rId3"/>
           <a:stretch/>
         </p:blipFill>
         <p:spPr>
@@ -3454,19 +5560,14 @@
       </p:pic>
     </p:spTree>
   </p:cSld>
-  <mc:AlternateContent>
-    <mc:Choice Requires="p14">
-      <p:transition spd="slow" p14:dur="2000"/>
-    </mc:Choice>
-    <mc:Fallback>
-      <p:transition spd="slow"/>
-    </mc:Fallback>
-  </mc:AlternateContent>
+  <p:clrMapOvr>
+    <a:masterClrMapping/>
+  </p:clrMapOvr>
 </p:sld>
 </file>
 
 <file path=ppt/slides/slide14.xml><?xml version="1.0" encoding="utf-8"?>
-<p:sld xmlns:a="http://schemas.openxmlformats.org/drawingml/2006/main" xmlns:p="http://schemas.openxmlformats.org/presentationml/2006/main" xmlns:r="http://schemas.openxmlformats.org/officeDocument/2006/relationships" xmlns:p14="http://schemas.microsoft.com/office/powerpoint/2010/main" xmlns:p15="http://schemas.microsoft.com/office/powerpoint/2012/main" xmlns:mc="http://schemas.openxmlformats.org/markup-compatibility/2006">
+<p:sld xmlns:a="http://schemas.openxmlformats.org/drawingml/2006/main" xmlns:r="http://schemas.openxmlformats.org/officeDocument/2006/relationships" xmlns:p="http://schemas.openxmlformats.org/presentationml/2006/main">
   <p:cSld>
     <p:spTree>
       <p:nvGrpSpPr>
@@ -3484,12 +5585,12 @@
       </p:grpSpPr>
       <p:pic>
         <p:nvPicPr>
-          <p:cNvPr id="60" name="" descr=""/>
+          <p:cNvPr id="60" name="Picture 59"/>
           <p:cNvPicPr/>
           <p:nvPr/>
         </p:nvPicPr>
         <p:blipFill>
-          <a:blip r:embed="rId1"/>
+          <a:blip r:embed="rId3"/>
           <a:stretch/>
         </p:blipFill>
         <p:spPr>
@@ -3507,19 +5608,14 @@
       </p:pic>
     </p:spTree>
   </p:cSld>
-  <mc:AlternateContent>
-    <mc:Choice Requires="p14">
-      <p:transition spd="slow" p14:dur="2000"/>
-    </mc:Choice>
-    <mc:Fallback>
-      <p:transition spd="slow"/>
-    </mc:Fallback>
-  </mc:AlternateContent>
+  <p:clrMapOvr>
+    <a:masterClrMapping/>
+  </p:clrMapOvr>
 </p:sld>
 </file>
 
-<file path=ppt/slides/slide2.xml><?xml version="1.0" encoding="utf-8"?>
-<p:sld xmlns:a="http://schemas.openxmlformats.org/drawingml/2006/main" xmlns:p="http://schemas.openxmlformats.org/presentationml/2006/main" xmlns:r="http://schemas.openxmlformats.org/officeDocument/2006/relationships" xmlns:p14="http://schemas.microsoft.com/office/powerpoint/2010/main" xmlns:p15="http://schemas.microsoft.com/office/powerpoint/2012/main" xmlns:mc="http://schemas.openxmlformats.org/markup-compatibility/2006">
+<file path=ppt/slides/slide15.xml><?xml version="1.0" encoding="utf-8"?>
+<p:sld xmlns:a="http://schemas.openxmlformats.org/drawingml/2006/main" xmlns:r="http://schemas.openxmlformats.org/officeDocument/2006/relationships" xmlns:p="http://schemas.openxmlformats.org/presentationml/2006/main">
   <p:cSld>
     <p:spTree>
       <p:nvGrpSpPr>
@@ -3537,42 +5633,49 @@
       </p:grpSpPr>
       <p:pic>
         <p:nvPicPr>
-          <p:cNvPr id="48" name="Picture 3" descr=""/>
-          <p:cNvPicPr/>
+          <p:cNvPr id="5" name="Picture 4">
+            <a:extLst>
+              <a:ext uri="{FF2B5EF4-FFF2-40B4-BE49-F238E27FC236}">
+                <a16:creationId xmlns:a16="http://schemas.microsoft.com/office/drawing/2014/main" id="{3F7FC434-F0E9-44EB-A25D-5BEB5AD11DC3}"/>
+              </a:ext>
+            </a:extLst>
+          </p:cNvPr>
+          <p:cNvPicPr>
+            <a:picLocks noChangeAspect="1"/>
+          </p:cNvPicPr>
           <p:nvPr/>
         </p:nvPicPr>
         <p:blipFill>
-          <a:blip r:embed="rId1"/>
-          <a:stretch/>
+          <a:blip r:embed="rId3"/>
+          <a:stretch>
+            <a:fillRect/>
+          </a:stretch>
         </p:blipFill>
         <p:spPr>
           <a:xfrm>
-            <a:off x="0" y="170640"/>
-            <a:ext cx="12191760" cy="6516360"/>
-          </a:xfrm>
-          <a:prstGeom prst="rect">
-            <a:avLst/>
-          </a:prstGeom>
-          <a:ln>
-            <a:noFill/>
-          </a:ln>
+            <a:off x="1005865" y="-791"/>
+            <a:ext cx="10180269" cy="6858791"/>
+          </a:xfrm>
+          <a:prstGeom prst="rect">
+            <a:avLst/>
+          </a:prstGeom>
         </p:spPr>
       </p:pic>
     </p:spTree>
+    <p:extLst>
+      <p:ext uri="{BB962C8B-B14F-4D97-AF65-F5344CB8AC3E}">
+        <p14:creationId xmlns:p14="http://schemas.microsoft.com/office/powerpoint/2010/main" val="2672637502"/>
+      </p:ext>
+    </p:extLst>
   </p:cSld>
-  <mc:AlternateContent>
-    <mc:Choice Requires="p14">
-      <p:transition spd="slow" p14:dur="2000"/>
-    </mc:Choice>
-    <mc:Fallback>
-      <p:transition spd="slow"/>
-    </mc:Fallback>
-  </mc:AlternateContent>
+  <p:clrMapOvr>
+    <a:masterClrMapping/>
+  </p:clrMapOvr>
 </p:sld>
 </file>
 
-<file path=ppt/slides/slide3.xml><?xml version="1.0" encoding="utf-8"?>
-<p:sld xmlns:a="http://schemas.openxmlformats.org/drawingml/2006/main" xmlns:p="http://schemas.openxmlformats.org/presentationml/2006/main" xmlns:r="http://schemas.openxmlformats.org/officeDocument/2006/relationships" xmlns:p14="http://schemas.microsoft.com/office/powerpoint/2010/main" xmlns:p15="http://schemas.microsoft.com/office/powerpoint/2012/main" xmlns:mc="http://schemas.openxmlformats.org/markup-compatibility/2006">
+<file path=ppt/slides/slide16.xml><?xml version="1.0" encoding="utf-8"?>
+<p:sld xmlns:a="http://schemas.openxmlformats.org/drawingml/2006/main" xmlns:r="http://schemas.openxmlformats.org/officeDocument/2006/relationships" xmlns:p="http://schemas.openxmlformats.org/presentationml/2006/main">
   <p:cSld>
     <p:spTree>
       <p:nvGrpSpPr>
@@ -3590,42 +5693,49 @@
       </p:grpSpPr>
       <p:pic>
         <p:nvPicPr>
-          <p:cNvPr id="49" name="Picture 1" descr=""/>
-          <p:cNvPicPr/>
+          <p:cNvPr id="4" name="Picture 3">
+            <a:extLst>
+              <a:ext uri="{FF2B5EF4-FFF2-40B4-BE49-F238E27FC236}">
+                <a16:creationId xmlns:a16="http://schemas.microsoft.com/office/drawing/2014/main" id="{6A50BA73-C590-41AD-9946-E1C8059F1E3B}"/>
+              </a:ext>
+            </a:extLst>
+          </p:cNvPr>
+          <p:cNvPicPr>
+            <a:picLocks noChangeAspect="1"/>
+          </p:cNvPicPr>
           <p:nvPr/>
         </p:nvPicPr>
         <p:blipFill>
-          <a:blip r:embed="rId1"/>
-          <a:stretch/>
+          <a:blip r:embed="rId3"/>
+          <a:stretch>
+            <a:fillRect/>
+          </a:stretch>
         </p:blipFill>
         <p:spPr>
           <a:xfrm>
-            <a:off x="0" y="170640"/>
-            <a:ext cx="12191760" cy="6516360"/>
-          </a:xfrm>
-          <a:prstGeom prst="rect">
-            <a:avLst/>
-          </a:prstGeom>
-          <a:ln>
-            <a:noFill/>
-          </a:ln>
+            <a:off x="0" y="170656"/>
+            <a:ext cx="12192000" cy="6516688"/>
+          </a:xfrm>
+          <a:prstGeom prst="rect">
+            <a:avLst/>
+          </a:prstGeom>
         </p:spPr>
       </p:pic>
     </p:spTree>
+    <p:extLst>
+      <p:ext uri="{BB962C8B-B14F-4D97-AF65-F5344CB8AC3E}">
+        <p14:creationId xmlns:p14="http://schemas.microsoft.com/office/powerpoint/2010/main" val="1215852549"/>
+      </p:ext>
+    </p:extLst>
   </p:cSld>
-  <mc:AlternateContent>
-    <mc:Choice Requires="p14">
-      <p:transition spd="slow" p14:dur="2000"/>
-    </mc:Choice>
-    <mc:Fallback>
-      <p:transition spd="slow"/>
-    </mc:Fallback>
-  </mc:AlternateContent>
+  <p:clrMapOvr>
+    <a:masterClrMapping/>
+  </p:clrMapOvr>
 </p:sld>
 </file>
 
-<file path=ppt/slides/slide4.xml><?xml version="1.0" encoding="utf-8"?>
-<p:sld xmlns:a="http://schemas.openxmlformats.org/drawingml/2006/main" xmlns:p="http://schemas.openxmlformats.org/presentationml/2006/main" xmlns:r="http://schemas.openxmlformats.org/officeDocument/2006/relationships" xmlns:p14="http://schemas.microsoft.com/office/powerpoint/2010/main" xmlns:p15="http://schemas.microsoft.com/office/powerpoint/2012/main" xmlns:mc="http://schemas.openxmlformats.org/markup-compatibility/2006">
+<file path=ppt/slides/slide17.xml><?xml version="1.0" encoding="utf-8"?>
+<p:sld xmlns:a="http://schemas.openxmlformats.org/drawingml/2006/main" xmlns:r="http://schemas.openxmlformats.org/officeDocument/2006/relationships" xmlns:p="http://schemas.openxmlformats.org/presentationml/2006/main">
   <p:cSld>
     <p:spTree>
       <p:nvGrpSpPr>
@@ -3643,42 +5753,49 @@
       </p:grpSpPr>
       <p:pic>
         <p:nvPicPr>
-          <p:cNvPr id="50" name="Picture 2" descr=""/>
-          <p:cNvPicPr/>
+          <p:cNvPr id="5" name="Picture 4">
+            <a:extLst>
+              <a:ext uri="{FF2B5EF4-FFF2-40B4-BE49-F238E27FC236}">
+                <a16:creationId xmlns:a16="http://schemas.microsoft.com/office/drawing/2014/main" id="{C106C8DE-3BD9-430B-94F1-B7E480D54801}"/>
+              </a:ext>
+            </a:extLst>
+          </p:cNvPr>
+          <p:cNvPicPr>
+            <a:picLocks noChangeAspect="1"/>
+          </p:cNvPicPr>
           <p:nvPr/>
         </p:nvPicPr>
         <p:blipFill>
-          <a:blip r:embed="rId1"/>
-          <a:stretch/>
+          <a:blip r:embed="rId3"/>
+          <a:stretch>
+            <a:fillRect/>
+          </a:stretch>
         </p:blipFill>
         <p:spPr>
           <a:xfrm>
-            <a:off x="1119960" y="76680"/>
-            <a:ext cx="9951480" cy="6704640"/>
-          </a:xfrm>
-          <a:prstGeom prst="rect">
-            <a:avLst/>
-          </a:prstGeom>
-          <a:ln>
-            <a:noFill/>
-          </a:ln>
+            <a:off x="1245293" y="0"/>
+            <a:ext cx="10179094" cy="6858000"/>
+          </a:xfrm>
+          <a:prstGeom prst="rect">
+            <a:avLst/>
+          </a:prstGeom>
         </p:spPr>
       </p:pic>
     </p:spTree>
+    <p:extLst>
+      <p:ext uri="{BB962C8B-B14F-4D97-AF65-F5344CB8AC3E}">
+        <p14:creationId xmlns:p14="http://schemas.microsoft.com/office/powerpoint/2010/main" val="416365519"/>
+      </p:ext>
+    </p:extLst>
   </p:cSld>
-  <mc:AlternateContent>
-    <mc:Choice Requires="p14">
-      <p:transition spd="slow" p14:dur="2000"/>
-    </mc:Choice>
-    <mc:Fallback>
-      <p:transition spd="slow"/>
-    </mc:Fallback>
-  </mc:AlternateContent>
+  <p:clrMapOvr>
+    <a:masterClrMapping/>
+  </p:clrMapOvr>
 </p:sld>
 </file>
 
-<file path=ppt/slides/slide5.xml><?xml version="1.0" encoding="utf-8"?>
-<p:sld xmlns:a="http://schemas.openxmlformats.org/drawingml/2006/main" xmlns:p="http://schemas.openxmlformats.org/presentationml/2006/main" xmlns:r="http://schemas.openxmlformats.org/officeDocument/2006/relationships" xmlns:p14="http://schemas.microsoft.com/office/powerpoint/2010/main" xmlns:p15="http://schemas.microsoft.com/office/powerpoint/2012/main" xmlns:mc="http://schemas.openxmlformats.org/markup-compatibility/2006">
+<file path=ppt/slides/slide18.xml><?xml version="1.0" encoding="utf-8"?>
+<p:sld xmlns:a="http://schemas.openxmlformats.org/drawingml/2006/main" xmlns:r="http://schemas.openxmlformats.org/officeDocument/2006/relationships" xmlns:p="http://schemas.openxmlformats.org/presentationml/2006/main">
   <p:cSld>
     <p:spTree>
       <p:nvGrpSpPr>
@@ -3696,42 +5813,49 @@
       </p:grpSpPr>
       <p:pic>
         <p:nvPicPr>
-          <p:cNvPr id="51" name="Picture 2" descr=""/>
-          <p:cNvPicPr/>
+          <p:cNvPr id="4" name="Picture 3">
+            <a:extLst>
+              <a:ext uri="{FF2B5EF4-FFF2-40B4-BE49-F238E27FC236}">
+                <a16:creationId xmlns:a16="http://schemas.microsoft.com/office/drawing/2014/main" id="{F2DE2406-5954-4C6F-A160-9E8B725498A5}"/>
+              </a:ext>
+            </a:extLst>
+          </p:cNvPr>
+          <p:cNvPicPr>
+            <a:picLocks noChangeAspect="1"/>
+          </p:cNvPicPr>
           <p:nvPr/>
         </p:nvPicPr>
         <p:blipFill>
-          <a:blip r:embed="rId1"/>
-          <a:stretch/>
+          <a:blip r:embed="rId3"/>
+          <a:stretch>
+            <a:fillRect/>
+          </a:stretch>
         </p:blipFill>
         <p:spPr>
           <a:xfrm>
-            <a:off x="907920" y="0"/>
-            <a:ext cx="10178640" cy="6857640"/>
-          </a:xfrm>
-          <a:prstGeom prst="rect">
-            <a:avLst/>
-          </a:prstGeom>
-          <a:ln>
-            <a:noFill/>
-          </a:ln>
+            <a:off x="0" y="170656"/>
+            <a:ext cx="12192000" cy="6516688"/>
+          </a:xfrm>
+          <a:prstGeom prst="rect">
+            <a:avLst/>
+          </a:prstGeom>
         </p:spPr>
       </p:pic>
     </p:spTree>
+    <p:extLst>
+      <p:ext uri="{BB962C8B-B14F-4D97-AF65-F5344CB8AC3E}">
+        <p14:creationId xmlns:p14="http://schemas.microsoft.com/office/powerpoint/2010/main" val="1655531051"/>
+      </p:ext>
+    </p:extLst>
   </p:cSld>
-  <mc:AlternateContent>
-    <mc:Choice Requires="p14">
-      <p:transition spd="slow" p14:dur="2000"/>
-    </mc:Choice>
-    <mc:Fallback>
-      <p:transition spd="slow"/>
-    </mc:Fallback>
-  </mc:AlternateContent>
+  <p:clrMapOvr>
+    <a:masterClrMapping/>
+  </p:clrMapOvr>
 </p:sld>
 </file>
 
-<file path=ppt/slides/slide6.xml><?xml version="1.0" encoding="utf-8"?>
-<p:sld xmlns:a="http://schemas.openxmlformats.org/drawingml/2006/main" xmlns:p="http://schemas.openxmlformats.org/presentationml/2006/main" xmlns:r="http://schemas.openxmlformats.org/officeDocument/2006/relationships" xmlns:p14="http://schemas.microsoft.com/office/powerpoint/2010/main" xmlns:p15="http://schemas.microsoft.com/office/powerpoint/2012/main" xmlns:mc="http://schemas.openxmlformats.org/markup-compatibility/2006">
+<file path=ppt/slides/slide19.xml><?xml version="1.0" encoding="utf-8"?>
+<p:sld xmlns:a="http://schemas.openxmlformats.org/drawingml/2006/main" xmlns:r="http://schemas.openxmlformats.org/officeDocument/2006/relationships" xmlns:p="http://schemas.openxmlformats.org/presentationml/2006/main">
   <p:cSld>
     <p:spTree>
       <p:nvGrpSpPr>
@@ -3749,42 +5873,49 @@
       </p:grpSpPr>
       <p:pic>
         <p:nvPicPr>
-          <p:cNvPr id="52" name="Picture 1" descr=""/>
-          <p:cNvPicPr/>
+          <p:cNvPr id="2" name="Picture 1">
+            <a:extLst>
+              <a:ext uri="{FF2B5EF4-FFF2-40B4-BE49-F238E27FC236}">
+                <a16:creationId xmlns:a16="http://schemas.microsoft.com/office/drawing/2014/main" id="{47726433-351D-491A-80AC-01E551175DF4}"/>
+              </a:ext>
+            </a:extLst>
+          </p:cNvPr>
+          <p:cNvPicPr>
+            <a:picLocks noChangeAspect="1"/>
+          </p:cNvPicPr>
           <p:nvPr/>
         </p:nvPicPr>
         <p:blipFill>
-          <a:blip r:embed="rId1"/>
-          <a:stretch/>
+          <a:blip r:embed="rId3"/>
+          <a:stretch>
+            <a:fillRect/>
+          </a:stretch>
         </p:blipFill>
         <p:spPr>
           <a:xfrm>
-            <a:off x="0" y="170640"/>
-            <a:ext cx="12191760" cy="6516360"/>
-          </a:xfrm>
-          <a:prstGeom prst="rect">
-            <a:avLst/>
-          </a:prstGeom>
-          <a:ln>
-            <a:noFill/>
-          </a:ln>
+            <a:off x="990600" y="-10680"/>
+            <a:ext cx="10210800" cy="6879360"/>
+          </a:xfrm>
+          <a:prstGeom prst="rect">
+            <a:avLst/>
+          </a:prstGeom>
         </p:spPr>
       </p:pic>
     </p:spTree>
+    <p:extLst>
+      <p:ext uri="{BB962C8B-B14F-4D97-AF65-F5344CB8AC3E}">
+        <p14:creationId xmlns:p14="http://schemas.microsoft.com/office/powerpoint/2010/main" val="2006804839"/>
+      </p:ext>
+    </p:extLst>
   </p:cSld>
-  <mc:AlternateContent>
-    <mc:Choice Requires="p14">
-      <p:transition spd="slow" p14:dur="2000"/>
-    </mc:Choice>
-    <mc:Fallback>
-      <p:transition spd="slow"/>
-    </mc:Fallback>
-  </mc:AlternateContent>
+  <p:clrMapOvr>
+    <a:masterClrMapping/>
+  </p:clrMapOvr>
 </p:sld>
 </file>
 
-<file path=ppt/slides/slide7.xml><?xml version="1.0" encoding="utf-8"?>
-<p:sld xmlns:a="http://schemas.openxmlformats.org/drawingml/2006/main" xmlns:p="http://schemas.openxmlformats.org/presentationml/2006/main" xmlns:r="http://schemas.openxmlformats.org/officeDocument/2006/relationships" xmlns:p14="http://schemas.microsoft.com/office/powerpoint/2010/main" xmlns:p15="http://schemas.microsoft.com/office/powerpoint/2012/main" xmlns:mc="http://schemas.openxmlformats.org/markup-compatibility/2006">
+<file path=ppt/slides/slide2.xml><?xml version="1.0" encoding="utf-8"?>
+<p:sld xmlns:a="http://schemas.openxmlformats.org/drawingml/2006/main" xmlns:r="http://schemas.openxmlformats.org/officeDocument/2006/relationships" xmlns:p="http://schemas.openxmlformats.org/presentationml/2006/main">
   <p:cSld>
     <p:spTree>
       <p:nvGrpSpPr>
@@ -3802,12 +5933,12 @@
       </p:grpSpPr>
       <p:pic>
         <p:nvPicPr>
-          <p:cNvPr id="53" name="Picture 3" descr=""/>
+          <p:cNvPr id="48" name="Picture 3"/>
           <p:cNvPicPr/>
           <p:nvPr/>
         </p:nvPicPr>
         <p:blipFill>
-          <a:blip r:embed="rId1"/>
+          <a:blip r:embed="rId3"/>
           <a:stretch/>
         </p:blipFill>
         <p:spPr>
@@ -3825,19 +5956,14 @@
       </p:pic>
     </p:spTree>
   </p:cSld>
-  <mc:AlternateContent>
-    <mc:Choice Requires="p14">
-      <p:transition spd="slow" p14:dur="2000"/>
-    </mc:Choice>
-    <mc:Fallback>
-      <p:transition spd="slow"/>
-    </mc:Fallback>
-  </mc:AlternateContent>
+  <p:clrMapOvr>
+    <a:masterClrMapping/>
+  </p:clrMapOvr>
 </p:sld>
 </file>
 
-<file path=ppt/slides/slide8.xml><?xml version="1.0" encoding="utf-8"?>
-<p:sld xmlns:a="http://schemas.openxmlformats.org/drawingml/2006/main" xmlns:p="http://schemas.openxmlformats.org/presentationml/2006/main" xmlns:r="http://schemas.openxmlformats.org/officeDocument/2006/relationships" xmlns:p14="http://schemas.microsoft.com/office/powerpoint/2010/main" xmlns:p15="http://schemas.microsoft.com/office/powerpoint/2012/main" xmlns:mc="http://schemas.openxmlformats.org/markup-compatibility/2006">
+<file path=ppt/slides/slide20.xml><?xml version="1.0" encoding="utf-8"?>
+<p:sld xmlns:a="http://schemas.openxmlformats.org/drawingml/2006/main" xmlns:r="http://schemas.openxmlformats.org/officeDocument/2006/relationships" xmlns:p="http://schemas.openxmlformats.org/presentationml/2006/main">
   <p:cSld>
     <p:spTree>
       <p:nvGrpSpPr>
@@ -3855,42 +5981,49 @@
       </p:grpSpPr>
       <p:pic>
         <p:nvPicPr>
-          <p:cNvPr id="54" name="Picture 1" descr=""/>
-          <p:cNvPicPr/>
+          <p:cNvPr id="2" name="Picture 1">
+            <a:extLst>
+              <a:ext uri="{FF2B5EF4-FFF2-40B4-BE49-F238E27FC236}">
+                <a16:creationId xmlns:a16="http://schemas.microsoft.com/office/drawing/2014/main" id="{2E52BE63-7DE6-4AAD-9183-F0FFBD63572A}"/>
+              </a:ext>
+            </a:extLst>
+          </p:cNvPr>
+          <p:cNvPicPr>
+            <a:picLocks noChangeAspect="1"/>
+          </p:cNvPicPr>
           <p:nvPr/>
         </p:nvPicPr>
         <p:blipFill>
-          <a:blip r:embed="rId1"/>
-          <a:stretch/>
+          <a:blip r:embed="rId3"/>
+          <a:stretch>
+            <a:fillRect/>
+          </a:stretch>
         </p:blipFill>
         <p:spPr>
           <a:xfrm>
-            <a:off x="1236240" y="0"/>
-            <a:ext cx="10178640" cy="6857640"/>
-          </a:xfrm>
-          <a:prstGeom prst="rect">
-            <a:avLst/>
-          </a:prstGeom>
-          <a:ln>
-            <a:noFill/>
-          </a:ln>
+            <a:off x="0" y="170656"/>
+            <a:ext cx="12192000" cy="6516688"/>
+          </a:xfrm>
+          <a:prstGeom prst="rect">
+            <a:avLst/>
+          </a:prstGeom>
         </p:spPr>
       </p:pic>
     </p:spTree>
+    <p:extLst>
+      <p:ext uri="{BB962C8B-B14F-4D97-AF65-F5344CB8AC3E}">
+        <p14:creationId xmlns:p14="http://schemas.microsoft.com/office/powerpoint/2010/main" val="843420344"/>
+      </p:ext>
+    </p:extLst>
   </p:cSld>
-  <mc:AlternateContent>
-    <mc:Choice Requires="p14">
-      <p:transition spd="slow" p14:dur="2000"/>
-    </mc:Choice>
-    <mc:Fallback>
-      <p:transition spd="slow"/>
-    </mc:Fallback>
-  </mc:AlternateContent>
+  <p:clrMapOvr>
+    <a:masterClrMapping/>
+  </p:clrMapOvr>
 </p:sld>
 </file>
 
-<file path=ppt/slides/slide9.xml><?xml version="1.0" encoding="utf-8"?>
-<p:sld xmlns:a="http://schemas.openxmlformats.org/drawingml/2006/main" xmlns:p="http://schemas.openxmlformats.org/presentationml/2006/main" xmlns:r="http://schemas.openxmlformats.org/officeDocument/2006/relationships" xmlns:p14="http://schemas.microsoft.com/office/powerpoint/2010/main" xmlns:p15="http://schemas.microsoft.com/office/powerpoint/2012/main" xmlns:mc="http://schemas.openxmlformats.org/markup-compatibility/2006">
+<file path=ppt/slides/slide21.xml><?xml version="1.0" encoding="utf-8"?>
+<p:sld xmlns:a="http://schemas.openxmlformats.org/drawingml/2006/main" xmlns:r="http://schemas.openxmlformats.org/officeDocument/2006/relationships" xmlns:p="http://schemas.openxmlformats.org/presentationml/2006/main">
   <p:cSld>
     <p:spTree>
       <p:nvGrpSpPr>
@@ -3908,18 +6041,438 @@
       </p:grpSpPr>
       <p:pic>
         <p:nvPicPr>
-          <p:cNvPr id="55" name="" descr=""/>
+          <p:cNvPr id="2" name="Picture 1">
+            <a:extLst>
+              <a:ext uri="{FF2B5EF4-FFF2-40B4-BE49-F238E27FC236}">
+                <a16:creationId xmlns:a16="http://schemas.microsoft.com/office/drawing/2014/main" id="{727FD797-F388-4CB9-9CBE-90861BEA2BE0}"/>
+              </a:ext>
+            </a:extLst>
+          </p:cNvPr>
+          <p:cNvPicPr>
+            <a:picLocks noChangeAspect="1"/>
+          </p:cNvPicPr>
+          <p:nvPr/>
+        </p:nvPicPr>
+        <p:blipFill>
+          <a:blip r:embed="rId3"/>
+          <a:stretch>
+            <a:fillRect/>
+          </a:stretch>
+        </p:blipFill>
+        <p:spPr>
+          <a:xfrm>
+            <a:off x="854675" y="0"/>
+            <a:ext cx="10179094" cy="6858000"/>
+          </a:xfrm>
+          <a:prstGeom prst="rect">
+            <a:avLst/>
+          </a:prstGeom>
+        </p:spPr>
+      </p:pic>
+    </p:spTree>
+    <p:extLst>
+      <p:ext uri="{BB962C8B-B14F-4D97-AF65-F5344CB8AC3E}">
+        <p14:creationId xmlns:p14="http://schemas.microsoft.com/office/powerpoint/2010/main" val="1390736598"/>
+      </p:ext>
+    </p:extLst>
+  </p:cSld>
+  <p:clrMapOvr>
+    <a:masterClrMapping/>
+  </p:clrMapOvr>
+</p:sld>
+</file>
+
+<file path=ppt/slides/slide22.xml><?xml version="1.0" encoding="utf-8"?>
+<p:sld xmlns:a="http://schemas.openxmlformats.org/drawingml/2006/main" xmlns:r="http://schemas.openxmlformats.org/officeDocument/2006/relationships" xmlns:p="http://schemas.openxmlformats.org/presentationml/2006/main">
+  <p:cSld>
+    <p:spTree>
+      <p:nvGrpSpPr>
+        <p:cNvPr id="1" name=""/>
+        <p:cNvGrpSpPr/>
+        <p:nvPr/>
+      </p:nvGrpSpPr>
+      <p:grpSpPr>
+        <a:xfrm>
+          <a:off x="0" y="0"/>
+          <a:ext cx="0" cy="0"/>
+          <a:chOff x="0" y="0"/>
+          <a:chExt cx="0" cy="0"/>
+        </a:xfrm>
+      </p:grpSpPr>
+      <p:pic>
+        <p:nvPicPr>
+          <p:cNvPr id="4" name="Picture 3">
+            <a:extLst>
+              <a:ext uri="{FF2B5EF4-FFF2-40B4-BE49-F238E27FC236}">
+                <a16:creationId xmlns:a16="http://schemas.microsoft.com/office/drawing/2014/main" id="{5F1983F5-4025-45C8-ACE0-DE0FC9F135C5}"/>
+              </a:ext>
+            </a:extLst>
+          </p:cNvPr>
+          <p:cNvPicPr>
+            <a:picLocks noChangeAspect="1"/>
+          </p:cNvPicPr>
+          <p:nvPr/>
+        </p:nvPicPr>
+        <p:blipFill>
+          <a:blip r:embed="rId3"/>
+          <a:stretch>
+            <a:fillRect/>
+          </a:stretch>
+        </p:blipFill>
+        <p:spPr>
+          <a:xfrm>
+            <a:off x="0" y="170656"/>
+            <a:ext cx="12192000" cy="6516688"/>
+          </a:xfrm>
+          <a:prstGeom prst="rect">
+            <a:avLst/>
+          </a:prstGeom>
+        </p:spPr>
+      </p:pic>
+    </p:spTree>
+    <p:extLst>
+      <p:ext uri="{BB962C8B-B14F-4D97-AF65-F5344CB8AC3E}">
+        <p14:creationId xmlns:p14="http://schemas.microsoft.com/office/powerpoint/2010/main" val="683881772"/>
+      </p:ext>
+    </p:extLst>
+  </p:cSld>
+  <p:clrMapOvr>
+    <a:masterClrMapping/>
+  </p:clrMapOvr>
+</p:sld>
+</file>
+
+<file path=ppt/slides/slide23.xml><?xml version="1.0" encoding="utf-8"?>
+<p:sld xmlns:a="http://schemas.openxmlformats.org/drawingml/2006/main" xmlns:r="http://schemas.openxmlformats.org/officeDocument/2006/relationships" xmlns:p="http://schemas.openxmlformats.org/presentationml/2006/main">
+  <p:cSld>
+    <p:spTree>
+      <p:nvGrpSpPr>
+        <p:cNvPr id="1" name=""/>
+        <p:cNvGrpSpPr/>
+        <p:nvPr/>
+      </p:nvGrpSpPr>
+      <p:grpSpPr>
+        <a:xfrm>
+          <a:off x="0" y="0"/>
+          <a:ext cx="0" cy="0"/>
+          <a:chOff x="0" y="0"/>
+          <a:chExt cx="0" cy="0"/>
+        </a:xfrm>
+      </p:grpSpPr>
+      <p:pic>
+        <p:nvPicPr>
+          <p:cNvPr id="2" name="Picture 1">
+            <a:extLst>
+              <a:ext uri="{FF2B5EF4-FFF2-40B4-BE49-F238E27FC236}">
+                <a16:creationId xmlns:a16="http://schemas.microsoft.com/office/drawing/2014/main" id="{83FBD209-66C4-4D60-9902-F7324201F60A}"/>
+              </a:ext>
+            </a:extLst>
+          </p:cNvPr>
+          <p:cNvPicPr>
+            <a:picLocks noChangeAspect="1"/>
+          </p:cNvPicPr>
+          <p:nvPr/>
+        </p:nvPicPr>
+        <p:blipFill>
+          <a:blip r:embed="rId2"/>
+          <a:stretch>
+            <a:fillRect/>
+          </a:stretch>
+        </p:blipFill>
+        <p:spPr>
+          <a:xfrm>
+            <a:off x="2861029" y="1249491"/>
+            <a:ext cx="6469941" cy="4359018"/>
+          </a:xfrm>
+          <a:prstGeom prst="rect">
+            <a:avLst/>
+          </a:prstGeom>
+        </p:spPr>
+      </p:pic>
+    </p:spTree>
+    <p:extLst>
+      <p:ext uri="{BB962C8B-B14F-4D97-AF65-F5344CB8AC3E}">
+        <p14:creationId xmlns:p14="http://schemas.microsoft.com/office/powerpoint/2010/main" val="800633346"/>
+      </p:ext>
+    </p:extLst>
+  </p:cSld>
+  <p:clrMapOvr>
+    <a:masterClrMapping/>
+  </p:clrMapOvr>
+</p:sld>
+</file>
+
+<file path=ppt/slides/slide24.xml><?xml version="1.0" encoding="utf-8"?>
+<p:sld xmlns:a="http://schemas.openxmlformats.org/drawingml/2006/main" xmlns:r="http://schemas.openxmlformats.org/officeDocument/2006/relationships" xmlns:p="http://schemas.openxmlformats.org/presentationml/2006/main">
+  <p:cSld>
+    <p:spTree>
+      <p:nvGrpSpPr>
+        <p:cNvPr id="1" name=""/>
+        <p:cNvGrpSpPr/>
+        <p:nvPr/>
+      </p:nvGrpSpPr>
+      <p:grpSpPr>
+        <a:xfrm>
+          <a:off x="0" y="0"/>
+          <a:ext cx="0" cy="0"/>
+          <a:chOff x="0" y="0"/>
+          <a:chExt cx="0" cy="0"/>
+        </a:xfrm>
+      </p:grpSpPr>
+      <p:pic>
+        <p:nvPicPr>
+          <p:cNvPr id="2" name="Picture 1">
+            <a:extLst>
+              <a:ext uri="{FF2B5EF4-FFF2-40B4-BE49-F238E27FC236}">
+                <a16:creationId xmlns:a16="http://schemas.microsoft.com/office/drawing/2014/main" id="{AABDF178-6412-46F4-967F-F171139A246A}"/>
+              </a:ext>
+            </a:extLst>
+          </p:cNvPr>
+          <p:cNvPicPr>
+            <a:picLocks noChangeAspect="1"/>
+          </p:cNvPicPr>
+          <p:nvPr/>
+        </p:nvPicPr>
+        <p:blipFill>
+          <a:blip r:embed="rId2"/>
+          <a:stretch>
+            <a:fillRect/>
+          </a:stretch>
+        </p:blipFill>
+        <p:spPr>
+          <a:xfrm>
+            <a:off x="0" y="170656"/>
+            <a:ext cx="12192000" cy="6516688"/>
+          </a:xfrm>
+          <a:prstGeom prst="rect">
+            <a:avLst/>
+          </a:prstGeom>
+        </p:spPr>
+      </p:pic>
+    </p:spTree>
+    <p:extLst>
+      <p:ext uri="{BB962C8B-B14F-4D97-AF65-F5344CB8AC3E}">
+        <p14:creationId xmlns:p14="http://schemas.microsoft.com/office/powerpoint/2010/main" val="564693591"/>
+      </p:ext>
+    </p:extLst>
+  </p:cSld>
+  <p:clrMapOvr>
+    <a:masterClrMapping/>
+  </p:clrMapOvr>
+</p:sld>
+</file>
+
+<file path=ppt/slides/slide25.xml><?xml version="1.0" encoding="utf-8"?>
+<p:sld xmlns:a="http://schemas.openxmlformats.org/drawingml/2006/main" xmlns:r="http://schemas.openxmlformats.org/officeDocument/2006/relationships" xmlns:p="http://schemas.openxmlformats.org/presentationml/2006/main">
+  <p:cSld>
+    <p:spTree>
+      <p:nvGrpSpPr>
+        <p:cNvPr id="1" name=""/>
+        <p:cNvGrpSpPr/>
+        <p:nvPr/>
+      </p:nvGrpSpPr>
+      <p:grpSpPr>
+        <a:xfrm>
+          <a:off x="0" y="0"/>
+          <a:ext cx="0" cy="0"/>
+          <a:chOff x="0" y="0"/>
+          <a:chExt cx="0" cy="0"/>
+        </a:xfrm>
+      </p:grpSpPr>
+      <p:pic>
+        <p:nvPicPr>
+          <p:cNvPr id="2" name="Picture 1">
+            <a:extLst>
+              <a:ext uri="{FF2B5EF4-FFF2-40B4-BE49-F238E27FC236}">
+                <a16:creationId xmlns:a16="http://schemas.microsoft.com/office/drawing/2014/main" id="{E39E9134-EB15-4D78-804A-09BA15D0D5CC}"/>
+              </a:ext>
+            </a:extLst>
+          </p:cNvPr>
+          <p:cNvPicPr>
+            <a:picLocks noChangeAspect="1"/>
+          </p:cNvPicPr>
+          <p:nvPr/>
+        </p:nvPicPr>
+        <p:blipFill>
+          <a:blip r:embed="rId2"/>
+          <a:stretch>
+            <a:fillRect/>
+          </a:stretch>
+        </p:blipFill>
+        <p:spPr>
+          <a:xfrm>
+            <a:off x="2861029" y="1249491"/>
+            <a:ext cx="6469941" cy="4359018"/>
+          </a:xfrm>
+          <a:prstGeom prst="rect">
+            <a:avLst/>
+          </a:prstGeom>
+        </p:spPr>
+      </p:pic>
+    </p:spTree>
+    <p:extLst>
+      <p:ext uri="{BB962C8B-B14F-4D97-AF65-F5344CB8AC3E}">
+        <p14:creationId xmlns:p14="http://schemas.microsoft.com/office/powerpoint/2010/main" val="3121589791"/>
+      </p:ext>
+    </p:extLst>
+  </p:cSld>
+  <p:clrMapOvr>
+    <a:masterClrMapping/>
+  </p:clrMapOvr>
+</p:sld>
+</file>
+
+<file path=ppt/slides/slide26.xml><?xml version="1.0" encoding="utf-8"?>
+<p:sld xmlns:a="http://schemas.openxmlformats.org/drawingml/2006/main" xmlns:r="http://schemas.openxmlformats.org/officeDocument/2006/relationships" xmlns:p="http://schemas.openxmlformats.org/presentationml/2006/main">
+  <p:cSld>
+    <p:spTree>
+      <p:nvGrpSpPr>
+        <p:cNvPr id="1" name=""/>
+        <p:cNvGrpSpPr/>
+        <p:nvPr/>
+      </p:nvGrpSpPr>
+      <p:grpSpPr>
+        <a:xfrm>
+          <a:off x="0" y="0"/>
+          <a:ext cx="0" cy="0"/>
+          <a:chOff x="0" y="0"/>
+          <a:chExt cx="0" cy="0"/>
+        </a:xfrm>
+      </p:grpSpPr>
+      <p:pic>
+        <p:nvPicPr>
+          <p:cNvPr id="2" name="Picture 1">
+            <a:extLst>
+              <a:ext uri="{FF2B5EF4-FFF2-40B4-BE49-F238E27FC236}">
+                <a16:creationId xmlns:a16="http://schemas.microsoft.com/office/drawing/2014/main" id="{EFBC2EFE-1970-4A8F-9E7B-EE80A1FA9EF4}"/>
+              </a:ext>
+            </a:extLst>
+          </p:cNvPr>
+          <p:cNvPicPr>
+            <a:picLocks noChangeAspect="1"/>
+          </p:cNvPicPr>
+          <p:nvPr/>
+        </p:nvPicPr>
+        <p:blipFill>
+          <a:blip r:embed="rId2"/>
+          <a:stretch>
+            <a:fillRect/>
+          </a:stretch>
+        </p:blipFill>
+        <p:spPr>
+          <a:xfrm>
+            <a:off x="0" y="170656"/>
+            <a:ext cx="12192000" cy="6516688"/>
+          </a:xfrm>
+          <a:prstGeom prst="rect">
+            <a:avLst/>
+          </a:prstGeom>
+        </p:spPr>
+      </p:pic>
+    </p:spTree>
+    <p:extLst>
+      <p:ext uri="{BB962C8B-B14F-4D97-AF65-F5344CB8AC3E}">
+        <p14:creationId xmlns:p14="http://schemas.microsoft.com/office/powerpoint/2010/main" val="2196298110"/>
+      </p:ext>
+    </p:extLst>
+  </p:cSld>
+  <p:clrMapOvr>
+    <a:masterClrMapping/>
+  </p:clrMapOvr>
+</p:sld>
+</file>
+
+<file path=ppt/slides/slide27.xml><?xml version="1.0" encoding="utf-8"?>
+<p:sld xmlns:a="http://schemas.openxmlformats.org/drawingml/2006/main" xmlns:r="http://schemas.openxmlformats.org/officeDocument/2006/relationships" xmlns:p="http://schemas.openxmlformats.org/presentationml/2006/main">
+  <p:cSld>
+    <p:spTree>
+      <p:nvGrpSpPr>
+        <p:cNvPr id="1" name=""/>
+        <p:cNvGrpSpPr/>
+        <p:nvPr/>
+      </p:nvGrpSpPr>
+      <p:grpSpPr>
+        <a:xfrm>
+          <a:off x="0" y="0"/>
+          <a:ext cx="0" cy="0"/>
+          <a:chOff x="0" y="0"/>
+          <a:chExt cx="0" cy="0"/>
+        </a:xfrm>
+      </p:grpSpPr>
+    </p:spTree>
+    <p:extLst>
+      <p:ext uri="{BB962C8B-B14F-4D97-AF65-F5344CB8AC3E}">
+        <p14:creationId xmlns:p14="http://schemas.microsoft.com/office/powerpoint/2010/main" val="1264623889"/>
+      </p:ext>
+    </p:extLst>
+  </p:cSld>
+  <p:clrMapOvr>
+    <a:masterClrMapping/>
+  </p:clrMapOvr>
+</p:sld>
+</file>
+
+<file path=ppt/slides/slide28.xml><?xml version="1.0" encoding="utf-8"?>
+<p:sld xmlns:a="http://schemas.openxmlformats.org/drawingml/2006/main" xmlns:r="http://schemas.openxmlformats.org/officeDocument/2006/relationships" xmlns:p="http://schemas.openxmlformats.org/presentationml/2006/main">
+  <p:cSld>
+    <p:spTree>
+      <p:nvGrpSpPr>
+        <p:cNvPr id="1" name=""/>
+        <p:cNvGrpSpPr/>
+        <p:nvPr/>
+      </p:nvGrpSpPr>
+      <p:grpSpPr>
+        <a:xfrm>
+          <a:off x="0" y="0"/>
+          <a:ext cx="0" cy="0"/>
+          <a:chOff x="0" y="0"/>
+          <a:chExt cx="0" cy="0"/>
+        </a:xfrm>
+      </p:grpSpPr>
+    </p:spTree>
+    <p:extLst>
+      <p:ext uri="{BB962C8B-B14F-4D97-AF65-F5344CB8AC3E}">
+        <p14:creationId xmlns:p14="http://schemas.microsoft.com/office/powerpoint/2010/main" val="834909379"/>
+      </p:ext>
+    </p:extLst>
+  </p:cSld>
+  <p:clrMapOvr>
+    <a:masterClrMapping/>
+  </p:clrMapOvr>
+</p:sld>
+</file>
+
+<file path=ppt/slides/slide3.xml><?xml version="1.0" encoding="utf-8"?>
+<p:sld xmlns:a="http://schemas.openxmlformats.org/drawingml/2006/main" xmlns:r="http://schemas.openxmlformats.org/officeDocument/2006/relationships" xmlns:p="http://schemas.openxmlformats.org/presentationml/2006/main">
+  <p:cSld>
+    <p:spTree>
+      <p:nvGrpSpPr>
+        <p:cNvPr id="1" name=""/>
+        <p:cNvGrpSpPr/>
+        <p:nvPr/>
+      </p:nvGrpSpPr>
+      <p:grpSpPr>
+        <a:xfrm>
+          <a:off x="0" y="0"/>
+          <a:ext cx="0" cy="0"/>
+          <a:chOff x="0" y="0"/>
+          <a:chExt cx="0" cy="0"/>
+        </a:xfrm>
+      </p:grpSpPr>
+      <p:pic>
+        <p:nvPicPr>
+          <p:cNvPr id="49" name="Picture 1"/>
           <p:cNvPicPr/>
           <p:nvPr/>
         </p:nvPicPr>
         <p:blipFill>
-          <a:blip r:embed="rId1"/>
+          <a:blip r:embed="rId3"/>
           <a:stretch/>
         </p:blipFill>
         <p:spPr>
           <a:xfrm>
-            <a:off x="-1800" y="39960"/>
-            <a:ext cx="12191400" cy="6857640"/>
+            <a:off x="0" y="170640"/>
+            <a:ext cx="12191760" cy="6516360"/>
           </a:xfrm>
           <a:prstGeom prst="rect">
             <a:avLst/>
@@ -3931,14 +6484,297 @@
       </p:pic>
     </p:spTree>
   </p:cSld>
-  <mc:AlternateContent>
-    <mc:Choice Requires="p14">
-      <p:transition spd="slow" p14:dur="2000"/>
-    </mc:Choice>
-    <mc:Fallback>
-      <p:transition spd="slow"/>
-    </mc:Fallback>
-  </mc:AlternateContent>
+  <p:clrMapOvr>
+    <a:masterClrMapping/>
+  </p:clrMapOvr>
+</p:sld>
+</file>
+
+<file path=ppt/slides/slide4.xml><?xml version="1.0" encoding="utf-8"?>
+<p:sld xmlns:a="http://schemas.openxmlformats.org/drawingml/2006/main" xmlns:r="http://schemas.openxmlformats.org/officeDocument/2006/relationships" xmlns:p="http://schemas.openxmlformats.org/presentationml/2006/main">
+  <p:cSld>
+    <p:spTree>
+      <p:nvGrpSpPr>
+        <p:cNvPr id="1" name=""/>
+        <p:cNvGrpSpPr/>
+        <p:nvPr/>
+      </p:nvGrpSpPr>
+      <p:grpSpPr>
+        <a:xfrm>
+          <a:off x="0" y="0"/>
+          <a:ext cx="0" cy="0"/>
+          <a:chOff x="0" y="0"/>
+          <a:chExt cx="0" cy="0"/>
+        </a:xfrm>
+      </p:grpSpPr>
+      <p:pic>
+        <p:nvPicPr>
+          <p:cNvPr id="50" name="Picture 2"/>
+          <p:cNvPicPr/>
+          <p:nvPr/>
+        </p:nvPicPr>
+        <p:blipFill>
+          <a:blip r:embed="rId3"/>
+          <a:stretch/>
+        </p:blipFill>
+        <p:spPr>
+          <a:xfrm>
+            <a:off x="1119960" y="76680"/>
+            <a:ext cx="9951480" cy="6704640"/>
+          </a:xfrm>
+          <a:prstGeom prst="rect">
+            <a:avLst/>
+          </a:prstGeom>
+          <a:ln>
+            <a:noFill/>
+          </a:ln>
+        </p:spPr>
+      </p:pic>
+    </p:spTree>
+  </p:cSld>
+  <p:clrMapOvr>
+    <a:masterClrMapping/>
+  </p:clrMapOvr>
+</p:sld>
+</file>
+
+<file path=ppt/slides/slide5.xml><?xml version="1.0" encoding="utf-8"?>
+<p:sld xmlns:a="http://schemas.openxmlformats.org/drawingml/2006/main" xmlns:r="http://schemas.openxmlformats.org/officeDocument/2006/relationships" xmlns:p="http://schemas.openxmlformats.org/presentationml/2006/main">
+  <p:cSld>
+    <p:spTree>
+      <p:nvGrpSpPr>
+        <p:cNvPr id="1" name=""/>
+        <p:cNvGrpSpPr/>
+        <p:nvPr/>
+      </p:nvGrpSpPr>
+      <p:grpSpPr>
+        <a:xfrm>
+          <a:off x="0" y="0"/>
+          <a:ext cx="0" cy="0"/>
+          <a:chOff x="0" y="0"/>
+          <a:chExt cx="0" cy="0"/>
+        </a:xfrm>
+      </p:grpSpPr>
+      <p:pic>
+        <p:nvPicPr>
+          <p:cNvPr id="51" name="Picture 2"/>
+          <p:cNvPicPr/>
+          <p:nvPr/>
+        </p:nvPicPr>
+        <p:blipFill>
+          <a:blip r:embed="rId3"/>
+          <a:stretch/>
+        </p:blipFill>
+        <p:spPr>
+          <a:xfrm>
+            <a:off x="907920" y="0"/>
+            <a:ext cx="10178640" cy="6857640"/>
+          </a:xfrm>
+          <a:prstGeom prst="rect">
+            <a:avLst/>
+          </a:prstGeom>
+          <a:ln>
+            <a:noFill/>
+          </a:ln>
+        </p:spPr>
+      </p:pic>
+    </p:spTree>
+  </p:cSld>
+  <p:clrMapOvr>
+    <a:masterClrMapping/>
+  </p:clrMapOvr>
+</p:sld>
+</file>
+
+<file path=ppt/slides/slide6.xml><?xml version="1.0" encoding="utf-8"?>
+<p:sld xmlns:a="http://schemas.openxmlformats.org/drawingml/2006/main" xmlns:r="http://schemas.openxmlformats.org/officeDocument/2006/relationships" xmlns:p="http://schemas.openxmlformats.org/presentationml/2006/main">
+  <p:cSld>
+    <p:spTree>
+      <p:nvGrpSpPr>
+        <p:cNvPr id="1" name=""/>
+        <p:cNvGrpSpPr/>
+        <p:nvPr/>
+      </p:nvGrpSpPr>
+      <p:grpSpPr>
+        <a:xfrm>
+          <a:off x="0" y="0"/>
+          <a:ext cx="0" cy="0"/>
+          <a:chOff x="0" y="0"/>
+          <a:chExt cx="0" cy="0"/>
+        </a:xfrm>
+      </p:grpSpPr>
+      <p:pic>
+        <p:nvPicPr>
+          <p:cNvPr id="52" name="Picture 1"/>
+          <p:cNvPicPr/>
+          <p:nvPr/>
+        </p:nvPicPr>
+        <p:blipFill>
+          <a:blip r:embed="rId3"/>
+          <a:stretch/>
+        </p:blipFill>
+        <p:spPr>
+          <a:xfrm>
+            <a:off x="0" y="170640"/>
+            <a:ext cx="12191760" cy="6516360"/>
+          </a:xfrm>
+          <a:prstGeom prst="rect">
+            <a:avLst/>
+          </a:prstGeom>
+          <a:ln>
+            <a:noFill/>
+          </a:ln>
+        </p:spPr>
+      </p:pic>
+    </p:spTree>
+  </p:cSld>
+  <p:clrMapOvr>
+    <a:masterClrMapping/>
+  </p:clrMapOvr>
+</p:sld>
+</file>
+
+<file path=ppt/slides/slide7.xml><?xml version="1.0" encoding="utf-8"?>
+<p:sld xmlns:a="http://schemas.openxmlformats.org/drawingml/2006/main" xmlns:r="http://schemas.openxmlformats.org/officeDocument/2006/relationships" xmlns:p="http://schemas.openxmlformats.org/presentationml/2006/main">
+  <p:cSld>
+    <p:spTree>
+      <p:nvGrpSpPr>
+        <p:cNvPr id="1" name=""/>
+        <p:cNvGrpSpPr/>
+        <p:nvPr/>
+      </p:nvGrpSpPr>
+      <p:grpSpPr>
+        <a:xfrm>
+          <a:off x="0" y="0"/>
+          <a:ext cx="0" cy="0"/>
+          <a:chOff x="0" y="0"/>
+          <a:chExt cx="0" cy="0"/>
+        </a:xfrm>
+      </p:grpSpPr>
+      <p:pic>
+        <p:nvPicPr>
+          <p:cNvPr id="53" name="Picture 3"/>
+          <p:cNvPicPr/>
+          <p:nvPr/>
+        </p:nvPicPr>
+        <p:blipFill>
+          <a:blip r:embed="rId3"/>
+          <a:stretch/>
+        </p:blipFill>
+        <p:spPr>
+          <a:xfrm>
+            <a:off x="0" y="170640"/>
+            <a:ext cx="12191760" cy="6516360"/>
+          </a:xfrm>
+          <a:prstGeom prst="rect">
+            <a:avLst/>
+          </a:prstGeom>
+          <a:ln>
+            <a:noFill/>
+          </a:ln>
+        </p:spPr>
+      </p:pic>
+    </p:spTree>
+  </p:cSld>
+  <p:clrMapOvr>
+    <a:masterClrMapping/>
+  </p:clrMapOvr>
+</p:sld>
+</file>
+
+<file path=ppt/slides/slide8.xml><?xml version="1.0" encoding="utf-8"?>
+<p:sld xmlns:a="http://schemas.openxmlformats.org/drawingml/2006/main" xmlns:r="http://schemas.openxmlformats.org/officeDocument/2006/relationships" xmlns:p="http://schemas.openxmlformats.org/presentationml/2006/main">
+  <p:cSld>
+    <p:spTree>
+      <p:nvGrpSpPr>
+        <p:cNvPr id="1" name=""/>
+        <p:cNvGrpSpPr/>
+        <p:nvPr/>
+      </p:nvGrpSpPr>
+      <p:grpSpPr>
+        <a:xfrm>
+          <a:off x="0" y="0"/>
+          <a:ext cx="0" cy="0"/>
+          <a:chOff x="0" y="0"/>
+          <a:chExt cx="0" cy="0"/>
+        </a:xfrm>
+      </p:grpSpPr>
+      <p:pic>
+        <p:nvPicPr>
+          <p:cNvPr id="54" name="Picture 1"/>
+          <p:cNvPicPr/>
+          <p:nvPr/>
+        </p:nvPicPr>
+        <p:blipFill>
+          <a:blip r:embed="rId3"/>
+          <a:stretch/>
+        </p:blipFill>
+        <p:spPr>
+          <a:xfrm>
+            <a:off x="1236240" y="0"/>
+            <a:ext cx="10178640" cy="6857640"/>
+          </a:xfrm>
+          <a:prstGeom prst="rect">
+            <a:avLst/>
+          </a:prstGeom>
+          <a:ln>
+            <a:noFill/>
+          </a:ln>
+        </p:spPr>
+      </p:pic>
+    </p:spTree>
+  </p:cSld>
+  <p:clrMapOvr>
+    <a:masterClrMapping/>
+  </p:clrMapOvr>
+</p:sld>
+</file>
+
+<file path=ppt/slides/slide9.xml><?xml version="1.0" encoding="utf-8"?>
+<p:sld xmlns:a="http://schemas.openxmlformats.org/drawingml/2006/main" xmlns:r="http://schemas.openxmlformats.org/officeDocument/2006/relationships" xmlns:p="http://schemas.openxmlformats.org/presentationml/2006/main">
+  <p:cSld>
+    <p:spTree>
+      <p:nvGrpSpPr>
+        <p:cNvPr id="1" name=""/>
+        <p:cNvGrpSpPr/>
+        <p:nvPr/>
+      </p:nvGrpSpPr>
+      <p:grpSpPr>
+        <a:xfrm>
+          <a:off x="0" y="0"/>
+          <a:ext cx="0" cy="0"/>
+          <a:chOff x="0" y="0"/>
+          <a:chExt cx="0" cy="0"/>
+        </a:xfrm>
+      </p:grpSpPr>
+      <p:pic>
+        <p:nvPicPr>
+          <p:cNvPr id="56" name="Picture 55"/>
+          <p:cNvPicPr/>
+          <p:nvPr/>
+        </p:nvPicPr>
+        <p:blipFill>
+          <a:blip r:embed="rId3"/>
+          <a:stretch/>
+        </p:blipFill>
+        <p:spPr>
+          <a:xfrm>
+            <a:off x="274320" y="0"/>
+            <a:ext cx="11612880" cy="6858000"/>
+          </a:xfrm>
+          <a:prstGeom prst="rect">
+            <a:avLst/>
+          </a:prstGeom>
+          <a:ln>
+            <a:noFill/>
+          </a:ln>
+        </p:spPr>
+      </p:pic>
+    </p:spTree>
+  </p:cSld>
+  <p:clrMapOvr>
+    <a:masterClrMapping/>
+  </p:clrMapOvr>
 </p:sld>
 </file>
 
@@ -3953,34 +6789,34 @@
         <a:sysClr val="window" lastClr="FFFFFF"/>
       </a:lt1>
       <a:dk2>
-        <a:srgbClr val="44546a"/>
+        <a:srgbClr val="44546A"/>
       </a:dk2>
       <a:lt2>
-        <a:srgbClr val="e7e6e6"/>
+        <a:srgbClr val="E7E6E6"/>
       </a:lt2>
       <a:accent1>
-        <a:srgbClr val="4472c4"/>
+        <a:srgbClr val="4472C4"/>
       </a:accent1>
       <a:accent2>
-        <a:srgbClr val="ed7d31"/>
+        <a:srgbClr val="ED7D31"/>
       </a:accent2>
       <a:accent3>
-        <a:srgbClr val="a5a5a5"/>
+        <a:srgbClr val="A5A5A5"/>
       </a:accent3>
       <a:accent4>
-        <a:srgbClr val="ffc000"/>
+        <a:srgbClr val="FFC000"/>
       </a:accent4>
       <a:accent5>
-        <a:srgbClr val="5b9bd5"/>
+        <a:srgbClr val="5B9BD5"/>
       </a:accent5>
       <a:accent6>
-        <a:srgbClr val="70ad47"/>
+        <a:srgbClr val="70AD47"/>
       </a:accent6>
       <a:hlink>
-        <a:srgbClr val="0563c1"/>
+        <a:srgbClr val="0563C1"/>
       </a:hlink>
       <a:folHlink>
-        <a:srgbClr val="954f72"/>
+        <a:srgbClr val="954F72"/>
       </a:folHlink>
     </a:clrScheme>
     <a:fontScheme name="Office">
@@ -4165,6 +7001,8 @@
       </a:bgFillStyleLst>
     </a:fmtScheme>
   </a:themeElements>
+  <a:objectDefaults/>
+  <a:extraClrSchemeLst/>
 </a:theme>
 </file>
 
@@ -4179,34 +7017,34 @@
         <a:sysClr val="window" lastClr="FFFFFF"/>
       </a:lt1>
       <a:dk2>
-        <a:srgbClr val="44546a"/>
+        <a:srgbClr val="44546A"/>
       </a:dk2>
       <a:lt2>
-        <a:srgbClr val="e7e6e6"/>
+        <a:srgbClr val="E7E6E6"/>
       </a:lt2>
       <a:accent1>
-        <a:srgbClr val="4472c4"/>
+        <a:srgbClr val="4472C4"/>
       </a:accent1>
       <a:accent2>
-        <a:srgbClr val="ed7d31"/>
+        <a:srgbClr val="ED7D31"/>
       </a:accent2>
       <a:accent3>
-        <a:srgbClr val="a5a5a5"/>
+        <a:srgbClr val="A5A5A5"/>
       </a:accent3>
       <a:accent4>
-        <a:srgbClr val="ffc000"/>
+        <a:srgbClr val="FFC000"/>
       </a:accent4>
       <a:accent5>
-        <a:srgbClr val="5b9bd5"/>
+        <a:srgbClr val="5B9BD5"/>
       </a:accent5>
       <a:accent6>
-        <a:srgbClr val="70ad47"/>
+        <a:srgbClr val="70AD47"/>
       </a:accent6>
       <a:hlink>
-        <a:srgbClr val="0563c1"/>
+        <a:srgbClr val="0563C1"/>
       </a:hlink>
       <a:folHlink>
-        <a:srgbClr val="954f72"/>
+        <a:srgbClr val="954F72"/>
       </a:folHlink>
     </a:clrScheme>
     <a:fontScheme name="Office">
@@ -4391,5 +7229,7 @@
       </a:bgFillStyleLst>
     </a:fmtScheme>
   </a:themeElements>
+  <a:objectDefaults/>
+  <a:extraClrSchemeLst/>
 </a:theme>
 </file>
--- a/Lab Presentations/results.pptx
+++ b/Lab Presentations/results.pptx
@@ -5,7 +5,7 @@
     <p:sldMasterId id="2147483648" r:id="rId1"/>
   </p:sldMasterIdLst>
   <p:notesMasterIdLst>
-    <p:notesMasterId r:id="rId30"/>
+    <p:notesMasterId r:id="rId36"/>
   </p:notesMasterIdLst>
   <p:sldIdLst>
     <p:sldId id="256" r:id="rId2"/>
@@ -32,10 +32,16 @@
     <p:sldId id="277" r:id="rId23"/>
     <p:sldId id="278" r:id="rId24"/>
     <p:sldId id="279" r:id="rId25"/>
-    <p:sldId id="280" r:id="rId26"/>
+    <p:sldId id="284" r:id="rId26"/>
     <p:sldId id="281" r:id="rId27"/>
     <p:sldId id="282" r:id="rId28"/>
     <p:sldId id="283" r:id="rId29"/>
+    <p:sldId id="289" r:id="rId30"/>
+    <p:sldId id="290" r:id="rId31"/>
+    <p:sldId id="285" r:id="rId32"/>
+    <p:sldId id="286" r:id="rId33"/>
+    <p:sldId id="287" r:id="rId34"/>
+    <p:sldId id="288" r:id="rId35"/>
   </p:sldIdLst>
   <p:sldSz cx="12192000" cy="6858000"/>
   <p:notesSz cx="6858000" cy="9144000"/>
@@ -2185,6 +2191,804 @@
 </p:notes>
 </file>
 
+<file path=ppt/notesSlides/notesSlide23.xml><?xml version="1.0" encoding="utf-8"?>
+<p:notes xmlns:a="http://schemas.openxmlformats.org/drawingml/2006/main" xmlns:r="http://schemas.openxmlformats.org/officeDocument/2006/relationships" xmlns:p="http://schemas.openxmlformats.org/presentationml/2006/main">
+  <p:cSld>
+    <p:spTree>
+      <p:nvGrpSpPr>
+        <p:cNvPr id="1" name=""/>
+        <p:cNvGrpSpPr/>
+        <p:nvPr/>
+      </p:nvGrpSpPr>
+      <p:grpSpPr>
+        <a:xfrm>
+          <a:off x="0" y="0"/>
+          <a:ext cx="0" cy="0"/>
+          <a:chOff x="0" y="0"/>
+          <a:chExt cx="0" cy="0"/>
+        </a:xfrm>
+      </p:grpSpPr>
+      <p:sp>
+        <p:nvSpPr>
+          <p:cNvPr id="2" name="Slide Image Placeholder 1"/>
+          <p:cNvSpPr>
+            <a:spLocks noGrp="1" noRot="1" noChangeAspect="1"/>
+          </p:cNvSpPr>
+          <p:nvPr>
+            <p:ph type="sldImg"/>
+          </p:nvPr>
+        </p:nvSpPr>
+        <p:spPr>
+          <a:xfrm>
+            <a:off x="533400" y="763588"/>
+            <a:ext cx="6704013" cy="3771900"/>
+          </a:xfrm>
+        </p:spPr>
+      </p:sp>
+      <p:sp>
+        <p:nvSpPr>
+          <p:cNvPr id="3" name="Notes Placeholder 2"/>
+          <p:cNvSpPr>
+            <a:spLocks noGrp="1"/>
+          </p:cNvSpPr>
+          <p:nvPr>
+            <p:ph type="body" idx="1"/>
+          </p:nvPr>
+        </p:nvSpPr>
+        <p:spPr/>
+        <p:txBody>
+          <a:bodyPr/>
+          <a:lstStyle/>
+          <a:p>
+            <a:pPr marL="0" marR="0" lvl="0" indent="0" algn="l" defTabSz="914400" rtl="0" eaLnBrk="1" fontAlgn="auto" latinLnBrk="0" hangingPunct="1">
+              <a:lnSpc>
+                <a:spcPct val="100000"/>
+              </a:lnSpc>
+              <a:spcBef>
+                <a:spcPts val="0"/>
+              </a:spcBef>
+              <a:spcAft>
+                <a:spcPts val="0"/>
+              </a:spcAft>
+              <a:buClrTx/>
+              <a:buSzTx/>
+              <a:buFontTx/>
+              <a:buNone/>
+              <a:tabLst/>
+              <a:defRPr/>
+            </a:pPr>
+            <a:r>
+              <a:rPr lang="en-US" dirty="0"/>
+              <a:t>ccRCC_643T_Lineage 5</a:t>
+            </a:r>
+          </a:p>
+        </p:txBody>
+      </p:sp>
+      <p:sp>
+        <p:nvSpPr>
+          <p:cNvPr id="4" name="Slide Number Placeholder 3"/>
+          <p:cNvSpPr>
+            <a:spLocks noGrp="1"/>
+          </p:cNvSpPr>
+          <p:nvPr>
+            <p:ph type="sldNum"/>
+          </p:nvPr>
+        </p:nvSpPr>
+        <p:spPr/>
+        <p:txBody>
+          <a:bodyPr/>
+          <a:lstStyle/>
+          <a:p>
+            <a:pPr algn="r"/>
+            <a:fld id="{E6A780F6-23B2-4F79-8F78-ABD3DE1ABEBD}" type="slidenum">
+              <a:rPr lang="en-US" sz="1400" b="0" strike="noStrike" spc="-1" smtClean="0">
+                <a:latin typeface="Times New Roman"/>
+              </a:rPr>
+              <a:t>23</a:t>
+            </a:fld>
+            <a:endParaRPr lang="en-US" sz="1400" b="0" strike="noStrike" spc="-1">
+              <a:latin typeface="Times New Roman"/>
+            </a:endParaRPr>
+          </a:p>
+        </p:txBody>
+      </p:sp>
+    </p:spTree>
+    <p:extLst>
+      <p:ext uri="{BB962C8B-B14F-4D97-AF65-F5344CB8AC3E}">
+        <p14:creationId xmlns:p14="http://schemas.microsoft.com/office/powerpoint/2010/main" val="601505722"/>
+      </p:ext>
+    </p:extLst>
+  </p:cSld>
+  <p:clrMapOvr>
+    <a:masterClrMapping/>
+  </p:clrMapOvr>
+</p:notes>
+</file>
+
+<file path=ppt/notesSlides/notesSlide24.xml><?xml version="1.0" encoding="utf-8"?>
+<p:notes xmlns:a="http://schemas.openxmlformats.org/drawingml/2006/main" xmlns:r="http://schemas.openxmlformats.org/officeDocument/2006/relationships" xmlns:p="http://schemas.openxmlformats.org/presentationml/2006/main">
+  <p:cSld>
+    <p:spTree>
+      <p:nvGrpSpPr>
+        <p:cNvPr id="1" name=""/>
+        <p:cNvGrpSpPr/>
+        <p:nvPr/>
+      </p:nvGrpSpPr>
+      <p:grpSpPr>
+        <a:xfrm>
+          <a:off x="0" y="0"/>
+          <a:ext cx="0" cy="0"/>
+          <a:chOff x="0" y="0"/>
+          <a:chExt cx="0" cy="0"/>
+        </a:xfrm>
+      </p:grpSpPr>
+      <p:sp>
+        <p:nvSpPr>
+          <p:cNvPr id="2" name="Slide Image Placeholder 1"/>
+          <p:cNvSpPr>
+            <a:spLocks noGrp="1" noRot="1" noChangeAspect="1"/>
+          </p:cNvSpPr>
+          <p:nvPr>
+            <p:ph type="sldImg"/>
+          </p:nvPr>
+        </p:nvSpPr>
+        <p:spPr>
+          <a:xfrm>
+            <a:off x="533400" y="763588"/>
+            <a:ext cx="6704013" cy="3771900"/>
+          </a:xfrm>
+        </p:spPr>
+      </p:sp>
+      <p:sp>
+        <p:nvSpPr>
+          <p:cNvPr id="3" name="Notes Placeholder 2"/>
+          <p:cNvSpPr>
+            <a:spLocks noGrp="1"/>
+          </p:cNvSpPr>
+          <p:nvPr>
+            <p:ph type="body" idx="1"/>
+          </p:nvPr>
+        </p:nvSpPr>
+        <p:spPr/>
+        <p:txBody>
+          <a:bodyPr/>
+          <a:lstStyle/>
+          <a:p>
+            <a:pPr marL="0" marR="0" lvl="0" indent="0" algn="l" defTabSz="914400" rtl="0" eaLnBrk="1" fontAlgn="auto" latinLnBrk="0" hangingPunct="1">
+              <a:lnSpc>
+                <a:spcPct val="100000"/>
+              </a:lnSpc>
+              <a:spcBef>
+                <a:spcPts val="0"/>
+              </a:spcBef>
+              <a:spcAft>
+                <a:spcPts val="0"/>
+              </a:spcAft>
+              <a:buClrTx/>
+              <a:buSzTx/>
+              <a:buFontTx/>
+              <a:buNone/>
+              <a:tabLst/>
+              <a:defRPr/>
+            </a:pPr>
+            <a:r>
+              <a:rPr lang="en-US" dirty="0"/>
+              <a:t>ccRCC_643T_Lineage 5</a:t>
+            </a:r>
+          </a:p>
+        </p:txBody>
+      </p:sp>
+      <p:sp>
+        <p:nvSpPr>
+          <p:cNvPr id="4" name="Slide Number Placeholder 3"/>
+          <p:cNvSpPr>
+            <a:spLocks noGrp="1"/>
+          </p:cNvSpPr>
+          <p:nvPr>
+            <p:ph type="sldNum"/>
+          </p:nvPr>
+        </p:nvSpPr>
+        <p:spPr/>
+        <p:txBody>
+          <a:bodyPr/>
+          <a:lstStyle/>
+          <a:p>
+            <a:pPr algn="r"/>
+            <a:fld id="{E6A780F6-23B2-4F79-8F78-ABD3DE1ABEBD}" type="slidenum">
+              <a:rPr lang="en-US" sz="1400" b="0" strike="noStrike" spc="-1" smtClean="0">
+                <a:latin typeface="Times New Roman"/>
+              </a:rPr>
+              <a:t>24</a:t>
+            </a:fld>
+            <a:endParaRPr lang="en-US" sz="1400" b="0" strike="noStrike" spc="-1">
+              <a:latin typeface="Times New Roman"/>
+            </a:endParaRPr>
+          </a:p>
+        </p:txBody>
+      </p:sp>
+    </p:spTree>
+    <p:extLst>
+      <p:ext uri="{BB962C8B-B14F-4D97-AF65-F5344CB8AC3E}">
+        <p14:creationId xmlns:p14="http://schemas.microsoft.com/office/powerpoint/2010/main" val="2211404061"/>
+      </p:ext>
+    </p:extLst>
+  </p:cSld>
+  <p:clrMapOvr>
+    <a:masterClrMapping/>
+  </p:clrMapOvr>
+</p:notes>
+</file>
+
+<file path=ppt/notesSlides/notesSlide25.xml><?xml version="1.0" encoding="utf-8"?>
+<p:notes xmlns:a="http://schemas.openxmlformats.org/drawingml/2006/main" xmlns:r="http://schemas.openxmlformats.org/officeDocument/2006/relationships" xmlns:p="http://schemas.openxmlformats.org/presentationml/2006/main">
+  <p:cSld>
+    <p:spTree>
+      <p:nvGrpSpPr>
+        <p:cNvPr id="1" name=""/>
+        <p:cNvGrpSpPr/>
+        <p:nvPr/>
+      </p:nvGrpSpPr>
+      <p:grpSpPr>
+        <a:xfrm>
+          <a:off x="0" y="0"/>
+          <a:ext cx="0" cy="0"/>
+          <a:chOff x="0" y="0"/>
+          <a:chExt cx="0" cy="0"/>
+        </a:xfrm>
+      </p:grpSpPr>
+      <p:sp>
+        <p:nvSpPr>
+          <p:cNvPr id="2" name="Slide Image Placeholder 1"/>
+          <p:cNvSpPr>
+            <a:spLocks noGrp="1" noRot="1" noChangeAspect="1"/>
+          </p:cNvSpPr>
+          <p:nvPr>
+            <p:ph type="sldImg"/>
+          </p:nvPr>
+        </p:nvSpPr>
+        <p:spPr>
+          <a:xfrm>
+            <a:off x="533400" y="763588"/>
+            <a:ext cx="6704013" cy="3771900"/>
+          </a:xfrm>
+        </p:spPr>
+      </p:sp>
+      <p:sp>
+        <p:nvSpPr>
+          <p:cNvPr id="3" name="Notes Placeholder 2"/>
+          <p:cNvSpPr>
+            <a:spLocks noGrp="1"/>
+          </p:cNvSpPr>
+          <p:nvPr>
+            <p:ph type="body" idx="1"/>
+          </p:nvPr>
+        </p:nvSpPr>
+        <p:spPr/>
+        <p:txBody>
+          <a:bodyPr/>
+          <a:lstStyle/>
+          <a:p>
+            <a:pPr marL="0" marR="0" lvl="0" indent="0" algn="l" defTabSz="914400" rtl="0" eaLnBrk="1" fontAlgn="auto" latinLnBrk="0" hangingPunct="1">
+              <a:lnSpc>
+                <a:spcPct val="100000"/>
+              </a:lnSpc>
+              <a:spcBef>
+                <a:spcPts val="0"/>
+              </a:spcBef>
+              <a:spcAft>
+                <a:spcPts val="0"/>
+              </a:spcAft>
+              <a:buClrTx/>
+              <a:buSzTx/>
+              <a:buFontTx/>
+              <a:buNone/>
+              <a:tabLst/>
+              <a:defRPr/>
+            </a:pPr>
+            <a:r>
+              <a:rPr lang="en-US" dirty="0"/>
+              <a:t>ccRCC_643T_Lineage 6</a:t>
+            </a:r>
+          </a:p>
+        </p:txBody>
+      </p:sp>
+      <p:sp>
+        <p:nvSpPr>
+          <p:cNvPr id="4" name="Slide Number Placeholder 3"/>
+          <p:cNvSpPr>
+            <a:spLocks noGrp="1"/>
+          </p:cNvSpPr>
+          <p:nvPr>
+            <p:ph type="sldNum"/>
+          </p:nvPr>
+        </p:nvSpPr>
+        <p:spPr/>
+        <p:txBody>
+          <a:bodyPr/>
+          <a:lstStyle/>
+          <a:p>
+            <a:pPr algn="r"/>
+            <a:fld id="{E6A780F6-23B2-4F79-8F78-ABD3DE1ABEBD}" type="slidenum">
+              <a:rPr lang="en-US" sz="1400" b="0" strike="noStrike" spc="-1" smtClean="0">
+                <a:latin typeface="Times New Roman"/>
+              </a:rPr>
+              <a:t>25</a:t>
+            </a:fld>
+            <a:endParaRPr lang="en-US" sz="1400" b="0" strike="noStrike" spc="-1">
+              <a:latin typeface="Times New Roman"/>
+            </a:endParaRPr>
+          </a:p>
+        </p:txBody>
+      </p:sp>
+    </p:spTree>
+    <p:extLst>
+      <p:ext uri="{BB962C8B-B14F-4D97-AF65-F5344CB8AC3E}">
+        <p14:creationId xmlns:p14="http://schemas.microsoft.com/office/powerpoint/2010/main" val="3724218447"/>
+      </p:ext>
+    </p:extLst>
+  </p:cSld>
+  <p:clrMapOvr>
+    <a:masterClrMapping/>
+  </p:clrMapOvr>
+</p:notes>
+</file>
+
+<file path=ppt/notesSlides/notesSlide26.xml><?xml version="1.0" encoding="utf-8"?>
+<p:notes xmlns:a="http://schemas.openxmlformats.org/drawingml/2006/main" xmlns:r="http://schemas.openxmlformats.org/officeDocument/2006/relationships" xmlns:p="http://schemas.openxmlformats.org/presentationml/2006/main">
+  <p:cSld>
+    <p:spTree>
+      <p:nvGrpSpPr>
+        <p:cNvPr id="1" name=""/>
+        <p:cNvGrpSpPr/>
+        <p:nvPr/>
+      </p:nvGrpSpPr>
+      <p:grpSpPr>
+        <a:xfrm>
+          <a:off x="0" y="0"/>
+          <a:ext cx="0" cy="0"/>
+          <a:chOff x="0" y="0"/>
+          <a:chExt cx="0" cy="0"/>
+        </a:xfrm>
+      </p:grpSpPr>
+      <p:sp>
+        <p:nvSpPr>
+          <p:cNvPr id="2" name="Slide Image Placeholder 1"/>
+          <p:cNvSpPr>
+            <a:spLocks noGrp="1" noRot="1" noChangeAspect="1"/>
+          </p:cNvSpPr>
+          <p:nvPr>
+            <p:ph type="sldImg"/>
+          </p:nvPr>
+        </p:nvSpPr>
+        <p:spPr>
+          <a:xfrm>
+            <a:off x="533400" y="763588"/>
+            <a:ext cx="6704013" cy="3771900"/>
+          </a:xfrm>
+        </p:spPr>
+      </p:sp>
+      <p:sp>
+        <p:nvSpPr>
+          <p:cNvPr id="3" name="Notes Placeholder 2"/>
+          <p:cNvSpPr>
+            <a:spLocks noGrp="1"/>
+          </p:cNvSpPr>
+          <p:nvPr>
+            <p:ph type="body" idx="1"/>
+          </p:nvPr>
+        </p:nvSpPr>
+        <p:spPr/>
+        <p:txBody>
+          <a:bodyPr/>
+          <a:lstStyle/>
+          <a:p>
+            <a:pPr marL="0" marR="0" lvl="0" indent="0" algn="l" defTabSz="914400" rtl="0" eaLnBrk="1" fontAlgn="auto" latinLnBrk="0" hangingPunct="1">
+              <a:lnSpc>
+                <a:spcPct val="100000"/>
+              </a:lnSpc>
+              <a:spcBef>
+                <a:spcPts val="0"/>
+              </a:spcBef>
+              <a:spcAft>
+                <a:spcPts val="0"/>
+              </a:spcAft>
+              <a:buClrTx/>
+              <a:buSzTx/>
+              <a:buFontTx/>
+              <a:buNone/>
+              <a:tabLst/>
+              <a:defRPr/>
+            </a:pPr>
+            <a:r>
+              <a:rPr lang="en-US" dirty="0"/>
+              <a:t>ccRCC_643T_Lineage 6</a:t>
+            </a:r>
+          </a:p>
+        </p:txBody>
+      </p:sp>
+      <p:sp>
+        <p:nvSpPr>
+          <p:cNvPr id="4" name="Slide Number Placeholder 3"/>
+          <p:cNvSpPr>
+            <a:spLocks noGrp="1"/>
+          </p:cNvSpPr>
+          <p:nvPr>
+            <p:ph type="sldNum"/>
+          </p:nvPr>
+        </p:nvSpPr>
+        <p:spPr/>
+        <p:txBody>
+          <a:bodyPr/>
+          <a:lstStyle/>
+          <a:p>
+            <a:pPr algn="r"/>
+            <a:fld id="{E6A780F6-23B2-4F79-8F78-ABD3DE1ABEBD}" type="slidenum">
+              <a:rPr lang="en-US" sz="1400" b="0" strike="noStrike" spc="-1" smtClean="0">
+                <a:latin typeface="Times New Roman"/>
+              </a:rPr>
+              <a:t>26</a:t>
+            </a:fld>
+            <a:endParaRPr lang="en-US" sz="1400" b="0" strike="noStrike" spc="-1">
+              <a:latin typeface="Times New Roman"/>
+            </a:endParaRPr>
+          </a:p>
+        </p:txBody>
+      </p:sp>
+    </p:spTree>
+    <p:extLst>
+      <p:ext uri="{BB962C8B-B14F-4D97-AF65-F5344CB8AC3E}">
+        <p14:creationId xmlns:p14="http://schemas.microsoft.com/office/powerpoint/2010/main" val="1608474953"/>
+      </p:ext>
+    </p:extLst>
+  </p:cSld>
+  <p:clrMapOvr>
+    <a:masterClrMapping/>
+  </p:clrMapOvr>
+</p:notes>
+</file>
+
+<file path=ppt/notesSlides/notesSlide27.xml><?xml version="1.0" encoding="utf-8"?>
+<p:notes xmlns:a="http://schemas.openxmlformats.org/drawingml/2006/main" xmlns:r="http://schemas.openxmlformats.org/officeDocument/2006/relationships" xmlns:p="http://schemas.openxmlformats.org/presentationml/2006/main">
+  <p:cSld>
+    <p:spTree>
+      <p:nvGrpSpPr>
+        <p:cNvPr id="1" name=""/>
+        <p:cNvGrpSpPr/>
+        <p:nvPr/>
+      </p:nvGrpSpPr>
+      <p:grpSpPr>
+        <a:xfrm>
+          <a:off x="0" y="0"/>
+          <a:ext cx="0" cy="0"/>
+          <a:chOff x="0" y="0"/>
+          <a:chExt cx="0" cy="0"/>
+        </a:xfrm>
+      </p:grpSpPr>
+      <p:sp>
+        <p:nvSpPr>
+          <p:cNvPr id="2" name="Slide Image Placeholder 1"/>
+          <p:cNvSpPr>
+            <a:spLocks noGrp="1" noRot="1" noChangeAspect="1"/>
+          </p:cNvSpPr>
+          <p:nvPr>
+            <p:ph type="sldImg"/>
+          </p:nvPr>
+        </p:nvSpPr>
+        <p:spPr>
+          <a:xfrm>
+            <a:off x="533400" y="763588"/>
+            <a:ext cx="6704013" cy="3771900"/>
+          </a:xfrm>
+        </p:spPr>
+      </p:sp>
+      <p:sp>
+        <p:nvSpPr>
+          <p:cNvPr id="3" name="Notes Placeholder 2"/>
+          <p:cNvSpPr>
+            <a:spLocks noGrp="1"/>
+          </p:cNvSpPr>
+          <p:nvPr>
+            <p:ph type="body" idx="1"/>
+          </p:nvPr>
+        </p:nvSpPr>
+        <p:spPr/>
+        <p:txBody>
+          <a:bodyPr/>
+          <a:lstStyle/>
+          <a:p>
+            <a:pPr marL="0" marR="0" lvl="0" indent="0" algn="l" defTabSz="914400" rtl="0" eaLnBrk="1" fontAlgn="auto" latinLnBrk="0" hangingPunct="1">
+              <a:lnSpc>
+                <a:spcPct val="100000"/>
+              </a:lnSpc>
+              <a:spcBef>
+                <a:spcPts val="0"/>
+              </a:spcBef>
+              <a:spcAft>
+                <a:spcPts val="0"/>
+              </a:spcAft>
+              <a:buClrTx/>
+              <a:buSzTx/>
+              <a:buFontTx/>
+              <a:buNone/>
+              <a:tabLst/>
+              <a:defRPr/>
+            </a:pPr>
+            <a:r>
+              <a:rPr lang="en-US" dirty="0"/>
+              <a:t>ccRCC_643T_Lineage 7</a:t>
+            </a:r>
+          </a:p>
+        </p:txBody>
+      </p:sp>
+      <p:sp>
+        <p:nvSpPr>
+          <p:cNvPr id="4" name="Slide Number Placeholder 3"/>
+          <p:cNvSpPr>
+            <a:spLocks noGrp="1"/>
+          </p:cNvSpPr>
+          <p:nvPr>
+            <p:ph type="sldNum"/>
+          </p:nvPr>
+        </p:nvSpPr>
+        <p:spPr/>
+        <p:txBody>
+          <a:bodyPr/>
+          <a:lstStyle/>
+          <a:p>
+            <a:pPr algn="r"/>
+            <a:fld id="{E6A780F6-23B2-4F79-8F78-ABD3DE1ABEBD}" type="slidenum">
+              <a:rPr lang="en-US" sz="1400" b="0" strike="noStrike" spc="-1" smtClean="0">
+                <a:latin typeface="Times New Roman"/>
+              </a:rPr>
+              <a:t>27</a:t>
+            </a:fld>
+            <a:endParaRPr lang="en-US" sz="1400" b="0" strike="noStrike" spc="-1">
+              <a:latin typeface="Times New Roman"/>
+            </a:endParaRPr>
+          </a:p>
+        </p:txBody>
+      </p:sp>
+    </p:spTree>
+    <p:extLst>
+      <p:ext uri="{BB962C8B-B14F-4D97-AF65-F5344CB8AC3E}">
+        <p14:creationId xmlns:p14="http://schemas.microsoft.com/office/powerpoint/2010/main" val="3528128765"/>
+      </p:ext>
+    </p:extLst>
+  </p:cSld>
+  <p:clrMapOvr>
+    <a:masterClrMapping/>
+  </p:clrMapOvr>
+</p:notes>
+</file>
+
+<file path=ppt/notesSlides/notesSlide28.xml><?xml version="1.0" encoding="utf-8"?>
+<p:notes xmlns:a="http://schemas.openxmlformats.org/drawingml/2006/main" xmlns:r="http://schemas.openxmlformats.org/officeDocument/2006/relationships" xmlns:p="http://schemas.openxmlformats.org/presentationml/2006/main">
+  <p:cSld>
+    <p:spTree>
+      <p:nvGrpSpPr>
+        <p:cNvPr id="1" name=""/>
+        <p:cNvGrpSpPr/>
+        <p:nvPr/>
+      </p:nvGrpSpPr>
+      <p:grpSpPr>
+        <a:xfrm>
+          <a:off x="0" y="0"/>
+          <a:ext cx="0" cy="0"/>
+          <a:chOff x="0" y="0"/>
+          <a:chExt cx="0" cy="0"/>
+        </a:xfrm>
+      </p:grpSpPr>
+      <p:sp>
+        <p:nvSpPr>
+          <p:cNvPr id="2" name="Slide Image Placeholder 1"/>
+          <p:cNvSpPr>
+            <a:spLocks noGrp="1" noRot="1" noChangeAspect="1"/>
+          </p:cNvSpPr>
+          <p:nvPr>
+            <p:ph type="sldImg"/>
+          </p:nvPr>
+        </p:nvSpPr>
+        <p:spPr>
+          <a:xfrm>
+            <a:off x="533400" y="763588"/>
+            <a:ext cx="6704013" cy="3771900"/>
+          </a:xfrm>
+        </p:spPr>
+      </p:sp>
+      <p:sp>
+        <p:nvSpPr>
+          <p:cNvPr id="3" name="Notes Placeholder 2"/>
+          <p:cNvSpPr>
+            <a:spLocks noGrp="1"/>
+          </p:cNvSpPr>
+          <p:nvPr>
+            <p:ph type="body" idx="1"/>
+          </p:nvPr>
+        </p:nvSpPr>
+        <p:spPr/>
+        <p:txBody>
+          <a:bodyPr/>
+          <a:lstStyle/>
+          <a:p>
+            <a:pPr marL="0" marR="0" lvl="0" indent="0" algn="l" defTabSz="914400" rtl="0" eaLnBrk="1" fontAlgn="auto" latinLnBrk="0" hangingPunct="1">
+              <a:lnSpc>
+                <a:spcPct val="100000"/>
+              </a:lnSpc>
+              <a:spcBef>
+                <a:spcPts val="0"/>
+              </a:spcBef>
+              <a:spcAft>
+                <a:spcPts val="0"/>
+              </a:spcAft>
+              <a:buClrTx/>
+              <a:buSzTx/>
+              <a:buFontTx/>
+              <a:buNone/>
+              <a:tabLst/>
+              <a:defRPr/>
+            </a:pPr>
+            <a:r>
+              <a:rPr lang="en-US" dirty="0"/>
+              <a:t>ccRCC_643T_Lineage 7</a:t>
+            </a:r>
+          </a:p>
+        </p:txBody>
+      </p:sp>
+      <p:sp>
+        <p:nvSpPr>
+          <p:cNvPr id="4" name="Slide Number Placeholder 3"/>
+          <p:cNvSpPr>
+            <a:spLocks noGrp="1"/>
+          </p:cNvSpPr>
+          <p:nvPr>
+            <p:ph type="sldNum"/>
+          </p:nvPr>
+        </p:nvSpPr>
+        <p:spPr/>
+        <p:txBody>
+          <a:bodyPr/>
+          <a:lstStyle/>
+          <a:p>
+            <a:pPr algn="r"/>
+            <a:fld id="{E6A780F6-23B2-4F79-8F78-ABD3DE1ABEBD}" type="slidenum">
+              <a:rPr lang="en-US" sz="1400" b="0" strike="noStrike" spc="-1" smtClean="0">
+                <a:latin typeface="Times New Roman"/>
+              </a:rPr>
+              <a:t>28</a:t>
+            </a:fld>
+            <a:endParaRPr lang="en-US" sz="1400" b="0" strike="noStrike" spc="-1">
+              <a:latin typeface="Times New Roman"/>
+            </a:endParaRPr>
+          </a:p>
+        </p:txBody>
+      </p:sp>
+    </p:spTree>
+    <p:extLst>
+      <p:ext uri="{BB962C8B-B14F-4D97-AF65-F5344CB8AC3E}">
+        <p14:creationId xmlns:p14="http://schemas.microsoft.com/office/powerpoint/2010/main" val="1144119761"/>
+      </p:ext>
+    </p:extLst>
+  </p:cSld>
+  <p:clrMapOvr>
+    <a:masterClrMapping/>
+  </p:clrMapOvr>
+</p:notes>
+</file>
+
+<file path=ppt/notesSlides/notesSlide29.xml><?xml version="1.0" encoding="utf-8"?>
+<p:notes xmlns:a="http://schemas.openxmlformats.org/drawingml/2006/main" xmlns:r="http://schemas.openxmlformats.org/officeDocument/2006/relationships" xmlns:p="http://schemas.openxmlformats.org/presentationml/2006/main">
+  <p:cSld>
+    <p:spTree>
+      <p:nvGrpSpPr>
+        <p:cNvPr id="1" name=""/>
+        <p:cNvGrpSpPr/>
+        <p:nvPr/>
+      </p:nvGrpSpPr>
+      <p:grpSpPr>
+        <a:xfrm>
+          <a:off x="0" y="0"/>
+          <a:ext cx="0" cy="0"/>
+          <a:chOff x="0" y="0"/>
+          <a:chExt cx="0" cy="0"/>
+        </a:xfrm>
+      </p:grpSpPr>
+      <p:sp>
+        <p:nvSpPr>
+          <p:cNvPr id="2" name="Slide Image Placeholder 1"/>
+          <p:cNvSpPr>
+            <a:spLocks noGrp="1" noRot="1" noChangeAspect="1"/>
+          </p:cNvSpPr>
+          <p:nvPr>
+            <p:ph type="sldImg"/>
+          </p:nvPr>
+        </p:nvSpPr>
+        <p:spPr>
+          <a:xfrm>
+            <a:off x="533400" y="763588"/>
+            <a:ext cx="6704013" cy="3771900"/>
+          </a:xfrm>
+        </p:spPr>
+      </p:sp>
+      <p:sp>
+        <p:nvSpPr>
+          <p:cNvPr id="3" name="Notes Placeholder 2"/>
+          <p:cNvSpPr>
+            <a:spLocks noGrp="1"/>
+          </p:cNvSpPr>
+          <p:nvPr>
+            <p:ph type="body" idx="1"/>
+          </p:nvPr>
+        </p:nvSpPr>
+        <p:spPr/>
+        <p:txBody>
+          <a:bodyPr/>
+          <a:lstStyle/>
+          <a:p>
+            <a:pPr marL="0" marR="0" lvl="0" indent="0" algn="l" defTabSz="914400" rtl="0" eaLnBrk="1" fontAlgn="auto" latinLnBrk="0" hangingPunct="1">
+              <a:lnSpc>
+                <a:spcPct val="100000"/>
+              </a:lnSpc>
+              <a:spcBef>
+                <a:spcPts val="0"/>
+              </a:spcBef>
+              <a:spcAft>
+                <a:spcPts val="0"/>
+              </a:spcAft>
+              <a:buClrTx/>
+              <a:buSzTx/>
+              <a:buFontTx/>
+              <a:buNone/>
+              <a:tabLst/>
+              <a:defRPr/>
+            </a:pPr>
+            <a:r>
+              <a:rPr lang="en-US" dirty="0"/>
+              <a:t>ccRCC_643T_Myeloids 5</a:t>
+            </a:r>
+          </a:p>
+        </p:txBody>
+      </p:sp>
+      <p:sp>
+        <p:nvSpPr>
+          <p:cNvPr id="4" name="Slide Number Placeholder 3"/>
+          <p:cNvSpPr>
+            <a:spLocks noGrp="1"/>
+          </p:cNvSpPr>
+          <p:nvPr>
+            <p:ph type="sldNum"/>
+          </p:nvPr>
+        </p:nvSpPr>
+        <p:spPr/>
+        <p:txBody>
+          <a:bodyPr/>
+          <a:lstStyle/>
+          <a:p>
+            <a:pPr algn="r"/>
+            <a:fld id="{E6A780F6-23B2-4F79-8F78-ABD3DE1ABEBD}" type="slidenum">
+              <a:rPr lang="en-US" sz="1400" b="0" strike="noStrike" spc="-1" smtClean="0">
+                <a:latin typeface="Times New Roman"/>
+              </a:rPr>
+              <a:t>29</a:t>
+            </a:fld>
+            <a:endParaRPr lang="en-US" sz="1400" b="0" strike="noStrike" spc="-1">
+              <a:latin typeface="Times New Roman"/>
+            </a:endParaRPr>
+          </a:p>
+        </p:txBody>
+      </p:sp>
+    </p:spTree>
+    <p:extLst>
+      <p:ext uri="{BB962C8B-B14F-4D97-AF65-F5344CB8AC3E}">
+        <p14:creationId xmlns:p14="http://schemas.microsoft.com/office/powerpoint/2010/main" val="2361448094"/>
+      </p:ext>
+    </p:extLst>
+  </p:cSld>
+  <p:clrMapOvr>
+    <a:masterClrMapping/>
+  </p:clrMapOvr>
+</p:notes>
+</file>
+
 <file path=ppt/notesSlides/notesSlide3.xml><?xml version="1.0" encoding="utf-8"?>
 <p:notes xmlns:a="http://schemas.openxmlformats.org/drawingml/2006/main" xmlns:r="http://schemas.openxmlformats.org/officeDocument/2006/relationships" xmlns:p="http://schemas.openxmlformats.org/presentationml/2006/main">
   <p:cSld>
@@ -2314,6 +3118,605 @@
         </p:txBody>
       </p:sp>
     </p:spTree>
+  </p:cSld>
+  <p:clrMapOvr>
+    <a:masterClrMapping/>
+  </p:clrMapOvr>
+</p:notes>
+</file>
+
+<file path=ppt/notesSlides/notesSlide30.xml><?xml version="1.0" encoding="utf-8"?>
+<p:notes xmlns:a="http://schemas.openxmlformats.org/drawingml/2006/main" xmlns:r="http://schemas.openxmlformats.org/officeDocument/2006/relationships" xmlns:p="http://schemas.openxmlformats.org/presentationml/2006/main">
+  <p:cSld>
+    <p:spTree>
+      <p:nvGrpSpPr>
+        <p:cNvPr id="1" name=""/>
+        <p:cNvGrpSpPr/>
+        <p:nvPr/>
+      </p:nvGrpSpPr>
+      <p:grpSpPr>
+        <a:xfrm>
+          <a:off x="0" y="0"/>
+          <a:ext cx="0" cy="0"/>
+          <a:chOff x="0" y="0"/>
+          <a:chExt cx="0" cy="0"/>
+        </a:xfrm>
+      </p:grpSpPr>
+      <p:sp>
+        <p:nvSpPr>
+          <p:cNvPr id="2" name="Slide Image Placeholder 1"/>
+          <p:cNvSpPr>
+            <a:spLocks noGrp="1" noRot="1" noChangeAspect="1"/>
+          </p:cNvSpPr>
+          <p:nvPr>
+            <p:ph type="sldImg"/>
+          </p:nvPr>
+        </p:nvSpPr>
+        <p:spPr>
+          <a:xfrm>
+            <a:off x="533400" y="763588"/>
+            <a:ext cx="6704013" cy="3771900"/>
+          </a:xfrm>
+        </p:spPr>
+      </p:sp>
+      <p:sp>
+        <p:nvSpPr>
+          <p:cNvPr id="3" name="Notes Placeholder 2"/>
+          <p:cNvSpPr>
+            <a:spLocks noGrp="1"/>
+          </p:cNvSpPr>
+          <p:nvPr>
+            <p:ph type="body" idx="1"/>
+          </p:nvPr>
+        </p:nvSpPr>
+        <p:spPr/>
+        <p:txBody>
+          <a:bodyPr/>
+          <a:lstStyle/>
+          <a:p>
+            <a:pPr marL="0" marR="0" lvl="0" indent="0" algn="l" defTabSz="914400" rtl="0" eaLnBrk="1" fontAlgn="auto" latinLnBrk="0" hangingPunct="1">
+              <a:lnSpc>
+                <a:spcPct val="100000"/>
+              </a:lnSpc>
+              <a:spcBef>
+                <a:spcPts val="0"/>
+              </a:spcBef>
+              <a:spcAft>
+                <a:spcPts val="0"/>
+              </a:spcAft>
+              <a:buClrTx/>
+              <a:buSzTx/>
+              <a:buFontTx/>
+              <a:buNone/>
+              <a:tabLst/>
+              <a:defRPr/>
+            </a:pPr>
+            <a:r>
+              <a:rPr lang="en-US" dirty="0"/>
+              <a:t>ccRCC_643T_Myeloids 5</a:t>
+            </a:r>
+          </a:p>
+        </p:txBody>
+      </p:sp>
+      <p:sp>
+        <p:nvSpPr>
+          <p:cNvPr id="4" name="Slide Number Placeholder 3"/>
+          <p:cNvSpPr>
+            <a:spLocks noGrp="1"/>
+          </p:cNvSpPr>
+          <p:nvPr>
+            <p:ph type="sldNum"/>
+          </p:nvPr>
+        </p:nvSpPr>
+        <p:spPr/>
+        <p:txBody>
+          <a:bodyPr/>
+          <a:lstStyle/>
+          <a:p>
+            <a:pPr algn="r"/>
+            <a:fld id="{E6A780F6-23B2-4F79-8F78-ABD3DE1ABEBD}" type="slidenum">
+              <a:rPr lang="en-US" sz="1400" b="0" strike="noStrike" spc="-1" smtClean="0">
+                <a:latin typeface="Times New Roman"/>
+              </a:rPr>
+              <a:t>30</a:t>
+            </a:fld>
+            <a:endParaRPr lang="en-US" sz="1400" b="0" strike="noStrike" spc="-1">
+              <a:latin typeface="Times New Roman"/>
+            </a:endParaRPr>
+          </a:p>
+        </p:txBody>
+      </p:sp>
+    </p:spTree>
+    <p:extLst>
+      <p:ext uri="{BB962C8B-B14F-4D97-AF65-F5344CB8AC3E}">
+        <p14:creationId xmlns:p14="http://schemas.microsoft.com/office/powerpoint/2010/main" val="4133068135"/>
+      </p:ext>
+    </p:extLst>
+  </p:cSld>
+  <p:clrMapOvr>
+    <a:masterClrMapping/>
+  </p:clrMapOvr>
+</p:notes>
+</file>
+
+<file path=ppt/notesSlides/notesSlide31.xml><?xml version="1.0" encoding="utf-8"?>
+<p:notes xmlns:a="http://schemas.openxmlformats.org/drawingml/2006/main" xmlns:r="http://schemas.openxmlformats.org/officeDocument/2006/relationships" xmlns:p="http://schemas.openxmlformats.org/presentationml/2006/main">
+  <p:cSld>
+    <p:spTree>
+      <p:nvGrpSpPr>
+        <p:cNvPr id="1" name=""/>
+        <p:cNvGrpSpPr/>
+        <p:nvPr/>
+      </p:nvGrpSpPr>
+      <p:grpSpPr>
+        <a:xfrm>
+          <a:off x="0" y="0"/>
+          <a:ext cx="0" cy="0"/>
+          <a:chOff x="0" y="0"/>
+          <a:chExt cx="0" cy="0"/>
+        </a:xfrm>
+      </p:grpSpPr>
+      <p:sp>
+        <p:nvSpPr>
+          <p:cNvPr id="2" name="Slide Image Placeholder 1"/>
+          <p:cNvSpPr>
+            <a:spLocks noGrp="1" noRot="1" noChangeAspect="1"/>
+          </p:cNvSpPr>
+          <p:nvPr>
+            <p:ph type="sldImg"/>
+          </p:nvPr>
+        </p:nvSpPr>
+        <p:spPr>
+          <a:xfrm>
+            <a:off x="533400" y="763588"/>
+            <a:ext cx="6704013" cy="3771900"/>
+          </a:xfrm>
+        </p:spPr>
+      </p:sp>
+      <p:sp>
+        <p:nvSpPr>
+          <p:cNvPr id="3" name="Notes Placeholder 2"/>
+          <p:cNvSpPr>
+            <a:spLocks noGrp="1"/>
+          </p:cNvSpPr>
+          <p:nvPr>
+            <p:ph type="body" idx="1"/>
+          </p:nvPr>
+        </p:nvSpPr>
+        <p:spPr/>
+        <p:txBody>
+          <a:bodyPr/>
+          <a:lstStyle/>
+          <a:p>
+            <a:pPr marL="0" marR="0" lvl="0" indent="0" algn="l" defTabSz="914400" rtl="0" eaLnBrk="1" fontAlgn="auto" latinLnBrk="0" hangingPunct="1">
+              <a:lnSpc>
+                <a:spcPct val="100000"/>
+              </a:lnSpc>
+              <a:spcBef>
+                <a:spcPts val="0"/>
+              </a:spcBef>
+              <a:spcAft>
+                <a:spcPts val="0"/>
+              </a:spcAft>
+              <a:buClrTx/>
+              <a:buSzTx/>
+              <a:buFontTx/>
+              <a:buNone/>
+              <a:tabLst/>
+              <a:defRPr/>
+            </a:pPr>
+            <a:r>
+              <a:rPr lang="en-US" dirty="0"/>
+              <a:t>ccRCC_643T_Myeloids 7</a:t>
+            </a:r>
+          </a:p>
+          <a:p>
+            <a:pPr marL="0" marR="0" lvl="0" indent="0" algn="l" defTabSz="914400" rtl="0" eaLnBrk="1" fontAlgn="auto" latinLnBrk="0" hangingPunct="1">
+              <a:lnSpc>
+                <a:spcPct val="100000"/>
+              </a:lnSpc>
+              <a:spcBef>
+                <a:spcPts val="0"/>
+              </a:spcBef>
+              <a:spcAft>
+                <a:spcPts val="0"/>
+              </a:spcAft>
+              <a:buClrTx/>
+              <a:buSzTx/>
+              <a:buFontTx/>
+              <a:buNone/>
+              <a:tabLst/>
+              <a:defRPr/>
+            </a:pPr>
+            <a:r>
+              <a:rPr lang="en-US" dirty="0"/>
+              <a:t>I tend to be very skeptical of arbitrary splits in embedding, especially if the violin plots show similar distributions.</a:t>
+            </a:r>
+          </a:p>
+        </p:txBody>
+      </p:sp>
+      <p:sp>
+        <p:nvSpPr>
+          <p:cNvPr id="4" name="Slide Number Placeholder 3"/>
+          <p:cNvSpPr>
+            <a:spLocks noGrp="1"/>
+          </p:cNvSpPr>
+          <p:nvPr>
+            <p:ph type="sldNum"/>
+          </p:nvPr>
+        </p:nvSpPr>
+        <p:spPr/>
+        <p:txBody>
+          <a:bodyPr/>
+          <a:lstStyle/>
+          <a:p>
+            <a:pPr algn="r"/>
+            <a:fld id="{E6A780F6-23B2-4F79-8F78-ABD3DE1ABEBD}" type="slidenum">
+              <a:rPr lang="en-US" sz="1400" b="0" strike="noStrike" spc="-1" smtClean="0">
+                <a:latin typeface="Times New Roman"/>
+              </a:rPr>
+              <a:t>31</a:t>
+            </a:fld>
+            <a:endParaRPr lang="en-US" sz="1400" b="0" strike="noStrike" spc="-1">
+              <a:latin typeface="Times New Roman"/>
+            </a:endParaRPr>
+          </a:p>
+        </p:txBody>
+      </p:sp>
+    </p:spTree>
+    <p:extLst>
+      <p:ext uri="{BB962C8B-B14F-4D97-AF65-F5344CB8AC3E}">
+        <p14:creationId xmlns:p14="http://schemas.microsoft.com/office/powerpoint/2010/main" val="3116778944"/>
+      </p:ext>
+    </p:extLst>
+  </p:cSld>
+  <p:clrMapOvr>
+    <a:masterClrMapping/>
+  </p:clrMapOvr>
+</p:notes>
+</file>
+
+<file path=ppt/notesSlides/notesSlide32.xml><?xml version="1.0" encoding="utf-8"?>
+<p:notes xmlns:a="http://schemas.openxmlformats.org/drawingml/2006/main" xmlns:r="http://schemas.openxmlformats.org/officeDocument/2006/relationships" xmlns:p="http://schemas.openxmlformats.org/presentationml/2006/main">
+  <p:cSld>
+    <p:spTree>
+      <p:nvGrpSpPr>
+        <p:cNvPr id="1" name=""/>
+        <p:cNvGrpSpPr/>
+        <p:nvPr/>
+      </p:nvGrpSpPr>
+      <p:grpSpPr>
+        <a:xfrm>
+          <a:off x="0" y="0"/>
+          <a:ext cx="0" cy="0"/>
+          <a:chOff x="0" y="0"/>
+          <a:chExt cx="0" cy="0"/>
+        </a:xfrm>
+      </p:grpSpPr>
+      <p:sp>
+        <p:nvSpPr>
+          <p:cNvPr id="2" name="Slide Image Placeholder 1"/>
+          <p:cNvSpPr>
+            <a:spLocks noGrp="1" noRot="1" noChangeAspect="1"/>
+          </p:cNvSpPr>
+          <p:nvPr>
+            <p:ph type="sldImg"/>
+          </p:nvPr>
+        </p:nvSpPr>
+        <p:spPr>
+          <a:xfrm>
+            <a:off x="533400" y="763588"/>
+            <a:ext cx="6704013" cy="3771900"/>
+          </a:xfrm>
+        </p:spPr>
+      </p:sp>
+      <p:sp>
+        <p:nvSpPr>
+          <p:cNvPr id="3" name="Notes Placeholder 2"/>
+          <p:cNvSpPr>
+            <a:spLocks noGrp="1"/>
+          </p:cNvSpPr>
+          <p:nvPr>
+            <p:ph type="body" idx="1"/>
+          </p:nvPr>
+        </p:nvSpPr>
+        <p:spPr/>
+        <p:txBody>
+          <a:bodyPr/>
+          <a:lstStyle/>
+          <a:p>
+            <a:pPr marL="0" marR="0" lvl="0" indent="0" algn="l" defTabSz="914400" rtl="0" eaLnBrk="1" fontAlgn="auto" latinLnBrk="0" hangingPunct="1">
+              <a:lnSpc>
+                <a:spcPct val="100000"/>
+              </a:lnSpc>
+              <a:spcBef>
+                <a:spcPts val="0"/>
+              </a:spcBef>
+              <a:spcAft>
+                <a:spcPts val="0"/>
+              </a:spcAft>
+              <a:buClrTx/>
+              <a:buSzTx/>
+              <a:buFontTx/>
+              <a:buNone/>
+              <a:tabLst/>
+              <a:defRPr/>
+            </a:pPr>
+            <a:r>
+              <a:rPr lang="en-US" dirty="0"/>
+              <a:t>ccRCC_643T_Myeloids 7</a:t>
+            </a:r>
+          </a:p>
+        </p:txBody>
+      </p:sp>
+      <p:sp>
+        <p:nvSpPr>
+          <p:cNvPr id="4" name="Slide Number Placeholder 3"/>
+          <p:cNvSpPr>
+            <a:spLocks noGrp="1"/>
+          </p:cNvSpPr>
+          <p:nvPr>
+            <p:ph type="sldNum"/>
+          </p:nvPr>
+        </p:nvSpPr>
+        <p:spPr/>
+        <p:txBody>
+          <a:bodyPr/>
+          <a:lstStyle/>
+          <a:p>
+            <a:pPr algn="r"/>
+            <a:fld id="{E6A780F6-23B2-4F79-8F78-ABD3DE1ABEBD}" type="slidenum">
+              <a:rPr lang="en-US" sz="1400" b="0" strike="noStrike" spc="-1" smtClean="0">
+                <a:latin typeface="Times New Roman"/>
+              </a:rPr>
+              <a:t>32</a:t>
+            </a:fld>
+            <a:endParaRPr lang="en-US" sz="1400" b="0" strike="noStrike" spc="-1">
+              <a:latin typeface="Times New Roman"/>
+            </a:endParaRPr>
+          </a:p>
+        </p:txBody>
+      </p:sp>
+    </p:spTree>
+    <p:extLst>
+      <p:ext uri="{BB962C8B-B14F-4D97-AF65-F5344CB8AC3E}">
+        <p14:creationId xmlns:p14="http://schemas.microsoft.com/office/powerpoint/2010/main" val="3790609585"/>
+      </p:ext>
+    </p:extLst>
+  </p:cSld>
+  <p:clrMapOvr>
+    <a:masterClrMapping/>
+  </p:clrMapOvr>
+</p:notes>
+</file>
+
+<file path=ppt/notesSlides/notesSlide33.xml><?xml version="1.0" encoding="utf-8"?>
+<p:notes xmlns:a="http://schemas.openxmlformats.org/drawingml/2006/main" xmlns:r="http://schemas.openxmlformats.org/officeDocument/2006/relationships" xmlns:p="http://schemas.openxmlformats.org/presentationml/2006/main">
+  <p:cSld>
+    <p:spTree>
+      <p:nvGrpSpPr>
+        <p:cNvPr id="1" name=""/>
+        <p:cNvGrpSpPr/>
+        <p:nvPr/>
+      </p:nvGrpSpPr>
+      <p:grpSpPr>
+        <a:xfrm>
+          <a:off x="0" y="0"/>
+          <a:ext cx="0" cy="0"/>
+          <a:chOff x="0" y="0"/>
+          <a:chExt cx="0" cy="0"/>
+        </a:xfrm>
+      </p:grpSpPr>
+      <p:sp>
+        <p:nvSpPr>
+          <p:cNvPr id="2" name="Slide Image Placeholder 1"/>
+          <p:cNvSpPr>
+            <a:spLocks noGrp="1" noRot="1" noChangeAspect="1"/>
+          </p:cNvSpPr>
+          <p:nvPr>
+            <p:ph type="sldImg"/>
+          </p:nvPr>
+        </p:nvSpPr>
+        <p:spPr>
+          <a:xfrm>
+            <a:off x="533400" y="763588"/>
+            <a:ext cx="6704013" cy="3771900"/>
+          </a:xfrm>
+        </p:spPr>
+      </p:sp>
+      <p:sp>
+        <p:nvSpPr>
+          <p:cNvPr id="3" name="Notes Placeholder 2"/>
+          <p:cNvSpPr>
+            <a:spLocks noGrp="1"/>
+          </p:cNvSpPr>
+          <p:nvPr>
+            <p:ph type="body" idx="1"/>
+          </p:nvPr>
+        </p:nvSpPr>
+        <p:spPr/>
+        <p:txBody>
+          <a:bodyPr/>
+          <a:lstStyle/>
+          <a:p>
+            <a:pPr marL="0" marR="0" lvl="0" indent="0" algn="l" defTabSz="914400" rtl="0" eaLnBrk="1" fontAlgn="auto" latinLnBrk="0" hangingPunct="1">
+              <a:lnSpc>
+                <a:spcPct val="100000"/>
+              </a:lnSpc>
+              <a:spcBef>
+                <a:spcPts val="0"/>
+              </a:spcBef>
+              <a:spcAft>
+                <a:spcPts val="0"/>
+              </a:spcAft>
+              <a:buClrTx/>
+              <a:buSzTx/>
+              <a:buFontTx/>
+              <a:buNone/>
+              <a:tabLst/>
+              <a:defRPr/>
+            </a:pPr>
+            <a:r>
+              <a:rPr lang="en-US" dirty="0"/>
+              <a:t>ccRCC_643T_Myeloids 9</a:t>
+            </a:r>
+          </a:p>
+          <a:p>
+            <a:endParaRPr lang="en-US" dirty="0"/>
+          </a:p>
+        </p:txBody>
+      </p:sp>
+      <p:sp>
+        <p:nvSpPr>
+          <p:cNvPr id="4" name="Slide Number Placeholder 3"/>
+          <p:cNvSpPr>
+            <a:spLocks noGrp="1"/>
+          </p:cNvSpPr>
+          <p:nvPr>
+            <p:ph type="sldNum"/>
+          </p:nvPr>
+        </p:nvSpPr>
+        <p:spPr/>
+        <p:txBody>
+          <a:bodyPr/>
+          <a:lstStyle/>
+          <a:p>
+            <a:pPr algn="r"/>
+            <a:fld id="{E6A780F6-23B2-4F79-8F78-ABD3DE1ABEBD}" type="slidenum">
+              <a:rPr lang="en-US" sz="1400" b="0" strike="noStrike" spc="-1" smtClean="0">
+                <a:latin typeface="Times New Roman"/>
+              </a:rPr>
+              <a:t>33</a:t>
+            </a:fld>
+            <a:endParaRPr lang="en-US" sz="1400" b="0" strike="noStrike" spc="-1">
+              <a:latin typeface="Times New Roman"/>
+            </a:endParaRPr>
+          </a:p>
+        </p:txBody>
+      </p:sp>
+    </p:spTree>
+    <p:extLst>
+      <p:ext uri="{BB962C8B-B14F-4D97-AF65-F5344CB8AC3E}">
+        <p14:creationId xmlns:p14="http://schemas.microsoft.com/office/powerpoint/2010/main" val="926550845"/>
+      </p:ext>
+    </p:extLst>
+  </p:cSld>
+  <p:clrMapOvr>
+    <a:masterClrMapping/>
+  </p:clrMapOvr>
+</p:notes>
+</file>
+
+<file path=ppt/notesSlides/notesSlide34.xml><?xml version="1.0" encoding="utf-8"?>
+<p:notes xmlns:a="http://schemas.openxmlformats.org/drawingml/2006/main" xmlns:r="http://schemas.openxmlformats.org/officeDocument/2006/relationships" xmlns:p="http://schemas.openxmlformats.org/presentationml/2006/main">
+  <p:cSld>
+    <p:spTree>
+      <p:nvGrpSpPr>
+        <p:cNvPr id="1" name=""/>
+        <p:cNvGrpSpPr/>
+        <p:nvPr/>
+      </p:nvGrpSpPr>
+      <p:grpSpPr>
+        <a:xfrm>
+          <a:off x="0" y="0"/>
+          <a:ext cx="0" cy="0"/>
+          <a:chOff x="0" y="0"/>
+          <a:chExt cx="0" cy="0"/>
+        </a:xfrm>
+      </p:grpSpPr>
+      <p:sp>
+        <p:nvSpPr>
+          <p:cNvPr id="2" name="Slide Image Placeholder 1"/>
+          <p:cNvSpPr>
+            <a:spLocks noGrp="1" noRot="1" noChangeAspect="1"/>
+          </p:cNvSpPr>
+          <p:nvPr>
+            <p:ph type="sldImg"/>
+          </p:nvPr>
+        </p:nvSpPr>
+        <p:spPr>
+          <a:xfrm>
+            <a:off x="533400" y="763588"/>
+            <a:ext cx="6704013" cy="3771900"/>
+          </a:xfrm>
+        </p:spPr>
+      </p:sp>
+      <p:sp>
+        <p:nvSpPr>
+          <p:cNvPr id="3" name="Notes Placeholder 2"/>
+          <p:cNvSpPr>
+            <a:spLocks noGrp="1"/>
+          </p:cNvSpPr>
+          <p:nvPr>
+            <p:ph type="body" idx="1"/>
+          </p:nvPr>
+        </p:nvSpPr>
+        <p:spPr/>
+        <p:txBody>
+          <a:bodyPr/>
+          <a:lstStyle/>
+          <a:p>
+            <a:pPr marL="0" marR="0" lvl="0" indent="0" algn="l" defTabSz="914400" rtl="0" eaLnBrk="1" fontAlgn="auto" latinLnBrk="0" hangingPunct="1">
+              <a:lnSpc>
+                <a:spcPct val="100000"/>
+              </a:lnSpc>
+              <a:spcBef>
+                <a:spcPts val="0"/>
+              </a:spcBef>
+              <a:spcAft>
+                <a:spcPts val="0"/>
+              </a:spcAft>
+              <a:buClrTx/>
+              <a:buSzTx/>
+              <a:buFontTx/>
+              <a:buNone/>
+              <a:tabLst/>
+              <a:defRPr/>
+            </a:pPr>
+            <a:r>
+              <a:rPr lang="en-US" dirty="0"/>
+              <a:t>ccRCC_643T_Myeloids 9</a:t>
+            </a:r>
+          </a:p>
+          <a:p>
+            <a:endParaRPr lang="en-US" dirty="0"/>
+          </a:p>
+        </p:txBody>
+      </p:sp>
+      <p:sp>
+        <p:nvSpPr>
+          <p:cNvPr id="4" name="Slide Number Placeholder 3"/>
+          <p:cNvSpPr>
+            <a:spLocks noGrp="1"/>
+          </p:cNvSpPr>
+          <p:nvPr>
+            <p:ph type="sldNum"/>
+          </p:nvPr>
+        </p:nvSpPr>
+        <p:spPr/>
+        <p:txBody>
+          <a:bodyPr/>
+          <a:lstStyle/>
+          <a:p>
+            <a:pPr algn="r"/>
+            <a:fld id="{E6A780F6-23B2-4F79-8F78-ABD3DE1ABEBD}" type="slidenum">
+              <a:rPr lang="en-US" sz="1400" b="0" strike="noStrike" spc="-1" smtClean="0">
+                <a:latin typeface="Times New Roman"/>
+              </a:rPr>
+              <a:t>34</a:t>
+            </a:fld>
+            <a:endParaRPr lang="en-US" sz="1400" b="0" strike="noStrike" spc="-1">
+              <a:latin typeface="Times New Roman"/>
+            </a:endParaRPr>
+          </a:p>
+        </p:txBody>
+      </p:sp>
+    </p:spTree>
+    <p:extLst>
+      <p:ext uri="{BB962C8B-B14F-4D97-AF65-F5344CB8AC3E}">
+        <p14:creationId xmlns:p14="http://schemas.microsoft.com/office/powerpoint/2010/main" val="2243721106"/>
+      </p:ext>
+    </p:extLst>
   </p:cSld>
   <p:clrMapOvr>
     <a:masterClrMapping/>
@@ -6161,10 +7564,10 @@
       </p:grpSpPr>
       <p:pic>
         <p:nvPicPr>
-          <p:cNvPr id="2" name="Picture 1">
+          <p:cNvPr id="3" name="Picture 2">
             <a:extLst>
               <a:ext uri="{FF2B5EF4-FFF2-40B4-BE49-F238E27FC236}">
-                <a16:creationId xmlns:a16="http://schemas.microsoft.com/office/drawing/2014/main" id="{83FBD209-66C4-4D60-9902-F7324201F60A}"/>
+                <a16:creationId xmlns:a16="http://schemas.microsoft.com/office/drawing/2014/main" id="{260A639B-38F3-458C-89F3-8EF75E30E8B0}"/>
               </a:ext>
             </a:extLst>
           </p:cNvPr>
@@ -6174,15 +7577,15 @@
           <p:nvPr/>
         </p:nvPicPr>
         <p:blipFill>
-          <a:blip r:embed="rId2"/>
+          <a:blip r:embed="rId3"/>
           <a:stretch>
             <a:fillRect/>
           </a:stretch>
         </p:blipFill>
         <p:spPr>
           <a:xfrm>
-            <a:off x="2861029" y="1249491"/>
-            <a:ext cx="6469941" cy="4359018"/>
+            <a:off x="839282" y="0"/>
+            <a:ext cx="10179094" cy="6858000"/>
           </a:xfrm>
           <a:prstGeom prst="rect">
             <a:avLst/>
@@ -6234,7 +7637,7 @@
           <p:nvPr/>
         </p:nvPicPr>
         <p:blipFill>
-          <a:blip r:embed="rId2"/>
+          <a:blip r:embed="rId3"/>
           <a:stretch>
             <a:fillRect/>
           </a:stretch>
@@ -6284,7 +7687,7 @@
           <p:cNvPr id="2" name="Picture 1">
             <a:extLst>
               <a:ext uri="{FF2B5EF4-FFF2-40B4-BE49-F238E27FC236}">
-                <a16:creationId xmlns:a16="http://schemas.microsoft.com/office/drawing/2014/main" id="{E39E9134-EB15-4D78-804A-09BA15D0D5CC}"/>
+                <a16:creationId xmlns:a16="http://schemas.microsoft.com/office/drawing/2014/main" id="{AAF79516-8582-49DE-BC9F-049CFBA06917}"/>
               </a:ext>
             </a:extLst>
           </p:cNvPr>
@@ -6294,15 +7697,15 @@
           <p:nvPr/>
         </p:nvPicPr>
         <p:blipFill>
-          <a:blip r:embed="rId2"/>
+          <a:blip r:embed="rId3"/>
           <a:stretch>
             <a:fillRect/>
           </a:stretch>
         </p:blipFill>
         <p:spPr>
           <a:xfrm>
-            <a:off x="2861029" y="1249491"/>
-            <a:ext cx="6469941" cy="4359018"/>
+            <a:off x="917929" y="0"/>
+            <a:ext cx="10179094" cy="6858000"/>
           </a:xfrm>
           <a:prstGeom prst="rect">
             <a:avLst/>
@@ -6312,7 +7715,7 @@
     </p:spTree>
     <p:extLst>
       <p:ext uri="{BB962C8B-B14F-4D97-AF65-F5344CB8AC3E}">
-        <p14:creationId xmlns:p14="http://schemas.microsoft.com/office/powerpoint/2010/main" val="3121589791"/>
+        <p14:creationId xmlns:p14="http://schemas.microsoft.com/office/powerpoint/2010/main" val="1628661976"/>
       </p:ext>
     </p:extLst>
   </p:cSld>
@@ -6354,7 +7757,7 @@
           <p:nvPr/>
         </p:nvPicPr>
         <p:blipFill>
-          <a:blip r:embed="rId2"/>
+          <a:blip r:embed="rId3"/>
           <a:stretch>
             <a:fillRect/>
           </a:stretch>
@@ -6399,6 +7802,36 @@
           <a:chExt cx="0" cy="0"/>
         </a:xfrm>
       </p:grpSpPr>
+      <p:pic>
+        <p:nvPicPr>
+          <p:cNvPr id="2" name="Picture 1">
+            <a:extLst>
+              <a:ext uri="{FF2B5EF4-FFF2-40B4-BE49-F238E27FC236}">
+                <a16:creationId xmlns:a16="http://schemas.microsoft.com/office/drawing/2014/main" id="{A4784F94-F0B3-460D-84C9-E5E1E90408FE}"/>
+              </a:ext>
+            </a:extLst>
+          </p:cNvPr>
+          <p:cNvPicPr>
+            <a:picLocks noChangeAspect="1"/>
+          </p:cNvPicPr>
+          <p:nvPr/>
+        </p:nvPicPr>
+        <p:blipFill>
+          <a:blip r:embed="rId3"/>
+          <a:stretch>
+            <a:fillRect/>
+          </a:stretch>
+        </p:blipFill>
+        <p:spPr>
+          <a:xfrm>
+            <a:off x="909137" y="0"/>
+            <a:ext cx="10177963" cy="6857238"/>
+          </a:xfrm>
+          <a:prstGeom prst="rect">
+            <a:avLst/>
+          </a:prstGeom>
+        </p:spPr>
+      </p:pic>
     </p:spTree>
     <p:extLst>
       <p:ext uri="{BB962C8B-B14F-4D97-AF65-F5344CB8AC3E}">
@@ -6429,10 +7862,100 @@
           <a:chExt cx="0" cy="0"/>
         </a:xfrm>
       </p:grpSpPr>
+      <p:pic>
+        <p:nvPicPr>
+          <p:cNvPr id="2" name="Picture 1">
+            <a:extLst>
+              <a:ext uri="{FF2B5EF4-FFF2-40B4-BE49-F238E27FC236}">
+                <a16:creationId xmlns:a16="http://schemas.microsoft.com/office/drawing/2014/main" id="{3AFD8EB2-DEB7-4375-BDB5-DD70747877BB}"/>
+              </a:ext>
+            </a:extLst>
+          </p:cNvPr>
+          <p:cNvPicPr>
+            <a:picLocks noChangeAspect="1"/>
+          </p:cNvPicPr>
+          <p:nvPr/>
+        </p:nvPicPr>
+        <p:blipFill>
+          <a:blip r:embed="rId3"/>
+          <a:stretch>
+            <a:fillRect/>
+          </a:stretch>
+        </p:blipFill>
+        <p:spPr>
+          <a:xfrm>
+            <a:off x="0" y="170656"/>
+            <a:ext cx="12192000" cy="6516688"/>
+          </a:xfrm>
+          <a:prstGeom prst="rect">
+            <a:avLst/>
+          </a:prstGeom>
+        </p:spPr>
+      </p:pic>
     </p:spTree>
     <p:extLst>
       <p:ext uri="{BB962C8B-B14F-4D97-AF65-F5344CB8AC3E}">
         <p14:creationId xmlns:p14="http://schemas.microsoft.com/office/powerpoint/2010/main" val="834909379"/>
+      </p:ext>
+    </p:extLst>
+  </p:cSld>
+  <p:clrMapOvr>
+    <a:masterClrMapping/>
+  </p:clrMapOvr>
+</p:sld>
+</file>
+
+<file path=ppt/slides/slide29.xml><?xml version="1.0" encoding="utf-8"?>
+<p:sld xmlns:a="http://schemas.openxmlformats.org/drawingml/2006/main" xmlns:r="http://schemas.openxmlformats.org/officeDocument/2006/relationships" xmlns:p="http://schemas.openxmlformats.org/presentationml/2006/main">
+  <p:cSld>
+    <p:spTree>
+      <p:nvGrpSpPr>
+        <p:cNvPr id="1" name=""/>
+        <p:cNvGrpSpPr/>
+        <p:nvPr/>
+      </p:nvGrpSpPr>
+      <p:grpSpPr>
+        <a:xfrm>
+          <a:off x="0" y="0"/>
+          <a:ext cx="0" cy="0"/>
+          <a:chOff x="0" y="0"/>
+          <a:chExt cx="0" cy="0"/>
+        </a:xfrm>
+      </p:grpSpPr>
+      <p:pic>
+        <p:nvPicPr>
+          <p:cNvPr id="2" name="Picture 1">
+            <a:extLst>
+              <a:ext uri="{FF2B5EF4-FFF2-40B4-BE49-F238E27FC236}">
+                <a16:creationId xmlns:a16="http://schemas.microsoft.com/office/drawing/2014/main" id="{70FC0D86-83D3-47C5-97FC-05DB187D9E7F}"/>
+              </a:ext>
+            </a:extLst>
+          </p:cNvPr>
+          <p:cNvPicPr>
+            <a:picLocks noChangeAspect="1"/>
+          </p:cNvPicPr>
+          <p:nvPr/>
+        </p:nvPicPr>
+        <p:blipFill>
+          <a:blip r:embed="rId3"/>
+          <a:stretch>
+            <a:fillRect/>
+          </a:stretch>
+        </p:blipFill>
+        <p:spPr>
+          <a:xfrm>
+            <a:off x="1006453" y="0"/>
+            <a:ext cx="10179094" cy="6858000"/>
+          </a:xfrm>
+          <a:prstGeom prst="rect">
+            <a:avLst/>
+          </a:prstGeom>
+        </p:spPr>
+      </p:pic>
+    </p:spTree>
+    <p:extLst>
+      <p:ext uri="{BB962C8B-B14F-4D97-AF65-F5344CB8AC3E}">
+        <p14:creationId xmlns:p14="http://schemas.microsoft.com/office/powerpoint/2010/main" val="3198897211"/>
       </p:ext>
     </p:extLst>
   </p:cSld>
@@ -6483,6 +8006,306 @@
         </p:spPr>
       </p:pic>
     </p:spTree>
+  </p:cSld>
+  <p:clrMapOvr>
+    <a:masterClrMapping/>
+  </p:clrMapOvr>
+</p:sld>
+</file>
+
+<file path=ppt/slides/slide30.xml><?xml version="1.0" encoding="utf-8"?>
+<p:sld xmlns:a="http://schemas.openxmlformats.org/drawingml/2006/main" xmlns:r="http://schemas.openxmlformats.org/officeDocument/2006/relationships" xmlns:p="http://schemas.openxmlformats.org/presentationml/2006/main">
+  <p:cSld>
+    <p:spTree>
+      <p:nvGrpSpPr>
+        <p:cNvPr id="1" name=""/>
+        <p:cNvGrpSpPr/>
+        <p:nvPr/>
+      </p:nvGrpSpPr>
+      <p:grpSpPr>
+        <a:xfrm>
+          <a:off x="0" y="0"/>
+          <a:ext cx="0" cy="0"/>
+          <a:chOff x="0" y="0"/>
+          <a:chExt cx="0" cy="0"/>
+        </a:xfrm>
+      </p:grpSpPr>
+      <p:pic>
+        <p:nvPicPr>
+          <p:cNvPr id="2" name="Picture 1">
+            <a:extLst>
+              <a:ext uri="{FF2B5EF4-FFF2-40B4-BE49-F238E27FC236}">
+                <a16:creationId xmlns:a16="http://schemas.microsoft.com/office/drawing/2014/main" id="{C0BF143A-1245-4D70-8051-5DA4832FE986}"/>
+              </a:ext>
+            </a:extLst>
+          </p:cNvPr>
+          <p:cNvPicPr>
+            <a:picLocks noChangeAspect="1"/>
+          </p:cNvPicPr>
+          <p:nvPr/>
+        </p:nvPicPr>
+        <p:blipFill>
+          <a:blip r:embed="rId3"/>
+          <a:stretch>
+            <a:fillRect/>
+          </a:stretch>
+        </p:blipFill>
+        <p:spPr>
+          <a:xfrm>
+            <a:off x="0" y="170656"/>
+            <a:ext cx="12192000" cy="6516688"/>
+          </a:xfrm>
+          <a:prstGeom prst="rect">
+            <a:avLst/>
+          </a:prstGeom>
+        </p:spPr>
+      </p:pic>
+    </p:spTree>
+    <p:extLst>
+      <p:ext uri="{BB962C8B-B14F-4D97-AF65-F5344CB8AC3E}">
+        <p14:creationId xmlns:p14="http://schemas.microsoft.com/office/powerpoint/2010/main" val="4293620410"/>
+      </p:ext>
+    </p:extLst>
+  </p:cSld>
+  <p:clrMapOvr>
+    <a:masterClrMapping/>
+  </p:clrMapOvr>
+</p:sld>
+</file>
+
+<file path=ppt/slides/slide31.xml><?xml version="1.0" encoding="utf-8"?>
+<p:sld xmlns:a="http://schemas.openxmlformats.org/drawingml/2006/main" xmlns:r="http://schemas.openxmlformats.org/officeDocument/2006/relationships" xmlns:p="http://schemas.openxmlformats.org/presentationml/2006/main">
+  <p:cSld>
+    <p:spTree>
+      <p:nvGrpSpPr>
+        <p:cNvPr id="1" name=""/>
+        <p:cNvGrpSpPr/>
+        <p:nvPr/>
+      </p:nvGrpSpPr>
+      <p:grpSpPr>
+        <a:xfrm>
+          <a:off x="0" y="0"/>
+          <a:ext cx="0" cy="0"/>
+          <a:chOff x="0" y="0"/>
+          <a:chExt cx="0" cy="0"/>
+        </a:xfrm>
+      </p:grpSpPr>
+      <p:pic>
+        <p:nvPicPr>
+          <p:cNvPr id="4" name="Picture 3">
+            <a:extLst>
+              <a:ext uri="{FF2B5EF4-FFF2-40B4-BE49-F238E27FC236}">
+                <a16:creationId xmlns:a16="http://schemas.microsoft.com/office/drawing/2014/main" id="{A25D275F-695C-4528-83EB-F181F76B7601}"/>
+              </a:ext>
+            </a:extLst>
+          </p:cNvPr>
+          <p:cNvPicPr>
+            <a:picLocks noChangeAspect="1"/>
+          </p:cNvPicPr>
+          <p:nvPr/>
+        </p:nvPicPr>
+        <p:blipFill>
+          <a:blip r:embed="rId3"/>
+          <a:stretch>
+            <a:fillRect/>
+          </a:stretch>
+        </p:blipFill>
+        <p:spPr>
+          <a:xfrm>
+            <a:off x="1002622" y="0"/>
+            <a:ext cx="10186756" cy="6863162"/>
+          </a:xfrm>
+          <a:prstGeom prst="rect">
+            <a:avLst/>
+          </a:prstGeom>
+        </p:spPr>
+      </p:pic>
+    </p:spTree>
+    <p:extLst>
+      <p:ext uri="{BB962C8B-B14F-4D97-AF65-F5344CB8AC3E}">
+        <p14:creationId xmlns:p14="http://schemas.microsoft.com/office/powerpoint/2010/main" val="1638451766"/>
+      </p:ext>
+    </p:extLst>
+  </p:cSld>
+  <p:clrMapOvr>
+    <a:masterClrMapping/>
+  </p:clrMapOvr>
+</p:sld>
+</file>
+
+<file path=ppt/slides/slide32.xml><?xml version="1.0" encoding="utf-8"?>
+<p:sld xmlns:a="http://schemas.openxmlformats.org/drawingml/2006/main" xmlns:r="http://schemas.openxmlformats.org/officeDocument/2006/relationships" xmlns:p="http://schemas.openxmlformats.org/presentationml/2006/main">
+  <p:cSld>
+    <p:spTree>
+      <p:nvGrpSpPr>
+        <p:cNvPr id="1" name=""/>
+        <p:cNvGrpSpPr/>
+        <p:nvPr/>
+      </p:nvGrpSpPr>
+      <p:grpSpPr>
+        <a:xfrm>
+          <a:off x="0" y="0"/>
+          <a:ext cx="0" cy="0"/>
+          <a:chOff x="0" y="0"/>
+          <a:chExt cx="0" cy="0"/>
+        </a:xfrm>
+      </p:grpSpPr>
+      <p:pic>
+        <p:nvPicPr>
+          <p:cNvPr id="2" name="Picture 1">
+            <a:extLst>
+              <a:ext uri="{FF2B5EF4-FFF2-40B4-BE49-F238E27FC236}">
+                <a16:creationId xmlns:a16="http://schemas.microsoft.com/office/drawing/2014/main" id="{BE42EB92-B2F7-42E0-9833-337FD865ED4F}"/>
+              </a:ext>
+            </a:extLst>
+          </p:cNvPr>
+          <p:cNvPicPr>
+            <a:picLocks noChangeAspect="1"/>
+          </p:cNvPicPr>
+          <p:nvPr/>
+        </p:nvPicPr>
+        <p:blipFill>
+          <a:blip r:embed="rId3"/>
+          <a:stretch>
+            <a:fillRect/>
+          </a:stretch>
+        </p:blipFill>
+        <p:spPr>
+          <a:xfrm>
+            <a:off x="0" y="170656"/>
+            <a:ext cx="12192000" cy="6516688"/>
+          </a:xfrm>
+          <a:prstGeom prst="rect">
+            <a:avLst/>
+          </a:prstGeom>
+        </p:spPr>
+      </p:pic>
+    </p:spTree>
+    <p:extLst>
+      <p:ext uri="{BB962C8B-B14F-4D97-AF65-F5344CB8AC3E}">
+        <p14:creationId xmlns:p14="http://schemas.microsoft.com/office/powerpoint/2010/main" val="153807768"/>
+      </p:ext>
+    </p:extLst>
+  </p:cSld>
+  <p:clrMapOvr>
+    <a:masterClrMapping/>
+  </p:clrMapOvr>
+</p:sld>
+</file>
+
+<file path=ppt/slides/slide33.xml><?xml version="1.0" encoding="utf-8"?>
+<p:sld xmlns:a="http://schemas.openxmlformats.org/drawingml/2006/main" xmlns:r="http://schemas.openxmlformats.org/officeDocument/2006/relationships" xmlns:p="http://schemas.openxmlformats.org/presentationml/2006/main">
+  <p:cSld>
+    <p:spTree>
+      <p:nvGrpSpPr>
+        <p:cNvPr id="1" name=""/>
+        <p:cNvGrpSpPr/>
+        <p:nvPr/>
+      </p:nvGrpSpPr>
+      <p:grpSpPr>
+        <a:xfrm>
+          <a:off x="0" y="0"/>
+          <a:ext cx="0" cy="0"/>
+          <a:chOff x="0" y="0"/>
+          <a:chExt cx="0" cy="0"/>
+        </a:xfrm>
+      </p:grpSpPr>
+      <p:pic>
+        <p:nvPicPr>
+          <p:cNvPr id="2" name="Picture 1">
+            <a:extLst>
+              <a:ext uri="{FF2B5EF4-FFF2-40B4-BE49-F238E27FC236}">
+                <a16:creationId xmlns:a16="http://schemas.microsoft.com/office/drawing/2014/main" id="{803E4E00-C684-48D2-8231-34B85BB6E593}"/>
+              </a:ext>
+            </a:extLst>
+          </p:cNvPr>
+          <p:cNvPicPr>
+            <a:picLocks noChangeAspect="1"/>
+          </p:cNvPicPr>
+          <p:nvPr/>
+        </p:nvPicPr>
+        <p:blipFill>
+          <a:blip r:embed="rId3"/>
+          <a:stretch>
+            <a:fillRect/>
+          </a:stretch>
+        </p:blipFill>
+        <p:spPr>
+          <a:xfrm>
+            <a:off x="1006453" y="0"/>
+            <a:ext cx="10179094" cy="6858000"/>
+          </a:xfrm>
+          <a:prstGeom prst="rect">
+            <a:avLst/>
+          </a:prstGeom>
+        </p:spPr>
+      </p:pic>
+    </p:spTree>
+    <p:extLst>
+      <p:ext uri="{BB962C8B-B14F-4D97-AF65-F5344CB8AC3E}">
+        <p14:creationId xmlns:p14="http://schemas.microsoft.com/office/powerpoint/2010/main" val="2791014568"/>
+      </p:ext>
+    </p:extLst>
+  </p:cSld>
+  <p:clrMapOvr>
+    <a:masterClrMapping/>
+  </p:clrMapOvr>
+</p:sld>
+</file>
+
+<file path=ppt/slides/slide34.xml><?xml version="1.0" encoding="utf-8"?>
+<p:sld xmlns:a="http://schemas.openxmlformats.org/drawingml/2006/main" xmlns:r="http://schemas.openxmlformats.org/officeDocument/2006/relationships" xmlns:p="http://schemas.openxmlformats.org/presentationml/2006/main">
+  <p:cSld>
+    <p:spTree>
+      <p:nvGrpSpPr>
+        <p:cNvPr id="1" name=""/>
+        <p:cNvGrpSpPr/>
+        <p:nvPr/>
+      </p:nvGrpSpPr>
+      <p:grpSpPr>
+        <a:xfrm>
+          <a:off x="0" y="0"/>
+          <a:ext cx="0" cy="0"/>
+          <a:chOff x="0" y="0"/>
+          <a:chExt cx="0" cy="0"/>
+        </a:xfrm>
+      </p:grpSpPr>
+      <p:pic>
+        <p:nvPicPr>
+          <p:cNvPr id="2" name="Picture 1">
+            <a:extLst>
+              <a:ext uri="{FF2B5EF4-FFF2-40B4-BE49-F238E27FC236}">
+                <a16:creationId xmlns:a16="http://schemas.microsoft.com/office/drawing/2014/main" id="{80A5ED9D-983D-44F5-A999-E5FA133F6840}"/>
+              </a:ext>
+            </a:extLst>
+          </p:cNvPr>
+          <p:cNvPicPr>
+            <a:picLocks noChangeAspect="1"/>
+          </p:cNvPicPr>
+          <p:nvPr/>
+        </p:nvPicPr>
+        <p:blipFill>
+          <a:blip r:embed="rId3"/>
+          <a:stretch>
+            <a:fillRect/>
+          </a:stretch>
+        </p:blipFill>
+        <p:spPr>
+          <a:xfrm>
+            <a:off x="0" y="170656"/>
+            <a:ext cx="12192000" cy="6516688"/>
+          </a:xfrm>
+          <a:prstGeom prst="rect">
+            <a:avLst/>
+          </a:prstGeom>
+        </p:spPr>
+      </p:pic>
+    </p:spTree>
+    <p:extLst>
+      <p:ext uri="{BB962C8B-B14F-4D97-AF65-F5344CB8AC3E}">
+        <p14:creationId xmlns:p14="http://schemas.microsoft.com/office/powerpoint/2010/main" val="3628571784"/>
+      </p:ext>
+    </p:extLst>
   </p:cSld>
   <p:clrMapOvr>
     <a:masterClrMapping/>
